--- a/Implementation Sheet/Impl_sheet_presentation.pptx
+++ b/Implementation Sheet/Impl_sheet_presentation.pptx
@@ -559,6 +559,90 @@
     <p:extLst>
       <p:ext uri="{BB962C8B-B14F-4D97-AF65-F5344CB8AC3E}">
         <p14:creationId xmlns:p14="http://schemas.microsoft.com/office/powerpoint/2010/main" val="3752406060"/>
+      </p:ext>
+    </p:extLst>
+  </p:cSld>
+  <p:clrMapOvr>
+    <a:masterClrMapping/>
+  </p:clrMapOvr>
+</p:notes>
+</file>
+
+<file path=ppt/notesSlides/notesSlide2.xml><?xml version="1.0" encoding="utf-8"?>
+<p:notes xmlns:a="http://schemas.openxmlformats.org/drawingml/2006/main" xmlns:r="http://schemas.openxmlformats.org/officeDocument/2006/relationships" xmlns:p="http://schemas.openxmlformats.org/presentationml/2006/main">
+  <p:cSld>
+    <p:spTree>
+      <p:nvGrpSpPr>
+        <p:cNvPr id="1" name=""/>
+        <p:cNvGrpSpPr/>
+        <p:nvPr/>
+      </p:nvGrpSpPr>
+      <p:grpSpPr>
+        <a:xfrm>
+          <a:off x="0" y="0"/>
+          <a:ext cx="0" cy="0"/>
+          <a:chOff x="0" y="0"/>
+          <a:chExt cx="0" cy="0"/>
+        </a:xfrm>
+      </p:grpSpPr>
+      <p:sp>
+        <p:nvSpPr>
+          <p:cNvPr id="2" name="Folienbildplatzhalter 1"/>
+          <p:cNvSpPr>
+            <a:spLocks noGrp="1" noRot="1" noChangeAspect="1"/>
+          </p:cNvSpPr>
+          <p:nvPr>
+            <p:ph type="sldImg"/>
+          </p:nvPr>
+        </p:nvSpPr>
+        <p:spPr/>
+      </p:sp>
+      <p:sp>
+        <p:nvSpPr>
+          <p:cNvPr id="3" name="Notizenplatzhalter 2"/>
+          <p:cNvSpPr>
+            <a:spLocks noGrp="1"/>
+          </p:cNvSpPr>
+          <p:nvPr>
+            <p:ph type="body" idx="1"/>
+          </p:nvPr>
+        </p:nvSpPr>
+        <p:spPr/>
+        <p:txBody>
+          <a:bodyPr/>
+          <a:lstStyle/>
+          <a:p>
+            <a:endParaRPr lang="en-US" dirty="0"/>
+          </a:p>
+        </p:txBody>
+      </p:sp>
+      <p:sp>
+        <p:nvSpPr>
+          <p:cNvPr id="4" name="Foliennummernplatzhalter 3"/>
+          <p:cNvSpPr>
+            <a:spLocks noGrp="1"/>
+          </p:cNvSpPr>
+          <p:nvPr>
+            <p:ph type="sldNum" sz="quarter" idx="10"/>
+          </p:nvPr>
+        </p:nvSpPr>
+        <p:spPr/>
+        <p:txBody>
+          <a:bodyPr/>
+          <a:lstStyle/>
+          <a:p>
+            <a:fld id="{24D1A8A2-5E23-4C5A-A0E7-D0AE6A30F738}" type="slidenum">
+              <a:rPr lang="en-US" smtClean="0"/>
+              <a:t>3</a:t>
+            </a:fld>
+            <a:endParaRPr lang="en-US" dirty="0"/>
+          </a:p>
+        </p:txBody>
+      </p:sp>
+    </p:spTree>
+    <p:extLst>
+      <p:ext uri="{BB962C8B-B14F-4D97-AF65-F5344CB8AC3E}">
+        <p14:creationId xmlns:p14="http://schemas.microsoft.com/office/powerpoint/2010/main" val="686815287"/>
       </p:ext>
     </p:extLst>
   </p:cSld>
@@ -6601,7 +6685,12 @@
             <p:ph type="title"/>
           </p:nvPr>
         </p:nvSpPr>
-        <p:spPr/>
+        <p:spPr>
+          <a:xfrm>
+            <a:off x="677334" y="288878"/>
+            <a:ext cx="8596668" cy="1320800"/>
+          </a:xfrm>
+        </p:spPr>
         <p:txBody>
           <a:bodyPr/>
           <a:lstStyle/>
@@ -6614,25 +6703,6 @@
               <a:rPr lang="de-DE" dirty="0" err="1" smtClean="0"/>
               <a:t>schedule</a:t>
             </a:r>
-            <a:endParaRPr lang="en-US" dirty="0"/>
-          </a:p>
-        </p:txBody>
-      </p:sp>
-      <p:sp>
-        <p:nvSpPr>
-          <p:cNvPr id="3" name="Inhaltsplatzhalter 2"/>
-          <p:cNvSpPr>
-            <a:spLocks noGrp="1"/>
-          </p:cNvSpPr>
-          <p:nvPr>
-            <p:ph idx="1"/>
-          </p:nvPr>
-        </p:nvSpPr>
-        <p:spPr/>
-        <p:txBody>
-          <a:bodyPr/>
-          <a:lstStyle/>
-          <a:p>
             <a:endParaRPr lang="en-US" dirty="0"/>
           </a:p>
         </p:txBody>
@@ -6660,6 +6730,36 @@
           </a:p>
         </p:txBody>
       </p:sp>
+      <p:pic>
+        <p:nvPicPr>
+          <p:cNvPr id="5" name="Grafik 4"/>
+          <p:cNvPicPr>
+            <a:picLocks noChangeAspect="1"/>
+          </p:cNvPicPr>
+          <p:nvPr/>
+        </p:nvPicPr>
+        <p:blipFill>
+          <a:blip r:embed="rId3">
+            <a:extLst>
+              <a:ext uri="{28A0092B-C50C-407E-A947-70E740481C1C}">
+                <a14:useLocalDpi xmlns:a14="http://schemas.microsoft.com/office/drawing/2010/main" val="0"/>
+              </a:ext>
+            </a:extLst>
+          </a:blip>
+          <a:stretch>
+            <a:fillRect/>
+          </a:stretch>
+        </p:blipFill>
+        <p:spPr>
+          <a:xfrm>
+            <a:off x="238836" y="1177175"/>
+            <a:ext cx="11699955" cy="5549173"/>
+          </a:xfrm>
+          <a:prstGeom prst="rect">
+            <a:avLst/>
+          </a:prstGeom>
+        </p:spPr>
+      </p:pic>
     </p:spTree>
     <p:extLst>
       <p:ext uri="{BB962C8B-B14F-4D97-AF65-F5344CB8AC3E}">

--- a/Implementation Sheet/Impl_sheet_presentation.pptx
+++ b/Implementation Sheet/Impl_sheet_presentation.pptx
@@ -5,17 +5,18 @@
     <p:sldMasterId id="2147483711" r:id="rId1"/>
   </p:sldMasterIdLst>
   <p:notesMasterIdLst>
-    <p:notesMasterId r:id="rId10"/>
+    <p:notesMasterId r:id="rId11"/>
   </p:notesMasterIdLst>
   <p:sldIdLst>
     <p:sldId id="276" r:id="rId2"/>
     <p:sldId id="277" r:id="rId3"/>
-    <p:sldId id="278" r:id="rId4"/>
-    <p:sldId id="279" r:id="rId5"/>
-    <p:sldId id="280" r:id="rId6"/>
-    <p:sldId id="281" r:id="rId7"/>
+    <p:sldId id="284" r:id="rId4"/>
+    <p:sldId id="281" r:id="rId5"/>
+    <p:sldId id="278" r:id="rId6"/>
+    <p:sldId id="280" r:id="rId7"/>
     <p:sldId id="282" r:id="rId8"/>
     <p:sldId id="283" r:id="rId9"/>
+    <p:sldId id="285" r:id="rId10"/>
   </p:sldIdLst>
   <p:sldSz cx="12192000" cy="6858000"/>
   <p:notesSz cx="6858000" cy="9144000"/>
@@ -216,7 +217,7 @@
           <a:p>
             <a:fld id="{3CC56FDC-94AF-49C4-8CCE-372AB5BCFEE9}" type="datetimeFigureOut">
               <a:rPr lang="en-US" smtClean="0"/>
-              <a:t>1/31/2019</a:t>
+              <a:t>2/4/2019</a:t>
             </a:fld>
             <a:endParaRPr lang="en-US" dirty="0"/>
           </a:p>
@@ -612,6 +613,400 @@
           <a:bodyPr/>
           <a:lstStyle/>
           <a:p>
+            <a:r>
+              <a:rPr lang="de-DE" baseline="0" dirty="0" smtClean="0"/>
+              <a:t>-cross-</a:t>
+            </a:r>
+            <a:r>
+              <a:rPr lang="de-DE" baseline="0" dirty="0" err="1" smtClean="0"/>
+              <a:t>plattformed</a:t>
+            </a:r>
+            <a:r>
+              <a:rPr lang="de-DE" baseline="0" dirty="0" smtClean="0"/>
+              <a:t>: </a:t>
+            </a:r>
+            <a:r>
+              <a:rPr lang="en-GB" sz="1200" kern="1200" dirty="0" smtClean="0">
+                <a:solidFill>
+                  <a:schemeClr val="tx1"/>
+                </a:solidFill>
+                <a:effectLst/>
+                <a:latin typeface="+mn-lt"/>
+                <a:ea typeface="+mn-ea"/>
+                <a:cs typeface="+mn-cs"/>
+              </a:rPr>
+              <a:t>not possible, because some used entities (</a:t>
+            </a:r>
+            <a:r>
+              <a:rPr lang="en-GB" sz="1200" u="sng" kern="1200" dirty="0" err="1" smtClean="0">
+                <a:solidFill>
+                  <a:schemeClr val="tx1"/>
+                </a:solidFill>
+                <a:effectLst/>
+                <a:latin typeface="+mn-lt"/>
+                <a:ea typeface="+mn-ea"/>
+                <a:cs typeface="+mn-cs"/>
+              </a:rPr>
+              <a:t>ssget</a:t>
+            </a:r>
+            <a:r>
+              <a:rPr lang="en-GB" sz="1200" kern="1200" dirty="0" smtClean="0">
+                <a:solidFill>
+                  <a:schemeClr val="tx1"/>
+                </a:solidFill>
+                <a:effectLst/>
+                <a:latin typeface="+mn-lt"/>
+                <a:ea typeface="+mn-ea"/>
+                <a:cs typeface="+mn-cs"/>
+              </a:rPr>
+              <a:t>, </a:t>
+            </a:r>
+            <a:r>
+              <a:rPr lang="en-GB" sz="1200" u="sng" kern="1200" dirty="0" smtClean="0">
+                <a:solidFill>
+                  <a:schemeClr val="tx1"/>
+                </a:solidFill>
+                <a:effectLst/>
+                <a:latin typeface="+mn-lt"/>
+                <a:ea typeface="+mn-ea"/>
+                <a:cs typeface="+mn-cs"/>
+              </a:rPr>
+              <a:t>gingko</a:t>
+            </a:r>
+            <a:r>
+              <a:rPr lang="en-GB" sz="1200" kern="1200" dirty="0" smtClean="0">
+                <a:solidFill>
+                  <a:schemeClr val="tx1"/>
+                </a:solidFill>
+                <a:effectLst/>
+                <a:latin typeface="+mn-lt"/>
+                <a:ea typeface="+mn-ea"/>
+                <a:cs typeface="+mn-cs"/>
+              </a:rPr>
+              <a:t>) where not Windows compatible.</a:t>
+            </a:r>
+          </a:p>
+          <a:p>
+            <a:r>
+              <a:rPr lang="de-DE" dirty="0" smtClean="0"/>
+              <a:t>-Just </a:t>
+            </a:r>
+            <a:r>
+              <a:rPr lang="de-DE" dirty="0" err="1" smtClean="0"/>
+              <a:t>fetch</a:t>
+            </a:r>
+            <a:r>
+              <a:rPr lang="de-DE" dirty="0" smtClean="0"/>
+              <a:t>/</a:t>
+            </a:r>
+            <a:r>
+              <a:rPr lang="de-DE" dirty="0" err="1" smtClean="0"/>
+              <a:t>cut</a:t>
+            </a:r>
+            <a:r>
+              <a:rPr lang="de-DE" dirty="0" smtClean="0"/>
+              <a:t>: </a:t>
+            </a:r>
+            <a:r>
+              <a:rPr lang="de-DE" dirty="0" err="1" smtClean="0"/>
+              <a:t>we</a:t>
+            </a:r>
+            <a:r>
+              <a:rPr lang="de-DE" baseline="0" dirty="0" smtClean="0"/>
+              <a:t> </a:t>
+            </a:r>
+            <a:r>
+              <a:rPr lang="de-DE" baseline="0" dirty="0" err="1" smtClean="0"/>
+              <a:t>realized</a:t>
+            </a:r>
+            <a:r>
+              <a:rPr lang="de-DE" baseline="0" dirty="0" smtClean="0"/>
+              <a:t> </a:t>
+            </a:r>
+            <a:r>
+              <a:rPr lang="de-DE" baseline="0" dirty="0" err="1" smtClean="0"/>
+              <a:t>we</a:t>
+            </a:r>
+            <a:r>
+              <a:rPr lang="de-DE" baseline="0" dirty="0" smtClean="0"/>
+              <a:t> </a:t>
+            </a:r>
+            <a:r>
+              <a:rPr lang="de-DE" baseline="0" dirty="0" err="1" smtClean="0"/>
+              <a:t>dont</a:t>
+            </a:r>
+            <a:r>
+              <a:rPr lang="de-DE" baseline="0" dirty="0" smtClean="0"/>
+              <a:t> </a:t>
+            </a:r>
+            <a:r>
+              <a:rPr lang="de-DE" baseline="0" dirty="0" err="1" smtClean="0"/>
+              <a:t>have</a:t>
+            </a:r>
+            <a:r>
+              <a:rPr lang="de-DE" baseline="0" dirty="0" smtClean="0"/>
+              <a:t> </a:t>
+            </a:r>
+            <a:r>
+              <a:rPr lang="de-DE" baseline="0" dirty="0" err="1" smtClean="0"/>
+              <a:t>enough</a:t>
+            </a:r>
+            <a:r>
+              <a:rPr lang="de-DE" baseline="0" dirty="0" smtClean="0"/>
+              <a:t> </a:t>
+            </a:r>
+            <a:r>
+              <a:rPr lang="de-DE" baseline="0" dirty="0" err="1" smtClean="0"/>
+              <a:t>knowledge</a:t>
+            </a:r>
+            <a:r>
+              <a:rPr lang="de-DE" baseline="0" dirty="0" smtClean="0"/>
+              <a:t> </a:t>
+            </a:r>
+            <a:r>
+              <a:rPr lang="de-DE" baseline="0" dirty="0" err="1" smtClean="0"/>
+              <a:t>yet</a:t>
+            </a:r>
+            <a:r>
+              <a:rPr lang="de-DE" baseline="0" dirty="0" smtClean="0"/>
+              <a:t> </a:t>
+            </a:r>
+            <a:r>
+              <a:rPr lang="de-DE" baseline="0" dirty="0" err="1" smtClean="0"/>
+              <a:t>to</a:t>
+            </a:r>
+            <a:r>
+              <a:rPr lang="de-DE" baseline="0" dirty="0" smtClean="0"/>
+              <a:t> </a:t>
+            </a:r>
+            <a:r>
+              <a:rPr lang="de-DE" baseline="0" dirty="0" err="1" smtClean="0"/>
+              <a:t>generate</a:t>
+            </a:r>
+            <a:r>
+              <a:rPr lang="de-DE" baseline="0" dirty="0" smtClean="0"/>
+              <a:t> </a:t>
+            </a:r>
+            <a:r>
+              <a:rPr lang="de-DE" baseline="0" dirty="0" err="1" smtClean="0"/>
+              <a:t>and</a:t>
+            </a:r>
+            <a:r>
+              <a:rPr lang="de-DE" baseline="0" dirty="0" smtClean="0"/>
+              <a:t> </a:t>
+            </a:r>
+            <a:r>
+              <a:rPr lang="de-DE" baseline="0" dirty="0" err="1" smtClean="0"/>
+              <a:t>there</a:t>
+            </a:r>
+            <a:r>
+              <a:rPr lang="de-DE" baseline="0" dirty="0" smtClean="0"/>
+              <a:t> </a:t>
+            </a:r>
+            <a:r>
+              <a:rPr lang="de-DE" baseline="0" dirty="0" err="1" smtClean="0"/>
+              <a:t>are</a:t>
+            </a:r>
+            <a:r>
+              <a:rPr lang="de-DE" baseline="0" dirty="0" smtClean="0"/>
+              <a:t> not </a:t>
+            </a:r>
+            <a:r>
+              <a:rPr lang="de-DE" baseline="0" dirty="0" err="1" smtClean="0"/>
+              <a:t>much</a:t>
+            </a:r>
+            <a:r>
+              <a:rPr lang="de-DE" baseline="0" dirty="0" smtClean="0"/>
+              <a:t> </a:t>
+            </a:r>
+            <a:r>
+              <a:rPr lang="de-DE" baseline="0" dirty="0" err="1" smtClean="0"/>
+              <a:t>suite</a:t>
+            </a:r>
+            <a:r>
+              <a:rPr lang="de-DE" baseline="0" dirty="0" smtClean="0"/>
+              <a:t> </a:t>
+            </a:r>
+            <a:r>
+              <a:rPr lang="de-DE" baseline="0" dirty="0" err="1" smtClean="0"/>
+              <a:t>sparse</a:t>
+            </a:r>
+            <a:r>
+              <a:rPr lang="de-DE" baseline="0" dirty="0" smtClean="0"/>
+              <a:t> </a:t>
+            </a:r>
+            <a:r>
+              <a:rPr lang="de-DE" baseline="0" dirty="0" err="1" smtClean="0"/>
+              <a:t>matrices</a:t>
+            </a:r>
+            <a:r>
+              <a:rPr lang="de-DE" baseline="0" dirty="0" smtClean="0"/>
+              <a:t> in </a:t>
+            </a:r>
+            <a:r>
+              <a:rPr lang="de-DE" baseline="0" dirty="0" err="1" smtClean="0"/>
+              <a:t>one</a:t>
+            </a:r>
+            <a:r>
+              <a:rPr lang="de-DE" baseline="0" dirty="0" smtClean="0"/>
+              <a:t> </a:t>
+            </a:r>
+            <a:r>
+              <a:rPr lang="de-DE" baseline="0" dirty="0" err="1" smtClean="0"/>
+              <a:t>size</a:t>
+            </a:r>
+            <a:r>
+              <a:rPr lang="de-DE" baseline="0" dirty="0" smtClean="0"/>
+              <a:t> -&gt; </a:t>
+            </a:r>
+            <a:r>
+              <a:rPr lang="de-DE" baseline="0" dirty="0" err="1" smtClean="0"/>
+              <a:t>fetch</a:t>
+            </a:r>
+            <a:r>
+              <a:rPr lang="de-DE" baseline="0" dirty="0" smtClean="0"/>
+              <a:t> </a:t>
+            </a:r>
+            <a:r>
+              <a:rPr lang="de-DE" baseline="0" dirty="0" err="1" smtClean="0"/>
+              <a:t>and</a:t>
+            </a:r>
+            <a:r>
+              <a:rPr lang="de-DE" baseline="0" dirty="0" smtClean="0"/>
+              <a:t> </a:t>
+            </a:r>
+            <a:r>
+              <a:rPr lang="de-DE" baseline="0" dirty="0" err="1" smtClean="0"/>
+              <a:t>cut</a:t>
+            </a:r>
+            <a:endParaRPr lang="de-DE" baseline="0" dirty="0" smtClean="0"/>
+          </a:p>
+          <a:p>
+            <a:r>
+              <a:rPr lang="de-DE" dirty="0" smtClean="0"/>
+              <a:t>-</a:t>
+            </a:r>
+            <a:r>
+              <a:rPr lang="de-DE" dirty="0" err="1" smtClean="0"/>
+              <a:t>density</a:t>
+            </a:r>
+            <a:r>
+              <a:rPr lang="de-DE" dirty="0" smtClean="0"/>
+              <a:t>: </a:t>
+            </a:r>
+            <a:r>
+              <a:rPr lang="en-GB" sz="1200" kern="1200" dirty="0" smtClean="0">
+                <a:solidFill>
+                  <a:schemeClr val="tx1"/>
+                </a:solidFill>
+                <a:effectLst/>
+                <a:latin typeface="+mn-lt"/>
+                <a:ea typeface="+mn-ea"/>
+                <a:cs typeface="+mn-cs"/>
+              </a:rPr>
+              <a:t>we couldn't guarantee that the fetched and cut matrices from Suite Sparse have the wanted density.</a:t>
+            </a:r>
+            <a:endParaRPr lang="en-US" dirty="0"/>
+          </a:p>
+        </p:txBody>
+      </p:sp>
+      <p:sp>
+        <p:nvSpPr>
+          <p:cNvPr id="4" name="Foliennummernplatzhalter 3"/>
+          <p:cNvSpPr>
+            <a:spLocks noGrp="1"/>
+          </p:cNvSpPr>
+          <p:nvPr>
+            <p:ph type="sldNum" sz="quarter" idx="10"/>
+          </p:nvPr>
+        </p:nvSpPr>
+        <p:spPr/>
+        <p:txBody>
+          <a:bodyPr/>
+          <a:lstStyle/>
+          <a:p>
+            <a:fld id="{24D1A8A2-5E23-4C5A-A0E7-D0AE6A30F738}" type="slidenum">
+              <a:rPr lang="en-US" smtClean="0"/>
+              <a:t>2</a:t>
+            </a:fld>
+            <a:endParaRPr lang="en-US" dirty="0"/>
+          </a:p>
+        </p:txBody>
+      </p:sp>
+    </p:spTree>
+    <p:extLst>
+      <p:ext uri="{BB962C8B-B14F-4D97-AF65-F5344CB8AC3E}">
+        <p14:creationId xmlns:p14="http://schemas.microsoft.com/office/powerpoint/2010/main" val="656261629"/>
+      </p:ext>
+    </p:extLst>
+  </p:cSld>
+  <p:clrMapOvr>
+    <a:masterClrMapping/>
+  </p:clrMapOvr>
+</p:notes>
+</file>
+
+<file path=ppt/notesSlides/notesSlide3.xml><?xml version="1.0" encoding="utf-8"?>
+<p:notes xmlns:a="http://schemas.openxmlformats.org/drawingml/2006/main" xmlns:r="http://schemas.openxmlformats.org/officeDocument/2006/relationships" xmlns:p="http://schemas.openxmlformats.org/presentationml/2006/main">
+  <p:cSld>
+    <p:spTree>
+      <p:nvGrpSpPr>
+        <p:cNvPr id="1" name=""/>
+        <p:cNvGrpSpPr/>
+        <p:nvPr/>
+      </p:nvGrpSpPr>
+      <p:grpSpPr>
+        <a:xfrm>
+          <a:off x="0" y="0"/>
+          <a:ext cx="0" cy="0"/>
+          <a:chOff x="0" y="0"/>
+          <a:chExt cx="0" cy="0"/>
+        </a:xfrm>
+      </p:grpSpPr>
+      <p:sp>
+        <p:nvSpPr>
+          <p:cNvPr id="2" name="Folienbildplatzhalter 1"/>
+          <p:cNvSpPr>
+            <a:spLocks noGrp="1" noRot="1" noChangeAspect="1"/>
+          </p:cNvSpPr>
+          <p:nvPr>
+            <p:ph type="sldImg"/>
+          </p:nvPr>
+        </p:nvSpPr>
+        <p:spPr/>
+      </p:sp>
+      <p:sp>
+        <p:nvSpPr>
+          <p:cNvPr id="3" name="Notizenplatzhalter 2"/>
+          <p:cNvSpPr>
+            <a:spLocks noGrp="1"/>
+          </p:cNvSpPr>
+          <p:nvPr>
+            <p:ph type="body" idx="1"/>
+          </p:nvPr>
+        </p:nvSpPr>
+        <p:spPr/>
+        <p:txBody>
+          <a:bodyPr/>
+          <a:lstStyle/>
+          <a:p>
+            <a:pPr marL="0" marR="0" lvl="0" indent="0" algn="l" defTabSz="914400" rtl="0" eaLnBrk="1" fontAlgn="auto" latinLnBrk="0" hangingPunct="1">
+              <a:lnSpc>
+                <a:spcPct val="100000"/>
+              </a:lnSpc>
+              <a:spcBef>
+                <a:spcPts val="0"/>
+              </a:spcBef>
+              <a:spcAft>
+                <a:spcPts val="0"/>
+              </a:spcAft>
+              <a:buClrTx/>
+              <a:buSzTx/>
+              <a:buFontTx/>
+              <a:buNone/>
+              <a:tabLst/>
+              <a:defRPr/>
+            </a:pPr>
             <a:endParaRPr lang="en-US" dirty="0"/>
           </a:p>
         </p:txBody>
@@ -642,7 +1037,640 @@
     </p:spTree>
     <p:extLst>
       <p:ext uri="{BB962C8B-B14F-4D97-AF65-F5344CB8AC3E}">
+        <p14:creationId xmlns:p14="http://schemas.microsoft.com/office/powerpoint/2010/main" val="3558662382"/>
+      </p:ext>
+    </p:extLst>
+  </p:cSld>
+  <p:clrMapOvr>
+    <a:masterClrMapping/>
+  </p:clrMapOvr>
+</p:notes>
+</file>
+
+<file path=ppt/notesSlides/notesSlide4.xml><?xml version="1.0" encoding="utf-8"?>
+<p:notes xmlns:a="http://schemas.openxmlformats.org/drawingml/2006/main" xmlns:r="http://schemas.openxmlformats.org/officeDocument/2006/relationships" xmlns:p="http://schemas.openxmlformats.org/presentationml/2006/main">
+  <p:cSld>
+    <p:spTree>
+      <p:nvGrpSpPr>
+        <p:cNvPr id="1" name=""/>
+        <p:cNvGrpSpPr/>
+        <p:nvPr/>
+      </p:nvGrpSpPr>
+      <p:grpSpPr>
+        <a:xfrm>
+          <a:off x="0" y="0"/>
+          <a:ext cx="0" cy="0"/>
+          <a:chOff x="0" y="0"/>
+          <a:chExt cx="0" cy="0"/>
+        </a:xfrm>
+      </p:grpSpPr>
+      <p:sp>
+        <p:nvSpPr>
+          <p:cNvPr id="2" name="Folienbildplatzhalter 1"/>
+          <p:cNvSpPr>
+            <a:spLocks noGrp="1" noRot="1" noChangeAspect="1"/>
+          </p:cNvSpPr>
+          <p:nvPr>
+            <p:ph type="sldImg"/>
+          </p:nvPr>
+        </p:nvSpPr>
+        <p:spPr/>
+      </p:sp>
+      <p:sp>
+        <p:nvSpPr>
+          <p:cNvPr id="3" name="Notizenplatzhalter 2"/>
+          <p:cNvSpPr>
+            <a:spLocks noGrp="1"/>
+          </p:cNvSpPr>
+          <p:nvPr>
+            <p:ph type="body" idx="1"/>
+          </p:nvPr>
+        </p:nvSpPr>
+        <p:spPr/>
+        <p:txBody>
+          <a:bodyPr/>
+          <a:lstStyle/>
+          <a:p>
+            <a:r>
+              <a:rPr lang="de-DE" dirty="0" smtClean="0"/>
+              <a:t>-Matrix </a:t>
+            </a:r>
+            <a:r>
+              <a:rPr lang="de-DE" dirty="0" err="1" smtClean="0"/>
+              <a:t>class</a:t>
+            </a:r>
+            <a:r>
+              <a:rPr lang="de-DE" dirty="0" smtClean="0"/>
+              <a:t>: </a:t>
+            </a:r>
+            <a:r>
+              <a:rPr lang="de-DE" dirty="0" err="1" smtClean="0"/>
+              <a:t>decided</a:t>
+            </a:r>
+            <a:r>
+              <a:rPr lang="de-DE" dirty="0" smtClean="0"/>
+              <a:t> </a:t>
+            </a:r>
+            <a:r>
+              <a:rPr lang="de-DE" dirty="0" err="1" smtClean="0"/>
+              <a:t>it‘s</a:t>
+            </a:r>
+            <a:r>
+              <a:rPr lang="de-DE" dirty="0" smtClean="0"/>
+              <a:t> not </a:t>
+            </a:r>
+            <a:r>
+              <a:rPr lang="de-DE" dirty="0" err="1" smtClean="0"/>
+              <a:t>usefull</a:t>
+            </a:r>
+            <a:r>
+              <a:rPr lang="de-DE" dirty="0" smtClean="0"/>
+              <a:t> </a:t>
+            </a:r>
+            <a:r>
+              <a:rPr lang="de-DE" dirty="0" err="1" smtClean="0"/>
+              <a:t>to</a:t>
+            </a:r>
+            <a:r>
+              <a:rPr lang="de-DE" baseline="0" dirty="0" smtClean="0"/>
+              <a:t> handle </a:t>
+            </a:r>
+            <a:r>
+              <a:rPr lang="de-DE" baseline="0" dirty="0" err="1" smtClean="0"/>
+              <a:t>every</a:t>
+            </a:r>
+            <a:r>
+              <a:rPr lang="de-DE" baseline="0" dirty="0" smtClean="0"/>
+              <a:t> </a:t>
+            </a:r>
+            <a:r>
+              <a:rPr lang="de-DE" baseline="0" dirty="0" err="1" smtClean="0"/>
+              <a:t>matrix</a:t>
+            </a:r>
+            <a:r>
+              <a:rPr lang="de-DE" baseline="0" dirty="0" smtClean="0"/>
+              <a:t> </a:t>
+            </a:r>
+            <a:r>
+              <a:rPr lang="de-DE" baseline="0" dirty="0" err="1" smtClean="0"/>
+              <a:t>by</a:t>
+            </a:r>
+            <a:r>
+              <a:rPr lang="de-DE" baseline="0" dirty="0" smtClean="0"/>
+              <a:t> </a:t>
+            </a:r>
+            <a:r>
+              <a:rPr lang="de-DE" baseline="0" dirty="0" err="1" smtClean="0"/>
+              <a:t>it‘s</a:t>
+            </a:r>
+            <a:r>
+              <a:rPr lang="de-DE" baseline="0" dirty="0" smtClean="0"/>
+              <a:t> </a:t>
+            </a:r>
+            <a:r>
+              <a:rPr lang="de-DE" baseline="0" dirty="0" err="1" smtClean="0"/>
+              <a:t>own</a:t>
+            </a:r>
+            <a:r>
+              <a:rPr lang="de-DE" baseline="0" dirty="0" smtClean="0"/>
+              <a:t> -&gt; </a:t>
+            </a:r>
+            <a:r>
+              <a:rPr lang="de-DE" baseline="0" dirty="0" err="1" smtClean="0"/>
+              <a:t>instead</a:t>
+            </a:r>
+            <a:r>
+              <a:rPr lang="de-DE" baseline="0" dirty="0" smtClean="0"/>
+              <a:t>: </a:t>
+            </a:r>
+            <a:r>
+              <a:rPr lang="de-DE" baseline="0" dirty="0" err="1" smtClean="0"/>
+              <a:t>numpy</a:t>
+            </a:r>
+            <a:r>
+              <a:rPr lang="de-DE" baseline="0" dirty="0" smtClean="0"/>
+              <a:t> </a:t>
+            </a:r>
+            <a:r>
+              <a:rPr lang="de-DE" baseline="0" dirty="0" err="1" smtClean="0"/>
+              <a:t>arrays</a:t>
+            </a:r>
+            <a:endParaRPr lang="de-DE" baseline="0" dirty="0" smtClean="0"/>
+          </a:p>
+          <a:p>
+            <a:r>
+              <a:rPr lang="de-DE" dirty="0" smtClean="0"/>
+              <a:t>-</a:t>
+            </a:r>
+            <a:r>
+              <a:rPr lang="de-DE" dirty="0" err="1" smtClean="0"/>
+              <a:t>changed</a:t>
+            </a:r>
+            <a:r>
+              <a:rPr lang="de-DE" dirty="0" smtClean="0"/>
+              <a:t> </a:t>
+            </a:r>
+            <a:r>
+              <a:rPr lang="de-DE" dirty="0" err="1" smtClean="0"/>
+              <a:t>to</a:t>
+            </a:r>
+            <a:r>
+              <a:rPr lang="de-DE" baseline="0" dirty="0" smtClean="0"/>
+              <a:t> </a:t>
+            </a:r>
+            <a:r>
+              <a:rPr lang="de-DE" dirty="0" err="1" smtClean="0"/>
+              <a:t>abstrac</a:t>
+            </a:r>
+            <a:r>
+              <a:rPr lang="de-DE" baseline="0" dirty="0" err="1" smtClean="0"/>
+              <a:t>t</a:t>
+            </a:r>
+            <a:r>
+              <a:rPr lang="de-DE" baseline="0" dirty="0" smtClean="0"/>
+              <a:t> </a:t>
+            </a:r>
+            <a:r>
+              <a:rPr lang="de-DE" baseline="0" dirty="0" err="1" smtClean="0"/>
+              <a:t>command</a:t>
+            </a:r>
+            <a:r>
+              <a:rPr lang="de-DE" baseline="0" dirty="0" smtClean="0"/>
+              <a:t> </a:t>
+            </a:r>
+            <a:r>
+              <a:rPr lang="de-DE" baseline="0" dirty="0" err="1" smtClean="0"/>
+              <a:t>class</a:t>
+            </a:r>
+            <a:r>
+              <a:rPr lang="de-DE" baseline="0" dirty="0" smtClean="0"/>
+              <a:t>: </a:t>
+            </a:r>
+            <a:r>
+              <a:rPr lang="en-GB" sz="1200" kern="1200" dirty="0" smtClean="0">
+                <a:solidFill>
+                  <a:schemeClr val="tx1"/>
+                </a:solidFill>
+                <a:effectLst/>
+                <a:latin typeface="+mn-lt"/>
+                <a:ea typeface="+mn-ea"/>
+                <a:cs typeface="+mn-cs"/>
+              </a:rPr>
+              <a:t>to reduce redundancy of the code</a:t>
+            </a:r>
+          </a:p>
+          <a:p>
+            <a:r>
+              <a:rPr lang="en-GB" sz="1200" kern="1200" dirty="0" smtClean="0">
+                <a:solidFill>
+                  <a:schemeClr val="tx1"/>
+                </a:solidFill>
+                <a:effectLst/>
+                <a:latin typeface="+mn-lt"/>
+                <a:ea typeface="+mn-ea"/>
+                <a:cs typeface="+mn-cs"/>
+              </a:rPr>
+              <a:t>-density: couldn't guarantee that the fetched and cut matrices from Suite Sparse have the wanted density</a:t>
+            </a:r>
+          </a:p>
+          <a:p>
+            <a:r>
+              <a:rPr lang="en-GB" sz="1200" kern="1200" dirty="0" smtClean="0">
+                <a:solidFill>
+                  <a:schemeClr val="tx1"/>
+                </a:solidFill>
+                <a:effectLst/>
+                <a:latin typeface="+mn-lt"/>
+                <a:ea typeface="+mn-ea"/>
+                <a:cs typeface="+mn-cs"/>
+              </a:rPr>
+              <a:t>-help command: so the user is able to get an overview which commands can be executed</a:t>
+            </a:r>
+          </a:p>
+          <a:p>
+            <a:r>
+              <a:rPr lang="en-GB" sz="1200" kern="1200" dirty="0" smtClean="0">
+                <a:solidFill>
+                  <a:schemeClr val="tx1"/>
+                </a:solidFill>
+                <a:effectLst/>
+                <a:latin typeface="+mn-lt"/>
+                <a:ea typeface="+mn-ea"/>
+                <a:cs typeface="+mn-cs"/>
+              </a:rPr>
+              <a:t>-</a:t>
+            </a:r>
+            <a:r>
+              <a:rPr lang="en-GB" sz="1200" kern="1200" dirty="0" err="1" smtClean="0">
+                <a:solidFill>
+                  <a:schemeClr val="tx1"/>
+                </a:solidFill>
+                <a:effectLst/>
+                <a:latin typeface="+mn-lt"/>
+                <a:ea typeface="+mn-ea"/>
+                <a:cs typeface="+mn-cs"/>
+              </a:rPr>
+              <a:t>ssget</a:t>
+            </a:r>
+            <a:r>
+              <a:rPr lang="en-GB" sz="1200" kern="1200" dirty="0" smtClean="0">
+                <a:solidFill>
+                  <a:schemeClr val="tx1"/>
+                </a:solidFill>
+                <a:effectLst/>
+                <a:latin typeface="+mn-lt"/>
+                <a:ea typeface="+mn-ea"/>
+                <a:cs typeface="+mn-cs"/>
+              </a:rPr>
+              <a:t>: so</a:t>
+            </a:r>
+            <a:r>
+              <a:rPr lang="en-GB" sz="1200" kern="1200" baseline="0" dirty="0" smtClean="0">
+                <a:solidFill>
+                  <a:schemeClr val="tx1"/>
+                </a:solidFill>
+                <a:effectLst/>
+                <a:latin typeface="+mn-lt"/>
+                <a:ea typeface="+mn-ea"/>
+                <a:cs typeface="+mn-cs"/>
+              </a:rPr>
+              <a:t> </a:t>
+            </a:r>
+            <a:r>
+              <a:rPr lang="en-GB" sz="1200" kern="1200" dirty="0" smtClean="0">
+                <a:solidFill>
+                  <a:schemeClr val="tx1"/>
+                </a:solidFill>
+                <a:effectLst/>
+                <a:latin typeface="+mn-lt"/>
+                <a:ea typeface="+mn-ea"/>
+                <a:cs typeface="+mn-cs"/>
+              </a:rPr>
+              <a:t>the user is able to update the file, where all the matrices ID's are listed</a:t>
+            </a:r>
+            <a:endParaRPr lang="en-US" dirty="0"/>
+          </a:p>
+        </p:txBody>
+      </p:sp>
+      <p:sp>
+        <p:nvSpPr>
+          <p:cNvPr id="4" name="Foliennummernplatzhalter 3"/>
+          <p:cNvSpPr>
+            <a:spLocks noGrp="1"/>
+          </p:cNvSpPr>
+          <p:nvPr>
+            <p:ph type="sldNum" sz="quarter" idx="10"/>
+          </p:nvPr>
+        </p:nvSpPr>
+        <p:spPr/>
+        <p:txBody>
+          <a:bodyPr/>
+          <a:lstStyle/>
+          <a:p>
+            <a:fld id="{24D1A8A2-5E23-4C5A-A0E7-D0AE6A30F738}" type="slidenum">
+              <a:rPr lang="en-US" smtClean="0"/>
+              <a:t>4</a:t>
+            </a:fld>
+            <a:endParaRPr lang="en-US" dirty="0"/>
+          </a:p>
+        </p:txBody>
+      </p:sp>
+    </p:spTree>
+    <p:extLst>
+      <p:ext uri="{BB962C8B-B14F-4D97-AF65-F5344CB8AC3E}">
+        <p14:creationId xmlns:p14="http://schemas.microsoft.com/office/powerpoint/2010/main" val="1062584095"/>
+      </p:ext>
+    </p:extLst>
+  </p:cSld>
+  <p:clrMapOvr>
+    <a:masterClrMapping/>
+  </p:clrMapOvr>
+</p:notes>
+</file>
+
+<file path=ppt/notesSlides/notesSlide5.xml><?xml version="1.0" encoding="utf-8"?>
+<p:notes xmlns:a="http://schemas.openxmlformats.org/drawingml/2006/main" xmlns:r="http://schemas.openxmlformats.org/officeDocument/2006/relationships" xmlns:p="http://schemas.openxmlformats.org/presentationml/2006/main">
+  <p:cSld>
+    <p:spTree>
+      <p:nvGrpSpPr>
+        <p:cNvPr id="1" name=""/>
+        <p:cNvGrpSpPr/>
+        <p:nvPr/>
+      </p:nvGrpSpPr>
+      <p:grpSpPr>
+        <a:xfrm>
+          <a:off x="0" y="0"/>
+          <a:ext cx="0" cy="0"/>
+          <a:chOff x="0" y="0"/>
+          <a:chExt cx="0" cy="0"/>
+        </a:xfrm>
+      </p:grpSpPr>
+      <p:sp>
+        <p:nvSpPr>
+          <p:cNvPr id="2" name="Folienbildplatzhalter 1"/>
+          <p:cNvSpPr>
+            <a:spLocks noGrp="1" noRot="1" noChangeAspect="1"/>
+          </p:cNvSpPr>
+          <p:nvPr>
+            <p:ph type="sldImg"/>
+          </p:nvPr>
+        </p:nvSpPr>
+        <p:spPr/>
+      </p:sp>
+      <p:sp>
+        <p:nvSpPr>
+          <p:cNvPr id="3" name="Notizenplatzhalter 2"/>
+          <p:cNvSpPr>
+            <a:spLocks noGrp="1"/>
+          </p:cNvSpPr>
+          <p:nvPr>
+            <p:ph type="body" idx="1"/>
+          </p:nvPr>
+        </p:nvSpPr>
+        <p:spPr/>
+        <p:txBody>
+          <a:bodyPr/>
+          <a:lstStyle/>
+          <a:p>
+            <a:endParaRPr lang="en-US" dirty="0"/>
+          </a:p>
+        </p:txBody>
+      </p:sp>
+      <p:sp>
+        <p:nvSpPr>
+          <p:cNvPr id="4" name="Foliennummernplatzhalter 3"/>
+          <p:cNvSpPr>
+            <a:spLocks noGrp="1"/>
+          </p:cNvSpPr>
+          <p:nvPr>
+            <p:ph type="sldNum" sz="quarter" idx="10"/>
+          </p:nvPr>
+        </p:nvSpPr>
+        <p:spPr/>
+        <p:txBody>
+          <a:bodyPr/>
+          <a:lstStyle/>
+          <a:p>
+            <a:fld id="{24D1A8A2-5E23-4C5A-A0E7-D0AE6A30F738}" type="slidenum">
+              <a:rPr lang="en-US" smtClean="0"/>
+              <a:t>5</a:t>
+            </a:fld>
+            <a:endParaRPr lang="en-US" dirty="0"/>
+          </a:p>
+        </p:txBody>
+      </p:sp>
+    </p:spTree>
+    <p:extLst>
+      <p:ext uri="{BB962C8B-B14F-4D97-AF65-F5344CB8AC3E}">
         <p14:creationId xmlns:p14="http://schemas.microsoft.com/office/powerpoint/2010/main" val="686815287"/>
+      </p:ext>
+    </p:extLst>
+  </p:cSld>
+  <p:clrMapOvr>
+    <a:masterClrMapping/>
+  </p:clrMapOvr>
+</p:notes>
+</file>
+
+<file path=ppt/notesSlides/notesSlide6.xml><?xml version="1.0" encoding="utf-8"?>
+<p:notes xmlns:a="http://schemas.openxmlformats.org/drawingml/2006/main" xmlns:r="http://schemas.openxmlformats.org/officeDocument/2006/relationships" xmlns:p="http://schemas.openxmlformats.org/presentationml/2006/main">
+  <p:cSld>
+    <p:spTree>
+      <p:nvGrpSpPr>
+        <p:cNvPr id="1" name=""/>
+        <p:cNvGrpSpPr/>
+        <p:nvPr/>
+      </p:nvGrpSpPr>
+      <p:grpSpPr>
+        <a:xfrm>
+          <a:off x="0" y="0"/>
+          <a:ext cx="0" cy="0"/>
+          <a:chOff x="0" y="0"/>
+          <a:chExt cx="0" cy="0"/>
+        </a:xfrm>
+      </p:grpSpPr>
+      <p:sp>
+        <p:nvSpPr>
+          <p:cNvPr id="2" name="Folienbildplatzhalter 1"/>
+          <p:cNvSpPr>
+            <a:spLocks noGrp="1" noRot="1" noChangeAspect="1"/>
+          </p:cNvSpPr>
+          <p:nvPr>
+            <p:ph type="sldImg"/>
+          </p:nvPr>
+        </p:nvSpPr>
+        <p:spPr/>
+      </p:sp>
+      <p:sp>
+        <p:nvSpPr>
+          <p:cNvPr id="3" name="Notizenplatzhalter 2"/>
+          <p:cNvSpPr>
+            <a:spLocks noGrp="1"/>
+          </p:cNvSpPr>
+          <p:nvPr>
+            <p:ph type="body" idx="1"/>
+          </p:nvPr>
+        </p:nvSpPr>
+        <p:spPr/>
+        <p:txBody>
+          <a:bodyPr/>
+          <a:lstStyle/>
+          <a:p>
+            <a:r>
+              <a:rPr lang="de-DE" dirty="0" smtClean="0"/>
+              <a:t>Training/</a:t>
+            </a:r>
+            <a:r>
+              <a:rPr lang="de-DE" dirty="0" err="1" smtClean="0"/>
+              <a:t>classify</a:t>
+            </a:r>
+            <a:r>
+              <a:rPr lang="de-DE" dirty="0" smtClean="0"/>
+              <a:t>-Delay, </a:t>
+            </a:r>
+            <a:r>
+              <a:rPr lang="de-DE" dirty="0" err="1" smtClean="0"/>
+              <a:t>because</a:t>
+            </a:r>
+            <a:r>
+              <a:rPr lang="de-DE" dirty="0" smtClean="0"/>
+              <a:t> </a:t>
+            </a:r>
+            <a:r>
+              <a:rPr lang="de-DE" dirty="0" err="1" smtClean="0"/>
+              <a:t>of</a:t>
+            </a:r>
+            <a:r>
+              <a:rPr lang="de-DE" dirty="0" smtClean="0"/>
+              <a:t> </a:t>
+            </a:r>
+            <a:r>
+              <a:rPr lang="de-DE" dirty="0" err="1" smtClean="0"/>
+              <a:t>labeling</a:t>
+            </a:r>
+            <a:r>
+              <a:rPr lang="de-DE" baseline="0" dirty="0" smtClean="0"/>
+              <a:t> </a:t>
+            </a:r>
+            <a:r>
+              <a:rPr lang="de-DE" baseline="0" dirty="0" err="1" smtClean="0"/>
+              <a:t>problems</a:t>
+            </a:r>
+            <a:endParaRPr lang="en-US" dirty="0"/>
+          </a:p>
+        </p:txBody>
+      </p:sp>
+      <p:sp>
+        <p:nvSpPr>
+          <p:cNvPr id="4" name="Foliennummernplatzhalter 3"/>
+          <p:cNvSpPr>
+            <a:spLocks noGrp="1"/>
+          </p:cNvSpPr>
+          <p:nvPr>
+            <p:ph type="sldNum" sz="quarter" idx="10"/>
+          </p:nvPr>
+        </p:nvSpPr>
+        <p:spPr/>
+        <p:txBody>
+          <a:bodyPr/>
+          <a:lstStyle/>
+          <a:p>
+            <a:fld id="{24D1A8A2-5E23-4C5A-A0E7-D0AE6A30F738}" type="slidenum">
+              <a:rPr lang="en-US" smtClean="0"/>
+              <a:t>6</a:t>
+            </a:fld>
+            <a:endParaRPr lang="en-US" dirty="0"/>
+          </a:p>
+        </p:txBody>
+      </p:sp>
+    </p:spTree>
+    <p:extLst>
+      <p:ext uri="{BB962C8B-B14F-4D97-AF65-F5344CB8AC3E}">
+        <p14:creationId xmlns:p14="http://schemas.microsoft.com/office/powerpoint/2010/main" val="2834869333"/>
+      </p:ext>
+    </p:extLst>
+  </p:cSld>
+  <p:clrMapOvr>
+    <a:masterClrMapping/>
+  </p:clrMapOvr>
+</p:notes>
+</file>
+
+<file path=ppt/notesSlides/notesSlide7.xml><?xml version="1.0" encoding="utf-8"?>
+<p:notes xmlns:a="http://schemas.openxmlformats.org/drawingml/2006/main" xmlns:r="http://schemas.openxmlformats.org/officeDocument/2006/relationships" xmlns:p="http://schemas.openxmlformats.org/presentationml/2006/main">
+  <p:cSld>
+    <p:spTree>
+      <p:nvGrpSpPr>
+        <p:cNvPr id="1" name=""/>
+        <p:cNvGrpSpPr/>
+        <p:nvPr/>
+      </p:nvGrpSpPr>
+      <p:grpSpPr>
+        <a:xfrm>
+          <a:off x="0" y="0"/>
+          <a:ext cx="0" cy="0"/>
+          <a:chOff x="0" y="0"/>
+          <a:chExt cx="0" cy="0"/>
+        </a:xfrm>
+      </p:grpSpPr>
+      <p:sp>
+        <p:nvSpPr>
+          <p:cNvPr id="2" name="Folienbildplatzhalter 1"/>
+          <p:cNvSpPr>
+            <a:spLocks noGrp="1" noRot="1" noChangeAspect="1"/>
+          </p:cNvSpPr>
+          <p:nvPr>
+            <p:ph type="sldImg"/>
+          </p:nvPr>
+        </p:nvSpPr>
+        <p:spPr/>
+      </p:sp>
+      <p:sp>
+        <p:nvSpPr>
+          <p:cNvPr id="3" name="Notizenplatzhalter 2"/>
+          <p:cNvSpPr>
+            <a:spLocks noGrp="1"/>
+          </p:cNvSpPr>
+          <p:nvPr>
+            <p:ph type="body" idx="1"/>
+          </p:nvPr>
+        </p:nvSpPr>
+        <p:spPr/>
+        <p:txBody>
+          <a:bodyPr/>
+          <a:lstStyle/>
+          <a:p>
+            <a:endParaRPr lang="en-US"/>
+          </a:p>
+        </p:txBody>
+      </p:sp>
+      <p:sp>
+        <p:nvSpPr>
+          <p:cNvPr id="4" name="Foliennummernplatzhalter 3"/>
+          <p:cNvSpPr>
+            <a:spLocks noGrp="1"/>
+          </p:cNvSpPr>
+          <p:nvPr>
+            <p:ph type="sldNum" sz="quarter" idx="10"/>
+          </p:nvPr>
+        </p:nvSpPr>
+        <p:spPr/>
+        <p:txBody>
+          <a:bodyPr/>
+          <a:lstStyle/>
+          <a:p>
+            <a:fld id="{24D1A8A2-5E23-4C5A-A0E7-D0AE6A30F738}" type="slidenum">
+              <a:rPr lang="en-US" smtClean="0"/>
+              <a:t>9</a:t>
+            </a:fld>
+            <a:endParaRPr lang="en-US" dirty="0"/>
+          </a:p>
+        </p:txBody>
+      </p:sp>
+    </p:spTree>
+    <p:extLst>
+      <p:ext uri="{BB962C8B-B14F-4D97-AF65-F5344CB8AC3E}">
+        <p14:creationId xmlns:p14="http://schemas.microsoft.com/office/powerpoint/2010/main" val="2395641077"/>
       </p:ext>
     </p:extLst>
   </p:cSld>
@@ -1397,7 +2425,7 @@
           <a:p>
             <a:fld id="{E4FDFFB9-18E2-4EA1-B97A-6C80F6CB2F4B}" type="datetime1">
               <a:rPr lang="en-US" smtClean="0"/>
-              <a:t>1/31/2019</a:t>
+              <a:t>2/4/2019</a:t>
             </a:fld>
             <a:endParaRPr lang="en-US" dirty="0"/>
           </a:p>
@@ -1648,7 +2676,7 @@
           <a:p>
             <a:fld id="{538C6AD1-0133-4D50-885A-DB0616740B78}" type="datetime1">
               <a:rPr lang="en-US" smtClean="0"/>
-              <a:t>1/31/2019</a:t>
+              <a:t>2/4/2019</a:t>
             </a:fld>
             <a:endParaRPr lang="en-US" dirty="0"/>
           </a:p>
@@ -1962,7 +2990,7 @@
           <a:p>
             <a:fld id="{BBB600C2-3414-4625-9C57-C78C4B0BCCFC}" type="datetime1">
               <a:rPr lang="en-US" smtClean="0"/>
-              <a:t>1/31/2019</a:t>
+              <a:t>2/4/2019</a:t>
             </a:fld>
             <a:endParaRPr lang="en-US" dirty="0"/>
           </a:p>
@@ -2295,7 +3323,7 @@
           <a:p>
             <a:fld id="{DF8382F9-714E-4D45-8DD9-F9FED6016577}" type="datetime1">
               <a:rPr lang="en-US" smtClean="0"/>
-              <a:t>1/31/2019</a:t>
+              <a:t>2/4/2019</a:t>
             </a:fld>
             <a:endParaRPr lang="en-US" dirty="0"/>
           </a:p>
@@ -2609,7 +3637,7 @@
           <a:p>
             <a:fld id="{67CAB8A5-B274-487C-96BD-ED5BEE673119}" type="datetime1">
               <a:rPr lang="en-US" smtClean="0"/>
-              <a:t>1/31/2019</a:t>
+              <a:t>2/4/2019</a:t>
             </a:fld>
             <a:endParaRPr lang="en-US" dirty="0"/>
           </a:p>
@@ -3002,7 +4030,7 @@
           <a:p>
             <a:fld id="{510A4B09-17A0-4F78-B476-F64B2F5F5926}" type="datetime1">
               <a:rPr lang="en-US" smtClean="0"/>
-              <a:t>1/31/2019</a:t>
+              <a:t>2/4/2019</a:t>
             </a:fld>
             <a:endParaRPr lang="en-US" dirty="0"/>
           </a:p>
@@ -3172,7 +4200,7 @@
           <a:p>
             <a:fld id="{76296E15-4945-4016-B646-1BD034F46E31}" type="datetime1">
               <a:rPr lang="en-US" smtClean="0"/>
-              <a:t>1/31/2019</a:t>
+              <a:t>2/4/2019</a:t>
             </a:fld>
             <a:endParaRPr lang="en-US" dirty="0"/>
           </a:p>
@@ -3352,7 +4380,7 @@
           <a:p>
             <a:fld id="{9BBBCC22-8ECB-4856-9B03-F706EFF7F527}" type="datetime1">
               <a:rPr lang="en-US" smtClean="0"/>
-              <a:t>1/31/2019</a:t>
+              <a:t>2/4/2019</a:t>
             </a:fld>
             <a:endParaRPr lang="en-US" dirty="0"/>
           </a:p>
@@ -3522,7 +4550,7 @@
           <a:p>
             <a:fld id="{813FDD1C-A247-42E7-9F17-405298C5A8E2}" type="datetime1">
               <a:rPr lang="en-US" smtClean="0"/>
-              <a:t>1/31/2019</a:t>
+              <a:t>2/4/2019</a:t>
             </a:fld>
             <a:endParaRPr lang="en-US" dirty="0"/>
           </a:p>
@@ -3769,7 +4797,7 @@
           <a:p>
             <a:fld id="{EC2D8671-B4FE-43E4-9CF9-309DDD113E8B}" type="datetime1">
               <a:rPr lang="en-US" smtClean="0"/>
-              <a:t>1/31/2019</a:t>
+              <a:t>2/4/2019</a:t>
             </a:fld>
             <a:endParaRPr lang="en-US" dirty="0"/>
           </a:p>
@@ -4001,7 +5029,7 @@
           <a:p>
             <a:fld id="{13DB681E-7641-4ED1-845F-645CF236086D}" type="datetime1">
               <a:rPr lang="en-US" smtClean="0"/>
-              <a:t>1/31/2019</a:t>
+              <a:t>2/4/2019</a:t>
             </a:fld>
             <a:endParaRPr lang="en-US" dirty="0"/>
           </a:p>
@@ -4375,7 +5403,7 @@
           <a:p>
             <a:fld id="{8336604B-3724-481C-BC6C-98343040BDF1}" type="datetime1">
               <a:rPr lang="en-US" smtClean="0"/>
-              <a:t>1/31/2019</a:t>
+              <a:t>2/4/2019</a:t>
             </a:fld>
             <a:endParaRPr lang="en-US" dirty="0"/>
           </a:p>
@@ -4498,7 +5526,7 @@
           <a:p>
             <a:fld id="{0010B748-0D26-4A27-8F88-5D3B83B2191E}" type="datetime1">
               <a:rPr lang="en-US" smtClean="0"/>
-              <a:t>1/31/2019</a:t>
+              <a:t>2/4/2019</a:t>
             </a:fld>
             <a:endParaRPr lang="en-US" dirty="0"/>
           </a:p>
@@ -4593,7 +5621,7 @@
           <a:p>
             <a:fld id="{44AF75F8-E35F-4C53-8964-A01AB0B54965}" type="datetime1">
               <a:rPr lang="en-US" smtClean="0"/>
-              <a:t>1/31/2019</a:t>
+              <a:t>2/4/2019</a:t>
             </a:fld>
             <a:endParaRPr lang="en-US" dirty="0"/>
           </a:p>
@@ -4848,7 +5876,7 @@
           <a:p>
             <a:fld id="{BA574243-0F2B-4A37-B587-985DBDC0417F}" type="datetime1">
               <a:rPr lang="en-US" smtClean="0"/>
-              <a:t>1/31/2019</a:t>
+              <a:t>2/4/2019</a:t>
             </a:fld>
             <a:endParaRPr lang="en-US" dirty="0"/>
           </a:p>
@@ -5153,7 +6181,7 @@
           <a:p>
             <a:fld id="{71535B49-8E68-4A45-ADEC-92D5DA826774}" type="datetime1">
               <a:rPr lang="en-US" smtClean="0"/>
-              <a:t>1/31/2019</a:t>
+              <a:t>2/4/2019</a:t>
             </a:fld>
             <a:endParaRPr lang="en-US" dirty="0"/>
           </a:p>
@@ -5855,7 +6883,7 @@
           <a:p>
             <a:fld id="{F7A42511-B36D-43D9-9AC1-8922DE3D7232}" type="datetime1">
               <a:rPr lang="en-US" smtClean="0"/>
-              <a:t>1/31/2019</a:t>
+              <a:t>2/4/2019</a:t>
             </a:fld>
             <a:endParaRPr lang="en-US" dirty="0"/>
           </a:p>
@@ -6568,57 +7596,144 @@
         </p:nvSpPr>
         <p:spPr/>
         <p:txBody>
-          <a:bodyPr/>
-          <a:lstStyle/>
-          <a:p>
+          <a:bodyPr>
+            <a:normAutofit/>
+          </a:bodyPr>
+          <a:lstStyle/>
+          <a:p>
+            <a:pPr marL="0" indent="0">
+              <a:buNone/>
+            </a:pPr>
             <a:r>
               <a:rPr lang="de-DE" dirty="0" err="1" smtClean="0"/>
-              <a:t>What</a:t>
-            </a:r>
-            <a:r>
-              <a:rPr lang="de-DE" dirty="0" smtClean="0"/>
-              <a:t> was </a:t>
-            </a:r>
-            <a:r>
-              <a:rPr lang="de-DE" dirty="0" err="1" smtClean="0"/>
-              <a:t>implemented</a:t>
-            </a:r>
-            <a:endParaRPr lang="de-DE" dirty="0" smtClean="0"/>
-          </a:p>
-          <a:p>
-            <a:r>
-              <a:rPr lang="de-DE" dirty="0" err="1" smtClean="0"/>
-              <a:t>Which</a:t>
+              <a:t>Accomplished</a:t>
             </a:r>
             <a:r>
               <a:rPr lang="de-DE" dirty="0" smtClean="0"/>
               <a:t> </a:t>
             </a:r>
             <a:r>
-              <a:rPr lang="de-DE" dirty="0"/>
-              <a:t>optional </a:t>
-            </a:r>
-            <a:r>
-              <a:rPr lang="de-DE" dirty="0" err="1"/>
-              <a:t>requirements</a:t>
-            </a:r>
-            <a:r>
-              <a:rPr lang="de-DE" dirty="0"/>
+              <a:rPr lang="de-DE" dirty="0" err="1" smtClean="0"/>
+              <a:t>as</a:t>
+            </a:r>
+            <a:r>
+              <a:rPr lang="de-DE" dirty="0" smtClean="0"/>
               <a:t> </a:t>
             </a:r>
             <a:r>
-              <a:rPr lang="de-DE" dirty="0" err="1"/>
-              <a:t>were</a:t>
-            </a:r>
-            <a:r>
-              <a:rPr lang="de-DE" dirty="0"/>
+              <a:rPr lang="de-DE" dirty="0" err="1" smtClean="0"/>
+              <a:t>far</a:t>
+            </a:r>
+            <a:r>
+              <a:rPr lang="de-DE" dirty="0" smtClean="0"/>
               <a:t> </a:t>
             </a:r>
             <a:r>
-              <a:rPr lang="de-DE" dirty="0" err="1"/>
-              <a:t>dropped</a:t>
-            </a:r>
-            <a:endParaRPr lang="en-US" dirty="0"/>
+              <a:rPr lang="de-DE" dirty="0" err="1" smtClean="0"/>
+              <a:t>as</a:t>
+            </a:r>
+            <a:r>
+              <a:rPr lang="de-DE" dirty="0" smtClean="0"/>
+              <a:t> </a:t>
+            </a:r>
+            <a:r>
+              <a:rPr lang="de-DE" dirty="0" err="1" smtClean="0"/>
+              <a:t>possible</a:t>
+            </a:r>
+            <a:r>
+              <a:rPr lang="de-DE" dirty="0" smtClean="0"/>
+              <a:t>:</a:t>
+            </a:r>
+          </a:p>
+          <a:p>
+            <a:pPr lvl="1"/>
+            <a:r>
+              <a:rPr lang="en-US" dirty="0" smtClean="0"/>
+              <a:t>cross-</a:t>
+            </a:r>
+            <a:r>
+              <a:rPr lang="en-US" dirty="0" err="1" smtClean="0"/>
+              <a:t>platformed</a:t>
+            </a:r>
+            <a:r>
+              <a:rPr lang="en-US" dirty="0" smtClean="0"/>
+              <a:t> compatibility</a:t>
+            </a:r>
+          </a:p>
+          <a:p>
+            <a:pPr lvl="1"/>
+            <a:r>
+              <a:rPr lang="de-DE" dirty="0" smtClean="0"/>
+              <a:t>Matrices </a:t>
+            </a:r>
+            <a:r>
+              <a:rPr lang="de-DE" dirty="0" err="1" smtClean="0"/>
+              <a:t>can</a:t>
+            </a:r>
+            <a:r>
+              <a:rPr lang="de-DE" dirty="0" smtClean="0"/>
+              <a:t> just </a:t>
+            </a:r>
+            <a:r>
+              <a:rPr lang="de-DE" dirty="0" err="1" smtClean="0"/>
+              <a:t>fetch</a:t>
+            </a:r>
+            <a:r>
+              <a:rPr lang="de-DE" dirty="0" smtClean="0"/>
+              <a:t> </a:t>
+            </a:r>
+            <a:r>
+              <a:rPr lang="de-DE" dirty="0" err="1" smtClean="0"/>
+              <a:t>and</a:t>
+            </a:r>
+            <a:r>
+              <a:rPr lang="de-DE" dirty="0" smtClean="0"/>
+              <a:t> </a:t>
+            </a:r>
+            <a:r>
+              <a:rPr lang="de-DE" dirty="0" err="1" smtClean="0"/>
+              <a:t>cut</a:t>
+            </a:r>
+            <a:r>
+              <a:rPr lang="de-DE" dirty="0" smtClean="0"/>
+              <a:t> </a:t>
+            </a:r>
+            <a:r>
+              <a:rPr lang="de-DE" dirty="0" err="1" smtClean="0"/>
+              <a:t>from</a:t>
+            </a:r>
+            <a:r>
+              <a:rPr lang="de-DE" dirty="0" smtClean="0"/>
+              <a:t> Suite </a:t>
+            </a:r>
+            <a:r>
+              <a:rPr lang="de-DE" dirty="0" err="1" smtClean="0"/>
+              <a:t>Sparse</a:t>
+            </a:r>
+            <a:r>
+              <a:rPr lang="de-DE" dirty="0" smtClean="0"/>
+              <a:t>, but not </a:t>
+            </a:r>
+            <a:r>
+              <a:rPr lang="de-DE" dirty="0" err="1" smtClean="0"/>
+              <a:t>generated</a:t>
+            </a:r>
+            <a:r>
+              <a:rPr lang="de-DE" dirty="0" smtClean="0"/>
+              <a:t> </a:t>
+            </a:r>
+            <a:endParaRPr lang="en-US" dirty="0" smtClean="0"/>
+          </a:p>
+          <a:p>
+            <a:pPr lvl="1"/>
+            <a:r>
+              <a:rPr lang="en-GB" dirty="0"/>
+              <a:t>let out the possibility to select a </a:t>
+            </a:r>
+            <a:r>
+              <a:rPr lang="en-GB" dirty="0" smtClean="0"/>
+              <a:t>density</a:t>
+            </a:r>
           </a:p>
         </p:txBody>
       </p:sp>
@@ -6685,6 +7800,470 @@
             <p:ph type="title"/>
           </p:nvPr>
         </p:nvSpPr>
+        <p:spPr/>
+        <p:txBody>
+          <a:bodyPr/>
+          <a:lstStyle/>
+          <a:p>
+            <a:r>
+              <a:rPr lang="de-DE" dirty="0" err="1"/>
+              <a:t>What</a:t>
+            </a:r>
+            <a:r>
+              <a:rPr lang="de-DE" dirty="0"/>
+              <a:t> was </a:t>
+            </a:r>
+            <a:r>
+              <a:rPr lang="de-DE" dirty="0" err="1"/>
+              <a:t>implemented</a:t>
+            </a:r>
+            <a:r>
+              <a:rPr lang="de-DE" dirty="0"/>
+              <a:t>?</a:t>
+            </a:r>
+            <a:endParaRPr lang="en-US" dirty="0"/>
+          </a:p>
+        </p:txBody>
+      </p:sp>
+      <p:sp>
+        <p:nvSpPr>
+          <p:cNvPr id="3" name="Inhaltsplatzhalter 2"/>
+          <p:cNvSpPr>
+            <a:spLocks noGrp="1"/>
+          </p:cNvSpPr>
+          <p:nvPr>
+            <p:ph idx="1"/>
+          </p:nvPr>
+        </p:nvSpPr>
+        <p:spPr/>
+        <p:txBody>
+          <a:bodyPr/>
+          <a:lstStyle/>
+          <a:p>
+            <a:pPr marL="0" indent="0">
+              <a:buNone/>
+            </a:pPr>
+            <a:r>
+              <a:rPr lang="de-DE" dirty="0" smtClean="0"/>
+              <a:t>This optional </a:t>
+            </a:r>
+            <a:r>
+              <a:rPr lang="de-DE" dirty="0" err="1" smtClean="0"/>
+              <a:t>requirements</a:t>
+            </a:r>
+            <a:r>
+              <a:rPr lang="de-DE" dirty="0" smtClean="0"/>
+              <a:t> </a:t>
+            </a:r>
+            <a:r>
+              <a:rPr lang="de-DE" dirty="0" err="1" smtClean="0"/>
+              <a:t>were</a:t>
+            </a:r>
+            <a:r>
+              <a:rPr lang="de-DE" dirty="0" smtClean="0"/>
+              <a:t> </a:t>
+            </a:r>
+            <a:r>
+              <a:rPr lang="de-DE" dirty="0" err="1" smtClean="0"/>
+              <a:t>implemented</a:t>
+            </a:r>
+            <a:r>
+              <a:rPr lang="de-DE" dirty="0" smtClean="0"/>
+              <a:t>:</a:t>
+            </a:r>
+          </a:p>
+          <a:p>
+            <a:pPr lvl="1"/>
+            <a:r>
+              <a:rPr lang="en-GB" dirty="0"/>
+              <a:t>The software </a:t>
+            </a:r>
+            <a:r>
+              <a:rPr lang="en-GB" dirty="0" smtClean="0"/>
+              <a:t>is able </a:t>
+            </a:r>
+            <a:r>
+              <a:rPr lang="en-GB" dirty="0"/>
+              <a:t>to utilize </a:t>
+            </a:r>
+            <a:r>
+              <a:rPr lang="en-GB" u="sng" dirty="0"/>
+              <a:t>GPU</a:t>
+            </a:r>
+            <a:r>
+              <a:rPr lang="en-GB" dirty="0"/>
+              <a:t> accelerators for the training and prediction capabilities of the neural </a:t>
+            </a:r>
+            <a:r>
+              <a:rPr lang="en-GB" dirty="0" smtClean="0"/>
+              <a:t>network</a:t>
+            </a:r>
+          </a:p>
+          <a:p>
+            <a:pPr lvl="1"/>
+            <a:r>
+              <a:rPr lang="en-GB" dirty="0"/>
+              <a:t>The system just supports four instead of five iterative solver </a:t>
+            </a:r>
+            <a:r>
+              <a:rPr lang="en-GB" dirty="0" smtClean="0"/>
+              <a:t>algorithms</a:t>
+            </a:r>
+          </a:p>
+          <a:p>
+            <a:pPr lvl="1"/>
+            <a:endParaRPr lang="en-GB" dirty="0"/>
+          </a:p>
+          <a:p>
+            <a:pPr lvl="1"/>
+            <a:endParaRPr lang="de-DE" dirty="0"/>
+          </a:p>
+          <a:p>
+            <a:pPr marL="0" indent="0">
+              <a:buNone/>
+            </a:pPr>
+            <a:r>
+              <a:rPr lang="de-DE" dirty="0" smtClean="0"/>
+              <a:t>This Optional </a:t>
+            </a:r>
+            <a:r>
+              <a:rPr lang="de-DE" dirty="0" err="1"/>
+              <a:t>requirements</a:t>
+            </a:r>
+            <a:r>
+              <a:rPr lang="de-DE" dirty="0"/>
+              <a:t> </a:t>
+            </a:r>
+            <a:r>
+              <a:rPr lang="de-DE" dirty="0" err="1"/>
+              <a:t>were</a:t>
+            </a:r>
+            <a:r>
+              <a:rPr lang="de-DE" dirty="0"/>
+              <a:t> </a:t>
+            </a:r>
+            <a:r>
+              <a:rPr lang="de-DE" dirty="0" err="1" smtClean="0"/>
+              <a:t>dropped</a:t>
+            </a:r>
+            <a:r>
+              <a:rPr lang="de-DE" dirty="0" smtClean="0"/>
+              <a:t>:</a:t>
+            </a:r>
+          </a:p>
+          <a:p>
+            <a:pPr lvl="1"/>
+            <a:r>
+              <a:rPr lang="en-GB" dirty="0"/>
+              <a:t>A web interface to the software </a:t>
+            </a:r>
+            <a:endParaRPr lang="en-GB" dirty="0" smtClean="0"/>
+          </a:p>
+          <a:p>
+            <a:pPr lvl="1"/>
+            <a:r>
+              <a:rPr lang="en-GB" dirty="0" smtClean="0"/>
+              <a:t>Scalability </a:t>
+            </a:r>
+            <a:r>
+              <a:rPr lang="en-GB" dirty="0"/>
+              <a:t>of the workflow including matrix generation, training, prediction in that multiple processors may be used in parallel</a:t>
+            </a:r>
+            <a:r>
+              <a:rPr lang="en-GB" dirty="0" smtClean="0"/>
+              <a:t>.</a:t>
+            </a:r>
+          </a:p>
+          <a:p>
+            <a:pPr marL="457200" lvl="1" indent="0">
+              <a:buNone/>
+            </a:pPr>
+            <a:endParaRPr lang="en-GB" dirty="0"/>
+          </a:p>
+          <a:p>
+            <a:pPr marL="457200" lvl="1" indent="0">
+              <a:buNone/>
+            </a:pPr>
+            <a:endParaRPr lang="de-DE" dirty="0" smtClean="0"/>
+          </a:p>
+        </p:txBody>
+      </p:sp>
+      <p:sp>
+        <p:nvSpPr>
+          <p:cNvPr id="4" name="Foliennummernplatzhalter 3"/>
+          <p:cNvSpPr>
+            <a:spLocks noGrp="1"/>
+          </p:cNvSpPr>
+          <p:nvPr>
+            <p:ph type="sldNum" sz="quarter" idx="12"/>
+          </p:nvPr>
+        </p:nvSpPr>
+        <p:spPr/>
+        <p:txBody>
+          <a:bodyPr/>
+          <a:lstStyle/>
+          <a:p>
+            <a:fld id="{B2B8E2CE-6496-419B-95CD-C2FA6B0E2BC0}" type="slidenum">
+              <a:rPr lang="en-US" smtClean="0"/>
+              <a:t>3</a:t>
+            </a:fld>
+            <a:endParaRPr lang="en-US" dirty="0"/>
+          </a:p>
+        </p:txBody>
+      </p:sp>
+    </p:spTree>
+    <p:extLst>
+      <p:ext uri="{BB962C8B-B14F-4D97-AF65-F5344CB8AC3E}">
+        <p14:creationId xmlns:p14="http://schemas.microsoft.com/office/powerpoint/2010/main" val="3291518791"/>
+      </p:ext>
+    </p:extLst>
+  </p:cSld>
+  <p:clrMapOvr>
+    <a:masterClrMapping/>
+  </p:clrMapOvr>
+</p:sld>
+</file>
+
+<file path=ppt/slides/slide4.xml><?xml version="1.0" encoding="utf-8"?>
+<p:sld xmlns:a="http://schemas.openxmlformats.org/drawingml/2006/main" xmlns:r="http://schemas.openxmlformats.org/officeDocument/2006/relationships" xmlns:p="http://schemas.openxmlformats.org/presentationml/2006/main">
+  <p:cSld>
+    <p:spTree>
+      <p:nvGrpSpPr>
+        <p:cNvPr id="1" name=""/>
+        <p:cNvGrpSpPr/>
+        <p:nvPr/>
+      </p:nvGrpSpPr>
+      <p:grpSpPr>
+        <a:xfrm>
+          <a:off x="0" y="0"/>
+          <a:ext cx="0" cy="0"/>
+          <a:chOff x="0" y="0"/>
+          <a:chExt cx="0" cy="0"/>
+        </a:xfrm>
+      </p:grpSpPr>
+      <p:sp>
+        <p:nvSpPr>
+          <p:cNvPr id="2" name="Titel 1"/>
+          <p:cNvSpPr>
+            <a:spLocks noGrp="1"/>
+          </p:cNvSpPr>
+          <p:nvPr>
+            <p:ph type="title"/>
+          </p:nvPr>
+        </p:nvSpPr>
+        <p:spPr/>
+        <p:txBody>
+          <a:bodyPr/>
+          <a:lstStyle/>
+          <a:p>
+            <a:r>
+              <a:rPr lang="de-DE" dirty="0" err="1" smtClean="0"/>
+              <a:t>Changes</a:t>
+            </a:r>
+            <a:r>
+              <a:rPr lang="de-DE" dirty="0" smtClean="0"/>
+              <a:t> </a:t>
+            </a:r>
+            <a:r>
+              <a:rPr lang="de-DE" dirty="0" err="1" smtClean="0"/>
+              <a:t>of</a:t>
+            </a:r>
+            <a:r>
+              <a:rPr lang="de-DE" dirty="0" smtClean="0"/>
+              <a:t> </a:t>
+            </a:r>
+            <a:r>
+              <a:rPr lang="de-DE" dirty="0" err="1" smtClean="0"/>
+              <a:t>the</a:t>
+            </a:r>
+            <a:r>
+              <a:rPr lang="de-DE" dirty="0" smtClean="0"/>
+              <a:t> design</a:t>
+            </a:r>
+            <a:endParaRPr lang="en-US" dirty="0"/>
+          </a:p>
+        </p:txBody>
+      </p:sp>
+      <p:sp>
+        <p:nvSpPr>
+          <p:cNvPr id="3" name="Inhaltsplatzhalter 2"/>
+          <p:cNvSpPr>
+            <a:spLocks noGrp="1"/>
+          </p:cNvSpPr>
+          <p:nvPr>
+            <p:ph idx="1"/>
+          </p:nvPr>
+        </p:nvSpPr>
+        <p:spPr>
+          <a:xfrm>
+            <a:off x="677334" y="2720147"/>
+            <a:ext cx="7211072" cy="2309053"/>
+          </a:xfrm>
+        </p:spPr>
+        <p:txBody>
+          <a:bodyPr/>
+          <a:lstStyle/>
+          <a:p>
+            <a:r>
+              <a:rPr lang="de-DE" dirty="0" err="1" smtClean="0"/>
+              <a:t>We</a:t>
+            </a:r>
+            <a:r>
+              <a:rPr lang="de-DE" dirty="0" smtClean="0"/>
+              <a:t> </a:t>
+            </a:r>
+            <a:r>
+              <a:rPr lang="de-DE" dirty="0" err="1" smtClean="0"/>
+              <a:t>didn‘t</a:t>
+            </a:r>
+            <a:r>
+              <a:rPr lang="de-DE" dirty="0" smtClean="0"/>
+              <a:t> </a:t>
+            </a:r>
+            <a:r>
+              <a:rPr lang="de-DE" dirty="0" err="1" smtClean="0"/>
+              <a:t>implemented</a:t>
+            </a:r>
+            <a:r>
+              <a:rPr lang="de-DE" dirty="0" smtClean="0"/>
+              <a:t> a </a:t>
+            </a:r>
+            <a:r>
+              <a:rPr lang="de-DE" dirty="0" err="1" smtClean="0"/>
+              <a:t>matrix</a:t>
+            </a:r>
+            <a:r>
+              <a:rPr lang="de-DE" dirty="0" smtClean="0"/>
+              <a:t> </a:t>
+            </a:r>
+            <a:r>
+              <a:rPr lang="de-DE" dirty="0" err="1" smtClean="0"/>
+              <a:t>class</a:t>
+            </a:r>
+            <a:endParaRPr lang="de-DE" dirty="0" smtClean="0"/>
+          </a:p>
+          <a:p>
+            <a:r>
+              <a:rPr lang="en-GB" dirty="0" smtClean="0"/>
+              <a:t>We changed the </a:t>
+            </a:r>
+            <a:r>
+              <a:rPr lang="en-GB" dirty="0"/>
+              <a:t>command interface to an abstract class </a:t>
+            </a:r>
+            <a:endParaRPr lang="en-US" dirty="0"/>
+          </a:p>
+          <a:p>
+            <a:r>
+              <a:rPr lang="en-GB" dirty="0"/>
+              <a:t>L</a:t>
+            </a:r>
+            <a:r>
+              <a:rPr lang="en-GB" dirty="0" smtClean="0"/>
+              <a:t>et </a:t>
+            </a:r>
+            <a:r>
+              <a:rPr lang="en-GB" dirty="0"/>
+              <a:t>out the possibility to select a </a:t>
+            </a:r>
+            <a:r>
+              <a:rPr lang="en-GB" dirty="0" smtClean="0"/>
+              <a:t>density</a:t>
+            </a:r>
+          </a:p>
+          <a:p>
+            <a:r>
+              <a:rPr lang="en-US" dirty="0"/>
+              <a:t>added a help </a:t>
+            </a:r>
+            <a:r>
+              <a:rPr lang="en-US" dirty="0" smtClean="0"/>
+              <a:t>command</a:t>
+            </a:r>
+          </a:p>
+          <a:p>
+            <a:r>
+              <a:rPr lang="en-US" dirty="0"/>
+              <a:t>added a </a:t>
+            </a:r>
+            <a:r>
+              <a:rPr lang="en-US" dirty="0" err="1" smtClean="0"/>
+              <a:t>Ssget</a:t>
+            </a:r>
+            <a:r>
+              <a:rPr lang="en-US" dirty="0" smtClean="0"/>
+              <a:t> </a:t>
+            </a:r>
+            <a:r>
+              <a:rPr lang="en-US" dirty="0"/>
+              <a:t>command</a:t>
+            </a:r>
+          </a:p>
+        </p:txBody>
+      </p:sp>
+      <p:sp>
+        <p:nvSpPr>
+          <p:cNvPr id="4" name="Foliennummernplatzhalter 3"/>
+          <p:cNvSpPr>
+            <a:spLocks noGrp="1"/>
+          </p:cNvSpPr>
+          <p:nvPr>
+            <p:ph type="sldNum" sz="quarter" idx="12"/>
+          </p:nvPr>
+        </p:nvSpPr>
+        <p:spPr/>
+        <p:txBody>
+          <a:bodyPr/>
+          <a:lstStyle/>
+          <a:p>
+            <a:fld id="{B2B8E2CE-6496-419B-95CD-C2FA6B0E2BC0}" type="slidenum">
+              <a:rPr lang="en-US" smtClean="0"/>
+              <a:t>4</a:t>
+            </a:fld>
+            <a:endParaRPr lang="en-US" dirty="0"/>
+          </a:p>
+        </p:txBody>
+      </p:sp>
+    </p:spTree>
+    <p:extLst>
+      <p:ext uri="{BB962C8B-B14F-4D97-AF65-F5344CB8AC3E}">
+        <p14:creationId xmlns:p14="http://schemas.microsoft.com/office/powerpoint/2010/main" val="1256539224"/>
+      </p:ext>
+    </p:extLst>
+  </p:cSld>
+  <p:clrMapOvr>
+    <a:masterClrMapping/>
+  </p:clrMapOvr>
+</p:sld>
+</file>
+
+<file path=ppt/slides/slide5.xml><?xml version="1.0" encoding="utf-8"?>
+<p:sld xmlns:a="http://schemas.openxmlformats.org/drawingml/2006/main" xmlns:r="http://schemas.openxmlformats.org/officeDocument/2006/relationships" xmlns:p="http://schemas.openxmlformats.org/presentationml/2006/main">
+  <p:cSld>
+    <p:spTree>
+      <p:nvGrpSpPr>
+        <p:cNvPr id="1" name=""/>
+        <p:cNvGrpSpPr/>
+        <p:nvPr/>
+      </p:nvGrpSpPr>
+      <p:grpSpPr>
+        <a:xfrm>
+          <a:off x="0" y="0"/>
+          <a:ext cx="0" cy="0"/>
+          <a:chOff x="0" y="0"/>
+          <a:chExt cx="0" cy="0"/>
+        </a:xfrm>
+      </p:grpSpPr>
+      <p:sp>
+        <p:nvSpPr>
+          <p:cNvPr id="2" name="Titel 1"/>
+          <p:cNvSpPr>
+            <a:spLocks noGrp="1"/>
+          </p:cNvSpPr>
+          <p:nvPr>
+            <p:ph type="title"/>
+          </p:nvPr>
+        </p:nvSpPr>
         <p:spPr>
           <a:xfrm>
             <a:off x="677334" y="288878"/>
@@ -6724,7 +8303,7 @@
           <a:p>
             <a:fld id="{B2B8E2CE-6496-419B-95CD-C2FA6B0E2BC0}" type="slidenum">
               <a:rPr lang="en-US" smtClean="0"/>
-              <a:t>3</a:t>
+              <a:t>5</a:t>
             </a:fld>
             <a:endParaRPr lang="en-US" dirty="0"/>
           </a:p>
@@ -6773,196 +8352,6 @@
 </p:sld>
 </file>
 
-<file path=ppt/slides/slide4.xml><?xml version="1.0" encoding="utf-8"?>
-<p:sld xmlns:a="http://schemas.openxmlformats.org/drawingml/2006/main" xmlns:r="http://schemas.openxmlformats.org/officeDocument/2006/relationships" xmlns:p="http://schemas.openxmlformats.org/presentationml/2006/main">
-  <p:cSld>
-    <p:spTree>
-      <p:nvGrpSpPr>
-        <p:cNvPr id="1" name=""/>
-        <p:cNvGrpSpPr/>
-        <p:nvPr/>
-      </p:nvGrpSpPr>
-      <p:grpSpPr>
-        <a:xfrm>
-          <a:off x="0" y="0"/>
-          <a:ext cx="0" cy="0"/>
-          <a:chOff x="0" y="0"/>
-          <a:chExt cx="0" cy="0"/>
-        </a:xfrm>
-      </p:grpSpPr>
-      <p:sp>
-        <p:nvSpPr>
-          <p:cNvPr id="2" name="Titel 1"/>
-          <p:cNvSpPr>
-            <a:spLocks noGrp="1"/>
-          </p:cNvSpPr>
-          <p:nvPr>
-            <p:ph type="title"/>
-          </p:nvPr>
-        </p:nvSpPr>
-        <p:spPr/>
-        <p:txBody>
-          <a:bodyPr/>
-          <a:lstStyle/>
-          <a:p>
-            <a:r>
-              <a:rPr lang="de-DE" dirty="0" smtClean="0"/>
-              <a:t>Delays</a:t>
-            </a:r>
-            <a:endParaRPr lang="en-US" dirty="0"/>
-          </a:p>
-        </p:txBody>
-      </p:sp>
-      <p:sp>
-        <p:nvSpPr>
-          <p:cNvPr id="3" name="Inhaltsplatzhalter 2"/>
-          <p:cNvSpPr>
-            <a:spLocks noGrp="1"/>
-          </p:cNvSpPr>
-          <p:nvPr>
-            <p:ph idx="1"/>
-          </p:nvPr>
-        </p:nvSpPr>
-        <p:spPr/>
-        <p:txBody>
-          <a:bodyPr/>
-          <a:lstStyle/>
-          <a:p>
-            <a:endParaRPr lang="en-US"/>
-          </a:p>
-        </p:txBody>
-      </p:sp>
-      <p:sp>
-        <p:nvSpPr>
-          <p:cNvPr id="4" name="Foliennummernplatzhalter 3"/>
-          <p:cNvSpPr>
-            <a:spLocks noGrp="1"/>
-          </p:cNvSpPr>
-          <p:nvPr>
-            <p:ph type="sldNum" sz="quarter" idx="12"/>
-          </p:nvPr>
-        </p:nvSpPr>
-        <p:spPr/>
-        <p:txBody>
-          <a:bodyPr/>
-          <a:lstStyle/>
-          <a:p>
-            <a:fld id="{B2B8E2CE-6496-419B-95CD-C2FA6B0E2BC0}" type="slidenum">
-              <a:rPr lang="en-US" smtClean="0"/>
-              <a:t>4</a:t>
-            </a:fld>
-            <a:endParaRPr lang="en-US" dirty="0"/>
-          </a:p>
-        </p:txBody>
-      </p:sp>
-    </p:spTree>
-    <p:extLst>
-      <p:ext uri="{BB962C8B-B14F-4D97-AF65-F5344CB8AC3E}">
-        <p14:creationId xmlns:p14="http://schemas.microsoft.com/office/powerpoint/2010/main" val="992990566"/>
-      </p:ext>
-    </p:extLst>
-  </p:cSld>
-  <p:clrMapOvr>
-    <a:masterClrMapping/>
-  </p:clrMapOvr>
-</p:sld>
-</file>
-
-<file path=ppt/slides/slide5.xml><?xml version="1.0" encoding="utf-8"?>
-<p:sld xmlns:a="http://schemas.openxmlformats.org/drawingml/2006/main" xmlns:r="http://schemas.openxmlformats.org/officeDocument/2006/relationships" xmlns:p="http://schemas.openxmlformats.org/presentationml/2006/main">
-  <p:cSld>
-    <p:spTree>
-      <p:nvGrpSpPr>
-        <p:cNvPr id="1" name=""/>
-        <p:cNvGrpSpPr/>
-        <p:nvPr/>
-      </p:nvGrpSpPr>
-      <p:grpSpPr>
-        <a:xfrm>
-          <a:off x="0" y="0"/>
-          <a:ext cx="0" cy="0"/>
-          <a:chOff x="0" y="0"/>
-          <a:chExt cx="0" cy="0"/>
-        </a:xfrm>
-      </p:grpSpPr>
-      <p:sp>
-        <p:nvSpPr>
-          <p:cNvPr id="2" name="Titel 1"/>
-          <p:cNvSpPr>
-            <a:spLocks noGrp="1"/>
-          </p:cNvSpPr>
-          <p:nvPr>
-            <p:ph type="title"/>
-          </p:nvPr>
-        </p:nvSpPr>
-        <p:spPr/>
-        <p:txBody>
-          <a:bodyPr/>
-          <a:lstStyle/>
-          <a:p>
-            <a:r>
-              <a:rPr lang="de-DE" dirty="0" smtClean="0"/>
-              <a:t>Problems</a:t>
-            </a:r>
-            <a:endParaRPr lang="en-US" dirty="0"/>
-          </a:p>
-        </p:txBody>
-      </p:sp>
-      <p:sp>
-        <p:nvSpPr>
-          <p:cNvPr id="3" name="Inhaltsplatzhalter 2"/>
-          <p:cNvSpPr>
-            <a:spLocks noGrp="1"/>
-          </p:cNvSpPr>
-          <p:nvPr>
-            <p:ph idx="1"/>
-          </p:nvPr>
-        </p:nvSpPr>
-        <p:spPr/>
-        <p:txBody>
-          <a:bodyPr/>
-          <a:lstStyle/>
-          <a:p>
-            <a:endParaRPr lang="en-US"/>
-          </a:p>
-        </p:txBody>
-      </p:sp>
-      <p:sp>
-        <p:nvSpPr>
-          <p:cNvPr id="4" name="Foliennummernplatzhalter 3"/>
-          <p:cNvSpPr>
-            <a:spLocks noGrp="1"/>
-          </p:cNvSpPr>
-          <p:nvPr>
-            <p:ph type="sldNum" sz="quarter" idx="12"/>
-          </p:nvPr>
-        </p:nvSpPr>
-        <p:spPr/>
-        <p:txBody>
-          <a:bodyPr/>
-          <a:lstStyle/>
-          <a:p>
-            <a:fld id="{B2B8E2CE-6496-419B-95CD-C2FA6B0E2BC0}" type="slidenum">
-              <a:rPr lang="en-US" smtClean="0"/>
-              <a:t>5</a:t>
-            </a:fld>
-            <a:endParaRPr lang="en-US" dirty="0"/>
-          </a:p>
-        </p:txBody>
-      </p:sp>
-    </p:spTree>
-    <p:extLst>
-      <p:ext uri="{BB962C8B-B14F-4D97-AF65-F5344CB8AC3E}">
-        <p14:creationId xmlns:p14="http://schemas.microsoft.com/office/powerpoint/2010/main" val="1899242632"/>
-      </p:ext>
-    </p:extLst>
-  </p:cSld>
-  <p:clrMapOvr>
-    <a:masterClrMapping/>
-  </p:clrMapOvr>
-</p:sld>
-</file>
-
 <file path=ppt/slides/slide6.xml><?xml version="1.0" encoding="utf-8"?>
 <p:sld xmlns:a="http://schemas.openxmlformats.org/drawingml/2006/main" xmlns:r="http://schemas.openxmlformats.org/officeDocument/2006/relationships" xmlns:p="http://schemas.openxmlformats.org/presentationml/2006/main">
   <p:cSld>
@@ -6996,8 +8385,12 @@
           <a:lstStyle/>
           <a:p>
             <a:r>
+              <a:rPr lang="de-DE" dirty="0" smtClean="0"/>
+              <a:t>Delays </a:t>
+            </a:r>
+            <a:r>
               <a:rPr lang="de-DE" dirty="0" err="1" smtClean="0"/>
-              <a:t>Changes</a:t>
+              <a:t>and</a:t>
             </a:r>
             <a:r>
               <a:rPr lang="de-DE" dirty="0" smtClean="0"/>
@@ -7005,7 +8398,30 @@
             </a:r>
             <a:r>
               <a:rPr lang="de-DE" dirty="0" err="1" smtClean="0"/>
-              <a:t>of</a:t>
+              <a:t>problems</a:t>
+            </a:r>
+            <a:endParaRPr lang="en-US" dirty="0"/>
+          </a:p>
+        </p:txBody>
+      </p:sp>
+      <p:sp>
+        <p:nvSpPr>
+          <p:cNvPr id="3" name="Inhaltsplatzhalter 2"/>
+          <p:cNvSpPr>
+            <a:spLocks noGrp="1"/>
+          </p:cNvSpPr>
+          <p:nvPr>
+            <p:ph idx="1"/>
+          </p:nvPr>
+        </p:nvSpPr>
+        <p:spPr/>
+        <p:txBody>
+          <a:bodyPr/>
+          <a:lstStyle/>
+          <a:p>
+            <a:r>
+              <a:rPr lang="de-DE" dirty="0" err="1" smtClean="0"/>
+              <a:t>little</a:t>
             </a:r>
             <a:r>
               <a:rPr lang="de-DE" dirty="0" smtClean="0"/>
@@ -7013,32 +8429,107 @@
             </a:r>
             <a:r>
               <a:rPr lang="de-DE" dirty="0" err="1" smtClean="0"/>
-              <a:t>the</a:t>
+              <a:t>documentation</a:t>
             </a:r>
             <a:r>
               <a:rPr lang="de-DE" dirty="0" smtClean="0"/>
-              <a:t> design</a:t>
-            </a:r>
-            <a:endParaRPr lang="en-US" dirty="0"/>
-          </a:p>
-        </p:txBody>
-      </p:sp>
-      <p:sp>
-        <p:nvSpPr>
-          <p:cNvPr id="3" name="Inhaltsplatzhalter 2"/>
-          <p:cNvSpPr>
-            <a:spLocks noGrp="1"/>
-          </p:cNvSpPr>
-          <p:nvPr>
-            <p:ph idx="1"/>
-          </p:nvPr>
-        </p:nvSpPr>
-        <p:spPr/>
-        <p:txBody>
-          <a:bodyPr/>
-          <a:lstStyle/>
-          <a:p>
-            <a:endParaRPr lang="en-US"/>
+              <a:t> </a:t>
+            </a:r>
+            <a:r>
+              <a:rPr lang="de-DE" dirty="0" err="1" smtClean="0"/>
+              <a:t>made</a:t>
+            </a:r>
+            <a:r>
+              <a:rPr lang="de-DE" dirty="0" smtClean="0"/>
+              <a:t> </a:t>
+            </a:r>
+            <a:r>
+              <a:rPr lang="de-DE" dirty="0" err="1" smtClean="0"/>
+              <a:t>it</a:t>
+            </a:r>
+            <a:r>
+              <a:rPr lang="de-DE" dirty="0" smtClean="0"/>
+              <a:t> </a:t>
+            </a:r>
+            <a:r>
+              <a:rPr lang="de-DE" dirty="0" err="1" smtClean="0"/>
+              <a:t>hard</a:t>
+            </a:r>
+            <a:r>
+              <a:rPr lang="de-DE" dirty="0" smtClean="0"/>
+              <a:t> </a:t>
+            </a:r>
+            <a:r>
+              <a:rPr lang="de-DE" dirty="0" err="1" smtClean="0"/>
+              <a:t>to</a:t>
+            </a:r>
+            <a:r>
+              <a:rPr lang="de-DE" dirty="0" smtClean="0"/>
+              <a:t> </a:t>
+            </a:r>
+            <a:r>
+              <a:rPr lang="de-DE" dirty="0" err="1" smtClean="0"/>
+              <a:t>use</a:t>
+            </a:r>
+            <a:r>
+              <a:rPr lang="de-DE" dirty="0" smtClean="0"/>
+              <a:t> Ginkgo</a:t>
+            </a:r>
+          </a:p>
+          <a:p>
+            <a:r>
+              <a:rPr lang="de-DE" dirty="0" err="1" smtClean="0"/>
+              <a:t>It</a:t>
+            </a:r>
+            <a:r>
+              <a:rPr lang="de-DE" dirty="0" smtClean="0"/>
+              <a:t> was </a:t>
+            </a:r>
+            <a:r>
+              <a:rPr lang="de-DE" dirty="0" err="1" smtClean="0"/>
+              <a:t>difficult</a:t>
+            </a:r>
+            <a:r>
+              <a:rPr lang="de-DE" dirty="0" smtClean="0"/>
+              <a:t> </a:t>
+            </a:r>
+            <a:r>
+              <a:rPr lang="de-DE" dirty="0" err="1" smtClean="0"/>
+              <a:t>integrating</a:t>
+            </a:r>
+            <a:r>
+              <a:rPr lang="de-DE" dirty="0" smtClean="0"/>
+              <a:t> C++</a:t>
+            </a:r>
+          </a:p>
+          <a:p>
+            <a:r>
+              <a:rPr lang="en-GB" dirty="0"/>
+              <a:t>D</a:t>
+            </a:r>
+            <a:r>
+              <a:rPr lang="en-GB" dirty="0" smtClean="0"/>
+              <a:t>elay </a:t>
+            </a:r>
+            <a:r>
+              <a:rPr lang="en-GB" dirty="0"/>
+              <a:t>in the implementation </a:t>
+            </a:r>
+            <a:r>
+              <a:rPr lang="en-GB" dirty="0" smtClean="0"/>
+              <a:t>of </a:t>
+            </a:r>
+            <a:r>
+              <a:rPr lang="en-GB" dirty="0"/>
+              <a:t>the training and classify </a:t>
+            </a:r>
+            <a:r>
+              <a:rPr lang="en-GB" dirty="0" smtClean="0"/>
+              <a:t>module</a:t>
+            </a:r>
+          </a:p>
+          <a:p>
+            <a:endParaRPr lang="en-US" dirty="0"/>
           </a:p>
         </p:txBody>
       </p:sp>
@@ -7068,7 +8559,7 @@
     </p:spTree>
     <p:extLst>
       <p:ext uri="{BB962C8B-B14F-4D97-AF65-F5344CB8AC3E}">
-        <p14:creationId xmlns:p14="http://schemas.microsoft.com/office/powerpoint/2010/main" val="1256539224"/>
+        <p14:creationId xmlns:p14="http://schemas.microsoft.com/office/powerpoint/2010/main" val="1899242632"/>
       </p:ext>
     </p:extLst>
   </p:cSld>
@@ -7147,7 +8638,61 @@
             </a:r>
             <a:r>
               <a:rPr lang="de-DE" dirty="0" err="1" smtClean="0"/>
+              <a:t>python</a:t>
+            </a:r>
+            <a:r>
+              <a:rPr lang="de-DE" dirty="0" smtClean="0"/>
+              <a:t> </a:t>
+            </a:r>
+            <a:r>
+              <a:rPr lang="de-DE" dirty="0" err="1" smtClean="0"/>
               <a:t>code</a:t>
+            </a:r>
+            <a:r>
+              <a:rPr lang="de-DE" dirty="0" smtClean="0"/>
+              <a:t>: 1500</a:t>
+            </a:r>
+          </a:p>
+          <a:p>
+            <a:r>
+              <a:rPr lang="de-DE" dirty="0" smtClean="0"/>
+              <a:t>Lines </a:t>
+            </a:r>
+            <a:r>
+              <a:rPr lang="de-DE" dirty="0" err="1" smtClean="0"/>
+              <a:t>of</a:t>
+            </a:r>
+            <a:r>
+              <a:rPr lang="de-DE" dirty="0" smtClean="0"/>
+              <a:t> C++ </a:t>
+            </a:r>
+            <a:r>
+              <a:rPr lang="de-DE" dirty="0" err="1" smtClean="0"/>
+              <a:t>code</a:t>
+            </a:r>
+            <a:r>
+              <a:rPr lang="de-DE" dirty="0" smtClean="0"/>
+              <a:t>: 200</a:t>
+            </a:r>
+          </a:p>
+          <a:p>
+            <a:r>
+              <a:rPr lang="de-DE" dirty="0" err="1" smtClean="0"/>
+              <a:t>Commits</a:t>
+            </a:r>
+            <a:r>
+              <a:rPr lang="de-DE" dirty="0" smtClean="0"/>
+              <a:t>: 160</a:t>
+            </a:r>
+          </a:p>
+          <a:p>
+            <a:r>
+              <a:rPr lang="de-DE" dirty="0" smtClean="0"/>
+              <a:t>Work </a:t>
+            </a:r>
+            <a:r>
+              <a:rPr lang="de-DE" dirty="0" err="1" smtClean="0"/>
+              <a:t>splitting</a:t>
             </a:r>
             <a:r>
               <a:rPr lang="de-DE" dirty="0" smtClean="0"/>
@@ -7155,25 +8700,135 @@
             </a:r>
           </a:p>
           <a:p>
+            <a:pPr lvl="1"/>
             <a:r>
               <a:rPr lang="de-DE" dirty="0" err="1" smtClean="0"/>
-              <a:t>Commits</a:t>
+              <a:t>Collector</a:t>
             </a:r>
             <a:r>
               <a:rPr lang="de-DE" dirty="0" smtClean="0"/>
-              <a:t>:</a:t>
-            </a:r>
-          </a:p>
-          <a:p>
+              <a:t>: Yannik </a:t>
+            </a:r>
+            <a:r>
+              <a:rPr lang="de-DE" dirty="0" err="1" smtClean="0"/>
+              <a:t>and</a:t>
+            </a:r>
             <a:r>
               <a:rPr lang="de-DE" dirty="0" smtClean="0"/>
-              <a:t>Work </a:t>
-            </a:r>
+              <a:t> Anna</a:t>
+            </a:r>
+          </a:p>
+          <a:p>
+            <a:pPr lvl="1"/>
             <a:r>
               <a:rPr lang="de-DE" dirty="0" err="1" smtClean="0"/>
-              <a:t>splitting</a:t>
-            </a:r>
-            <a:endParaRPr lang="de-DE" dirty="0" smtClean="0"/>
+              <a:t>Labeler</a:t>
+            </a:r>
+            <a:r>
+              <a:rPr lang="de-DE" dirty="0" smtClean="0"/>
+              <a:t>: Dennis </a:t>
+            </a:r>
+            <a:r>
+              <a:rPr lang="de-DE" dirty="0" err="1" smtClean="0"/>
+              <a:t>and</a:t>
+            </a:r>
+            <a:r>
+              <a:rPr lang="de-DE" dirty="0" smtClean="0"/>
+              <a:t> Fabian</a:t>
+            </a:r>
+          </a:p>
+          <a:p>
+            <a:pPr lvl="1"/>
+            <a:r>
+              <a:rPr lang="de-DE" dirty="0" smtClean="0"/>
+              <a:t>Training </a:t>
+            </a:r>
+            <a:r>
+              <a:rPr lang="de-DE" dirty="0" err="1" smtClean="0"/>
+              <a:t>module</a:t>
+            </a:r>
+            <a:r>
+              <a:rPr lang="de-DE" dirty="0" smtClean="0"/>
+              <a:t>, </a:t>
+            </a:r>
+            <a:r>
+              <a:rPr lang="de-DE" dirty="0" err="1" smtClean="0"/>
+              <a:t>Classifier</a:t>
+            </a:r>
+            <a:r>
+              <a:rPr lang="de-DE" dirty="0" smtClean="0"/>
+              <a:t>, Help </a:t>
+            </a:r>
+            <a:r>
+              <a:rPr lang="de-DE" dirty="0" err="1" smtClean="0"/>
+              <a:t>classes</a:t>
+            </a:r>
+            <a:r>
+              <a:rPr lang="de-DE" dirty="0" smtClean="0"/>
+              <a:t>: Yannick</a:t>
+            </a:r>
+          </a:p>
+          <a:p>
+            <a:pPr lvl="1"/>
+            <a:r>
+              <a:rPr lang="de-DE" dirty="0" smtClean="0"/>
+              <a:t>Command </a:t>
+            </a:r>
+            <a:r>
+              <a:rPr lang="de-DE" dirty="0" err="1" smtClean="0"/>
+              <a:t>parsing</a:t>
+            </a:r>
+            <a:r>
+              <a:rPr lang="de-DE" dirty="0" smtClean="0"/>
+              <a:t> </a:t>
+            </a:r>
+            <a:r>
+              <a:rPr lang="de-DE" dirty="0" err="1" smtClean="0"/>
+              <a:t>and</a:t>
+            </a:r>
+            <a:r>
+              <a:rPr lang="de-DE" dirty="0" smtClean="0"/>
+              <a:t> </a:t>
+            </a:r>
+            <a:r>
+              <a:rPr lang="de-DE" dirty="0" err="1" smtClean="0"/>
+              <a:t>output</a:t>
+            </a:r>
+            <a:r>
+              <a:rPr lang="de-DE" dirty="0" smtClean="0"/>
+              <a:t> </a:t>
+            </a:r>
+            <a:r>
+              <a:rPr lang="de-DE" dirty="0" err="1" smtClean="0"/>
+              <a:t>service</a:t>
+            </a:r>
+            <a:r>
+              <a:rPr lang="de-DE" dirty="0" smtClean="0"/>
+              <a:t> </a:t>
+            </a:r>
+            <a:r>
+              <a:rPr lang="de-DE" dirty="0" err="1" smtClean="0"/>
+              <a:t>module</a:t>
+            </a:r>
+            <a:r>
+              <a:rPr lang="de-DE" dirty="0" smtClean="0"/>
+              <a:t>: Simon</a:t>
+            </a:r>
+          </a:p>
+          <a:p>
+            <a:pPr lvl="1"/>
+            <a:r>
+              <a:rPr lang="de-DE" dirty="0" smtClean="0"/>
+              <a:t>Implementation </a:t>
+            </a:r>
+            <a:r>
+              <a:rPr lang="de-DE" dirty="0" err="1" smtClean="0"/>
+              <a:t>report</a:t>
+            </a:r>
+            <a:r>
+              <a:rPr lang="de-DE" dirty="0" smtClean="0"/>
+              <a:t>: Anna</a:t>
+            </a:r>
           </a:p>
           <a:p>
             <a:endParaRPr lang="de-DE" dirty="0" smtClean="0"/>
@@ -7297,6 +8952,46 @@
             <a:endParaRPr lang="de-DE" dirty="0" smtClean="0"/>
           </a:p>
           <a:p>
+            <a:pPr lvl="1"/>
+            <a:r>
+              <a:rPr lang="de-DE" dirty="0" err="1" smtClean="0"/>
+              <a:t>One</a:t>
+            </a:r>
+            <a:r>
+              <a:rPr lang="de-DE" dirty="0" smtClean="0"/>
+              <a:t> </a:t>
+            </a:r>
+            <a:r>
+              <a:rPr lang="de-DE" dirty="0" err="1" smtClean="0"/>
+              <a:t>to</a:t>
+            </a:r>
+            <a:r>
+              <a:rPr lang="de-DE" dirty="0" smtClean="0"/>
+              <a:t> </a:t>
+            </a:r>
+            <a:r>
+              <a:rPr lang="de-DE" dirty="0" err="1" smtClean="0"/>
+              <a:t>two</a:t>
+            </a:r>
+            <a:r>
+              <a:rPr lang="de-DE" dirty="0" smtClean="0"/>
+              <a:t> </a:t>
+            </a:r>
+            <a:r>
+              <a:rPr lang="de-DE" dirty="0" err="1" smtClean="0"/>
+              <a:t>meetings</a:t>
+            </a:r>
+            <a:r>
+              <a:rPr lang="de-DE" dirty="0" smtClean="0"/>
+              <a:t> per </a:t>
+            </a:r>
+            <a:r>
+              <a:rPr lang="de-DE" dirty="0" err="1" smtClean="0"/>
+              <a:t>week</a:t>
+            </a:r>
+            <a:endParaRPr lang="de-DE" dirty="0" smtClean="0"/>
+          </a:p>
+          <a:p>
             <a:r>
               <a:rPr lang="de-DE" dirty="0" err="1" smtClean="0"/>
               <a:t>How</a:t>
@@ -7384,6 +9079,89 @@
     <p:extLst>
       <p:ext uri="{BB962C8B-B14F-4D97-AF65-F5344CB8AC3E}">
         <p14:creationId xmlns:p14="http://schemas.microsoft.com/office/powerpoint/2010/main" val="3285310650"/>
+      </p:ext>
+    </p:extLst>
+  </p:cSld>
+  <p:clrMapOvr>
+    <a:masterClrMapping/>
+  </p:clrMapOvr>
+</p:sld>
+</file>
+
+<file path=ppt/slides/slide9.xml><?xml version="1.0" encoding="utf-8"?>
+<p:sld xmlns:a="http://schemas.openxmlformats.org/drawingml/2006/main" xmlns:r="http://schemas.openxmlformats.org/officeDocument/2006/relationships" xmlns:p="http://schemas.openxmlformats.org/presentationml/2006/main">
+  <p:cSld>
+    <p:spTree>
+      <p:nvGrpSpPr>
+        <p:cNvPr id="1" name=""/>
+        <p:cNvGrpSpPr/>
+        <p:nvPr/>
+      </p:nvGrpSpPr>
+      <p:grpSpPr>
+        <a:xfrm>
+          <a:off x="0" y="0"/>
+          <a:ext cx="0" cy="0"/>
+          <a:chOff x="0" y="0"/>
+          <a:chExt cx="0" cy="0"/>
+        </a:xfrm>
+      </p:grpSpPr>
+      <p:sp>
+        <p:nvSpPr>
+          <p:cNvPr id="2" name="Foliennummernplatzhalter 1"/>
+          <p:cNvSpPr>
+            <a:spLocks noGrp="1"/>
+          </p:cNvSpPr>
+          <p:nvPr>
+            <p:ph type="sldNum" sz="quarter" idx="12"/>
+          </p:nvPr>
+        </p:nvSpPr>
+        <p:spPr/>
+        <p:txBody>
+          <a:bodyPr/>
+          <a:lstStyle/>
+          <a:p>
+            <a:fld id="{B2B8E2CE-6496-419B-95CD-C2FA6B0E2BC0}" type="slidenum">
+              <a:rPr lang="en-US" smtClean="0"/>
+              <a:t>9</a:t>
+            </a:fld>
+            <a:endParaRPr lang="en-US" dirty="0"/>
+          </a:p>
+        </p:txBody>
+      </p:sp>
+      <p:pic>
+        <p:nvPicPr>
+          <p:cNvPr id="3" name="Grafik 2"/>
+          <p:cNvPicPr>
+            <a:picLocks noChangeAspect="1"/>
+          </p:cNvPicPr>
+          <p:nvPr/>
+        </p:nvPicPr>
+        <p:blipFill>
+          <a:blip r:embed="rId3" cstate="print">
+            <a:extLst>
+              <a:ext uri="{28A0092B-C50C-407E-A947-70E740481C1C}">
+                <a14:useLocalDpi xmlns:a14="http://schemas.microsoft.com/office/drawing/2010/main" val="0"/>
+              </a:ext>
+            </a:extLst>
+          </a:blip>
+          <a:stretch>
+            <a:fillRect/>
+          </a:stretch>
+        </p:blipFill>
+        <p:spPr>
+          <a:xfrm>
+            <a:off x="503917" y="79719"/>
+            <a:ext cx="8428415" cy="6689570"/>
+          </a:xfrm>
+          <a:prstGeom prst="rect">
+            <a:avLst/>
+          </a:prstGeom>
+        </p:spPr>
+      </p:pic>
+    </p:spTree>
+    <p:extLst>
+      <p:ext uri="{BB962C8B-B14F-4D97-AF65-F5344CB8AC3E}">
+        <p14:creationId xmlns:p14="http://schemas.microsoft.com/office/powerpoint/2010/main" val="3300859284"/>
       </p:ext>
     </p:extLst>
   </p:cSld>

--- a/Implementation Sheet/Impl_sheet_presentation.pptx
+++ b/Implementation Sheet/Impl_sheet_presentation.pptx
@@ -217,7 +217,7 @@
           <a:p>
             <a:fld id="{3CC56FDC-94AF-49C4-8CCE-372AB5BCFEE9}" type="datetimeFigureOut">
               <a:rPr lang="en-US" smtClean="0"/>
-              <a:t>2/4/2019</a:t>
+              <a:t>2/6/2019</a:t>
             </a:fld>
             <a:endParaRPr lang="en-US" dirty="0"/>
           </a:p>
@@ -635,7 +635,31 @@
                 <a:ea typeface="+mn-ea"/>
                 <a:cs typeface="+mn-cs"/>
               </a:rPr>
-              <a:t>not possible, because some used entities (</a:t>
+              <a:t>not possible, because </a:t>
+            </a:r>
+            <a:r>
+              <a:rPr lang="en-GB" sz="1200" b="1" kern="1200" dirty="0" smtClean="0">
+                <a:solidFill>
+                  <a:schemeClr val="tx1"/>
+                </a:solidFill>
+                <a:effectLst/>
+                <a:latin typeface="+mn-lt"/>
+                <a:ea typeface="+mn-ea"/>
+                <a:cs typeface="+mn-cs"/>
+              </a:rPr>
+              <a:t>some used entities </a:t>
+            </a:r>
+            <a:r>
+              <a:rPr lang="en-GB" sz="1200" kern="1200" dirty="0" smtClean="0">
+                <a:solidFill>
+                  <a:schemeClr val="tx1"/>
+                </a:solidFill>
+                <a:effectLst/>
+                <a:latin typeface="+mn-lt"/>
+                <a:ea typeface="+mn-ea"/>
+                <a:cs typeface="+mn-cs"/>
+              </a:rPr>
+              <a:t>(</a:t>
             </a:r>
             <a:r>
               <a:rPr lang="en-GB" sz="1200" u="sng" kern="1200" dirty="0" err="1" smtClean="0">
@@ -683,219 +707,10 @@
                 <a:ea typeface="+mn-ea"/>
                 <a:cs typeface="+mn-cs"/>
               </a:rPr>
-              <a:t>) where not Windows compatible.</a:t>
-            </a:r>
-          </a:p>
-          <a:p>
-            <a:r>
-              <a:rPr lang="de-DE" dirty="0" smtClean="0"/>
-              <a:t>-Just </a:t>
-            </a:r>
-            <a:r>
-              <a:rPr lang="de-DE" dirty="0" err="1" smtClean="0"/>
-              <a:t>fetch</a:t>
-            </a:r>
-            <a:r>
-              <a:rPr lang="de-DE" dirty="0" smtClean="0"/>
-              <a:t>/</a:t>
-            </a:r>
-            <a:r>
-              <a:rPr lang="de-DE" dirty="0" err="1" smtClean="0"/>
-              <a:t>cut</a:t>
-            </a:r>
-            <a:r>
-              <a:rPr lang="de-DE" dirty="0" smtClean="0"/>
-              <a:t>: </a:t>
-            </a:r>
-            <a:r>
-              <a:rPr lang="de-DE" dirty="0" err="1" smtClean="0"/>
-              <a:t>we</a:t>
-            </a:r>
-            <a:r>
-              <a:rPr lang="de-DE" baseline="0" dirty="0" smtClean="0"/>
-              <a:t> </a:t>
-            </a:r>
-            <a:r>
-              <a:rPr lang="de-DE" baseline="0" dirty="0" err="1" smtClean="0"/>
-              <a:t>realized</a:t>
-            </a:r>
-            <a:r>
-              <a:rPr lang="de-DE" baseline="0" dirty="0" smtClean="0"/>
-              <a:t> </a:t>
-            </a:r>
-            <a:r>
-              <a:rPr lang="de-DE" baseline="0" dirty="0" err="1" smtClean="0"/>
-              <a:t>we</a:t>
-            </a:r>
-            <a:r>
-              <a:rPr lang="de-DE" baseline="0" dirty="0" smtClean="0"/>
-              <a:t> </a:t>
-            </a:r>
-            <a:r>
-              <a:rPr lang="de-DE" baseline="0" dirty="0" err="1" smtClean="0"/>
-              <a:t>dont</a:t>
-            </a:r>
-            <a:r>
-              <a:rPr lang="de-DE" baseline="0" dirty="0" smtClean="0"/>
-              <a:t> </a:t>
-            </a:r>
-            <a:r>
-              <a:rPr lang="de-DE" baseline="0" dirty="0" err="1" smtClean="0"/>
-              <a:t>have</a:t>
-            </a:r>
-            <a:r>
-              <a:rPr lang="de-DE" baseline="0" dirty="0" smtClean="0"/>
-              <a:t> </a:t>
-            </a:r>
-            <a:r>
-              <a:rPr lang="de-DE" baseline="0" dirty="0" err="1" smtClean="0"/>
-              <a:t>enough</a:t>
-            </a:r>
-            <a:r>
-              <a:rPr lang="de-DE" baseline="0" dirty="0" smtClean="0"/>
-              <a:t> </a:t>
-            </a:r>
-            <a:r>
-              <a:rPr lang="de-DE" baseline="0" dirty="0" err="1" smtClean="0"/>
-              <a:t>knowledge</a:t>
-            </a:r>
-            <a:r>
-              <a:rPr lang="de-DE" baseline="0" dirty="0" smtClean="0"/>
-              <a:t> </a:t>
-            </a:r>
-            <a:r>
-              <a:rPr lang="de-DE" baseline="0" dirty="0" err="1" smtClean="0"/>
-              <a:t>yet</a:t>
-            </a:r>
-            <a:r>
-              <a:rPr lang="de-DE" baseline="0" dirty="0" smtClean="0"/>
-              <a:t> </a:t>
-            </a:r>
-            <a:r>
-              <a:rPr lang="de-DE" baseline="0" dirty="0" err="1" smtClean="0"/>
-              <a:t>to</a:t>
-            </a:r>
-            <a:r>
-              <a:rPr lang="de-DE" baseline="0" dirty="0" smtClean="0"/>
-              <a:t> </a:t>
-            </a:r>
-            <a:r>
-              <a:rPr lang="de-DE" baseline="0" dirty="0" err="1" smtClean="0"/>
-              <a:t>generate</a:t>
-            </a:r>
-            <a:r>
-              <a:rPr lang="de-DE" baseline="0" dirty="0" smtClean="0"/>
-              <a:t> </a:t>
-            </a:r>
-            <a:r>
-              <a:rPr lang="de-DE" baseline="0" dirty="0" err="1" smtClean="0"/>
-              <a:t>and</a:t>
-            </a:r>
-            <a:r>
-              <a:rPr lang="de-DE" baseline="0" dirty="0" smtClean="0"/>
-              <a:t> </a:t>
-            </a:r>
-            <a:r>
-              <a:rPr lang="de-DE" baseline="0" dirty="0" err="1" smtClean="0"/>
-              <a:t>there</a:t>
-            </a:r>
-            <a:r>
-              <a:rPr lang="de-DE" baseline="0" dirty="0" smtClean="0"/>
-              <a:t> </a:t>
-            </a:r>
-            <a:r>
-              <a:rPr lang="de-DE" baseline="0" dirty="0" err="1" smtClean="0"/>
-              <a:t>are</a:t>
-            </a:r>
-            <a:r>
-              <a:rPr lang="de-DE" baseline="0" dirty="0" smtClean="0"/>
-              <a:t> not </a:t>
-            </a:r>
-            <a:r>
-              <a:rPr lang="de-DE" baseline="0" dirty="0" err="1" smtClean="0"/>
-              <a:t>much</a:t>
-            </a:r>
-            <a:r>
-              <a:rPr lang="de-DE" baseline="0" dirty="0" smtClean="0"/>
-              <a:t> </a:t>
-            </a:r>
-            <a:r>
-              <a:rPr lang="de-DE" baseline="0" dirty="0" err="1" smtClean="0"/>
-              <a:t>suite</a:t>
-            </a:r>
-            <a:r>
-              <a:rPr lang="de-DE" baseline="0" dirty="0" smtClean="0"/>
-              <a:t> </a:t>
-            </a:r>
-            <a:r>
-              <a:rPr lang="de-DE" baseline="0" dirty="0" err="1" smtClean="0"/>
-              <a:t>sparse</a:t>
-            </a:r>
-            <a:r>
-              <a:rPr lang="de-DE" baseline="0" dirty="0" smtClean="0"/>
-              <a:t> </a:t>
-            </a:r>
-            <a:r>
-              <a:rPr lang="de-DE" baseline="0" dirty="0" err="1" smtClean="0"/>
-              <a:t>matrices</a:t>
-            </a:r>
-            <a:r>
-              <a:rPr lang="de-DE" baseline="0" dirty="0" smtClean="0"/>
-              <a:t> in </a:t>
-            </a:r>
-            <a:r>
-              <a:rPr lang="de-DE" baseline="0" dirty="0" err="1" smtClean="0"/>
-              <a:t>one</a:t>
-            </a:r>
-            <a:r>
-              <a:rPr lang="de-DE" baseline="0" dirty="0" smtClean="0"/>
-              <a:t> </a:t>
-            </a:r>
-            <a:r>
-              <a:rPr lang="de-DE" baseline="0" dirty="0" err="1" smtClean="0"/>
-              <a:t>size</a:t>
-            </a:r>
-            <a:r>
-              <a:rPr lang="de-DE" baseline="0" dirty="0" smtClean="0"/>
-              <a:t> -&gt; </a:t>
-            </a:r>
-            <a:r>
-              <a:rPr lang="de-DE" baseline="0" dirty="0" err="1" smtClean="0"/>
-              <a:t>fetch</a:t>
-            </a:r>
-            <a:r>
-              <a:rPr lang="de-DE" baseline="0" dirty="0" smtClean="0"/>
-              <a:t> </a:t>
-            </a:r>
-            <a:r>
-              <a:rPr lang="de-DE" baseline="0" dirty="0" err="1" smtClean="0"/>
-              <a:t>and</a:t>
-            </a:r>
-            <a:r>
-              <a:rPr lang="de-DE" baseline="0" dirty="0" smtClean="0"/>
-              <a:t> </a:t>
-            </a:r>
-            <a:r>
-              <a:rPr lang="de-DE" baseline="0" dirty="0" err="1" smtClean="0"/>
-              <a:t>cut</a:t>
-            </a:r>
-            <a:endParaRPr lang="de-DE" baseline="0" dirty="0" smtClean="0"/>
-          </a:p>
-          <a:p>
-            <a:r>
-              <a:rPr lang="de-DE" dirty="0" smtClean="0"/>
-              <a:t>-</a:t>
-            </a:r>
-            <a:r>
-              <a:rPr lang="de-DE" dirty="0" err="1" smtClean="0"/>
-              <a:t>density</a:t>
-            </a:r>
-            <a:r>
-              <a:rPr lang="de-DE" dirty="0" smtClean="0"/>
-              <a:t>: </a:t>
-            </a:r>
-            <a:r>
-              <a:rPr lang="en-GB" sz="1200" kern="1200" dirty="0" smtClean="0">
+              <a:t>) where </a:t>
+            </a:r>
+            <a:r>
+              <a:rPr lang="en-GB" sz="1200" b="1" kern="1200" dirty="0" smtClean="0">
                 <a:solidFill>
                   <a:schemeClr val="tx1"/>
                 </a:solidFill>
@@ -904,7 +719,260 @@
                 <a:ea typeface="+mn-ea"/>
                 <a:cs typeface="+mn-cs"/>
               </a:rPr>
-              <a:t>we couldn't guarantee that the fetched and cut matrices from Suite Sparse have the wanted density.</a:t>
+              <a:t>not Windows compatible.</a:t>
+            </a:r>
+          </a:p>
+          <a:p>
+            <a:r>
+              <a:rPr lang="de-DE" dirty="0" smtClean="0"/>
+              <a:t>-Just </a:t>
+            </a:r>
+            <a:r>
+              <a:rPr lang="de-DE" dirty="0" err="1" smtClean="0"/>
+              <a:t>fetch</a:t>
+            </a:r>
+            <a:r>
+              <a:rPr lang="de-DE" dirty="0" smtClean="0"/>
+              <a:t>/</a:t>
+            </a:r>
+            <a:r>
+              <a:rPr lang="de-DE" dirty="0" err="1" smtClean="0"/>
+              <a:t>cut</a:t>
+            </a:r>
+            <a:r>
+              <a:rPr lang="de-DE" dirty="0" smtClean="0"/>
+              <a:t>: </a:t>
+            </a:r>
+            <a:r>
+              <a:rPr lang="de-DE" dirty="0" err="1" smtClean="0"/>
+              <a:t>we</a:t>
+            </a:r>
+            <a:r>
+              <a:rPr lang="de-DE" baseline="0" dirty="0" smtClean="0"/>
+              <a:t> </a:t>
+            </a:r>
+            <a:r>
+              <a:rPr lang="de-DE" baseline="0" dirty="0" err="1" smtClean="0"/>
+              <a:t>realized</a:t>
+            </a:r>
+            <a:r>
+              <a:rPr lang="de-DE" baseline="0" dirty="0" smtClean="0"/>
+              <a:t> </a:t>
+            </a:r>
+            <a:r>
+              <a:rPr lang="de-DE" baseline="0" dirty="0" err="1" smtClean="0"/>
+              <a:t>we</a:t>
+            </a:r>
+            <a:r>
+              <a:rPr lang="de-DE" baseline="0" dirty="0" smtClean="0"/>
+              <a:t> </a:t>
+            </a:r>
+            <a:r>
+              <a:rPr lang="de-DE" b="1" baseline="0" dirty="0" err="1" smtClean="0"/>
+              <a:t>dont</a:t>
+            </a:r>
+            <a:r>
+              <a:rPr lang="de-DE" b="1" baseline="0" dirty="0" smtClean="0"/>
+              <a:t> </a:t>
+            </a:r>
+            <a:r>
+              <a:rPr lang="de-DE" b="1" baseline="0" dirty="0" err="1" smtClean="0"/>
+              <a:t>have</a:t>
+            </a:r>
+            <a:r>
+              <a:rPr lang="de-DE" b="1" baseline="0" dirty="0" smtClean="0"/>
+              <a:t> </a:t>
+            </a:r>
+            <a:r>
+              <a:rPr lang="de-DE" b="1" baseline="0" dirty="0" err="1" smtClean="0"/>
+              <a:t>enough</a:t>
+            </a:r>
+            <a:r>
+              <a:rPr lang="de-DE" b="1" baseline="0" dirty="0" smtClean="0"/>
+              <a:t> </a:t>
+            </a:r>
+            <a:r>
+              <a:rPr lang="de-DE" b="1" baseline="0" dirty="0" err="1" smtClean="0"/>
+              <a:t>knowledge</a:t>
+            </a:r>
+            <a:r>
+              <a:rPr lang="de-DE" b="1" baseline="0" dirty="0" smtClean="0"/>
+              <a:t> </a:t>
+            </a:r>
+            <a:r>
+              <a:rPr lang="de-DE" b="1" baseline="0" dirty="0" err="1" smtClean="0"/>
+              <a:t>yet</a:t>
+            </a:r>
+            <a:r>
+              <a:rPr lang="de-DE" b="1" baseline="0" dirty="0" smtClean="0"/>
+              <a:t> </a:t>
+            </a:r>
+            <a:r>
+              <a:rPr lang="de-DE" b="1" baseline="0" dirty="0" err="1" smtClean="0"/>
+              <a:t>to</a:t>
+            </a:r>
+            <a:r>
+              <a:rPr lang="de-DE" b="1" baseline="0" dirty="0" smtClean="0"/>
+              <a:t> </a:t>
+            </a:r>
+            <a:r>
+              <a:rPr lang="de-DE" b="1" baseline="0" dirty="0" err="1" smtClean="0"/>
+              <a:t>generate</a:t>
+            </a:r>
+            <a:r>
+              <a:rPr lang="de-DE" b="1" baseline="0" dirty="0" smtClean="0"/>
+              <a:t> </a:t>
+            </a:r>
+            <a:r>
+              <a:rPr lang="de-DE" baseline="0" dirty="0" err="1" smtClean="0"/>
+              <a:t>and</a:t>
+            </a:r>
+            <a:r>
+              <a:rPr lang="de-DE" baseline="0" dirty="0" smtClean="0"/>
+              <a:t> </a:t>
+            </a:r>
+            <a:r>
+              <a:rPr lang="de-DE" baseline="0" dirty="0" err="1" smtClean="0"/>
+              <a:t>there</a:t>
+            </a:r>
+            <a:r>
+              <a:rPr lang="de-DE" baseline="0" dirty="0" smtClean="0"/>
+              <a:t> </a:t>
+            </a:r>
+            <a:r>
+              <a:rPr lang="de-DE" baseline="0" dirty="0" err="1" smtClean="0"/>
+              <a:t>are</a:t>
+            </a:r>
+            <a:r>
+              <a:rPr lang="de-DE" baseline="0" dirty="0" smtClean="0"/>
+              <a:t> </a:t>
+            </a:r>
+            <a:r>
+              <a:rPr lang="de-DE" b="1" baseline="0" dirty="0" smtClean="0"/>
+              <a:t>not </a:t>
+            </a:r>
+            <a:r>
+              <a:rPr lang="de-DE" b="1" baseline="0" dirty="0" err="1" smtClean="0"/>
+              <a:t>much</a:t>
+            </a:r>
+            <a:r>
+              <a:rPr lang="de-DE" b="1" baseline="0" dirty="0" smtClean="0"/>
+              <a:t> </a:t>
+            </a:r>
+            <a:r>
+              <a:rPr lang="de-DE" b="1" baseline="0" dirty="0" err="1" smtClean="0"/>
+              <a:t>suite</a:t>
+            </a:r>
+            <a:r>
+              <a:rPr lang="de-DE" b="1" baseline="0" dirty="0" smtClean="0"/>
+              <a:t> </a:t>
+            </a:r>
+            <a:r>
+              <a:rPr lang="de-DE" b="1" baseline="0" dirty="0" err="1" smtClean="0"/>
+              <a:t>sparse</a:t>
+            </a:r>
+            <a:r>
+              <a:rPr lang="de-DE" b="1" baseline="0" dirty="0" smtClean="0"/>
+              <a:t> </a:t>
+            </a:r>
+            <a:r>
+              <a:rPr lang="de-DE" b="1" baseline="0" dirty="0" err="1" smtClean="0"/>
+              <a:t>matrices</a:t>
+            </a:r>
+            <a:r>
+              <a:rPr lang="de-DE" b="1" baseline="0" dirty="0" smtClean="0"/>
+              <a:t> in </a:t>
+            </a:r>
+            <a:r>
+              <a:rPr lang="de-DE" b="1" baseline="0" dirty="0" err="1" smtClean="0"/>
+              <a:t>one</a:t>
+            </a:r>
+            <a:r>
+              <a:rPr lang="de-DE" b="1" baseline="0" dirty="0" smtClean="0"/>
+              <a:t> </a:t>
+            </a:r>
+            <a:r>
+              <a:rPr lang="de-DE" b="1" baseline="0" dirty="0" err="1" smtClean="0"/>
+              <a:t>size</a:t>
+            </a:r>
+            <a:r>
+              <a:rPr lang="de-DE" b="1" baseline="0" dirty="0" smtClean="0"/>
+              <a:t> </a:t>
+            </a:r>
+            <a:r>
+              <a:rPr lang="de-DE" baseline="0" dirty="0" smtClean="0"/>
+              <a:t>-&gt; </a:t>
+            </a:r>
+            <a:r>
+              <a:rPr lang="de-DE" baseline="0" dirty="0" err="1" smtClean="0"/>
+              <a:t>fetch</a:t>
+            </a:r>
+            <a:r>
+              <a:rPr lang="de-DE" baseline="0" dirty="0" smtClean="0"/>
+              <a:t> </a:t>
+            </a:r>
+            <a:r>
+              <a:rPr lang="de-DE" baseline="0" dirty="0" err="1" smtClean="0"/>
+              <a:t>and</a:t>
+            </a:r>
+            <a:r>
+              <a:rPr lang="de-DE" baseline="0" dirty="0" smtClean="0"/>
+              <a:t> </a:t>
+            </a:r>
+            <a:r>
+              <a:rPr lang="de-DE" baseline="0" dirty="0" err="1" smtClean="0"/>
+              <a:t>cut</a:t>
+            </a:r>
+            <a:endParaRPr lang="de-DE" baseline="0" dirty="0" smtClean="0"/>
+          </a:p>
+          <a:p>
+            <a:r>
+              <a:rPr lang="de-DE" dirty="0" smtClean="0"/>
+              <a:t>-</a:t>
+            </a:r>
+            <a:r>
+              <a:rPr lang="de-DE" dirty="0" err="1" smtClean="0"/>
+              <a:t>density</a:t>
+            </a:r>
+            <a:r>
+              <a:rPr lang="de-DE" dirty="0" smtClean="0"/>
+              <a:t>: </a:t>
+            </a:r>
+            <a:r>
+              <a:rPr lang="en-GB" sz="1200" kern="1200" dirty="0" smtClean="0">
+                <a:solidFill>
+                  <a:schemeClr val="tx1"/>
+                </a:solidFill>
+                <a:effectLst/>
+                <a:latin typeface="+mn-lt"/>
+                <a:ea typeface="+mn-ea"/>
+                <a:cs typeface="+mn-cs"/>
+              </a:rPr>
+              <a:t>we </a:t>
+            </a:r>
+            <a:r>
+              <a:rPr lang="en-GB" sz="1200" b="1" kern="1200" dirty="0" smtClean="0">
+                <a:solidFill>
+                  <a:schemeClr val="tx1"/>
+                </a:solidFill>
+                <a:effectLst/>
+                <a:latin typeface="+mn-lt"/>
+                <a:ea typeface="+mn-ea"/>
+                <a:cs typeface="+mn-cs"/>
+              </a:rPr>
+              <a:t>couldn't guarantee</a:t>
+            </a:r>
+            <a:r>
+              <a:rPr lang="en-GB" sz="1200" kern="1200" dirty="0" smtClean="0">
+                <a:solidFill>
+                  <a:schemeClr val="tx1"/>
+                </a:solidFill>
+                <a:effectLst/>
+                <a:latin typeface="+mn-lt"/>
+                <a:ea typeface="+mn-ea"/>
+                <a:cs typeface="+mn-cs"/>
+              </a:rPr>
+              <a:t> that the fetched and cut matrices from Suite Sparse have the wanted density.</a:t>
             </a:r>
             <a:endParaRPr lang="en-US" dirty="0"/>
           </a:p>
@@ -1007,6 +1075,58 @@
               <a:tabLst/>
               <a:defRPr/>
             </a:pPr>
+            <a:r>
+              <a:rPr lang="de-DE" dirty="0" smtClean="0"/>
+              <a:t>Just</a:t>
+            </a:r>
+            <a:r>
+              <a:rPr lang="de-DE" baseline="0" dirty="0" smtClean="0"/>
+              <a:t> </a:t>
+            </a:r>
+            <a:r>
+              <a:rPr lang="de-DE" baseline="0" dirty="0" err="1" smtClean="0"/>
+              <a:t>four</a:t>
+            </a:r>
+            <a:r>
+              <a:rPr lang="de-DE" baseline="0" dirty="0" smtClean="0"/>
+              <a:t> </a:t>
+            </a:r>
+            <a:r>
+              <a:rPr lang="de-DE" baseline="0" dirty="0" err="1" smtClean="0"/>
+              <a:t>solvers</a:t>
+            </a:r>
+            <a:r>
+              <a:rPr lang="de-DE" baseline="0" dirty="0" smtClean="0"/>
+              <a:t>: </a:t>
+            </a:r>
+            <a:r>
+              <a:rPr lang="de-DE" baseline="0" dirty="0" err="1" smtClean="0"/>
+              <a:t>one</a:t>
+            </a:r>
+            <a:r>
+              <a:rPr lang="de-DE" baseline="0" dirty="0" smtClean="0"/>
+              <a:t> </a:t>
+            </a:r>
+            <a:r>
+              <a:rPr lang="de-DE" baseline="0" dirty="0" err="1" smtClean="0"/>
+              <a:t>solver</a:t>
+            </a:r>
+            <a:r>
+              <a:rPr lang="de-DE" baseline="0" dirty="0" smtClean="0"/>
+              <a:t> was not </a:t>
+            </a:r>
+            <a:r>
+              <a:rPr lang="de-DE" baseline="0" dirty="0" err="1" smtClean="0"/>
+              <a:t>working</a:t>
+            </a:r>
+            <a:r>
+              <a:rPr lang="de-DE" baseline="0" dirty="0" smtClean="0"/>
+              <a:t> </a:t>
+            </a:r>
+            <a:r>
+              <a:rPr lang="de-DE" baseline="0" dirty="0" err="1" smtClean="0"/>
+              <a:t>properly</a:t>
+            </a:r>
             <a:endParaRPr lang="en-US" dirty="0"/>
           </a:p>
         </p:txBody>
@@ -1093,10 +1213,14 @@
           <a:p>
             <a:r>
               <a:rPr lang="de-DE" dirty="0" smtClean="0"/>
-              <a:t>-Matrix </a:t>
-            </a:r>
-            <a:r>
-              <a:rPr lang="de-DE" dirty="0" err="1" smtClean="0"/>
+              <a:t>-</a:t>
+            </a:r>
+            <a:r>
+              <a:rPr lang="de-DE" u="sng" dirty="0" smtClean="0"/>
+              <a:t>Matrix </a:t>
+            </a:r>
+            <a:r>
+              <a:rPr lang="de-DE" u="sng" dirty="0" err="1" smtClean="0"/>
               <a:t>class</a:t>
             </a:r>
             <a:r>
@@ -1117,27 +1241,83 @@
             </a:r>
             <a:r>
               <a:rPr lang="de-DE" dirty="0" smtClean="0"/>
-              <a:t> not </a:t>
-            </a:r>
-            <a:r>
-              <a:rPr lang="de-DE" dirty="0" err="1" smtClean="0"/>
+              <a:t> </a:t>
+            </a:r>
+            <a:r>
+              <a:rPr lang="de-DE" b="1" dirty="0" smtClean="0"/>
+              <a:t>not </a:t>
+            </a:r>
+            <a:r>
+              <a:rPr lang="de-DE" b="1" dirty="0" err="1" smtClean="0"/>
               <a:t>usefull</a:t>
             </a:r>
             <a:r>
-              <a:rPr lang="de-DE" dirty="0" smtClean="0"/>
+              <a:rPr lang="de-DE" b="1" dirty="0" smtClean="0"/>
               <a:t> </a:t>
             </a:r>
             <a:r>
-              <a:rPr lang="de-DE" dirty="0" err="1" smtClean="0"/>
+              <a:rPr lang="de-DE" b="1" dirty="0" err="1" smtClean="0"/>
               <a:t>to</a:t>
             </a:r>
             <a:r>
+              <a:rPr lang="de-DE" b="1" baseline="0" dirty="0" smtClean="0"/>
+              <a:t> handle </a:t>
+            </a:r>
+            <a:r>
+              <a:rPr lang="de-DE" b="1" baseline="0" dirty="0" err="1" smtClean="0"/>
+              <a:t>every</a:t>
+            </a:r>
+            <a:r>
+              <a:rPr lang="de-DE" b="1" baseline="0" dirty="0" smtClean="0"/>
+              <a:t> </a:t>
+            </a:r>
+            <a:r>
+              <a:rPr lang="de-DE" b="1" baseline="0" dirty="0" err="1" smtClean="0"/>
+              <a:t>matrix</a:t>
+            </a:r>
+            <a:r>
+              <a:rPr lang="de-DE" b="1" baseline="0" dirty="0" smtClean="0"/>
+              <a:t> </a:t>
+            </a:r>
+            <a:r>
+              <a:rPr lang="de-DE" b="1" baseline="0" dirty="0" err="1" smtClean="0"/>
+              <a:t>by</a:t>
+            </a:r>
+            <a:r>
+              <a:rPr lang="de-DE" b="1" baseline="0" dirty="0" smtClean="0"/>
+              <a:t> </a:t>
+            </a:r>
+            <a:r>
+              <a:rPr lang="de-DE" b="1" baseline="0" dirty="0" err="1" smtClean="0"/>
+              <a:t>it‘s</a:t>
+            </a:r>
+            <a:r>
+              <a:rPr lang="de-DE" b="1" baseline="0" dirty="0" smtClean="0"/>
+              <a:t> </a:t>
+            </a:r>
+            <a:r>
+              <a:rPr lang="de-DE" b="1" baseline="0" dirty="0" err="1" smtClean="0"/>
+              <a:t>own</a:t>
+            </a:r>
+            <a:r>
+              <a:rPr lang="de-DE" b="1" baseline="0" dirty="0" smtClean="0"/>
+              <a:t> </a:t>
+            </a:r>
+            <a:r>
               <a:rPr lang="de-DE" baseline="0" dirty="0" smtClean="0"/>
-              <a:t> handle </a:t>
+              <a:t>-&gt; </a:t>
             </a:r>
             <a:r>
               <a:rPr lang="de-DE" baseline="0" dirty="0" err="1" smtClean="0"/>
-              <a:t>every</a:t>
+              <a:t>instead</a:t>
+            </a:r>
+            <a:r>
+              <a:rPr lang="de-DE" baseline="0" dirty="0" smtClean="0"/>
+              <a:t>: </a:t>
+            </a:r>
+            <a:r>
+              <a:rPr lang="de-DE" baseline="0" dirty="0" err="1" smtClean="0"/>
+              <a:t>numpy</a:t>
             </a:r>
             <a:r>
               <a:rPr lang="de-DE" baseline="0" dirty="0" smtClean="0"/>
@@ -1145,54 +1325,6 @@
             </a:r>
             <a:r>
               <a:rPr lang="de-DE" baseline="0" dirty="0" err="1" smtClean="0"/>
-              <a:t>matrix</a:t>
-            </a:r>
-            <a:r>
-              <a:rPr lang="de-DE" baseline="0" dirty="0" smtClean="0"/>
-              <a:t> </a:t>
-            </a:r>
-            <a:r>
-              <a:rPr lang="de-DE" baseline="0" dirty="0" err="1" smtClean="0"/>
-              <a:t>by</a:t>
-            </a:r>
-            <a:r>
-              <a:rPr lang="de-DE" baseline="0" dirty="0" smtClean="0"/>
-              <a:t> </a:t>
-            </a:r>
-            <a:r>
-              <a:rPr lang="de-DE" baseline="0" dirty="0" err="1" smtClean="0"/>
-              <a:t>it‘s</a:t>
-            </a:r>
-            <a:r>
-              <a:rPr lang="de-DE" baseline="0" dirty="0" smtClean="0"/>
-              <a:t> </a:t>
-            </a:r>
-            <a:r>
-              <a:rPr lang="de-DE" baseline="0" dirty="0" err="1" smtClean="0"/>
-              <a:t>own</a:t>
-            </a:r>
-            <a:r>
-              <a:rPr lang="de-DE" baseline="0" dirty="0" smtClean="0"/>
-              <a:t> -&gt; </a:t>
-            </a:r>
-            <a:r>
-              <a:rPr lang="de-DE" baseline="0" dirty="0" err="1" smtClean="0"/>
-              <a:t>instead</a:t>
-            </a:r>
-            <a:r>
-              <a:rPr lang="de-DE" baseline="0" dirty="0" smtClean="0"/>
-              <a:t>: </a:t>
-            </a:r>
-            <a:r>
-              <a:rPr lang="de-DE" baseline="0" dirty="0" err="1" smtClean="0"/>
-              <a:t>numpy</a:t>
-            </a:r>
-            <a:r>
-              <a:rPr lang="de-DE" baseline="0" dirty="0" smtClean="0"/>
-              <a:t> </a:t>
-            </a:r>
-            <a:r>
-              <a:rPr lang="de-DE" baseline="0" dirty="0" err="1" smtClean="0"/>
               <a:t>arrays</a:t>
             </a:r>
             <a:endParaRPr lang="de-DE" baseline="0" dirty="0" smtClean="0"/>
@@ -1203,43 +1335,43 @@
               <a:t>-</a:t>
             </a:r>
             <a:r>
-              <a:rPr lang="de-DE" dirty="0" err="1" smtClean="0"/>
+              <a:rPr lang="de-DE" u="sng" dirty="0" err="1" smtClean="0"/>
               <a:t>changed</a:t>
             </a:r>
             <a:r>
-              <a:rPr lang="de-DE" dirty="0" smtClean="0"/>
+              <a:rPr lang="de-DE" u="sng" dirty="0" smtClean="0"/>
               <a:t> </a:t>
             </a:r>
             <a:r>
-              <a:rPr lang="de-DE" dirty="0" err="1" smtClean="0"/>
+              <a:rPr lang="de-DE" u="sng" dirty="0" err="1" smtClean="0"/>
               <a:t>to</a:t>
             </a:r>
             <a:r>
-              <a:rPr lang="de-DE" baseline="0" dirty="0" smtClean="0"/>
+              <a:rPr lang="de-DE" u="sng" baseline="0" dirty="0" smtClean="0"/>
               <a:t> </a:t>
             </a:r>
             <a:r>
-              <a:rPr lang="de-DE" dirty="0" err="1" smtClean="0"/>
+              <a:rPr lang="de-DE" u="sng" dirty="0" err="1" smtClean="0"/>
               <a:t>abstrac</a:t>
             </a:r>
             <a:r>
-              <a:rPr lang="de-DE" baseline="0" dirty="0" err="1" smtClean="0"/>
+              <a:rPr lang="de-DE" u="sng" baseline="0" dirty="0" err="1" smtClean="0"/>
               <a:t>t</a:t>
             </a:r>
             <a:r>
-              <a:rPr lang="de-DE" baseline="0" dirty="0" smtClean="0"/>
+              <a:rPr lang="de-DE" u="sng" baseline="0" dirty="0" smtClean="0"/>
               <a:t> </a:t>
             </a:r>
             <a:r>
-              <a:rPr lang="de-DE" baseline="0" dirty="0" err="1" smtClean="0"/>
+              <a:rPr lang="de-DE" u="sng" baseline="0" dirty="0" err="1" smtClean="0"/>
               <a:t>command</a:t>
             </a:r>
             <a:r>
-              <a:rPr lang="de-DE" baseline="0" dirty="0" smtClean="0"/>
+              <a:rPr lang="de-DE" u="sng" baseline="0" dirty="0" smtClean="0"/>
               <a:t> </a:t>
             </a:r>
             <a:r>
-              <a:rPr lang="de-DE" baseline="0" dirty="0" err="1" smtClean="0"/>
+              <a:rPr lang="de-DE" u="sng" baseline="0" dirty="0" err="1" smtClean="0"/>
               <a:t>class</a:t>
             </a:r>
             <a:r>
@@ -1256,12 +1388,10 @@
                 <a:ea typeface="+mn-ea"/>
                 <a:cs typeface="+mn-cs"/>
               </a:rPr>
-              <a:t>to reduce redundancy of the code</a:t>
-            </a:r>
-          </a:p>
-          <a:p>
-            <a:r>
-              <a:rPr lang="en-GB" sz="1200" kern="1200" dirty="0" smtClean="0">
+              <a:t>to </a:t>
+            </a:r>
+            <a:r>
+              <a:rPr lang="en-GB" sz="1200" b="1" kern="1200" dirty="0" smtClean="0">
                 <a:solidFill>
                   <a:schemeClr val="tx1"/>
                 </a:solidFill>
@@ -1270,10 +1400,8 @@
                 <a:ea typeface="+mn-ea"/>
                 <a:cs typeface="+mn-cs"/>
               </a:rPr>
-              <a:t>-density: couldn't guarantee that the fetched and cut matrices from Suite Sparse have the wanted density</a:t>
-            </a:r>
-          </a:p>
-          <a:p>
+              <a:t>reduce redundancy </a:t>
+            </a:r>
             <a:r>
               <a:rPr lang="en-GB" sz="1200" kern="1200" dirty="0" smtClean="0">
                 <a:solidFill>
@@ -1284,7 +1412,7 @@
                 <a:ea typeface="+mn-ea"/>
                 <a:cs typeface="+mn-cs"/>
               </a:rPr>
-              <a:t>-help command: so the user is able to get an overview which commands can be executed</a:t>
+              <a:t>of the code</a:t>
             </a:r>
           </a:p>
           <a:p>
@@ -1301,7 +1429,131 @@
               <a:t>-</a:t>
             </a:r>
             <a:r>
-              <a:rPr lang="en-GB" sz="1200" kern="1200" dirty="0" err="1" smtClean="0">
+              <a:rPr lang="en-GB" sz="1200" u="sng" kern="1200" dirty="0" smtClean="0">
+                <a:solidFill>
+                  <a:schemeClr val="tx1"/>
+                </a:solidFill>
+                <a:effectLst/>
+                <a:latin typeface="+mn-lt"/>
+                <a:ea typeface="+mn-ea"/>
+                <a:cs typeface="+mn-cs"/>
+              </a:rPr>
+              <a:t>density</a:t>
+            </a:r>
+            <a:r>
+              <a:rPr lang="en-GB" sz="1200" kern="1200" dirty="0" smtClean="0">
+                <a:solidFill>
+                  <a:schemeClr val="tx1"/>
+                </a:solidFill>
+                <a:effectLst/>
+                <a:latin typeface="+mn-lt"/>
+                <a:ea typeface="+mn-ea"/>
+                <a:cs typeface="+mn-cs"/>
+              </a:rPr>
+              <a:t>: couldn't guarantee that the fetched and cut matrices from Suite Sparse have the wanted density</a:t>
+            </a:r>
+          </a:p>
+          <a:p>
+            <a:r>
+              <a:rPr lang="en-GB" sz="1200" kern="1200" dirty="0" smtClean="0">
+                <a:solidFill>
+                  <a:schemeClr val="tx1"/>
+                </a:solidFill>
+                <a:effectLst/>
+                <a:latin typeface="+mn-lt"/>
+                <a:ea typeface="+mn-ea"/>
+                <a:cs typeface="+mn-cs"/>
+              </a:rPr>
+              <a:t>-</a:t>
+            </a:r>
+            <a:r>
+              <a:rPr lang="en-GB" sz="1200" u="sng" kern="1200" dirty="0" smtClean="0">
+                <a:solidFill>
+                  <a:schemeClr val="tx1"/>
+                </a:solidFill>
+                <a:effectLst/>
+                <a:latin typeface="+mn-lt"/>
+                <a:ea typeface="+mn-ea"/>
+                <a:cs typeface="+mn-cs"/>
+              </a:rPr>
+              <a:t>help</a:t>
+            </a:r>
+            <a:r>
+              <a:rPr lang="en-GB" sz="1200" kern="1200" dirty="0" smtClean="0">
+                <a:solidFill>
+                  <a:schemeClr val="tx1"/>
+                </a:solidFill>
+                <a:effectLst/>
+                <a:latin typeface="+mn-lt"/>
+                <a:ea typeface="+mn-ea"/>
+                <a:cs typeface="+mn-cs"/>
+              </a:rPr>
+              <a:t> </a:t>
+            </a:r>
+            <a:r>
+              <a:rPr lang="en-GB" sz="1200" u="sng" kern="1200" dirty="0" smtClean="0">
+                <a:solidFill>
+                  <a:schemeClr val="tx1"/>
+                </a:solidFill>
+                <a:effectLst/>
+                <a:latin typeface="+mn-lt"/>
+                <a:ea typeface="+mn-ea"/>
+                <a:cs typeface="+mn-cs"/>
+              </a:rPr>
+              <a:t>command</a:t>
+            </a:r>
+            <a:r>
+              <a:rPr lang="en-GB" sz="1200" kern="1200" dirty="0" smtClean="0">
+                <a:solidFill>
+                  <a:schemeClr val="tx1"/>
+                </a:solidFill>
+                <a:effectLst/>
+                <a:latin typeface="+mn-lt"/>
+                <a:ea typeface="+mn-ea"/>
+                <a:cs typeface="+mn-cs"/>
+              </a:rPr>
+              <a:t>: so the </a:t>
+            </a:r>
+            <a:r>
+              <a:rPr lang="en-GB" sz="1200" b="1" kern="1200" dirty="0" smtClean="0">
+                <a:solidFill>
+                  <a:schemeClr val="tx1"/>
+                </a:solidFill>
+                <a:effectLst/>
+                <a:latin typeface="+mn-lt"/>
+                <a:ea typeface="+mn-ea"/>
+                <a:cs typeface="+mn-cs"/>
+              </a:rPr>
+              <a:t>user is able to get an overview </a:t>
+            </a:r>
+            <a:r>
+              <a:rPr lang="en-GB" sz="1200" kern="1200" dirty="0" smtClean="0">
+                <a:solidFill>
+                  <a:schemeClr val="tx1"/>
+                </a:solidFill>
+                <a:effectLst/>
+                <a:latin typeface="+mn-lt"/>
+                <a:ea typeface="+mn-ea"/>
+                <a:cs typeface="+mn-cs"/>
+              </a:rPr>
+              <a:t>which commands can be executed</a:t>
+            </a:r>
+          </a:p>
+          <a:p>
+            <a:r>
+              <a:rPr lang="en-GB" sz="1200" kern="1200" dirty="0" smtClean="0">
+                <a:solidFill>
+                  <a:schemeClr val="tx1"/>
+                </a:solidFill>
+                <a:effectLst/>
+                <a:latin typeface="+mn-lt"/>
+                <a:ea typeface="+mn-ea"/>
+                <a:cs typeface="+mn-cs"/>
+              </a:rPr>
+              <a:t>-</a:t>
+            </a:r>
+            <a:r>
+              <a:rPr lang="en-GB" sz="1200" u="sng" kern="1200" dirty="0" err="1" smtClean="0">
                 <a:solidFill>
                   <a:schemeClr val="tx1"/>
                 </a:solidFill>
@@ -1346,7 +1598,55 @@
                 <a:ea typeface="+mn-ea"/>
                 <a:cs typeface="+mn-cs"/>
               </a:rPr>
-              <a:t>the user is able to update the file, where all the matrices ID's are listed</a:t>
+              <a:t>the user is able to </a:t>
+            </a:r>
+            <a:r>
+              <a:rPr lang="en-GB" sz="1200" b="1" kern="1200" dirty="0" smtClean="0">
+                <a:solidFill>
+                  <a:schemeClr val="tx1"/>
+                </a:solidFill>
+                <a:effectLst/>
+                <a:latin typeface="+mn-lt"/>
+                <a:ea typeface="+mn-ea"/>
+                <a:cs typeface="+mn-cs"/>
+              </a:rPr>
+              <a:t>update the file</a:t>
+            </a:r>
+            <a:r>
+              <a:rPr lang="en-GB" sz="1200" kern="1200" dirty="0" smtClean="0">
+                <a:solidFill>
+                  <a:schemeClr val="tx1"/>
+                </a:solidFill>
+                <a:effectLst/>
+                <a:latin typeface="+mn-lt"/>
+                <a:ea typeface="+mn-ea"/>
+                <a:cs typeface="+mn-cs"/>
+              </a:rPr>
+              <a:t>, where all the </a:t>
+            </a:r>
+            <a:r>
+              <a:rPr lang="en-GB" sz="1200" b="1" kern="1200" dirty="0" smtClean="0">
+                <a:solidFill>
+                  <a:schemeClr val="tx1"/>
+                </a:solidFill>
+                <a:effectLst/>
+                <a:latin typeface="+mn-lt"/>
+                <a:ea typeface="+mn-ea"/>
+                <a:cs typeface="+mn-cs"/>
+              </a:rPr>
+              <a:t>matrices ID's</a:t>
+            </a:r>
+            <a:r>
+              <a:rPr lang="en-GB" sz="1200" kern="1200" dirty="0" smtClean="0">
+                <a:solidFill>
+                  <a:schemeClr val="tx1"/>
+                </a:solidFill>
+                <a:effectLst/>
+                <a:latin typeface="+mn-lt"/>
+                <a:ea typeface="+mn-ea"/>
+                <a:cs typeface="+mn-cs"/>
+              </a:rPr>
+              <a:t> are listed</a:t>
             </a:r>
             <a:endParaRPr lang="en-US" dirty="0"/>
           </a:p>
@@ -1432,6 +1732,52 @@
           <a:bodyPr/>
           <a:lstStyle/>
           <a:p>
+            <a:r>
+              <a:rPr lang="de-DE" dirty="0" smtClean="0"/>
+              <a:t>Delays: </a:t>
+            </a:r>
+          </a:p>
+          <a:p>
+            <a:r>
+              <a:rPr lang="de-DE" dirty="0" err="1" smtClean="0"/>
+              <a:t>Labeling</a:t>
+            </a:r>
+            <a:r>
+              <a:rPr lang="de-DE" baseline="0" dirty="0" smtClean="0"/>
+              <a:t> </a:t>
+            </a:r>
+            <a:r>
+              <a:rPr lang="de-DE" baseline="0" dirty="0" err="1" smtClean="0"/>
+              <a:t>module</a:t>
+            </a:r>
+            <a:r>
+              <a:rPr lang="de-DE" baseline="0" dirty="0" smtClean="0"/>
+              <a:t> </a:t>
+            </a:r>
+            <a:r>
+              <a:rPr lang="de-DE" baseline="0" dirty="0" smtClean="0">
+                <a:sym typeface="Wingdings" panose="05000000000000000000" pitchFamily="2" charset="2"/>
+              </a:rPr>
+              <a:t> </a:t>
+            </a:r>
+            <a:r>
+              <a:rPr lang="de-DE" baseline="0" dirty="0" err="1" smtClean="0">
+                <a:sym typeface="Wingdings" panose="05000000000000000000" pitchFamily="2" charset="2"/>
+              </a:rPr>
+              <a:t>training</a:t>
+            </a:r>
+            <a:r>
+              <a:rPr lang="de-DE" baseline="0" dirty="0" smtClean="0">
+                <a:sym typeface="Wingdings" panose="05000000000000000000" pitchFamily="2" charset="2"/>
+              </a:rPr>
+              <a:t>/</a:t>
+            </a:r>
+            <a:r>
+              <a:rPr lang="de-DE" baseline="0" dirty="0" err="1" smtClean="0">
+                <a:sym typeface="Wingdings" panose="05000000000000000000" pitchFamily="2" charset="2"/>
+              </a:rPr>
+              <a:t>classifier</a:t>
+            </a:r>
             <a:endParaRPr lang="en-US" dirty="0"/>
           </a:p>
         </p:txBody>
@@ -1597,6 +1943,90 @@
 </file>
 
 <file path=ppt/notesSlides/notesSlide7.xml><?xml version="1.0" encoding="utf-8"?>
+<p:notes xmlns:a="http://schemas.openxmlformats.org/drawingml/2006/main" xmlns:r="http://schemas.openxmlformats.org/officeDocument/2006/relationships" xmlns:p="http://schemas.openxmlformats.org/presentationml/2006/main">
+  <p:cSld>
+    <p:spTree>
+      <p:nvGrpSpPr>
+        <p:cNvPr id="1" name=""/>
+        <p:cNvGrpSpPr/>
+        <p:nvPr/>
+      </p:nvGrpSpPr>
+      <p:grpSpPr>
+        <a:xfrm>
+          <a:off x="0" y="0"/>
+          <a:ext cx="0" cy="0"/>
+          <a:chOff x="0" y="0"/>
+          <a:chExt cx="0" cy="0"/>
+        </a:xfrm>
+      </p:grpSpPr>
+      <p:sp>
+        <p:nvSpPr>
+          <p:cNvPr id="2" name="Folienbildplatzhalter 1"/>
+          <p:cNvSpPr>
+            <a:spLocks noGrp="1" noRot="1" noChangeAspect="1"/>
+          </p:cNvSpPr>
+          <p:nvPr>
+            <p:ph type="sldImg"/>
+          </p:nvPr>
+        </p:nvSpPr>
+        <p:spPr/>
+      </p:sp>
+      <p:sp>
+        <p:nvSpPr>
+          <p:cNvPr id="3" name="Notizenplatzhalter 2"/>
+          <p:cNvSpPr>
+            <a:spLocks noGrp="1"/>
+          </p:cNvSpPr>
+          <p:nvPr>
+            <p:ph type="body" idx="1"/>
+          </p:nvPr>
+        </p:nvSpPr>
+        <p:spPr/>
+        <p:txBody>
+          <a:bodyPr/>
+          <a:lstStyle/>
+          <a:p>
+            <a:endParaRPr lang="en-US" dirty="0"/>
+          </a:p>
+        </p:txBody>
+      </p:sp>
+      <p:sp>
+        <p:nvSpPr>
+          <p:cNvPr id="4" name="Foliennummernplatzhalter 3"/>
+          <p:cNvSpPr>
+            <a:spLocks noGrp="1"/>
+          </p:cNvSpPr>
+          <p:nvPr>
+            <p:ph type="sldNum" sz="quarter" idx="10"/>
+          </p:nvPr>
+        </p:nvSpPr>
+        <p:spPr/>
+        <p:txBody>
+          <a:bodyPr/>
+          <a:lstStyle/>
+          <a:p>
+            <a:fld id="{24D1A8A2-5E23-4C5A-A0E7-D0AE6A30F738}" type="slidenum">
+              <a:rPr lang="en-US" smtClean="0"/>
+              <a:t>7</a:t>
+            </a:fld>
+            <a:endParaRPr lang="en-US" dirty="0"/>
+          </a:p>
+        </p:txBody>
+      </p:sp>
+    </p:spTree>
+    <p:extLst>
+      <p:ext uri="{BB962C8B-B14F-4D97-AF65-F5344CB8AC3E}">
+        <p14:creationId xmlns:p14="http://schemas.microsoft.com/office/powerpoint/2010/main" val="313055782"/>
+      </p:ext>
+    </p:extLst>
+  </p:cSld>
+  <p:clrMapOvr>
+    <a:masterClrMapping/>
+  </p:clrMapOvr>
+</p:notes>
+</file>
+
+<file path=ppt/notesSlides/notesSlide8.xml><?xml version="1.0" encoding="utf-8"?>
 <p:notes xmlns:a="http://schemas.openxmlformats.org/drawingml/2006/main" xmlns:r="http://schemas.openxmlformats.org/officeDocument/2006/relationships" xmlns:p="http://schemas.openxmlformats.org/presentationml/2006/main">
   <p:cSld>
     <p:spTree>
@@ -2425,7 +2855,7 @@
           <a:p>
             <a:fld id="{E4FDFFB9-18E2-4EA1-B97A-6C80F6CB2F4B}" type="datetime1">
               <a:rPr lang="en-US" smtClean="0"/>
-              <a:t>2/4/2019</a:t>
+              <a:t>2/6/2019</a:t>
             </a:fld>
             <a:endParaRPr lang="en-US" dirty="0"/>
           </a:p>
@@ -2676,7 +3106,7 @@
           <a:p>
             <a:fld id="{538C6AD1-0133-4D50-885A-DB0616740B78}" type="datetime1">
               <a:rPr lang="en-US" smtClean="0"/>
-              <a:t>2/4/2019</a:t>
+              <a:t>2/6/2019</a:t>
             </a:fld>
             <a:endParaRPr lang="en-US" dirty="0"/>
           </a:p>
@@ -2990,7 +3420,7 @@
           <a:p>
             <a:fld id="{BBB600C2-3414-4625-9C57-C78C4B0BCCFC}" type="datetime1">
               <a:rPr lang="en-US" smtClean="0"/>
-              <a:t>2/4/2019</a:t>
+              <a:t>2/6/2019</a:t>
             </a:fld>
             <a:endParaRPr lang="en-US" dirty="0"/>
           </a:p>
@@ -3323,7 +3753,7 @@
           <a:p>
             <a:fld id="{DF8382F9-714E-4D45-8DD9-F9FED6016577}" type="datetime1">
               <a:rPr lang="en-US" smtClean="0"/>
-              <a:t>2/4/2019</a:t>
+              <a:t>2/6/2019</a:t>
             </a:fld>
             <a:endParaRPr lang="en-US" dirty="0"/>
           </a:p>
@@ -3637,7 +4067,7 @@
           <a:p>
             <a:fld id="{67CAB8A5-B274-487C-96BD-ED5BEE673119}" type="datetime1">
               <a:rPr lang="en-US" smtClean="0"/>
-              <a:t>2/4/2019</a:t>
+              <a:t>2/6/2019</a:t>
             </a:fld>
             <a:endParaRPr lang="en-US" dirty="0"/>
           </a:p>
@@ -4030,7 +4460,7 @@
           <a:p>
             <a:fld id="{510A4B09-17A0-4F78-B476-F64B2F5F5926}" type="datetime1">
               <a:rPr lang="en-US" smtClean="0"/>
-              <a:t>2/4/2019</a:t>
+              <a:t>2/6/2019</a:t>
             </a:fld>
             <a:endParaRPr lang="en-US" dirty="0"/>
           </a:p>
@@ -4200,7 +4630,7 @@
           <a:p>
             <a:fld id="{76296E15-4945-4016-B646-1BD034F46E31}" type="datetime1">
               <a:rPr lang="en-US" smtClean="0"/>
-              <a:t>2/4/2019</a:t>
+              <a:t>2/6/2019</a:t>
             </a:fld>
             <a:endParaRPr lang="en-US" dirty="0"/>
           </a:p>
@@ -4380,7 +4810,7 @@
           <a:p>
             <a:fld id="{9BBBCC22-8ECB-4856-9B03-F706EFF7F527}" type="datetime1">
               <a:rPr lang="en-US" smtClean="0"/>
-              <a:t>2/4/2019</a:t>
+              <a:t>2/6/2019</a:t>
             </a:fld>
             <a:endParaRPr lang="en-US" dirty="0"/>
           </a:p>
@@ -4550,7 +4980,7 @@
           <a:p>
             <a:fld id="{813FDD1C-A247-42E7-9F17-405298C5A8E2}" type="datetime1">
               <a:rPr lang="en-US" smtClean="0"/>
-              <a:t>2/4/2019</a:t>
+              <a:t>2/6/2019</a:t>
             </a:fld>
             <a:endParaRPr lang="en-US" dirty="0"/>
           </a:p>
@@ -4797,7 +5227,7 @@
           <a:p>
             <a:fld id="{EC2D8671-B4FE-43E4-9CF9-309DDD113E8B}" type="datetime1">
               <a:rPr lang="en-US" smtClean="0"/>
-              <a:t>2/4/2019</a:t>
+              <a:t>2/6/2019</a:t>
             </a:fld>
             <a:endParaRPr lang="en-US" dirty="0"/>
           </a:p>
@@ -5029,7 +5459,7 @@
           <a:p>
             <a:fld id="{13DB681E-7641-4ED1-845F-645CF236086D}" type="datetime1">
               <a:rPr lang="en-US" smtClean="0"/>
-              <a:t>2/4/2019</a:t>
+              <a:t>2/6/2019</a:t>
             </a:fld>
             <a:endParaRPr lang="en-US" dirty="0"/>
           </a:p>
@@ -5403,7 +5833,7 @@
           <a:p>
             <a:fld id="{8336604B-3724-481C-BC6C-98343040BDF1}" type="datetime1">
               <a:rPr lang="en-US" smtClean="0"/>
-              <a:t>2/4/2019</a:t>
+              <a:t>2/6/2019</a:t>
             </a:fld>
             <a:endParaRPr lang="en-US" dirty="0"/>
           </a:p>
@@ -5526,7 +5956,7 @@
           <a:p>
             <a:fld id="{0010B748-0D26-4A27-8F88-5D3B83B2191E}" type="datetime1">
               <a:rPr lang="en-US" smtClean="0"/>
-              <a:t>2/4/2019</a:t>
+              <a:t>2/6/2019</a:t>
             </a:fld>
             <a:endParaRPr lang="en-US" dirty="0"/>
           </a:p>
@@ -5621,7 +6051,7 @@
           <a:p>
             <a:fld id="{44AF75F8-E35F-4C53-8964-A01AB0B54965}" type="datetime1">
               <a:rPr lang="en-US" smtClean="0"/>
-              <a:t>2/4/2019</a:t>
+              <a:t>2/6/2019</a:t>
             </a:fld>
             <a:endParaRPr lang="en-US" dirty="0"/>
           </a:p>
@@ -5876,7 +6306,7 @@
           <a:p>
             <a:fld id="{BA574243-0F2B-4A37-B587-985DBDC0417F}" type="datetime1">
               <a:rPr lang="en-US" smtClean="0"/>
-              <a:t>2/4/2019</a:t>
+              <a:t>2/6/2019</a:t>
             </a:fld>
             <a:endParaRPr lang="en-US" dirty="0"/>
           </a:p>
@@ -6181,7 +6611,7 @@
           <a:p>
             <a:fld id="{71535B49-8E68-4A45-ADEC-92D5DA826774}" type="datetime1">
               <a:rPr lang="en-US" smtClean="0"/>
-              <a:t>2/4/2019</a:t>
+              <a:t>2/6/2019</a:t>
             </a:fld>
             <a:endParaRPr lang="en-US" dirty="0"/>
           </a:p>
@@ -6883,7 +7313,7 @@
           <a:p>
             <a:fld id="{F7A42511-B36D-43D9-9AC1-8922DE3D7232}" type="datetime1">
               <a:rPr lang="en-US" smtClean="0"/>
-              <a:t>2/4/2019</a:t>
+              <a:t>2/6/2019</a:t>
             </a:fld>
             <a:endParaRPr lang="en-US" dirty="0"/>
           </a:p>
@@ -7924,7 +8354,11 @@
             </a:pPr>
             <a:r>
               <a:rPr lang="de-DE" dirty="0" smtClean="0"/>
-              <a:t>This Optional </a:t>
+              <a:t>This </a:t>
+            </a:r>
+            <a:r>
+              <a:rPr lang="de-DE" dirty="0" smtClean="0"/>
+              <a:t>optional </a:t>
             </a:r>
             <a:r>
               <a:rPr lang="de-DE" dirty="0" err="1"/>
@@ -8101,17 +8535,24 @@
           </a:xfrm>
         </p:spPr>
         <p:txBody>
-          <a:bodyPr/>
-          <a:lstStyle/>
-          <a:p>
+          <a:bodyPr>
+            <a:normAutofit lnSpcReduction="10000"/>
+          </a:bodyPr>
+          <a:lstStyle/>
+          <a:p>
+            <a:pPr marL="0" indent="0">
+              <a:buNone/>
+            </a:pPr>
             <a:r>
               <a:rPr lang="de-DE" dirty="0" err="1" smtClean="0"/>
               <a:t>We</a:t>
             </a:r>
             <a:r>
               <a:rPr lang="de-DE" dirty="0" smtClean="0"/>
-              <a:t> </a:t>
-            </a:r>
+              <a:t>…</a:t>
+            </a:r>
+          </a:p>
+          <a:p>
             <a:r>
               <a:rPr lang="de-DE" dirty="0" err="1" smtClean="0"/>
               <a:t>didn‘t</a:t>
@@ -8145,7 +8586,11 @@
           <a:p>
             <a:r>
               <a:rPr lang="en-GB" dirty="0" smtClean="0"/>
-              <a:t>We changed the </a:t>
+              <a:t>changed </a:t>
+            </a:r>
+            <a:r>
+              <a:rPr lang="en-GB" dirty="0" smtClean="0"/>
+              <a:t>the </a:t>
             </a:r>
             <a:r>
               <a:rPr lang="en-GB" dirty="0"/>
@@ -8156,7 +8601,7 @@
           <a:p>
             <a:r>
               <a:rPr lang="en-GB" dirty="0"/>
-              <a:t>L</a:t>
+              <a:t>l</a:t>
             </a:r>
             <a:r>
               <a:rPr lang="en-GB" dirty="0" smtClean="0"/>
@@ -8419,9 +8864,12 @@
           <a:bodyPr/>
           <a:lstStyle/>
           <a:p>
+            <a:pPr marL="0" indent="0">
+              <a:buNone/>
+            </a:pPr>
             <a:r>
               <a:rPr lang="de-DE" dirty="0" err="1" smtClean="0"/>
-              <a:t>little</a:t>
+              <a:t>Labeling</a:t>
             </a:r>
             <a:r>
               <a:rPr lang="de-DE" dirty="0" smtClean="0"/>
@@ -8429,6 +8877,20 @@
             </a:r>
             <a:r>
               <a:rPr lang="de-DE" dirty="0" err="1" smtClean="0"/>
+              <a:t>module</a:t>
+            </a:r>
+            <a:r>
+              <a:rPr lang="de-DE" dirty="0" smtClean="0"/>
+              <a:t>:</a:t>
+            </a:r>
+          </a:p>
+          <a:p>
+            <a:r>
+              <a:rPr lang="de-DE" dirty="0" smtClean="0"/>
+              <a:t>Little </a:t>
+            </a:r>
+            <a:r>
+              <a:rPr lang="de-DE" dirty="0" err="1" smtClean="0"/>
               <a:t>documentation</a:t>
             </a:r>
             <a:r>
@@ -8499,8 +8961,38 @@
             </a:r>
             <a:r>
               <a:rPr lang="de-DE" dirty="0" smtClean="0"/>
-              <a:t> C++</a:t>
-            </a:r>
+              <a:t> C</a:t>
+            </a:r>
+            <a:r>
+              <a:rPr lang="de-DE" dirty="0" smtClean="0"/>
+              <a:t>++</a:t>
+            </a:r>
+          </a:p>
+          <a:p>
+            <a:pPr marL="0" indent="0">
+              <a:buNone/>
+            </a:pPr>
+            <a:r>
+              <a:rPr lang="de-DE" dirty="0" smtClean="0"/>
+              <a:t>Training/</a:t>
+            </a:r>
+            <a:r>
+              <a:rPr lang="de-DE" dirty="0" err="1" smtClean="0"/>
+              <a:t>classify</a:t>
+            </a:r>
+            <a:r>
+              <a:rPr lang="de-DE" dirty="0" smtClean="0"/>
+              <a:t> </a:t>
+            </a:r>
+            <a:r>
+              <a:rPr lang="de-DE" dirty="0" err="1" smtClean="0"/>
+              <a:t>module</a:t>
+            </a:r>
+            <a:r>
+              <a:rPr lang="de-DE" dirty="0" smtClean="0"/>
+              <a:t>:</a:t>
+            </a:r>
+            <a:endParaRPr lang="de-DE" dirty="0" smtClean="0"/>
           </a:p>
           <a:p>
             <a:r>
@@ -8525,8 +9017,9 @@
             </a:r>
             <a:r>
               <a:rPr lang="en-GB" dirty="0" smtClean="0"/>
-              <a:t>module</a:t>
-            </a:r>
+              <a:t>module, because of the labelling module</a:t>
+            </a:r>
+            <a:endParaRPr lang="en-GB" dirty="0" smtClean="0"/>
           </a:p>
           <a:p>
             <a:endParaRPr lang="en-US" dirty="0"/>
@@ -8682,8 +9175,27 @@
             </a:r>
             <a:r>
               <a:rPr lang="de-DE" dirty="0" smtClean="0"/>
-              <a:t>: 160</a:t>
-            </a:r>
+              <a:t>: </a:t>
+            </a:r>
+            <a:r>
+              <a:rPr lang="de-DE" dirty="0" smtClean="0"/>
+              <a:t>160</a:t>
+            </a:r>
+          </a:p>
+          <a:p>
+            <a:r>
+              <a:rPr lang="de-DE" dirty="0" smtClean="0"/>
+              <a:t>Test </a:t>
+            </a:r>
+            <a:r>
+              <a:rPr lang="de-DE" dirty="0" err="1" smtClean="0"/>
+              <a:t>coverage</a:t>
+            </a:r>
+            <a:r>
+              <a:rPr lang="de-DE" dirty="0" smtClean="0"/>
+              <a:t>: 80%</a:t>
+            </a:r>
+            <a:endParaRPr lang="de-DE" dirty="0" smtClean="0"/>
           </a:p>
           <a:p>
             <a:r>
@@ -8989,64 +9501,16 @@
               <a:rPr lang="de-DE" dirty="0" err="1" smtClean="0"/>
               <a:t>week</a:t>
             </a:r>
-            <a:endParaRPr lang="de-DE" dirty="0" smtClean="0"/>
-          </a:p>
-          <a:p>
-            <a:r>
-              <a:rPr lang="de-DE" dirty="0" err="1" smtClean="0"/>
-              <a:t>How</a:t>
-            </a:r>
-            <a:r>
-              <a:rPr lang="de-DE" dirty="0" smtClean="0"/>
-              <a:t> was GIT </a:t>
-            </a:r>
-            <a:r>
-              <a:rPr lang="de-DE" dirty="0" err="1" smtClean="0"/>
-              <a:t>used</a:t>
-            </a:r>
-            <a:r>
-              <a:rPr lang="de-DE" dirty="0" smtClean="0"/>
-              <a:t>? Was </a:t>
-            </a:r>
-            <a:r>
-              <a:rPr lang="de-DE" dirty="0" err="1" smtClean="0"/>
-              <a:t>the</a:t>
-            </a:r>
             <a:r>
               <a:rPr lang="de-DE" dirty="0" smtClean="0"/>
               <a:t> </a:t>
             </a:r>
-            <a:r>
-              <a:rPr lang="de-DE" dirty="0" err="1" smtClean="0"/>
-              <a:t>merging</a:t>
-            </a:r>
+            <a:endParaRPr lang="de-DE" dirty="0" smtClean="0"/>
+          </a:p>
+          <a:p>
             <a:r>
               <a:rPr lang="de-DE" dirty="0" smtClean="0"/>
-              <a:t> on </a:t>
-            </a:r>
-            <a:r>
-              <a:rPr lang="de-DE" dirty="0" err="1" smtClean="0"/>
-              <a:t>the</a:t>
-            </a:r>
-            <a:r>
-              <a:rPr lang="de-DE" dirty="0" smtClean="0"/>
-              <a:t> </a:t>
-            </a:r>
-            <a:r>
-              <a:rPr lang="de-DE" dirty="0" err="1" smtClean="0"/>
-              <a:t>master</a:t>
-            </a:r>
-            <a:r>
-              <a:rPr lang="de-DE" dirty="0" smtClean="0"/>
-              <a:t> </a:t>
-            </a:r>
-            <a:r>
-              <a:rPr lang="de-DE" dirty="0" err="1" smtClean="0"/>
-              <a:t>restricted</a:t>
-            </a:r>
-            <a:r>
-              <a:rPr lang="de-DE" dirty="0" smtClean="0"/>
-              <a:t>? </a:t>
+              <a:t>GIT:</a:t>
             </a:r>
             <a:endParaRPr lang="en-US" dirty="0"/>
           </a:p>

--- a/Implementation Sheet/Impl_sheet_presentation.pptx
+++ b/Implementation Sheet/Impl_sheet_presentation.pptx
@@ -2027,6 +2027,589 @@
 </file>
 
 <file path=ppt/notesSlides/notesSlide8.xml><?xml version="1.0" encoding="utf-8"?>
+<p:notes xmlns:a="http://schemas.openxmlformats.org/drawingml/2006/main" xmlns:r="http://schemas.openxmlformats.org/officeDocument/2006/relationships" xmlns:p="http://schemas.openxmlformats.org/presentationml/2006/main">
+  <p:cSld>
+    <p:spTree>
+      <p:nvGrpSpPr>
+        <p:cNvPr id="1" name=""/>
+        <p:cNvGrpSpPr/>
+        <p:nvPr/>
+      </p:nvGrpSpPr>
+      <p:grpSpPr>
+        <a:xfrm>
+          <a:off x="0" y="0"/>
+          <a:ext cx="0" cy="0"/>
+          <a:chOff x="0" y="0"/>
+          <a:chExt cx="0" cy="0"/>
+        </a:xfrm>
+      </p:grpSpPr>
+      <p:sp>
+        <p:nvSpPr>
+          <p:cNvPr id="2" name="Folienbildplatzhalter 1"/>
+          <p:cNvSpPr>
+            <a:spLocks noGrp="1" noRot="1" noChangeAspect="1"/>
+          </p:cNvSpPr>
+          <p:nvPr>
+            <p:ph type="sldImg"/>
+          </p:nvPr>
+        </p:nvSpPr>
+        <p:spPr/>
+      </p:sp>
+      <p:sp>
+        <p:nvSpPr>
+          <p:cNvPr id="3" name="Notizenplatzhalter 2"/>
+          <p:cNvSpPr>
+            <a:spLocks noGrp="1"/>
+          </p:cNvSpPr>
+          <p:nvPr>
+            <p:ph type="body" idx="1"/>
+          </p:nvPr>
+        </p:nvSpPr>
+        <p:spPr/>
+        <p:txBody>
+          <a:bodyPr/>
+          <a:lstStyle/>
+          <a:p>
+            <a:r>
+              <a:rPr lang="de-DE" u="sng" dirty="0" err="1" smtClean="0"/>
+              <a:t>Merging</a:t>
+            </a:r>
+            <a:r>
+              <a:rPr lang="de-DE" u="sng" baseline="0" dirty="0" smtClean="0"/>
+              <a:t>: </a:t>
+            </a:r>
+            <a:r>
+              <a:rPr lang="de-DE" u="none" baseline="0" dirty="0" err="1" smtClean="0"/>
+              <a:t>branch</a:t>
+            </a:r>
+            <a:r>
+              <a:rPr lang="de-DE" u="none" baseline="0" dirty="0" smtClean="0"/>
+              <a:t> </a:t>
+            </a:r>
+            <a:r>
+              <a:rPr lang="de-DE" u="none" baseline="0" dirty="0" err="1" smtClean="0"/>
+              <a:t>need</a:t>
+            </a:r>
+            <a:r>
+              <a:rPr lang="de-DE" u="none" baseline="0" dirty="0" smtClean="0"/>
+              <a:t> </a:t>
+            </a:r>
+            <a:r>
+              <a:rPr lang="de-DE" u="none" baseline="0" dirty="0" err="1" smtClean="0"/>
+              <a:t>to</a:t>
+            </a:r>
+            <a:r>
+              <a:rPr lang="de-DE" u="none" baseline="0" dirty="0" smtClean="0"/>
+              <a:t> </a:t>
+            </a:r>
+            <a:r>
+              <a:rPr lang="de-DE" u="none" baseline="0" dirty="0" err="1" smtClean="0"/>
+              <a:t>be</a:t>
+            </a:r>
+            <a:r>
+              <a:rPr lang="de-DE" u="none" baseline="0" dirty="0" smtClean="0"/>
+              <a:t> </a:t>
+            </a:r>
+            <a:r>
+              <a:rPr lang="de-DE" u="none" baseline="0" dirty="0" err="1" smtClean="0"/>
+              <a:t>up</a:t>
+            </a:r>
+            <a:r>
+              <a:rPr lang="de-DE" u="none" baseline="0" dirty="0" smtClean="0"/>
+              <a:t> </a:t>
+            </a:r>
+            <a:r>
+              <a:rPr lang="de-DE" u="none" baseline="0" dirty="0" err="1" smtClean="0"/>
+              <a:t>to</a:t>
+            </a:r>
+            <a:r>
+              <a:rPr lang="de-DE" u="none" baseline="0" dirty="0" smtClean="0"/>
+              <a:t> </a:t>
+            </a:r>
+            <a:r>
+              <a:rPr lang="de-DE" u="none" baseline="0" dirty="0" err="1" smtClean="0"/>
+              <a:t>date</a:t>
+            </a:r>
+            <a:r>
+              <a:rPr lang="de-DE" u="none" baseline="0" dirty="0" smtClean="0"/>
+              <a:t> </a:t>
+            </a:r>
+            <a:r>
+              <a:rPr lang="de-DE" u="none" baseline="0" dirty="0" smtClean="0">
+                <a:sym typeface="Wingdings" panose="05000000000000000000" pitchFamily="2" charset="2"/>
+              </a:rPr>
+              <a:t></a:t>
+            </a:r>
+            <a:r>
+              <a:rPr lang="de-DE" u="none" baseline="0" dirty="0" smtClean="0"/>
+              <a:t> pull </a:t>
+            </a:r>
+            <a:r>
+              <a:rPr lang="de-DE" u="none" baseline="0" dirty="0" err="1" smtClean="0"/>
+              <a:t>request</a:t>
+            </a:r>
+            <a:r>
+              <a:rPr lang="de-DE" u="none" baseline="0" dirty="0" smtClean="0"/>
+              <a:t> </a:t>
+            </a:r>
+            <a:r>
+              <a:rPr lang="de-DE" u="none" baseline="0" dirty="0" smtClean="0">
+                <a:sym typeface="Wingdings" panose="05000000000000000000" pitchFamily="2" charset="2"/>
+              </a:rPr>
+              <a:t></a:t>
+            </a:r>
+            <a:r>
+              <a:rPr lang="en-US" sz="1200" kern="1200" dirty="0" smtClean="0">
+                <a:solidFill>
+                  <a:schemeClr val="tx1"/>
+                </a:solidFill>
+                <a:effectLst/>
+                <a:latin typeface="+mn-lt"/>
+                <a:ea typeface="+mn-ea"/>
+                <a:cs typeface="+mn-cs"/>
+              </a:rPr>
+              <a:t>colleagues </a:t>
+            </a:r>
+            <a:r>
+              <a:rPr lang="en-US" sz="1200" b="1" kern="1200" dirty="0" smtClean="0">
+                <a:solidFill>
+                  <a:schemeClr val="tx1"/>
+                </a:solidFill>
+                <a:effectLst/>
+                <a:latin typeface="+mn-lt"/>
+                <a:ea typeface="+mn-ea"/>
+                <a:cs typeface="+mn-cs"/>
+              </a:rPr>
+              <a:t>review</a:t>
+            </a:r>
+            <a:r>
+              <a:rPr lang="en-US" sz="1200" b="1" kern="1200" baseline="0" dirty="0" smtClean="0">
+                <a:solidFill>
+                  <a:schemeClr val="tx1"/>
+                </a:solidFill>
+                <a:effectLst/>
+                <a:latin typeface="+mn-lt"/>
+                <a:ea typeface="+mn-ea"/>
+                <a:cs typeface="+mn-cs"/>
+              </a:rPr>
+              <a:t> or suggest changes</a:t>
+            </a:r>
+          </a:p>
+          <a:p>
+            <a:r>
+              <a:rPr lang="de-DE" sz="1200" u="sng" kern="1200" baseline="0" dirty="0" smtClean="0">
+                <a:solidFill>
+                  <a:schemeClr val="tx1"/>
+                </a:solidFill>
+                <a:effectLst/>
+                <a:latin typeface="+mn-lt"/>
+                <a:ea typeface="+mn-ea"/>
+                <a:cs typeface="+mn-cs"/>
+              </a:rPr>
+              <a:t>Travis</a:t>
+            </a:r>
+            <a:r>
+              <a:rPr lang="de-DE" sz="1200" u="none" kern="1200" baseline="0" dirty="0" smtClean="0">
+                <a:solidFill>
+                  <a:schemeClr val="tx1"/>
+                </a:solidFill>
+                <a:effectLst/>
+                <a:latin typeface="+mn-lt"/>
+                <a:ea typeface="+mn-ea"/>
+                <a:cs typeface="+mn-cs"/>
+              </a:rPr>
+              <a:t>: </a:t>
+            </a:r>
+            <a:r>
+              <a:rPr lang="de-DE" sz="1200" u="none" kern="1200" baseline="0" dirty="0" err="1" smtClean="0">
+                <a:solidFill>
+                  <a:schemeClr val="tx1"/>
+                </a:solidFill>
+                <a:effectLst/>
+                <a:latin typeface="+mn-lt"/>
+                <a:ea typeface="+mn-ea"/>
+                <a:cs typeface="+mn-cs"/>
+              </a:rPr>
+              <a:t>shows</a:t>
+            </a:r>
+            <a:r>
+              <a:rPr lang="de-DE" sz="1200" u="none" kern="1200" baseline="0" dirty="0" smtClean="0">
+                <a:solidFill>
+                  <a:schemeClr val="tx1"/>
+                </a:solidFill>
+                <a:effectLst/>
+                <a:latin typeface="+mn-lt"/>
+                <a:ea typeface="+mn-ea"/>
+                <a:cs typeface="+mn-cs"/>
+              </a:rPr>
+              <a:t> </a:t>
+            </a:r>
+            <a:r>
+              <a:rPr lang="de-DE" sz="1200" u="none" kern="1200" baseline="0" dirty="0" err="1" smtClean="0">
+                <a:solidFill>
+                  <a:schemeClr val="tx1"/>
+                </a:solidFill>
+                <a:effectLst/>
+                <a:latin typeface="+mn-lt"/>
+                <a:ea typeface="+mn-ea"/>
+                <a:cs typeface="+mn-cs"/>
+              </a:rPr>
+              <a:t>if</a:t>
+            </a:r>
+            <a:r>
+              <a:rPr lang="de-DE" sz="1200" u="none" kern="1200" baseline="0" dirty="0" smtClean="0">
+                <a:solidFill>
+                  <a:schemeClr val="tx1"/>
+                </a:solidFill>
+                <a:effectLst/>
+                <a:latin typeface="+mn-lt"/>
+                <a:ea typeface="+mn-ea"/>
+                <a:cs typeface="+mn-cs"/>
+              </a:rPr>
+              <a:t> </a:t>
+            </a:r>
+            <a:r>
+              <a:rPr lang="de-DE" sz="1200" b="1" u="none" kern="1200" baseline="0" dirty="0" err="1" smtClean="0">
+                <a:solidFill>
+                  <a:schemeClr val="tx1"/>
+                </a:solidFill>
+                <a:effectLst/>
+                <a:latin typeface="+mn-lt"/>
+                <a:ea typeface="+mn-ea"/>
+                <a:cs typeface="+mn-cs"/>
+              </a:rPr>
+              <a:t>tests</a:t>
+            </a:r>
+            <a:r>
+              <a:rPr lang="de-DE" sz="1200" b="1" u="none" kern="1200" baseline="0" dirty="0" smtClean="0">
+                <a:solidFill>
+                  <a:schemeClr val="tx1"/>
+                </a:solidFill>
+                <a:effectLst/>
+                <a:latin typeface="+mn-lt"/>
+                <a:ea typeface="+mn-ea"/>
+                <a:cs typeface="+mn-cs"/>
+              </a:rPr>
+              <a:t> </a:t>
+            </a:r>
+            <a:r>
+              <a:rPr lang="de-DE" sz="1200" b="1" u="none" kern="1200" baseline="0" dirty="0" err="1" smtClean="0">
+                <a:solidFill>
+                  <a:schemeClr val="tx1"/>
+                </a:solidFill>
+                <a:effectLst/>
+                <a:latin typeface="+mn-lt"/>
+                <a:ea typeface="+mn-ea"/>
+                <a:cs typeface="+mn-cs"/>
+              </a:rPr>
+              <a:t>are</a:t>
+            </a:r>
+            <a:r>
+              <a:rPr lang="de-DE" sz="1200" b="1" u="none" kern="1200" baseline="0" dirty="0" smtClean="0">
+                <a:solidFill>
+                  <a:schemeClr val="tx1"/>
+                </a:solidFill>
+                <a:effectLst/>
+                <a:latin typeface="+mn-lt"/>
+                <a:ea typeface="+mn-ea"/>
+                <a:cs typeface="+mn-cs"/>
+              </a:rPr>
+              <a:t> </a:t>
+            </a:r>
+            <a:r>
+              <a:rPr lang="de-DE" sz="1200" b="1" u="none" kern="1200" baseline="0" dirty="0" err="1" smtClean="0">
+                <a:solidFill>
+                  <a:schemeClr val="tx1"/>
+                </a:solidFill>
+                <a:effectLst/>
+                <a:latin typeface="+mn-lt"/>
+                <a:ea typeface="+mn-ea"/>
+                <a:cs typeface="+mn-cs"/>
+              </a:rPr>
+              <a:t>succesful</a:t>
+            </a:r>
+            <a:endParaRPr lang="de-DE" sz="1200" b="1" u="sng" kern="1200" baseline="0" dirty="0" smtClean="0">
+              <a:solidFill>
+                <a:schemeClr val="tx1"/>
+              </a:solidFill>
+              <a:effectLst/>
+              <a:latin typeface="+mn-lt"/>
+              <a:ea typeface="+mn-ea"/>
+              <a:cs typeface="+mn-cs"/>
+            </a:endParaRPr>
+          </a:p>
+          <a:p>
+            <a:r>
+              <a:rPr lang="de-DE" sz="1200" u="sng" kern="1200" baseline="0" dirty="0" err="1" smtClean="0">
+                <a:solidFill>
+                  <a:schemeClr val="tx1"/>
+                </a:solidFill>
+                <a:effectLst/>
+                <a:latin typeface="+mn-lt"/>
+                <a:ea typeface="+mn-ea"/>
+                <a:cs typeface="+mn-cs"/>
+              </a:rPr>
+              <a:t>Codeclimate</a:t>
+            </a:r>
+            <a:r>
+              <a:rPr lang="de-DE" sz="1200" u="sng" kern="1200" baseline="0" dirty="0" smtClean="0">
+                <a:solidFill>
+                  <a:schemeClr val="tx1"/>
+                </a:solidFill>
+                <a:effectLst/>
+                <a:latin typeface="+mn-lt"/>
+                <a:ea typeface="+mn-ea"/>
+                <a:cs typeface="+mn-cs"/>
+              </a:rPr>
+              <a:t>: </a:t>
+            </a:r>
+            <a:r>
+              <a:rPr lang="en-US" sz="1200" kern="1200" dirty="0" smtClean="0">
+                <a:solidFill>
+                  <a:schemeClr val="tx1"/>
+                </a:solidFill>
+                <a:effectLst/>
+                <a:latin typeface="+mn-lt"/>
+                <a:ea typeface="+mn-ea"/>
+                <a:cs typeface="+mn-cs"/>
+              </a:rPr>
+              <a:t>looks at the code </a:t>
+            </a:r>
+            <a:r>
+              <a:rPr lang="en-US" sz="1200" kern="1200" dirty="0" smtClean="0">
+                <a:solidFill>
+                  <a:schemeClr val="tx1"/>
+                </a:solidFill>
+                <a:effectLst/>
+                <a:latin typeface="+mn-lt"/>
+                <a:ea typeface="+mn-ea"/>
+                <a:cs typeface="+mn-cs"/>
+                <a:sym typeface="Wingdings" panose="05000000000000000000" pitchFamily="2" charset="2"/>
+              </a:rPr>
+              <a:t></a:t>
+            </a:r>
+            <a:r>
+              <a:rPr lang="en-GB" sz="1200" kern="1200" dirty="0" smtClean="0">
+                <a:solidFill>
+                  <a:schemeClr val="tx1"/>
+                </a:solidFill>
+                <a:effectLst/>
+                <a:latin typeface="+mn-lt"/>
+                <a:ea typeface="+mn-ea"/>
+                <a:cs typeface="+mn-cs"/>
+              </a:rPr>
+              <a:t>decide </a:t>
+            </a:r>
+            <a:r>
+              <a:rPr lang="en-GB" sz="1200" b="1" kern="1200" dirty="0" smtClean="0">
+                <a:solidFill>
+                  <a:schemeClr val="tx1"/>
+                </a:solidFill>
+                <a:effectLst/>
+                <a:latin typeface="+mn-lt"/>
+                <a:ea typeface="+mn-ea"/>
+                <a:cs typeface="+mn-cs"/>
+              </a:rPr>
+              <a:t>how readable and complex </a:t>
+            </a:r>
+            <a:r>
+              <a:rPr lang="en-GB" sz="1200" kern="1200" dirty="0" smtClean="0">
+                <a:solidFill>
+                  <a:schemeClr val="tx1"/>
+                </a:solidFill>
+                <a:effectLst/>
+                <a:latin typeface="+mn-lt"/>
+                <a:ea typeface="+mn-ea"/>
+                <a:cs typeface="+mn-cs"/>
+              </a:rPr>
+              <a:t>the code</a:t>
+            </a:r>
+            <a:r>
+              <a:rPr lang="en-GB" sz="1200" kern="1200" baseline="0" dirty="0" smtClean="0">
+                <a:solidFill>
+                  <a:schemeClr val="tx1"/>
+                </a:solidFill>
+                <a:effectLst/>
+                <a:latin typeface="+mn-lt"/>
+                <a:ea typeface="+mn-ea"/>
+                <a:cs typeface="+mn-cs"/>
+              </a:rPr>
+              <a:t>, is </a:t>
+            </a:r>
+            <a:r>
+              <a:rPr lang="en-GB" sz="1200" b="1" kern="1200" baseline="0" dirty="0" smtClean="0">
+                <a:solidFill>
+                  <a:schemeClr val="tx1"/>
+                </a:solidFill>
+                <a:effectLst/>
+                <a:latin typeface="+mn-lt"/>
+                <a:ea typeface="+mn-ea"/>
+                <a:cs typeface="+mn-cs"/>
+              </a:rPr>
+              <a:t>PEP8</a:t>
+            </a:r>
+            <a:r>
+              <a:rPr lang="en-GB" sz="1200" kern="1200" baseline="0" dirty="0" smtClean="0">
+                <a:solidFill>
+                  <a:schemeClr val="tx1"/>
+                </a:solidFill>
+                <a:effectLst/>
+                <a:latin typeface="+mn-lt"/>
+                <a:ea typeface="+mn-ea"/>
+                <a:cs typeface="+mn-cs"/>
+              </a:rPr>
+              <a:t> </a:t>
+            </a:r>
+            <a:r>
+              <a:rPr lang="en-GB" sz="1200" b="1" kern="1200" baseline="0" dirty="0" smtClean="0">
+                <a:solidFill>
+                  <a:schemeClr val="tx1"/>
+                </a:solidFill>
+                <a:effectLst/>
+                <a:latin typeface="+mn-lt"/>
+                <a:ea typeface="+mn-ea"/>
+                <a:cs typeface="+mn-cs"/>
+              </a:rPr>
+              <a:t>conform</a:t>
+            </a:r>
+            <a:r>
+              <a:rPr lang="en-GB" sz="1200" kern="1200" baseline="0" dirty="0" smtClean="0">
+                <a:solidFill>
+                  <a:schemeClr val="tx1"/>
+                </a:solidFill>
+                <a:effectLst/>
+                <a:latin typeface="+mn-lt"/>
+                <a:ea typeface="+mn-ea"/>
+                <a:cs typeface="+mn-cs"/>
+              </a:rPr>
+              <a:t> and shows </a:t>
+            </a:r>
+            <a:r>
+              <a:rPr lang="en-GB" sz="1200" b="1" kern="1200" baseline="0" dirty="0" smtClean="0">
+                <a:solidFill>
+                  <a:schemeClr val="tx1"/>
+                </a:solidFill>
+                <a:effectLst/>
+                <a:latin typeface="+mn-lt"/>
+                <a:ea typeface="+mn-ea"/>
+                <a:cs typeface="+mn-cs"/>
+              </a:rPr>
+              <a:t>test coverage</a:t>
+            </a:r>
+          </a:p>
+          <a:p>
+            <a:endParaRPr lang="en-GB" sz="1200" kern="1200" baseline="0" dirty="0" smtClean="0">
+              <a:solidFill>
+                <a:schemeClr val="tx1"/>
+              </a:solidFill>
+              <a:effectLst/>
+              <a:latin typeface="+mn-lt"/>
+              <a:ea typeface="+mn-ea"/>
+              <a:cs typeface="+mn-cs"/>
+            </a:endParaRPr>
+          </a:p>
+          <a:p>
+            <a:r>
+              <a:rPr lang="en-GB" sz="1200" u="none" kern="1200" baseline="0" dirty="0" smtClean="0">
+                <a:solidFill>
+                  <a:schemeClr val="tx1"/>
+                </a:solidFill>
+                <a:effectLst/>
+                <a:latin typeface="+mn-lt"/>
+                <a:ea typeface="+mn-ea"/>
+                <a:cs typeface="+mn-cs"/>
+              </a:rPr>
+              <a:t>Travis and </a:t>
+            </a:r>
+            <a:r>
+              <a:rPr lang="en-GB" sz="1200" u="none" kern="1200" baseline="0" dirty="0" err="1" smtClean="0">
+                <a:solidFill>
+                  <a:schemeClr val="tx1"/>
+                </a:solidFill>
+                <a:effectLst/>
+                <a:latin typeface="+mn-lt"/>
+                <a:ea typeface="+mn-ea"/>
+                <a:cs typeface="+mn-cs"/>
+              </a:rPr>
+              <a:t>codeclimate</a:t>
+            </a:r>
+            <a:r>
+              <a:rPr lang="en-GB" sz="1200" u="none" kern="1200" baseline="0" dirty="0" smtClean="0">
+                <a:solidFill>
+                  <a:schemeClr val="tx1"/>
+                </a:solidFill>
+                <a:effectLst/>
+                <a:latin typeface="+mn-lt"/>
+                <a:ea typeface="+mn-ea"/>
+                <a:cs typeface="+mn-cs"/>
+              </a:rPr>
+              <a:t> are </a:t>
+            </a:r>
+            <a:r>
+              <a:rPr lang="en-GB" sz="1200" b="1" u="none" kern="1200" baseline="0" dirty="0" smtClean="0">
+                <a:solidFill>
+                  <a:schemeClr val="tx1"/>
+                </a:solidFill>
+                <a:effectLst/>
+                <a:latin typeface="+mn-lt"/>
+                <a:ea typeface="+mn-ea"/>
+                <a:cs typeface="+mn-cs"/>
+              </a:rPr>
+              <a:t>optional</a:t>
+            </a:r>
+            <a:r>
+              <a:rPr lang="en-GB" sz="1200" u="none" kern="1200" baseline="0" dirty="0" smtClean="0">
+                <a:solidFill>
+                  <a:schemeClr val="tx1"/>
+                </a:solidFill>
+                <a:effectLst/>
+                <a:latin typeface="+mn-lt"/>
+                <a:ea typeface="+mn-ea"/>
+                <a:cs typeface="+mn-cs"/>
+              </a:rPr>
+              <a:t> because we hadn’t time to clean up some code passages (like labeller)</a:t>
+            </a:r>
+            <a:endParaRPr lang="en-US" u="none" dirty="0"/>
+          </a:p>
+        </p:txBody>
+      </p:sp>
+      <p:sp>
+        <p:nvSpPr>
+          <p:cNvPr id="4" name="Foliennummernplatzhalter 3"/>
+          <p:cNvSpPr>
+            <a:spLocks noGrp="1"/>
+          </p:cNvSpPr>
+          <p:nvPr>
+            <p:ph type="sldNum" sz="quarter" idx="10"/>
+          </p:nvPr>
+        </p:nvSpPr>
+        <p:spPr/>
+        <p:txBody>
+          <a:bodyPr/>
+          <a:lstStyle/>
+          <a:p>
+            <a:fld id="{24D1A8A2-5E23-4C5A-A0E7-D0AE6A30F738}" type="slidenum">
+              <a:rPr lang="en-US" smtClean="0"/>
+              <a:t>8</a:t>
+            </a:fld>
+            <a:endParaRPr lang="en-US" dirty="0"/>
+          </a:p>
+        </p:txBody>
+      </p:sp>
+    </p:spTree>
+    <p:extLst>
+      <p:ext uri="{BB962C8B-B14F-4D97-AF65-F5344CB8AC3E}">
+        <p14:creationId xmlns:p14="http://schemas.microsoft.com/office/powerpoint/2010/main" val="2605662189"/>
+      </p:ext>
+    </p:extLst>
+  </p:cSld>
+  <p:clrMapOvr>
+    <a:masterClrMapping/>
+  </p:clrMapOvr>
+</p:notes>
+</file>
+
+<file path=ppt/notesSlides/notesSlide9.xml><?xml version="1.0" encoding="utf-8"?>
 <p:notes xmlns:a="http://schemas.openxmlformats.org/drawingml/2006/main" xmlns:r="http://schemas.openxmlformats.org/officeDocument/2006/relationships" xmlns:p="http://schemas.openxmlformats.org/presentationml/2006/main">
   <p:cSld>
     <p:spTree>
@@ -8265,7 +8848,12 @@
             <p:ph idx="1"/>
           </p:nvPr>
         </p:nvSpPr>
-        <p:spPr/>
+        <p:spPr>
+          <a:xfrm>
+            <a:off x="677334" y="1768704"/>
+            <a:ext cx="8596668" cy="3880773"/>
+          </a:xfrm>
+        </p:spPr>
         <p:txBody>
           <a:bodyPr/>
           <a:lstStyle/>
@@ -8530,7 +9118,7 @@
         </p:nvSpPr>
         <p:spPr>
           <a:xfrm>
-            <a:off x="677334" y="2720147"/>
+            <a:off x="677334" y="2297159"/>
             <a:ext cx="7211072" cy="2309053"/>
           </a:xfrm>
         </p:spPr>
@@ -9112,7 +9700,12 @@
             <p:ph idx="1"/>
           </p:nvPr>
         </p:nvSpPr>
-        <p:spPr/>
+        <p:spPr>
+          <a:xfrm>
+            <a:off x="571587" y="1569651"/>
+            <a:ext cx="8596668" cy="3880773"/>
+          </a:xfrm>
+        </p:spPr>
         <p:txBody>
           <a:bodyPr/>
           <a:lstStyle/>
@@ -9511,6 +10104,111 @@
             <a:r>
               <a:rPr lang="de-DE" dirty="0" smtClean="0"/>
               <a:t>GIT:</a:t>
+            </a:r>
+          </a:p>
+          <a:p>
+            <a:pPr lvl="1"/>
+            <a:r>
+              <a:rPr lang="de-DE" dirty="0" err="1" smtClean="0"/>
+              <a:t>Merging</a:t>
+            </a:r>
+            <a:r>
+              <a:rPr lang="de-DE" dirty="0" smtClean="0"/>
+              <a:t> on </a:t>
+            </a:r>
+            <a:r>
+              <a:rPr lang="de-DE" dirty="0" err="1" smtClean="0"/>
+              <a:t>the</a:t>
+            </a:r>
+            <a:r>
+              <a:rPr lang="de-DE" dirty="0" smtClean="0"/>
+              <a:t> </a:t>
+            </a:r>
+            <a:r>
+              <a:rPr lang="de-DE" dirty="0" err="1" smtClean="0"/>
+              <a:t>master</a:t>
+            </a:r>
+            <a:r>
+              <a:rPr lang="de-DE" dirty="0" smtClean="0"/>
+              <a:t> was </a:t>
+            </a:r>
+            <a:r>
+              <a:rPr lang="de-DE" dirty="0" err="1" smtClean="0"/>
+              <a:t>destricted</a:t>
+            </a:r>
+            <a:endParaRPr lang="de-DE" dirty="0" smtClean="0"/>
+          </a:p>
+          <a:p>
+            <a:pPr lvl="2"/>
+            <a:r>
+              <a:rPr lang="de-DE" dirty="0" smtClean="0"/>
+              <a:t>Create a pull </a:t>
+            </a:r>
+            <a:r>
+              <a:rPr lang="de-DE" dirty="0" err="1" smtClean="0"/>
+              <a:t>request</a:t>
+            </a:r>
+            <a:r>
+              <a:rPr lang="de-DE" dirty="0" smtClean="0"/>
+              <a:t> </a:t>
+            </a:r>
+          </a:p>
+          <a:p>
+            <a:pPr lvl="2"/>
+            <a:r>
+              <a:rPr lang="en-US" dirty="0" smtClean="0"/>
+              <a:t>Colleagues </a:t>
+            </a:r>
+            <a:r>
+              <a:rPr lang="de-DE" dirty="0" err="1" smtClean="0"/>
+              <a:t>have</a:t>
+            </a:r>
+            <a:r>
+              <a:rPr lang="de-DE" dirty="0" smtClean="0"/>
+              <a:t> </a:t>
+            </a:r>
+            <a:r>
+              <a:rPr lang="de-DE" dirty="0" err="1" smtClean="0"/>
+              <a:t>to</a:t>
+            </a:r>
+            <a:r>
+              <a:rPr lang="de-DE" dirty="0" smtClean="0"/>
+              <a:t> </a:t>
+            </a:r>
+            <a:r>
+              <a:rPr lang="de-DE" dirty="0" err="1" smtClean="0"/>
+              <a:t>review</a:t>
+            </a:r>
+            <a:r>
+              <a:rPr lang="de-DE" dirty="0" smtClean="0"/>
+              <a:t> </a:t>
+            </a:r>
+            <a:r>
+              <a:rPr lang="de-DE" dirty="0" err="1" smtClean="0"/>
+              <a:t>the</a:t>
+            </a:r>
+            <a:r>
+              <a:rPr lang="de-DE" dirty="0" smtClean="0"/>
+              <a:t> </a:t>
+            </a:r>
+            <a:r>
+              <a:rPr lang="de-DE" dirty="0" err="1" smtClean="0"/>
+              <a:t>changes</a:t>
+            </a:r>
+            <a:endParaRPr lang="en-US" dirty="0"/>
+          </a:p>
+          <a:p>
+            <a:pPr lvl="1"/>
+            <a:r>
+              <a:rPr lang="de-DE" dirty="0" smtClean="0"/>
+              <a:t>Travis</a:t>
+            </a:r>
+          </a:p>
+          <a:p>
+            <a:pPr lvl="1"/>
+            <a:r>
+              <a:rPr lang="de-DE" dirty="0" err="1" smtClean="0"/>
+              <a:t>CodeClimate</a:t>
             </a:r>
             <a:endParaRPr lang="en-US" dirty="0"/>
           </a:p>

--- a/Implementation Sheet/Impl_sheet_presentation.pptx
+++ b/Implementation Sheet/Impl_sheet_presentation.pptx
@@ -9,9 +9,9 @@
   </p:notesMasterIdLst>
   <p:sldIdLst>
     <p:sldId id="276" r:id="rId2"/>
-    <p:sldId id="277" r:id="rId3"/>
-    <p:sldId id="284" r:id="rId4"/>
-    <p:sldId id="281" r:id="rId5"/>
+    <p:sldId id="281" r:id="rId3"/>
+    <p:sldId id="277" r:id="rId4"/>
+    <p:sldId id="284" r:id="rId5"/>
     <p:sldId id="278" r:id="rId6"/>
     <p:sldId id="280" r:id="rId7"/>
     <p:sldId id="282" r:id="rId8"/>
@@ -614,12 +614,167 @@
           <a:lstStyle/>
           <a:p>
             <a:r>
+              <a:rPr lang="de-DE" dirty="0" smtClean="0"/>
+              <a:t>-</a:t>
+            </a:r>
+            <a:r>
+              <a:rPr lang="de-DE" u="sng" dirty="0" smtClean="0"/>
+              <a:t>Matrix </a:t>
+            </a:r>
+            <a:r>
+              <a:rPr lang="de-DE" u="sng" dirty="0" err="1" smtClean="0"/>
+              <a:t>class</a:t>
+            </a:r>
+            <a:r>
+              <a:rPr lang="de-DE" dirty="0" smtClean="0"/>
+              <a:t>: </a:t>
+            </a:r>
+            <a:r>
+              <a:rPr lang="de-DE" dirty="0" err="1" smtClean="0"/>
+              <a:t>decided</a:t>
+            </a:r>
+            <a:r>
+              <a:rPr lang="de-DE" dirty="0" smtClean="0"/>
+              <a:t> </a:t>
+            </a:r>
+            <a:r>
+              <a:rPr lang="de-DE" dirty="0" err="1" smtClean="0"/>
+              <a:t>it‘s</a:t>
+            </a:r>
+            <a:r>
+              <a:rPr lang="de-DE" dirty="0" smtClean="0"/>
+              <a:t> </a:t>
+            </a:r>
+            <a:r>
+              <a:rPr lang="de-DE" b="1" dirty="0" smtClean="0"/>
+              <a:t>not </a:t>
+            </a:r>
+            <a:r>
+              <a:rPr lang="de-DE" b="1" dirty="0" err="1" smtClean="0"/>
+              <a:t>usefull</a:t>
+            </a:r>
+            <a:r>
+              <a:rPr lang="de-DE" b="1" dirty="0" smtClean="0"/>
+              <a:t> </a:t>
+            </a:r>
+            <a:r>
+              <a:rPr lang="de-DE" b="1" dirty="0" err="1" smtClean="0"/>
+              <a:t>to</a:t>
+            </a:r>
+            <a:r>
+              <a:rPr lang="de-DE" b="1" baseline="0" dirty="0" smtClean="0"/>
+              <a:t> handle </a:t>
+            </a:r>
+            <a:r>
+              <a:rPr lang="de-DE" b="1" baseline="0" dirty="0" err="1" smtClean="0"/>
+              <a:t>every</a:t>
+            </a:r>
+            <a:r>
+              <a:rPr lang="de-DE" b="1" baseline="0" dirty="0" smtClean="0"/>
+              <a:t> </a:t>
+            </a:r>
+            <a:r>
+              <a:rPr lang="de-DE" b="1" baseline="0" dirty="0" err="1" smtClean="0"/>
+              <a:t>matrix</a:t>
+            </a:r>
+            <a:r>
+              <a:rPr lang="de-DE" b="1" baseline="0" dirty="0" smtClean="0"/>
+              <a:t> </a:t>
+            </a:r>
+            <a:r>
+              <a:rPr lang="de-DE" b="1" baseline="0" dirty="0" err="1" smtClean="0"/>
+              <a:t>by</a:t>
+            </a:r>
+            <a:r>
+              <a:rPr lang="de-DE" b="1" baseline="0" dirty="0" smtClean="0"/>
+              <a:t> </a:t>
+            </a:r>
+            <a:r>
+              <a:rPr lang="de-DE" b="1" baseline="0" dirty="0" err="1" smtClean="0"/>
+              <a:t>it‘s</a:t>
+            </a:r>
+            <a:r>
+              <a:rPr lang="de-DE" b="1" baseline="0" dirty="0" smtClean="0"/>
+              <a:t> </a:t>
+            </a:r>
+            <a:r>
+              <a:rPr lang="de-DE" b="1" baseline="0" dirty="0" err="1" smtClean="0"/>
+              <a:t>own</a:t>
+            </a:r>
+            <a:r>
+              <a:rPr lang="de-DE" b="1" baseline="0" dirty="0" smtClean="0"/>
+              <a:t> </a:t>
+            </a:r>
+            <a:r>
               <a:rPr lang="de-DE" baseline="0" dirty="0" smtClean="0"/>
-              <a:t>-cross-</a:t>
+              <a:t>-&gt; </a:t>
             </a:r>
             <a:r>
               <a:rPr lang="de-DE" baseline="0" dirty="0" err="1" smtClean="0"/>
-              <a:t>plattformed</a:t>
+              <a:t>instead</a:t>
+            </a:r>
+            <a:r>
+              <a:rPr lang="de-DE" baseline="0" dirty="0" smtClean="0"/>
+              <a:t>: </a:t>
+            </a:r>
+            <a:r>
+              <a:rPr lang="de-DE" baseline="0" dirty="0" err="1" smtClean="0"/>
+              <a:t>numpy</a:t>
+            </a:r>
+            <a:r>
+              <a:rPr lang="de-DE" baseline="0" dirty="0" smtClean="0"/>
+              <a:t> </a:t>
+            </a:r>
+            <a:r>
+              <a:rPr lang="de-DE" baseline="0" dirty="0" err="1" smtClean="0"/>
+              <a:t>arrays</a:t>
+            </a:r>
+            <a:endParaRPr lang="de-DE" baseline="0" dirty="0" smtClean="0"/>
+          </a:p>
+          <a:p>
+            <a:r>
+              <a:rPr lang="de-DE" dirty="0" smtClean="0"/>
+              <a:t>-</a:t>
+            </a:r>
+            <a:r>
+              <a:rPr lang="de-DE" u="sng" dirty="0" err="1" smtClean="0"/>
+              <a:t>changed</a:t>
+            </a:r>
+            <a:r>
+              <a:rPr lang="de-DE" u="sng" dirty="0" smtClean="0"/>
+              <a:t> </a:t>
+            </a:r>
+            <a:r>
+              <a:rPr lang="de-DE" u="sng" dirty="0" err="1" smtClean="0"/>
+              <a:t>to</a:t>
+            </a:r>
+            <a:r>
+              <a:rPr lang="de-DE" u="sng" baseline="0" dirty="0" smtClean="0"/>
+              <a:t> </a:t>
+            </a:r>
+            <a:r>
+              <a:rPr lang="de-DE" u="sng" dirty="0" err="1" smtClean="0"/>
+              <a:t>abstrac</a:t>
+            </a:r>
+            <a:r>
+              <a:rPr lang="de-DE" u="sng" baseline="0" dirty="0" err="1" smtClean="0"/>
+              <a:t>t</a:t>
+            </a:r>
+            <a:r>
+              <a:rPr lang="de-DE" u="sng" baseline="0" dirty="0" smtClean="0"/>
+              <a:t> </a:t>
+            </a:r>
+            <a:r>
+              <a:rPr lang="de-DE" u="sng" baseline="0" dirty="0" err="1" smtClean="0"/>
+              <a:t>command</a:t>
+            </a:r>
+            <a:r>
+              <a:rPr lang="de-DE" u="sng" baseline="0" dirty="0" smtClean="0"/>
+              <a:t> </a:t>
+            </a:r>
+            <a:r>
+              <a:rPr lang="de-DE" u="sng" baseline="0" dirty="0" err="1" smtClean="0"/>
+              <a:t>class</a:t>
             </a:r>
             <a:r>
               <a:rPr lang="de-DE" baseline="0" dirty="0" smtClean="0"/>
@@ -635,7 +790,7 @@
                 <a:ea typeface="+mn-ea"/>
                 <a:cs typeface="+mn-cs"/>
               </a:rPr>
-              <a:t>not possible, because </a:t>
+              <a:t>to </a:t>
             </a:r>
             <a:r>
               <a:rPr lang="en-GB" sz="1200" b="1" kern="1200" dirty="0" smtClean="0">
@@ -647,7 +802,7 @@
                 <a:ea typeface="+mn-ea"/>
                 <a:cs typeface="+mn-cs"/>
               </a:rPr>
-              <a:t>some used entities </a:t>
+              <a:t>reduce redundancy </a:t>
             </a:r>
             <a:r>
               <a:rPr lang="en-GB" sz="1200" kern="1200" dirty="0" smtClean="0">
@@ -659,7 +814,157 @@
                 <a:ea typeface="+mn-ea"/>
                 <a:cs typeface="+mn-cs"/>
               </a:rPr>
-              <a:t>(</a:t>
+              <a:t>of the code</a:t>
+            </a:r>
+          </a:p>
+          <a:p>
+            <a:r>
+              <a:rPr lang="en-GB" sz="1200" kern="1200" dirty="0" smtClean="0">
+                <a:solidFill>
+                  <a:schemeClr val="tx1"/>
+                </a:solidFill>
+                <a:effectLst/>
+                <a:latin typeface="+mn-lt"/>
+                <a:ea typeface="+mn-ea"/>
+                <a:cs typeface="+mn-cs"/>
+              </a:rPr>
+              <a:t>-</a:t>
+            </a:r>
+            <a:r>
+              <a:rPr lang="en-GB" sz="1200" u="sng" kern="1200" dirty="0" smtClean="0">
+                <a:solidFill>
+                  <a:schemeClr val="tx1"/>
+                </a:solidFill>
+                <a:effectLst/>
+                <a:latin typeface="+mn-lt"/>
+                <a:ea typeface="+mn-ea"/>
+                <a:cs typeface="+mn-cs"/>
+              </a:rPr>
+              <a:t>density</a:t>
+            </a:r>
+            <a:r>
+              <a:rPr lang="en-GB" sz="1200" b="1" kern="1200" dirty="0" smtClean="0">
+                <a:solidFill>
+                  <a:schemeClr val="tx1"/>
+                </a:solidFill>
+                <a:effectLst/>
+                <a:latin typeface="+mn-lt"/>
+                <a:ea typeface="+mn-ea"/>
+                <a:cs typeface="+mn-cs"/>
+              </a:rPr>
+              <a:t>: couldn't guarantee </a:t>
+            </a:r>
+            <a:r>
+              <a:rPr lang="en-GB" sz="1200" kern="1200" dirty="0" smtClean="0">
+                <a:solidFill>
+                  <a:schemeClr val="tx1"/>
+                </a:solidFill>
+                <a:effectLst/>
+                <a:latin typeface="+mn-lt"/>
+                <a:ea typeface="+mn-ea"/>
+                <a:cs typeface="+mn-cs"/>
+              </a:rPr>
+              <a:t>that the fetched and cut matrices from Suite Sparse have the wanted density</a:t>
+            </a:r>
+          </a:p>
+          <a:p>
+            <a:r>
+              <a:rPr lang="en-GB" sz="1200" kern="1200" dirty="0" smtClean="0">
+                <a:solidFill>
+                  <a:schemeClr val="tx1"/>
+                </a:solidFill>
+                <a:effectLst/>
+                <a:latin typeface="+mn-lt"/>
+                <a:ea typeface="+mn-ea"/>
+                <a:cs typeface="+mn-cs"/>
+              </a:rPr>
+              <a:t>-</a:t>
+            </a:r>
+            <a:r>
+              <a:rPr lang="en-GB" sz="1200" u="sng" kern="1200" dirty="0" smtClean="0">
+                <a:solidFill>
+                  <a:schemeClr val="tx1"/>
+                </a:solidFill>
+                <a:effectLst/>
+                <a:latin typeface="+mn-lt"/>
+                <a:ea typeface="+mn-ea"/>
+                <a:cs typeface="+mn-cs"/>
+              </a:rPr>
+              <a:t>help</a:t>
+            </a:r>
+            <a:r>
+              <a:rPr lang="en-GB" sz="1200" kern="1200" dirty="0" smtClean="0">
+                <a:solidFill>
+                  <a:schemeClr val="tx1"/>
+                </a:solidFill>
+                <a:effectLst/>
+                <a:latin typeface="+mn-lt"/>
+                <a:ea typeface="+mn-ea"/>
+                <a:cs typeface="+mn-cs"/>
+              </a:rPr>
+              <a:t> </a:t>
+            </a:r>
+            <a:r>
+              <a:rPr lang="en-GB" sz="1200" u="sng" kern="1200" dirty="0" smtClean="0">
+                <a:solidFill>
+                  <a:schemeClr val="tx1"/>
+                </a:solidFill>
+                <a:effectLst/>
+                <a:latin typeface="+mn-lt"/>
+                <a:ea typeface="+mn-ea"/>
+                <a:cs typeface="+mn-cs"/>
+              </a:rPr>
+              <a:t>command</a:t>
+            </a:r>
+            <a:r>
+              <a:rPr lang="en-GB" sz="1200" kern="1200" dirty="0" smtClean="0">
+                <a:solidFill>
+                  <a:schemeClr val="tx1"/>
+                </a:solidFill>
+                <a:effectLst/>
+                <a:latin typeface="+mn-lt"/>
+                <a:ea typeface="+mn-ea"/>
+                <a:cs typeface="+mn-cs"/>
+              </a:rPr>
+              <a:t>: so the </a:t>
+            </a:r>
+            <a:r>
+              <a:rPr lang="en-GB" sz="1200" b="1" kern="1200" dirty="0" smtClean="0">
+                <a:solidFill>
+                  <a:schemeClr val="tx1"/>
+                </a:solidFill>
+                <a:effectLst/>
+                <a:latin typeface="+mn-lt"/>
+                <a:ea typeface="+mn-ea"/>
+                <a:cs typeface="+mn-cs"/>
+              </a:rPr>
+              <a:t>user is able to get an overview </a:t>
+            </a:r>
+            <a:r>
+              <a:rPr lang="en-GB" sz="1200" kern="1200" dirty="0" smtClean="0">
+                <a:solidFill>
+                  <a:schemeClr val="tx1"/>
+                </a:solidFill>
+                <a:effectLst/>
+                <a:latin typeface="+mn-lt"/>
+                <a:ea typeface="+mn-ea"/>
+                <a:cs typeface="+mn-cs"/>
+              </a:rPr>
+              <a:t>which commands can be executed</a:t>
+            </a:r>
+          </a:p>
+          <a:p>
+            <a:r>
+              <a:rPr lang="en-GB" sz="1200" kern="1200" dirty="0" smtClean="0">
+                <a:solidFill>
+                  <a:schemeClr val="tx1"/>
+                </a:solidFill>
+                <a:effectLst/>
+                <a:latin typeface="+mn-lt"/>
+                <a:ea typeface="+mn-ea"/>
+                <a:cs typeface="+mn-cs"/>
+              </a:rPr>
+              <a:t>-</a:t>
             </a:r>
             <a:r>
               <a:rPr lang="en-GB" sz="1200" u="sng" kern="1200" dirty="0" err="1" smtClean="0">
@@ -683,10 +988,10 @@
                 <a:ea typeface="+mn-ea"/>
                 <a:cs typeface="+mn-cs"/>
               </a:rPr>
-              <a:t>, </a:t>
-            </a:r>
-            <a:r>
-              <a:rPr lang="en-GB" sz="1200" u="sng" kern="1200" dirty="0" smtClean="0">
+              <a:t>: so</a:t>
+            </a:r>
+            <a:r>
+              <a:rPr lang="en-GB" sz="1200" kern="1200" baseline="0" dirty="0" smtClean="0">
                 <a:solidFill>
                   <a:schemeClr val="tx1"/>
                 </a:solidFill>
@@ -695,7 +1000,7 @@
                 <a:ea typeface="+mn-ea"/>
                 <a:cs typeface="+mn-cs"/>
               </a:rPr>
-              <a:t>gingko</a:t>
+              <a:t> </a:t>
             </a:r>
             <a:r>
               <a:rPr lang="en-GB" sz="1200" kern="1200" dirty="0" smtClean="0">
@@ -707,7 +1012,7 @@
                 <a:ea typeface="+mn-ea"/>
                 <a:cs typeface="+mn-cs"/>
               </a:rPr>
-              <a:t>) where </a:t>
+              <a:t>the user is able to </a:t>
             </a:r>
             <a:r>
               <a:rPr lang="en-GB" sz="1200" b="1" kern="1200" dirty="0" smtClean="0">
@@ -719,224 +1024,7 @@
                 <a:ea typeface="+mn-ea"/>
                 <a:cs typeface="+mn-cs"/>
               </a:rPr>
-              <a:t>not Windows compatible.</a:t>
-            </a:r>
-          </a:p>
-          <a:p>
-            <a:r>
-              <a:rPr lang="de-DE" dirty="0" smtClean="0"/>
-              <a:t>-Just </a:t>
-            </a:r>
-            <a:r>
-              <a:rPr lang="de-DE" dirty="0" err="1" smtClean="0"/>
-              <a:t>fetch</a:t>
-            </a:r>
-            <a:r>
-              <a:rPr lang="de-DE" dirty="0" smtClean="0"/>
-              <a:t>/</a:t>
-            </a:r>
-            <a:r>
-              <a:rPr lang="de-DE" dirty="0" err="1" smtClean="0"/>
-              <a:t>cut</a:t>
-            </a:r>
-            <a:r>
-              <a:rPr lang="de-DE" dirty="0" smtClean="0"/>
-              <a:t>: </a:t>
-            </a:r>
-            <a:r>
-              <a:rPr lang="de-DE" dirty="0" err="1" smtClean="0"/>
-              <a:t>we</a:t>
-            </a:r>
-            <a:r>
-              <a:rPr lang="de-DE" baseline="0" dirty="0" smtClean="0"/>
-              <a:t> </a:t>
-            </a:r>
-            <a:r>
-              <a:rPr lang="de-DE" baseline="0" dirty="0" err="1" smtClean="0"/>
-              <a:t>realized</a:t>
-            </a:r>
-            <a:r>
-              <a:rPr lang="de-DE" baseline="0" dirty="0" smtClean="0"/>
-              <a:t> </a:t>
-            </a:r>
-            <a:r>
-              <a:rPr lang="de-DE" baseline="0" dirty="0" err="1" smtClean="0"/>
-              <a:t>we</a:t>
-            </a:r>
-            <a:r>
-              <a:rPr lang="de-DE" baseline="0" dirty="0" smtClean="0"/>
-              <a:t> </a:t>
-            </a:r>
-            <a:r>
-              <a:rPr lang="de-DE" b="1" baseline="0" dirty="0" err="1" smtClean="0"/>
-              <a:t>dont</a:t>
-            </a:r>
-            <a:r>
-              <a:rPr lang="de-DE" b="1" baseline="0" dirty="0" smtClean="0"/>
-              <a:t> </a:t>
-            </a:r>
-            <a:r>
-              <a:rPr lang="de-DE" b="1" baseline="0" dirty="0" err="1" smtClean="0"/>
-              <a:t>have</a:t>
-            </a:r>
-            <a:r>
-              <a:rPr lang="de-DE" b="1" baseline="0" dirty="0" smtClean="0"/>
-              <a:t> </a:t>
-            </a:r>
-            <a:r>
-              <a:rPr lang="de-DE" b="1" baseline="0" dirty="0" err="1" smtClean="0"/>
-              <a:t>enough</a:t>
-            </a:r>
-            <a:r>
-              <a:rPr lang="de-DE" b="1" baseline="0" dirty="0" smtClean="0"/>
-              <a:t> </a:t>
-            </a:r>
-            <a:r>
-              <a:rPr lang="de-DE" b="1" baseline="0" dirty="0" err="1" smtClean="0"/>
-              <a:t>knowledge</a:t>
-            </a:r>
-            <a:r>
-              <a:rPr lang="de-DE" b="1" baseline="0" dirty="0" smtClean="0"/>
-              <a:t> </a:t>
-            </a:r>
-            <a:r>
-              <a:rPr lang="de-DE" b="1" baseline="0" dirty="0" err="1" smtClean="0"/>
-              <a:t>yet</a:t>
-            </a:r>
-            <a:r>
-              <a:rPr lang="de-DE" b="1" baseline="0" dirty="0" smtClean="0"/>
-              <a:t> </a:t>
-            </a:r>
-            <a:r>
-              <a:rPr lang="de-DE" b="1" baseline="0" dirty="0" err="1" smtClean="0"/>
-              <a:t>to</a:t>
-            </a:r>
-            <a:r>
-              <a:rPr lang="de-DE" b="1" baseline="0" dirty="0" smtClean="0"/>
-              <a:t> </a:t>
-            </a:r>
-            <a:r>
-              <a:rPr lang="de-DE" b="1" baseline="0" dirty="0" err="1" smtClean="0"/>
-              <a:t>generate</a:t>
-            </a:r>
-            <a:r>
-              <a:rPr lang="de-DE" b="1" baseline="0" dirty="0" smtClean="0"/>
-              <a:t> </a:t>
-            </a:r>
-            <a:r>
-              <a:rPr lang="de-DE" baseline="0" dirty="0" err="1" smtClean="0"/>
-              <a:t>and</a:t>
-            </a:r>
-            <a:r>
-              <a:rPr lang="de-DE" baseline="0" dirty="0" smtClean="0"/>
-              <a:t> </a:t>
-            </a:r>
-            <a:r>
-              <a:rPr lang="de-DE" baseline="0" dirty="0" err="1" smtClean="0"/>
-              <a:t>there</a:t>
-            </a:r>
-            <a:r>
-              <a:rPr lang="de-DE" baseline="0" dirty="0" smtClean="0"/>
-              <a:t> </a:t>
-            </a:r>
-            <a:r>
-              <a:rPr lang="de-DE" baseline="0" dirty="0" err="1" smtClean="0"/>
-              <a:t>are</a:t>
-            </a:r>
-            <a:r>
-              <a:rPr lang="de-DE" baseline="0" dirty="0" smtClean="0"/>
-              <a:t> </a:t>
-            </a:r>
-            <a:r>
-              <a:rPr lang="de-DE" b="1" baseline="0" dirty="0" smtClean="0"/>
-              <a:t>not </a:t>
-            </a:r>
-            <a:r>
-              <a:rPr lang="de-DE" b="1" baseline="0" dirty="0" err="1" smtClean="0"/>
-              <a:t>much</a:t>
-            </a:r>
-            <a:r>
-              <a:rPr lang="de-DE" b="1" baseline="0" dirty="0" smtClean="0"/>
-              <a:t> </a:t>
-            </a:r>
-            <a:r>
-              <a:rPr lang="de-DE" b="1" baseline="0" dirty="0" err="1" smtClean="0"/>
-              <a:t>suite</a:t>
-            </a:r>
-            <a:r>
-              <a:rPr lang="de-DE" b="1" baseline="0" dirty="0" smtClean="0"/>
-              <a:t> </a:t>
-            </a:r>
-            <a:r>
-              <a:rPr lang="de-DE" b="1" baseline="0" dirty="0" err="1" smtClean="0"/>
-              <a:t>sparse</a:t>
-            </a:r>
-            <a:r>
-              <a:rPr lang="de-DE" b="1" baseline="0" dirty="0" smtClean="0"/>
-              <a:t> </a:t>
-            </a:r>
-            <a:r>
-              <a:rPr lang="de-DE" b="1" baseline="0" dirty="0" err="1" smtClean="0"/>
-              <a:t>matrices</a:t>
-            </a:r>
-            <a:r>
-              <a:rPr lang="de-DE" b="1" baseline="0" dirty="0" smtClean="0"/>
-              <a:t> in </a:t>
-            </a:r>
-            <a:r>
-              <a:rPr lang="de-DE" b="1" baseline="0" dirty="0" err="1" smtClean="0"/>
-              <a:t>one</a:t>
-            </a:r>
-            <a:r>
-              <a:rPr lang="de-DE" b="1" baseline="0" dirty="0" smtClean="0"/>
-              <a:t> </a:t>
-            </a:r>
-            <a:r>
-              <a:rPr lang="de-DE" b="1" baseline="0" dirty="0" err="1" smtClean="0"/>
-              <a:t>size</a:t>
-            </a:r>
-            <a:r>
-              <a:rPr lang="de-DE" b="1" baseline="0" dirty="0" smtClean="0"/>
-              <a:t> </a:t>
-            </a:r>
-            <a:r>
-              <a:rPr lang="de-DE" baseline="0" dirty="0" smtClean="0"/>
-              <a:t>-&gt; </a:t>
-            </a:r>
-            <a:r>
-              <a:rPr lang="de-DE" baseline="0" dirty="0" err="1" smtClean="0"/>
-              <a:t>fetch</a:t>
-            </a:r>
-            <a:r>
-              <a:rPr lang="de-DE" baseline="0" dirty="0" smtClean="0"/>
-              <a:t> </a:t>
-            </a:r>
-            <a:r>
-              <a:rPr lang="de-DE" baseline="0" dirty="0" err="1" smtClean="0"/>
-              <a:t>and</a:t>
-            </a:r>
-            <a:r>
-              <a:rPr lang="de-DE" baseline="0" dirty="0" smtClean="0"/>
-              <a:t> </a:t>
-            </a:r>
-            <a:r>
-              <a:rPr lang="de-DE" baseline="0" dirty="0" err="1" smtClean="0"/>
-              <a:t>cut</a:t>
-            </a:r>
-            <a:endParaRPr lang="de-DE" baseline="0" dirty="0" smtClean="0"/>
-          </a:p>
-          <a:p>
-            <a:r>
-              <a:rPr lang="de-DE" dirty="0" smtClean="0"/>
-              <a:t>-</a:t>
-            </a:r>
-            <a:r>
-              <a:rPr lang="de-DE" dirty="0" err="1" smtClean="0"/>
-              <a:t>density</a:t>
-            </a:r>
-            <a:r>
-              <a:rPr lang="de-DE" dirty="0" smtClean="0"/>
-              <a:t>: </a:t>
+              <a:t>update the file</a:t>
             </a:r>
             <a:r>
               <a:rPr lang="en-GB" sz="1200" kern="1200" dirty="0" smtClean="0">
@@ -948,7 +1036,7 @@
                 <a:ea typeface="+mn-ea"/>
                 <a:cs typeface="+mn-cs"/>
               </a:rPr>
-              <a:t>we </a:t>
+              <a:t>, where all the </a:t>
             </a:r>
             <a:r>
               <a:rPr lang="en-GB" sz="1200" b="1" kern="1200" dirty="0" smtClean="0">
@@ -960,7 +1048,7 @@
                 <a:ea typeface="+mn-ea"/>
                 <a:cs typeface="+mn-cs"/>
               </a:rPr>
-              <a:t>couldn't guarantee</a:t>
+              <a:t>matrices ID's</a:t>
             </a:r>
             <a:r>
               <a:rPr lang="en-GB" sz="1200" kern="1200" dirty="0" smtClean="0">
@@ -972,7 +1060,7 @@
                 <a:ea typeface="+mn-ea"/>
                 <a:cs typeface="+mn-cs"/>
               </a:rPr>
-              <a:t> that the fetched and cut matrices from Suite Sparse have the wanted density.</a:t>
+              <a:t> are listed</a:t>
             </a:r>
             <a:endParaRPr lang="en-US" dirty="0"/>
           </a:p>
@@ -1004,7 +1092,7 @@
     </p:spTree>
     <p:extLst>
       <p:ext uri="{BB962C8B-B14F-4D97-AF65-F5344CB8AC3E}">
-        <p14:creationId xmlns:p14="http://schemas.microsoft.com/office/powerpoint/2010/main" val="656261629"/>
+        <p14:creationId xmlns:p14="http://schemas.microsoft.com/office/powerpoint/2010/main" val="1062584095"/>
       </p:ext>
     </p:extLst>
   </p:cSld>
@@ -1058,26 +1146,139 @@
           <a:bodyPr/>
           <a:lstStyle/>
           <a:p>
-            <a:pPr marL="0" marR="0" lvl="0" indent="0" algn="l" defTabSz="914400" rtl="0" eaLnBrk="1" fontAlgn="auto" latinLnBrk="0" hangingPunct="1">
-              <a:lnSpc>
-                <a:spcPct val="100000"/>
-              </a:lnSpc>
-              <a:spcBef>
-                <a:spcPts val="0"/>
-              </a:spcBef>
-              <a:spcAft>
-                <a:spcPts val="0"/>
-              </a:spcAft>
-              <a:buClrTx/>
-              <a:buSzTx/>
-              <a:buFontTx/>
-              <a:buNone/>
-              <a:tabLst/>
-              <a:defRPr/>
-            </a:pPr>
-            <a:r>
-              <a:rPr lang="de-DE" dirty="0" smtClean="0"/>
-              <a:t>Just</a:t>
+            <a:r>
+              <a:rPr lang="de-DE" baseline="0" dirty="0" smtClean="0"/>
+              <a:t>-cross-</a:t>
+            </a:r>
+            <a:r>
+              <a:rPr lang="de-DE" baseline="0" dirty="0" err="1" smtClean="0"/>
+              <a:t>plattformed</a:t>
+            </a:r>
+            <a:r>
+              <a:rPr lang="de-DE" baseline="0" dirty="0" smtClean="0"/>
+              <a:t>: </a:t>
+            </a:r>
+            <a:r>
+              <a:rPr lang="en-GB" sz="1200" kern="1200" dirty="0" smtClean="0">
+                <a:solidFill>
+                  <a:schemeClr val="tx1"/>
+                </a:solidFill>
+                <a:effectLst/>
+                <a:latin typeface="+mn-lt"/>
+                <a:ea typeface="+mn-ea"/>
+                <a:cs typeface="+mn-cs"/>
+              </a:rPr>
+              <a:t>not possible, because </a:t>
+            </a:r>
+            <a:r>
+              <a:rPr lang="en-GB" sz="1200" b="1" kern="1200" dirty="0" smtClean="0">
+                <a:solidFill>
+                  <a:schemeClr val="tx1"/>
+                </a:solidFill>
+                <a:effectLst/>
+                <a:latin typeface="+mn-lt"/>
+                <a:ea typeface="+mn-ea"/>
+                <a:cs typeface="+mn-cs"/>
+              </a:rPr>
+              <a:t>some used entities </a:t>
+            </a:r>
+            <a:r>
+              <a:rPr lang="en-GB" sz="1200" kern="1200" dirty="0" smtClean="0">
+                <a:solidFill>
+                  <a:schemeClr val="tx1"/>
+                </a:solidFill>
+                <a:effectLst/>
+                <a:latin typeface="+mn-lt"/>
+                <a:ea typeface="+mn-ea"/>
+                <a:cs typeface="+mn-cs"/>
+              </a:rPr>
+              <a:t>(</a:t>
+            </a:r>
+            <a:r>
+              <a:rPr lang="en-GB" sz="1200" u="sng" kern="1200" dirty="0" err="1" smtClean="0">
+                <a:solidFill>
+                  <a:schemeClr val="tx1"/>
+                </a:solidFill>
+                <a:effectLst/>
+                <a:latin typeface="+mn-lt"/>
+                <a:ea typeface="+mn-ea"/>
+                <a:cs typeface="+mn-cs"/>
+              </a:rPr>
+              <a:t>ssget</a:t>
+            </a:r>
+            <a:r>
+              <a:rPr lang="en-GB" sz="1200" kern="1200" dirty="0" smtClean="0">
+                <a:solidFill>
+                  <a:schemeClr val="tx1"/>
+                </a:solidFill>
+                <a:effectLst/>
+                <a:latin typeface="+mn-lt"/>
+                <a:ea typeface="+mn-ea"/>
+                <a:cs typeface="+mn-cs"/>
+              </a:rPr>
+              <a:t>, </a:t>
+            </a:r>
+            <a:r>
+              <a:rPr lang="en-GB" sz="1200" u="sng" kern="1200" dirty="0" smtClean="0">
+                <a:solidFill>
+                  <a:schemeClr val="tx1"/>
+                </a:solidFill>
+                <a:effectLst/>
+                <a:latin typeface="+mn-lt"/>
+                <a:ea typeface="+mn-ea"/>
+                <a:cs typeface="+mn-cs"/>
+              </a:rPr>
+              <a:t>gingko</a:t>
+            </a:r>
+            <a:r>
+              <a:rPr lang="en-GB" sz="1200" kern="1200" dirty="0" smtClean="0">
+                <a:solidFill>
+                  <a:schemeClr val="tx1"/>
+                </a:solidFill>
+                <a:effectLst/>
+                <a:latin typeface="+mn-lt"/>
+                <a:ea typeface="+mn-ea"/>
+                <a:cs typeface="+mn-cs"/>
+              </a:rPr>
+              <a:t>) where </a:t>
+            </a:r>
+            <a:r>
+              <a:rPr lang="en-GB" sz="1200" b="1" kern="1200" dirty="0" smtClean="0">
+                <a:solidFill>
+                  <a:schemeClr val="tx1"/>
+                </a:solidFill>
+                <a:effectLst/>
+                <a:latin typeface="+mn-lt"/>
+                <a:ea typeface="+mn-ea"/>
+                <a:cs typeface="+mn-cs"/>
+              </a:rPr>
+              <a:t>not Windows compatible.</a:t>
+            </a:r>
+          </a:p>
+          <a:p>
+            <a:r>
+              <a:rPr lang="de-DE" dirty="0" smtClean="0"/>
+              <a:t>-Just </a:t>
+            </a:r>
+            <a:r>
+              <a:rPr lang="de-DE" dirty="0" err="1" smtClean="0"/>
+              <a:t>fetch</a:t>
+            </a:r>
+            <a:r>
+              <a:rPr lang="de-DE" dirty="0" smtClean="0"/>
+              <a:t>/</a:t>
+            </a:r>
+            <a:r>
+              <a:rPr lang="de-DE" dirty="0" err="1" smtClean="0"/>
+              <a:t>cut</a:t>
+            </a:r>
+            <a:r>
+              <a:rPr lang="de-DE" dirty="0" smtClean="0"/>
+              <a:t>: </a:t>
+            </a:r>
+            <a:r>
+              <a:rPr lang="de-DE" dirty="0" err="1" smtClean="0"/>
+              <a:t>we</a:t>
             </a:r>
             <a:r>
               <a:rPr lang="de-DE" baseline="0" dirty="0" smtClean="0"/>
@@ -1085,7 +1286,7 @@
             </a:r>
             <a:r>
               <a:rPr lang="de-DE" baseline="0" dirty="0" err="1" smtClean="0"/>
-              <a:t>four</a:t>
+              <a:t>realized</a:t>
             </a:r>
             <a:r>
               <a:rPr lang="de-DE" baseline="0" dirty="0" smtClean="0"/>
@@ -1093,31 +1294,71 @@
             </a:r>
             <a:r>
               <a:rPr lang="de-DE" baseline="0" dirty="0" err="1" smtClean="0"/>
-              <a:t>solvers</a:t>
-            </a:r>
-            <a:r>
-              <a:rPr lang="de-DE" baseline="0" dirty="0" smtClean="0"/>
-              <a:t>: </a:t>
-            </a:r>
-            <a:r>
-              <a:rPr lang="de-DE" baseline="0" dirty="0" err="1" smtClean="0"/>
-              <a:t>one</a:t>
+              <a:t>we</a:t>
             </a:r>
             <a:r>
               <a:rPr lang="de-DE" baseline="0" dirty="0" smtClean="0"/>
               <a:t> </a:t>
             </a:r>
             <a:r>
+              <a:rPr lang="de-DE" b="1" baseline="0" dirty="0" err="1" smtClean="0"/>
+              <a:t>dont</a:t>
+            </a:r>
+            <a:r>
+              <a:rPr lang="de-DE" b="1" baseline="0" dirty="0" smtClean="0"/>
+              <a:t> </a:t>
+            </a:r>
+            <a:r>
+              <a:rPr lang="de-DE" b="1" baseline="0" dirty="0" err="1" smtClean="0"/>
+              <a:t>have</a:t>
+            </a:r>
+            <a:r>
+              <a:rPr lang="de-DE" b="1" baseline="0" dirty="0" smtClean="0"/>
+              <a:t> </a:t>
+            </a:r>
+            <a:r>
+              <a:rPr lang="de-DE" b="1" baseline="0" dirty="0" err="1" smtClean="0"/>
+              <a:t>enough</a:t>
+            </a:r>
+            <a:r>
+              <a:rPr lang="de-DE" b="1" baseline="0" dirty="0" smtClean="0"/>
+              <a:t> </a:t>
+            </a:r>
+            <a:r>
+              <a:rPr lang="de-DE" b="1" baseline="0" dirty="0" err="1" smtClean="0"/>
+              <a:t>knowledge</a:t>
+            </a:r>
+            <a:r>
+              <a:rPr lang="de-DE" b="1" baseline="0" dirty="0" smtClean="0"/>
+              <a:t> </a:t>
+            </a:r>
+            <a:r>
+              <a:rPr lang="de-DE" b="1" baseline="0" dirty="0" err="1" smtClean="0"/>
+              <a:t>yet</a:t>
+            </a:r>
+            <a:r>
+              <a:rPr lang="de-DE" b="1" baseline="0" dirty="0" smtClean="0"/>
+              <a:t> </a:t>
+            </a:r>
+            <a:r>
+              <a:rPr lang="de-DE" b="1" baseline="0" dirty="0" err="1" smtClean="0"/>
+              <a:t>to</a:t>
+            </a:r>
+            <a:r>
+              <a:rPr lang="de-DE" b="1" baseline="0" dirty="0" smtClean="0"/>
+              <a:t> </a:t>
+            </a:r>
+            <a:r>
+              <a:rPr lang="de-DE" b="1" baseline="0" dirty="0" err="1" smtClean="0"/>
+              <a:t>generate</a:t>
+            </a:r>
+            <a:r>
+              <a:rPr lang="de-DE" b="1" baseline="0" dirty="0" smtClean="0"/>
+              <a:t> </a:t>
+            </a:r>
+            <a:r>
               <a:rPr lang="de-DE" baseline="0" dirty="0" err="1" smtClean="0"/>
-              <a:t>solver</a:t>
-            </a:r>
-            <a:r>
-              <a:rPr lang="de-DE" baseline="0" dirty="0" smtClean="0"/>
-              <a:t> was not </a:t>
-            </a:r>
-            <a:r>
-              <a:rPr lang="de-DE" baseline="0" dirty="0" err="1" smtClean="0"/>
-              <a:t>working</a:t>
+              <a:t>and</a:t>
             </a:r>
             <a:r>
               <a:rPr lang="de-DE" baseline="0" dirty="0" smtClean="0"/>
@@ -1125,7 +1366,146 @@
             </a:r>
             <a:r>
               <a:rPr lang="de-DE" baseline="0" dirty="0" err="1" smtClean="0"/>
-              <a:t>properly</a:t>
+              <a:t>there</a:t>
+            </a:r>
+            <a:r>
+              <a:rPr lang="de-DE" baseline="0" dirty="0" smtClean="0"/>
+              <a:t> </a:t>
+            </a:r>
+            <a:r>
+              <a:rPr lang="de-DE" baseline="0" dirty="0" err="1" smtClean="0"/>
+              <a:t>are</a:t>
+            </a:r>
+            <a:r>
+              <a:rPr lang="de-DE" baseline="0" dirty="0" smtClean="0"/>
+              <a:t> </a:t>
+            </a:r>
+            <a:r>
+              <a:rPr lang="de-DE" b="1" baseline="0" dirty="0" smtClean="0"/>
+              <a:t>not </a:t>
+            </a:r>
+            <a:r>
+              <a:rPr lang="de-DE" b="1" baseline="0" dirty="0" err="1" smtClean="0"/>
+              <a:t>much</a:t>
+            </a:r>
+            <a:r>
+              <a:rPr lang="de-DE" b="1" baseline="0" dirty="0" smtClean="0"/>
+              <a:t> </a:t>
+            </a:r>
+            <a:r>
+              <a:rPr lang="de-DE" b="1" baseline="0" dirty="0" err="1" smtClean="0"/>
+              <a:t>suite</a:t>
+            </a:r>
+            <a:r>
+              <a:rPr lang="de-DE" b="1" baseline="0" dirty="0" smtClean="0"/>
+              <a:t> </a:t>
+            </a:r>
+            <a:r>
+              <a:rPr lang="de-DE" b="1" baseline="0" dirty="0" err="1" smtClean="0"/>
+              <a:t>sparse</a:t>
+            </a:r>
+            <a:r>
+              <a:rPr lang="de-DE" b="1" baseline="0" dirty="0" smtClean="0"/>
+              <a:t> </a:t>
+            </a:r>
+            <a:r>
+              <a:rPr lang="de-DE" b="1" baseline="0" dirty="0" err="1" smtClean="0"/>
+              <a:t>matrices</a:t>
+            </a:r>
+            <a:r>
+              <a:rPr lang="de-DE" b="1" baseline="0" dirty="0" smtClean="0"/>
+              <a:t> in </a:t>
+            </a:r>
+            <a:r>
+              <a:rPr lang="de-DE" b="1" baseline="0" dirty="0" err="1" smtClean="0"/>
+              <a:t>one</a:t>
+            </a:r>
+            <a:r>
+              <a:rPr lang="de-DE" b="1" baseline="0" dirty="0" smtClean="0"/>
+              <a:t> </a:t>
+            </a:r>
+            <a:r>
+              <a:rPr lang="de-DE" b="1" baseline="0" dirty="0" err="1" smtClean="0"/>
+              <a:t>size</a:t>
+            </a:r>
+            <a:r>
+              <a:rPr lang="de-DE" b="1" baseline="0" dirty="0" smtClean="0"/>
+              <a:t> </a:t>
+            </a:r>
+            <a:r>
+              <a:rPr lang="de-DE" baseline="0" dirty="0" smtClean="0"/>
+              <a:t>-&gt; </a:t>
+            </a:r>
+            <a:r>
+              <a:rPr lang="de-DE" baseline="0" dirty="0" err="1" smtClean="0"/>
+              <a:t>fetch</a:t>
+            </a:r>
+            <a:r>
+              <a:rPr lang="de-DE" baseline="0" dirty="0" smtClean="0"/>
+              <a:t> </a:t>
+            </a:r>
+            <a:r>
+              <a:rPr lang="de-DE" baseline="0" dirty="0" err="1" smtClean="0"/>
+              <a:t>and</a:t>
+            </a:r>
+            <a:r>
+              <a:rPr lang="de-DE" baseline="0" dirty="0" smtClean="0"/>
+              <a:t> </a:t>
+            </a:r>
+            <a:r>
+              <a:rPr lang="de-DE" baseline="0" dirty="0" err="1" smtClean="0"/>
+              <a:t>cut</a:t>
+            </a:r>
+            <a:endParaRPr lang="de-DE" baseline="0" dirty="0" smtClean="0"/>
+          </a:p>
+          <a:p>
+            <a:r>
+              <a:rPr lang="de-DE" dirty="0" smtClean="0"/>
+              <a:t>-</a:t>
+            </a:r>
+            <a:r>
+              <a:rPr lang="de-DE" dirty="0" err="1" smtClean="0"/>
+              <a:t>density</a:t>
+            </a:r>
+            <a:r>
+              <a:rPr lang="de-DE" dirty="0" smtClean="0"/>
+              <a:t>: </a:t>
+            </a:r>
+            <a:r>
+              <a:rPr lang="en-GB" sz="1200" kern="1200" dirty="0" smtClean="0">
+                <a:solidFill>
+                  <a:schemeClr val="tx1"/>
+                </a:solidFill>
+                <a:effectLst/>
+                <a:latin typeface="+mn-lt"/>
+                <a:ea typeface="+mn-ea"/>
+                <a:cs typeface="+mn-cs"/>
+              </a:rPr>
+              <a:t>we </a:t>
+            </a:r>
+            <a:r>
+              <a:rPr lang="en-GB" sz="1200" b="1" kern="1200" dirty="0" smtClean="0">
+                <a:solidFill>
+                  <a:schemeClr val="tx1"/>
+                </a:solidFill>
+                <a:effectLst/>
+                <a:latin typeface="+mn-lt"/>
+                <a:ea typeface="+mn-ea"/>
+                <a:cs typeface="+mn-cs"/>
+              </a:rPr>
+              <a:t>couldn't guarantee</a:t>
+            </a:r>
+            <a:r>
+              <a:rPr lang="en-GB" sz="1200" kern="1200" dirty="0" smtClean="0">
+                <a:solidFill>
+                  <a:schemeClr val="tx1"/>
+                </a:solidFill>
+                <a:effectLst/>
+                <a:latin typeface="+mn-lt"/>
+                <a:ea typeface="+mn-ea"/>
+                <a:cs typeface="+mn-cs"/>
+              </a:rPr>
+              <a:t> that the fetched and cut matrices from Suite Sparse have the wanted density.</a:t>
             </a:r>
             <a:endParaRPr lang="en-US" dirty="0"/>
           </a:p>
@@ -1157,7 +1537,7 @@
     </p:spTree>
     <p:extLst>
       <p:ext uri="{BB962C8B-B14F-4D97-AF65-F5344CB8AC3E}">
-        <p14:creationId xmlns:p14="http://schemas.microsoft.com/office/powerpoint/2010/main" val="3558662382"/>
+        <p14:creationId xmlns:p14="http://schemas.microsoft.com/office/powerpoint/2010/main" val="656261629"/>
       </p:ext>
     </p:extLst>
   </p:cSld>
@@ -1211,105 +1591,42 @@
           <a:bodyPr/>
           <a:lstStyle/>
           <a:p>
-            <a:r>
-              <a:rPr lang="de-DE" dirty="0" smtClean="0"/>
-              <a:t>-</a:t>
-            </a:r>
-            <a:r>
-              <a:rPr lang="de-DE" u="sng" dirty="0" smtClean="0"/>
-              <a:t>Matrix </a:t>
-            </a:r>
-            <a:r>
-              <a:rPr lang="de-DE" u="sng" dirty="0" err="1" smtClean="0"/>
-              <a:t>class</a:t>
-            </a:r>
-            <a:r>
-              <a:rPr lang="de-DE" dirty="0" smtClean="0"/>
-              <a:t>: </a:t>
-            </a:r>
-            <a:r>
-              <a:rPr lang="de-DE" dirty="0" err="1" smtClean="0"/>
-              <a:t>decided</a:t>
-            </a:r>
-            <a:r>
-              <a:rPr lang="de-DE" dirty="0" smtClean="0"/>
+            <a:pPr marL="0" marR="0" lvl="0" indent="0" algn="l" defTabSz="914400" rtl="0" eaLnBrk="1" fontAlgn="auto" latinLnBrk="0" hangingPunct="1">
+              <a:lnSpc>
+                <a:spcPct val="100000"/>
+              </a:lnSpc>
+              <a:spcBef>
+                <a:spcPts val="0"/>
+              </a:spcBef>
+              <a:spcAft>
+                <a:spcPts val="0"/>
+              </a:spcAft>
+              <a:buClrTx/>
+              <a:buSzTx/>
+              <a:buFontTx/>
+              <a:buNone/>
+              <a:tabLst/>
+              <a:defRPr/>
+            </a:pPr>
+            <a:r>
+              <a:rPr lang="de-DE" dirty="0" smtClean="0"/>
+              <a:t>Just</a:t>
+            </a:r>
+            <a:r>
+              <a:rPr lang="de-DE" baseline="0" dirty="0" smtClean="0"/>
               <a:t> </a:t>
             </a:r>
             <a:r>
-              <a:rPr lang="de-DE" dirty="0" err="1" smtClean="0"/>
-              <a:t>it‘s</a:t>
-            </a:r>
-            <a:r>
-              <a:rPr lang="de-DE" dirty="0" smtClean="0"/>
+              <a:rPr lang="de-DE" baseline="0" dirty="0" err="1" smtClean="0"/>
+              <a:t>four</a:t>
+            </a:r>
+            <a:r>
+              <a:rPr lang="de-DE" baseline="0" dirty="0" smtClean="0"/>
               <a:t> </a:t>
             </a:r>
             <a:r>
-              <a:rPr lang="de-DE" b="1" dirty="0" smtClean="0"/>
-              <a:t>not </a:t>
-            </a:r>
-            <a:r>
-              <a:rPr lang="de-DE" b="1" dirty="0" err="1" smtClean="0"/>
-              <a:t>usefull</a:t>
-            </a:r>
-            <a:r>
-              <a:rPr lang="de-DE" b="1" dirty="0" smtClean="0"/>
-              <a:t> </a:t>
-            </a:r>
-            <a:r>
-              <a:rPr lang="de-DE" b="1" dirty="0" err="1" smtClean="0"/>
-              <a:t>to</a:t>
-            </a:r>
-            <a:r>
-              <a:rPr lang="de-DE" b="1" baseline="0" dirty="0" smtClean="0"/>
-              <a:t> handle </a:t>
-            </a:r>
-            <a:r>
-              <a:rPr lang="de-DE" b="1" baseline="0" dirty="0" err="1" smtClean="0"/>
-              <a:t>every</a:t>
-            </a:r>
-            <a:r>
-              <a:rPr lang="de-DE" b="1" baseline="0" dirty="0" smtClean="0"/>
-              <a:t> </a:t>
-            </a:r>
-            <a:r>
-              <a:rPr lang="de-DE" b="1" baseline="0" dirty="0" err="1" smtClean="0"/>
-              <a:t>matrix</a:t>
-            </a:r>
-            <a:r>
-              <a:rPr lang="de-DE" b="1" baseline="0" dirty="0" smtClean="0"/>
-              <a:t> </a:t>
-            </a:r>
-            <a:r>
-              <a:rPr lang="de-DE" b="1" baseline="0" dirty="0" err="1" smtClean="0"/>
-              <a:t>by</a:t>
-            </a:r>
-            <a:r>
-              <a:rPr lang="de-DE" b="1" baseline="0" dirty="0" smtClean="0"/>
-              <a:t> </a:t>
-            </a:r>
-            <a:r>
-              <a:rPr lang="de-DE" b="1" baseline="0" dirty="0" err="1" smtClean="0"/>
-              <a:t>it‘s</a:t>
-            </a:r>
-            <a:r>
-              <a:rPr lang="de-DE" b="1" baseline="0" dirty="0" smtClean="0"/>
-              <a:t> </a:t>
-            </a:r>
-            <a:r>
-              <a:rPr lang="de-DE" b="1" baseline="0" dirty="0" err="1" smtClean="0"/>
-              <a:t>own</a:t>
-            </a:r>
-            <a:r>
-              <a:rPr lang="de-DE" b="1" baseline="0" dirty="0" smtClean="0"/>
-              <a:t> </a:t>
-            </a:r>
-            <a:r>
-              <a:rPr lang="de-DE" baseline="0" dirty="0" smtClean="0"/>
-              <a:t>-&gt; </a:t>
-            </a:r>
-            <a:r>
               <a:rPr lang="de-DE" baseline="0" dirty="0" err="1" smtClean="0"/>
-              <a:t>instead</a:t>
+              <a:t>solvers</a:t>
             </a:r>
             <a:r>
               <a:rPr lang="de-DE" baseline="0" dirty="0" smtClean="0"/>
@@ -1317,7 +1634,7 @@
             </a:r>
             <a:r>
               <a:rPr lang="de-DE" baseline="0" dirty="0" err="1" smtClean="0"/>
-              <a:t>numpy</a:t>
+              <a:t>one</a:t>
             </a:r>
             <a:r>
               <a:rPr lang="de-DE" baseline="0" dirty="0" smtClean="0"/>
@@ -1325,328 +1642,23 @@
             </a:r>
             <a:r>
               <a:rPr lang="de-DE" baseline="0" dirty="0" err="1" smtClean="0"/>
-              <a:t>arrays</a:t>
-            </a:r>
-            <a:endParaRPr lang="de-DE" baseline="0" dirty="0" smtClean="0"/>
-          </a:p>
-          <a:p>
-            <a:r>
-              <a:rPr lang="de-DE" dirty="0" smtClean="0"/>
-              <a:t>-</a:t>
-            </a:r>
-            <a:r>
-              <a:rPr lang="de-DE" u="sng" dirty="0" err="1" smtClean="0"/>
-              <a:t>changed</a:t>
-            </a:r>
-            <a:r>
-              <a:rPr lang="de-DE" u="sng" dirty="0" smtClean="0"/>
+              <a:t>solver</a:t>
+            </a:r>
+            <a:r>
+              <a:rPr lang="de-DE" baseline="0" dirty="0" smtClean="0"/>
+              <a:t> was not </a:t>
+            </a:r>
+            <a:r>
+              <a:rPr lang="de-DE" baseline="0" dirty="0" err="1" smtClean="0"/>
+              <a:t>working</a:t>
+            </a:r>
+            <a:r>
+              <a:rPr lang="de-DE" baseline="0" dirty="0" smtClean="0"/>
               <a:t> </a:t>
             </a:r>
             <a:r>
-              <a:rPr lang="de-DE" u="sng" dirty="0" err="1" smtClean="0"/>
-              <a:t>to</a:t>
-            </a:r>
-            <a:r>
-              <a:rPr lang="de-DE" u="sng" baseline="0" dirty="0" smtClean="0"/>
-              <a:t> </a:t>
-            </a:r>
-            <a:r>
-              <a:rPr lang="de-DE" u="sng" dirty="0" err="1" smtClean="0"/>
-              <a:t>abstrac</a:t>
-            </a:r>
-            <a:r>
-              <a:rPr lang="de-DE" u="sng" baseline="0" dirty="0" err="1" smtClean="0"/>
-              <a:t>t</a:t>
-            </a:r>
-            <a:r>
-              <a:rPr lang="de-DE" u="sng" baseline="0" dirty="0" smtClean="0"/>
-              <a:t> </a:t>
-            </a:r>
-            <a:r>
-              <a:rPr lang="de-DE" u="sng" baseline="0" dirty="0" err="1" smtClean="0"/>
-              <a:t>command</a:t>
-            </a:r>
-            <a:r>
-              <a:rPr lang="de-DE" u="sng" baseline="0" dirty="0" smtClean="0"/>
-              <a:t> </a:t>
-            </a:r>
-            <a:r>
-              <a:rPr lang="de-DE" u="sng" baseline="0" dirty="0" err="1" smtClean="0"/>
-              <a:t>class</a:t>
-            </a:r>
-            <a:r>
-              <a:rPr lang="de-DE" baseline="0" dirty="0" smtClean="0"/>
-              <a:t>: </a:t>
-            </a:r>
-            <a:r>
-              <a:rPr lang="en-GB" sz="1200" kern="1200" dirty="0" smtClean="0">
-                <a:solidFill>
-                  <a:schemeClr val="tx1"/>
-                </a:solidFill>
-                <a:effectLst/>
-                <a:latin typeface="+mn-lt"/>
-                <a:ea typeface="+mn-ea"/>
-                <a:cs typeface="+mn-cs"/>
-              </a:rPr>
-              <a:t>to </a:t>
-            </a:r>
-            <a:r>
-              <a:rPr lang="en-GB" sz="1200" b="1" kern="1200" dirty="0" smtClean="0">
-                <a:solidFill>
-                  <a:schemeClr val="tx1"/>
-                </a:solidFill>
-                <a:effectLst/>
-                <a:latin typeface="+mn-lt"/>
-                <a:ea typeface="+mn-ea"/>
-                <a:cs typeface="+mn-cs"/>
-              </a:rPr>
-              <a:t>reduce redundancy </a:t>
-            </a:r>
-            <a:r>
-              <a:rPr lang="en-GB" sz="1200" kern="1200" dirty="0" smtClean="0">
-                <a:solidFill>
-                  <a:schemeClr val="tx1"/>
-                </a:solidFill>
-                <a:effectLst/>
-                <a:latin typeface="+mn-lt"/>
-                <a:ea typeface="+mn-ea"/>
-                <a:cs typeface="+mn-cs"/>
-              </a:rPr>
-              <a:t>of the code</a:t>
-            </a:r>
-          </a:p>
-          <a:p>
-            <a:r>
-              <a:rPr lang="en-GB" sz="1200" kern="1200" dirty="0" smtClean="0">
-                <a:solidFill>
-                  <a:schemeClr val="tx1"/>
-                </a:solidFill>
-                <a:effectLst/>
-                <a:latin typeface="+mn-lt"/>
-                <a:ea typeface="+mn-ea"/>
-                <a:cs typeface="+mn-cs"/>
-              </a:rPr>
-              <a:t>-</a:t>
-            </a:r>
-            <a:r>
-              <a:rPr lang="en-GB" sz="1200" u="sng" kern="1200" dirty="0" smtClean="0">
-                <a:solidFill>
-                  <a:schemeClr val="tx1"/>
-                </a:solidFill>
-                <a:effectLst/>
-                <a:latin typeface="+mn-lt"/>
-                <a:ea typeface="+mn-ea"/>
-                <a:cs typeface="+mn-cs"/>
-              </a:rPr>
-              <a:t>density</a:t>
-            </a:r>
-            <a:r>
-              <a:rPr lang="en-GB" sz="1200" kern="1200" dirty="0" smtClean="0">
-                <a:solidFill>
-                  <a:schemeClr val="tx1"/>
-                </a:solidFill>
-                <a:effectLst/>
-                <a:latin typeface="+mn-lt"/>
-                <a:ea typeface="+mn-ea"/>
-                <a:cs typeface="+mn-cs"/>
-              </a:rPr>
-              <a:t>: couldn't guarantee that the fetched and cut matrices from Suite Sparse have the wanted density</a:t>
-            </a:r>
-          </a:p>
-          <a:p>
-            <a:r>
-              <a:rPr lang="en-GB" sz="1200" kern="1200" dirty="0" smtClean="0">
-                <a:solidFill>
-                  <a:schemeClr val="tx1"/>
-                </a:solidFill>
-                <a:effectLst/>
-                <a:latin typeface="+mn-lt"/>
-                <a:ea typeface="+mn-ea"/>
-                <a:cs typeface="+mn-cs"/>
-              </a:rPr>
-              <a:t>-</a:t>
-            </a:r>
-            <a:r>
-              <a:rPr lang="en-GB" sz="1200" u="sng" kern="1200" dirty="0" smtClean="0">
-                <a:solidFill>
-                  <a:schemeClr val="tx1"/>
-                </a:solidFill>
-                <a:effectLst/>
-                <a:latin typeface="+mn-lt"/>
-                <a:ea typeface="+mn-ea"/>
-                <a:cs typeface="+mn-cs"/>
-              </a:rPr>
-              <a:t>help</a:t>
-            </a:r>
-            <a:r>
-              <a:rPr lang="en-GB" sz="1200" kern="1200" dirty="0" smtClean="0">
-                <a:solidFill>
-                  <a:schemeClr val="tx1"/>
-                </a:solidFill>
-                <a:effectLst/>
-                <a:latin typeface="+mn-lt"/>
-                <a:ea typeface="+mn-ea"/>
-                <a:cs typeface="+mn-cs"/>
-              </a:rPr>
-              <a:t> </a:t>
-            </a:r>
-            <a:r>
-              <a:rPr lang="en-GB" sz="1200" u="sng" kern="1200" dirty="0" smtClean="0">
-                <a:solidFill>
-                  <a:schemeClr val="tx1"/>
-                </a:solidFill>
-                <a:effectLst/>
-                <a:latin typeface="+mn-lt"/>
-                <a:ea typeface="+mn-ea"/>
-                <a:cs typeface="+mn-cs"/>
-              </a:rPr>
-              <a:t>command</a:t>
-            </a:r>
-            <a:r>
-              <a:rPr lang="en-GB" sz="1200" kern="1200" dirty="0" smtClean="0">
-                <a:solidFill>
-                  <a:schemeClr val="tx1"/>
-                </a:solidFill>
-                <a:effectLst/>
-                <a:latin typeface="+mn-lt"/>
-                <a:ea typeface="+mn-ea"/>
-                <a:cs typeface="+mn-cs"/>
-              </a:rPr>
-              <a:t>: so the </a:t>
-            </a:r>
-            <a:r>
-              <a:rPr lang="en-GB" sz="1200" b="1" kern="1200" dirty="0" smtClean="0">
-                <a:solidFill>
-                  <a:schemeClr val="tx1"/>
-                </a:solidFill>
-                <a:effectLst/>
-                <a:latin typeface="+mn-lt"/>
-                <a:ea typeface="+mn-ea"/>
-                <a:cs typeface="+mn-cs"/>
-              </a:rPr>
-              <a:t>user is able to get an overview </a:t>
-            </a:r>
-            <a:r>
-              <a:rPr lang="en-GB" sz="1200" kern="1200" dirty="0" smtClean="0">
-                <a:solidFill>
-                  <a:schemeClr val="tx1"/>
-                </a:solidFill>
-                <a:effectLst/>
-                <a:latin typeface="+mn-lt"/>
-                <a:ea typeface="+mn-ea"/>
-                <a:cs typeface="+mn-cs"/>
-              </a:rPr>
-              <a:t>which commands can be executed</a:t>
-            </a:r>
-          </a:p>
-          <a:p>
-            <a:r>
-              <a:rPr lang="en-GB" sz="1200" kern="1200" dirty="0" smtClean="0">
-                <a:solidFill>
-                  <a:schemeClr val="tx1"/>
-                </a:solidFill>
-                <a:effectLst/>
-                <a:latin typeface="+mn-lt"/>
-                <a:ea typeface="+mn-ea"/>
-                <a:cs typeface="+mn-cs"/>
-              </a:rPr>
-              <a:t>-</a:t>
-            </a:r>
-            <a:r>
-              <a:rPr lang="en-GB" sz="1200" u="sng" kern="1200" dirty="0" err="1" smtClean="0">
-                <a:solidFill>
-                  <a:schemeClr val="tx1"/>
-                </a:solidFill>
-                <a:effectLst/>
-                <a:latin typeface="+mn-lt"/>
-                <a:ea typeface="+mn-ea"/>
-                <a:cs typeface="+mn-cs"/>
-              </a:rPr>
-              <a:t>ssget</a:t>
-            </a:r>
-            <a:r>
-              <a:rPr lang="en-GB" sz="1200" kern="1200" dirty="0" smtClean="0">
-                <a:solidFill>
-                  <a:schemeClr val="tx1"/>
-                </a:solidFill>
-                <a:effectLst/>
-                <a:latin typeface="+mn-lt"/>
-                <a:ea typeface="+mn-ea"/>
-                <a:cs typeface="+mn-cs"/>
-              </a:rPr>
-              <a:t>: so</a:t>
-            </a:r>
-            <a:r>
-              <a:rPr lang="en-GB" sz="1200" kern="1200" baseline="0" dirty="0" smtClean="0">
-                <a:solidFill>
-                  <a:schemeClr val="tx1"/>
-                </a:solidFill>
-                <a:effectLst/>
-                <a:latin typeface="+mn-lt"/>
-                <a:ea typeface="+mn-ea"/>
-                <a:cs typeface="+mn-cs"/>
-              </a:rPr>
-              <a:t> </a:t>
-            </a:r>
-            <a:r>
-              <a:rPr lang="en-GB" sz="1200" kern="1200" dirty="0" smtClean="0">
-                <a:solidFill>
-                  <a:schemeClr val="tx1"/>
-                </a:solidFill>
-                <a:effectLst/>
-                <a:latin typeface="+mn-lt"/>
-                <a:ea typeface="+mn-ea"/>
-                <a:cs typeface="+mn-cs"/>
-              </a:rPr>
-              <a:t>the user is able to </a:t>
-            </a:r>
-            <a:r>
-              <a:rPr lang="en-GB" sz="1200" b="1" kern="1200" dirty="0" smtClean="0">
-                <a:solidFill>
-                  <a:schemeClr val="tx1"/>
-                </a:solidFill>
-                <a:effectLst/>
-                <a:latin typeface="+mn-lt"/>
-                <a:ea typeface="+mn-ea"/>
-                <a:cs typeface="+mn-cs"/>
-              </a:rPr>
-              <a:t>update the file</a:t>
-            </a:r>
-            <a:r>
-              <a:rPr lang="en-GB" sz="1200" kern="1200" dirty="0" smtClean="0">
-                <a:solidFill>
-                  <a:schemeClr val="tx1"/>
-                </a:solidFill>
-                <a:effectLst/>
-                <a:latin typeface="+mn-lt"/>
-                <a:ea typeface="+mn-ea"/>
-                <a:cs typeface="+mn-cs"/>
-              </a:rPr>
-              <a:t>, where all the </a:t>
-            </a:r>
-            <a:r>
-              <a:rPr lang="en-GB" sz="1200" b="1" kern="1200" dirty="0" smtClean="0">
-                <a:solidFill>
-                  <a:schemeClr val="tx1"/>
-                </a:solidFill>
-                <a:effectLst/>
-                <a:latin typeface="+mn-lt"/>
-                <a:ea typeface="+mn-ea"/>
-                <a:cs typeface="+mn-cs"/>
-              </a:rPr>
-              <a:t>matrices ID's</a:t>
-            </a:r>
-            <a:r>
-              <a:rPr lang="en-GB" sz="1200" kern="1200" dirty="0" smtClean="0">
-                <a:solidFill>
-                  <a:schemeClr val="tx1"/>
-                </a:solidFill>
-                <a:effectLst/>
-                <a:latin typeface="+mn-lt"/>
-                <a:ea typeface="+mn-ea"/>
-                <a:cs typeface="+mn-cs"/>
-              </a:rPr>
-              <a:t> are listed</a:t>
+              <a:rPr lang="de-DE" baseline="0" dirty="0" err="1" smtClean="0"/>
+              <a:t>properly</a:t>
             </a:r>
             <a:endParaRPr lang="en-US" dirty="0"/>
           </a:p>
@@ -1678,7 +1690,7 @@
     </p:spTree>
     <p:extLst>
       <p:ext uri="{BB962C8B-B14F-4D97-AF65-F5344CB8AC3E}">
-        <p14:creationId xmlns:p14="http://schemas.microsoft.com/office/powerpoint/2010/main" val="1062584095"/>
+        <p14:creationId xmlns:p14="http://schemas.microsoft.com/office/powerpoint/2010/main" val="3558662382"/>
       </p:ext>
     </p:extLst>
   </p:cSld>
@@ -2206,7 +2218,31 @@
                 <a:ea typeface="+mn-ea"/>
                 <a:cs typeface="+mn-cs"/>
               </a:rPr>
-              <a:t>Travis</a:t>
+              <a:t>Travis(</a:t>
+            </a:r>
+            <a:r>
+              <a:rPr lang="de-DE" sz="1200" u="sng" kern="1200" baseline="0" dirty="0" err="1" smtClean="0">
+                <a:solidFill>
+                  <a:schemeClr val="tx1"/>
+                </a:solidFill>
+                <a:effectLst/>
+                <a:latin typeface="+mn-lt"/>
+                <a:ea typeface="+mn-ea"/>
+                <a:cs typeface="+mn-cs"/>
+              </a:rPr>
+              <a:t>required</a:t>
+            </a:r>
+            <a:r>
+              <a:rPr lang="de-DE" sz="1200" u="sng" kern="1200" baseline="0" dirty="0" smtClean="0">
+                <a:solidFill>
+                  <a:schemeClr val="tx1"/>
+                </a:solidFill>
+                <a:effectLst/>
+                <a:latin typeface="+mn-lt"/>
+                <a:ea typeface="+mn-ea"/>
+                <a:cs typeface="+mn-cs"/>
+              </a:rPr>
+              <a:t>)</a:t>
             </a:r>
             <a:r>
               <a:rPr lang="de-DE" sz="1200" u="none" kern="1200" baseline="0" dirty="0" smtClean="0">
@@ -2510,18 +2546,6 @@
           </a:p>
           <a:p>
             <a:r>
-              <a:rPr lang="en-GB" sz="1200" u="none" kern="1200" baseline="0" dirty="0" smtClean="0">
-                <a:solidFill>
-                  <a:schemeClr val="tx1"/>
-                </a:solidFill>
-                <a:effectLst/>
-                <a:latin typeface="+mn-lt"/>
-                <a:ea typeface="+mn-ea"/>
-                <a:cs typeface="+mn-cs"/>
-              </a:rPr>
-              <a:t>Travis and </a:t>
-            </a:r>
-            <a:r>
               <a:rPr lang="en-GB" sz="1200" u="none" kern="1200" baseline="0" dirty="0" err="1" smtClean="0">
                 <a:solidFill>
                   <a:schemeClr val="tx1"/>
@@ -2543,7 +2567,7 @@
                 <a:ea typeface="+mn-ea"/>
                 <a:cs typeface="+mn-cs"/>
               </a:rPr>
-              <a:t> are </a:t>
+              <a:t> is </a:t>
             </a:r>
             <a:r>
               <a:rPr lang="en-GB" sz="1200" b="1" u="none" kern="1200" baseline="0" dirty="0" smtClean="0">
@@ -8542,6 +8566,13 @@
   <p:clrMapOvr>
     <a:masterClrMapping/>
   </p:clrMapOvr>
+  <p:timing>
+    <p:tnLst>
+      <p:par>
+        <p:cTn id="1" dur="indefinite" restart="never" nodeType="tmRoot"/>
+      </p:par>
+    </p:tnLst>
+  </p:timing>
 </p:sld>
 </file>
 
@@ -8579,11 +8610,74 @@
           <a:p>
             <a:r>
               <a:rPr lang="de-DE" dirty="0" err="1" smtClean="0"/>
-              <a:t>What</a:t>
-            </a:r>
-            <a:r>
-              <a:rPr lang="de-DE" dirty="0" smtClean="0"/>
-              <a:t> was </a:t>
+              <a:t>Changes</a:t>
+            </a:r>
+            <a:r>
+              <a:rPr lang="de-DE" dirty="0" smtClean="0"/>
+              <a:t> </a:t>
+            </a:r>
+            <a:r>
+              <a:rPr lang="de-DE" dirty="0" err="1" smtClean="0"/>
+              <a:t>of</a:t>
+            </a:r>
+            <a:r>
+              <a:rPr lang="de-DE" dirty="0" smtClean="0"/>
+              <a:t> </a:t>
+            </a:r>
+            <a:r>
+              <a:rPr lang="de-DE" dirty="0" err="1" smtClean="0"/>
+              <a:t>the</a:t>
+            </a:r>
+            <a:r>
+              <a:rPr lang="de-DE" dirty="0" smtClean="0"/>
+              <a:t> design</a:t>
+            </a:r>
+            <a:endParaRPr lang="en-US" dirty="0"/>
+          </a:p>
+        </p:txBody>
+      </p:sp>
+      <p:sp>
+        <p:nvSpPr>
+          <p:cNvPr id="3" name="Inhaltsplatzhalter 2"/>
+          <p:cNvSpPr>
+            <a:spLocks noGrp="1"/>
+          </p:cNvSpPr>
+          <p:nvPr>
+            <p:ph idx="1"/>
+          </p:nvPr>
+        </p:nvSpPr>
+        <p:spPr>
+          <a:xfrm>
+            <a:off x="677334" y="2297159"/>
+            <a:ext cx="7211072" cy="2309053"/>
+          </a:xfrm>
+        </p:spPr>
+        <p:txBody>
+          <a:bodyPr>
+            <a:normAutofit lnSpcReduction="10000"/>
+          </a:bodyPr>
+          <a:lstStyle/>
+          <a:p>
+            <a:pPr marL="0" indent="0">
+              <a:buNone/>
+            </a:pPr>
+            <a:r>
+              <a:rPr lang="de-DE" dirty="0" err="1" smtClean="0"/>
+              <a:t>We</a:t>
+            </a:r>
+            <a:r>
+              <a:rPr lang="de-DE" dirty="0" smtClean="0"/>
+              <a:t>…</a:t>
+            </a:r>
+          </a:p>
+          <a:p>
+            <a:r>
+              <a:rPr lang="de-DE" dirty="0" err="1" smtClean="0"/>
+              <a:t>didn‘t</a:t>
+            </a:r>
+            <a:r>
+              <a:rPr lang="de-DE" dirty="0" smtClean="0"/>
+              <a:t> </a:t>
             </a:r>
             <a:r>
               <a:rPr lang="de-DE" dirty="0" err="1" smtClean="0"/>
@@ -8591,35 +8685,11 @@
             </a:r>
             <a:r>
               <a:rPr lang="de-DE" dirty="0" smtClean="0"/>
-              <a:t>?</a:t>
-            </a:r>
-            <a:endParaRPr lang="en-US" dirty="0"/>
-          </a:p>
-        </p:txBody>
-      </p:sp>
-      <p:sp>
-        <p:nvSpPr>
-          <p:cNvPr id="3" name="Inhaltsplatzhalter 2"/>
-          <p:cNvSpPr>
-            <a:spLocks noGrp="1"/>
-          </p:cNvSpPr>
-          <p:nvPr>
-            <p:ph idx="1"/>
-          </p:nvPr>
-        </p:nvSpPr>
-        <p:spPr/>
-        <p:txBody>
-          <a:bodyPr>
-            <a:normAutofit/>
-          </a:bodyPr>
-          <a:lstStyle/>
-          <a:p>
-            <a:pPr marL="0" indent="0">
-              <a:buNone/>
-            </a:pPr>
+              <a:t> a </a:t>
+            </a:r>
             <a:r>
               <a:rPr lang="de-DE" dirty="0" err="1" smtClean="0"/>
-              <a:t>Accomplished</a:t>
+              <a:t>matrix</a:t>
             </a:r>
             <a:r>
               <a:rPr lang="de-DE" dirty="0" smtClean="0"/>
@@ -8627,125 +8697,65 @@
             </a:r>
             <a:r>
               <a:rPr lang="de-DE" dirty="0" err="1" smtClean="0"/>
-              <a:t>as</a:t>
-            </a:r>
-            <a:r>
-              <a:rPr lang="de-DE" dirty="0" smtClean="0"/>
-              <a:t> </a:t>
-            </a:r>
-            <a:r>
-              <a:rPr lang="de-DE" dirty="0" err="1" smtClean="0"/>
-              <a:t>far</a:t>
-            </a:r>
-            <a:r>
-              <a:rPr lang="de-DE" dirty="0" smtClean="0"/>
-              <a:t> </a:t>
-            </a:r>
-            <a:r>
-              <a:rPr lang="de-DE" dirty="0" err="1" smtClean="0"/>
-              <a:t>as</a:t>
-            </a:r>
-            <a:r>
-              <a:rPr lang="de-DE" dirty="0" smtClean="0"/>
-              <a:t> </a:t>
-            </a:r>
-            <a:r>
-              <a:rPr lang="de-DE" dirty="0" err="1" smtClean="0"/>
-              <a:t>possible</a:t>
-            </a:r>
-            <a:r>
-              <a:rPr lang="de-DE" dirty="0" smtClean="0"/>
-              <a:t>:</a:t>
-            </a:r>
-          </a:p>
-          <a:p>
-            <a:pPr lvl="1"/>
-            <a:r>
-              <a:rPr lang="en-US" dirty="0" smtClean="0"/>
-              <a:t>cross-</a:t>
-            </a:r>
-            <a:r>
-              <a:rPr lang="en-US" dirty="0" err="1" smtClean="0"/>
-              <a:t>platformed</a:t>
-            </a:r>
-            <a:r>
-              <a:rPr lang="en-US" dirty="0" smtClean="0"/>
-              <a:t> compatibility</a:t>
-            </a:r>
-          </a:p>
-          <a:p>
-            <a:pPr lvl="1"/>
-            <a:r>
-              <a:rPr lang="de-DE" dirty="0" smtClean="0"/>
-              <a:t>Matrices </a:t>
-            </a:r>
-            <a:r>
-              <a:rPr lang="de-DE" dirty="0" err="1" smtClean="0"/>
-              <a:t>can</a:t>
-            </a:r>
-            <a:r>
-              <a:rPr lang="de-DE" dirty="0" smtClean="0"/>
-              <a:t> just </a:t>
-            </a:r>
-            <a:r>
-              <a:rPr lang="de-DE" dirty="0" err="1" smtClean="0"/>
-              <a:t>fetch</a:t>
-            </a:r>
-            <a:r>
-              <a:rPr lang="de-DE" dirty="0" smtClean="0"/>
-              <a:t> </a:t>
-            </a:r>
-            <a:r>
-              <a:rPr lang="de-DE" dirty="0" err="1" smtClean="0"/>
-              <a:t>and</a:t>
-            </a:r>
-            <a:r>
-              <a:rPr lang="de-DE" dirty="0" smtClean="0"/>
-              <a:t> </a:t>
-            </a:r>
-            <a:r>
-              <a:rPr lang="de-DE" dirty="0" err="1" smtClean="0"/>
-              <a:t>cut</a:t>
-            </a:r>
-            <a:r>
-              <a:rPr lang="de-DE" dirty="0" smtClean="0"/>
-              <a:t> </a:t>
-            </a:r>
-            <a:r>
-              <a:rPr lang="de-DE" dirty="0" err="1" smtClean="0"/>
-              <a:t>from</a:t>
-            </a:r>
-            <a:r>
-              <a:rPr lang="de-DE" dirty="0" smtClean="0"/>
-              <a:t> Suite </a:t>
-            </a:r>
-            <a:r>
-              <a:rPr lang="de-DE" dirty="0" err="1" smtClean="0"/>
-              <a:t>Sparse</a:t>
-            </a:r>
-            <a:r>
-              <a:rPr lang="de-DE" dirty="0" smtClean="0"/>
-              <a:t>, but not </a:t>
-            </a:r>
-            <a:r>
-              <a:rPr lang="de-DE" dirty="0" err="1" smtClean="0"/>
-              <a:t>generated</a:t>
-            </a:r>
-            <a:r>
-              <a:rPr lang="de-DE" dirty="0" smtClean="0"/>
-              <a:t> </a:t>
-            </a:r>
-            <a:endParaRPr lang="en-US" dirty="0" smtClean="0"/>
-          </a:p>
-          <a:p>
-            <a:pPr lvl="1"/>
+              <a:t>class</a:t>
+            </a:r>
+            <a:endParaRPr lang="de-DE" dirty="0" smtClean="0"/>
+          </a:p>
+          <a:p>
+            <a:r>
+              <a:rPr lang="en-GB" dirty="0" smtClean="0"/>
+              <a:t>changed the </a:t>
+            </a:r>
             <a:r>
               <a:rPr lang="en-GB" dirty="0"/>
-              <a:t>let out the possibility to select a </a:t>
+              <a:t>command interface to an abstract class </a:t>
+            </a:r>
+            <a:endParaRPr lang="en-US" dirty="0"/>
+          </a:p>
+          <a:p>
+            <a:r>
+              <a:rPr lang="en-GB" dirty="0"/>
+              <a:t>l</a:t>
+            </a:r>
+            <a:r>
+              <a:rPr lang="en-GB" dirty="0" smtClean="0"/>
+              <a:t>et </a:t>
+            </a:r>
+            <a:r>
+              <a:rPr lang="en-GB" dirty="0"/>
+              <a:t>out the possibility to select a </a:t>
             </a:r>
             <a:r>
               <a:rPr lang="en-GB" dirty="0" smtClean="0"/>
               <a:t>density</a:t>
+            </a:r>
+          </a:p>
+          <a:p>
+            <a:r>
+              <a:rPr lang="en-US" dirty="0"/>
+              <a:t>added a help </a:t>
+            </a:r>
+            <a:r>
+              <a:rPr lang="en-US" dirty="0" smtClean="0"/>
+              <a:t>command</a:t>
+            </a:r>
+          </a:p>
+          <a:p>
+            <a:r>
+              <a:rPr lang="en-US" dirty="0"/>
+              <a:t>added a </a:t>
+            </a:r>
+            <a:r>
+              <a:rPr lang="en-US" dirty="0" err="1" smtClean="0"/>
+              <a:t>Ssget</a:t>
+            </a:r>
+            <a:r>
+              <a:rPr lang="en-US" dirty="0" smtClean="0"/>
+              <a:t> </a:t>
+            </a:r>
+            <a:r>
+              <a:rPr lang="en-US" dirty="0"/>
+              <a:t>command</a:t>
             </a:r>
           </a:p>
         </p:txBody>
@@ -8776,13 +8786,20 @@
     </p:spTree>
     <p:extLst>
       <p:ext uri="{BB962C8B-B14F-4D97-AF65-F5344CB8AC3E}">
-        <p14:creationId xmlns:p14="http://schemas.microsoft.com/office/powerpoint/2010/main" val="1132490294"/>
+        <p14:creationId xmlns:p14="http://schemas.microsoft.com/office/powerpoint/2010/main" val="1256539224"/>
       </p:ext>
     </p:extLst>
   </p:cSld>
   <p:clrMapOvr>
     <a:masterClrMapping/>
   </p:clrMapOvr>
+  <p:timing>
+    <p:tnLst>
+      <p:par>
+        <p:cTn id="1" dur="indefinite" restart="never" nodeType="tmRoot"/>
+      </p:par>
+    </p:tnLst>
+  </p:timing>
 </p:sld>
 </file>
 
@@ -8819,67 +8836,12 @@
           <a:lstStyle/>
           <a:p>
             <a:r>
-              <a:rPr lang="de-DE" dirty="0" err="1"/>
+              <a:rPr lang="de-DE" dirty="0" err="1" smtClean="0"/>
               <a:t>What</a:t>
             </a:r>
             <a:r>
-              <a:rPr lang="de-DE" dirty="0"/>
+              <a:rPr lang="de-DE" dirty="0" smtClean="0"/>
               <a:t> was </a:t>
-            </a:r>
-            <a:r>
-              <a:rPr lang="de-DE" dirty="0" err="1"/>
-              <a:t>implemented</a:t>
-            </a:r>
-            <a:r>
-              <a:rPr lang="de-DE" dirty="0"/>
-              <a:t>?</a:t>
-            </a:r>
-            <a:endParaRPr lang="en-US" dirty="0"/>
-          </a:p>
-        </p:txBody>
-      </p:sp>
-      <p:sp>
-        <p:nvSpPr>
-          <p:cNvPr id="3" name="Inhaltsplatzhalter 2"/>
-          <p:cNvSpPr>
-            <a:spLocks noGrp="1"/>
-          </p:cNvSpPr>
-          <p:nvPr>
-            <p:ph idx="1"/>
-          </p:nvPr>
-        </p:nvSpPr>
-        <p:spPr>
-          <a:xfrm>
-            <a:off x="677334" y="1768704"/>
-            <a:ext cx="8596668" cy="3880773"/>
-          </a:xfrm>
-        </p:spPr>
-        <p:txBody>
-          <a:bodyPr/>
-          <a:lstStyle/>
-          <a:p>
-            <a:pPr marL="0" indent="0">
-              <a:buNone/>
-            </a:pPr>
-            <a:r>
-              <a:rPr lang="de-DE" dirty="0" smtClean="0"/>
-              <a:t>This optional </a:t>
-            </a:r>
-            <a:r>
-              <a:rPr lang="de-DE" dirty="0" err="1" smtClean="0"/>
-              <a:t>requirements</a:t>
-            </a:r>
-            <a:r>
-              <a:rPr lang="de-DE" dirty="0" smtClean="0"/>
-              <a:t> </a:t>
-            </a:r>
-            <a:r>
-              <a:rPr lang="de-DE" dirty="0" err="1" smtClean="0"/>
-              <a:t>were</a:t>
-            </a:r>
-            <a:r>
-              <a:rPr lang="de-DE" dirty="0" smtClean="0"/>
-              <a:t> </a:t>
             </a:r>
             <a:r>
               <a:rPr lang="de-DE" dirty="0" err="1" smtClean="0"/>
@@ -8887,126 +8849,162 @@
             </a:r>
             <a:r>
               <a:rPr lang="de-DE" dirty="0" smtClean="0"/>
+              <a:t>?</a:t>
+            </a:r>
+            <a:endParaRPr lang="en-US" dirty="0"/>
+          </a:p>
+        </p:txBody>
+      </p:sp>
+      <p:sp>
+        <p:nvSpPr>
+          <p:cNvPr id="3" name="Inhaltsplatzhalter 2"/>
+          <p:cNvSpPr>
+            <a:spLocks noGrp="1"/>
+          </p:cNvSpPr>
+          <p:nvPr>
+            <p:ph idx="1"/>
+          </p:nvPr>
+        </p:nvSpPr>
+        <p:spPr/>
+        <p:txBody>
+          <a:bodyPr>
+            <a:normAutofit/>
+          </a:bodyPr>
+          <a:lstStyle/>
+          <a:p>
+            <a:pPr marL="0" indent="0">
+              <a:buNone/>
+            </a:pPr>
+            <a:r>
+              <a:rPr lang="de-DE" dirty="0" err="1" smtClean="0"/>
+              <a:t>Accomplished</a:t>
+            </a:r>
+            <a:r>
+              <a:rPr lang="de-DE" dirty="0" smtClean="0"/>
+              <a:t> </a:t>
+            </a:r>
+            <a:r>
+              <a:rPr lang="de-DE" dirty="0" err="1" smtClean="0"/>
+              <a:t>as</a:t>
+            </a:r>
+            <a:r>
+              <a:rPr lang="de-DE" dirty="0" smtClean="0"/>
+              <a:t> </a:t>
+            </a:r>
+            <a:r>
+              <a:rPr lang="de-DE" dirty="0" err="1" smtClean="0"/>
+              <a:t>far</a:t>
+            </a:r>
+            <a:r>
+              <a:rPr lang="de-DE" dirty="0" smtClean="0"/>
+              <a:t> </a:t>
+            </a:r>
+            <a:r>
+              <a:rPr lang="de-DE" dirty="0" err="1" smtClean="0"/>
+              <a:t>as</a:t>
+            </a:r>
+            <a:r>
+              <a:rPr lang="de-DE" dirty="0" smtClean="0"/>
+              <a:t> </a:t>
+            </a:r>
+            <a:r>
+              <a:rPr lang="de-DE" dirty="0" err="1" smtClean="0"/>
+              <a:t>possible</a:t>
+            </a:r>
+            <a:r>
+              <a:rPr lang="de-DE" dirty="0" smtClean="0"/>
               <a:t>:</a:t>
             </a:r>
           </a:p>
           <a:p>
             <a:pPr lvl="1"/>
             <a:r>
+              <a:rPr lang="en-US" dirty="0" smtClean="0"/>
+              <a:t>cross-</a:t>
+            </a:r>
+            <a:r>
+              <a:rPr lang="en-US" dirty="0" err="1" smtClean="0"/>
+              <a:t>platformed</a:t>
+            </a:r>
+            <a:r>
+              <a:rPr lang="en-US" dirty="0" smtClean="0"/>
+              <a:t> compatibility</a:t>
+            </a:r>
+          </a:p>
+          <a:p>
+            <a:pPr lvl="1"/>
+            <a:r>
+              <a:rPr lang="de-DE" dirty="0" smtClean="0"/>
+              <a:t>Matrices </a:t>
+            </a:r>
+            <a:r>
+              <a:rPr lang="de-DE" dirty="0" err="1" smtClean="0"/>
+              <a:t>can</a:t>
+            </a:r>
+            <a:r>
+              <a:rPr lang="de-DE" dirty="0" smtClean="0"/>
+              <a:t> just </a:t>
+            </a:r>
+            <a:r>
+              <a:rPr lang="de-DE" dirty="0" err="1" smtClean="0"/>
+              <a:t>fetch</a:t>
+            </a:r>
+            <a:r>
+              <a:rPr lang="de-DE" dirty="0" smtClean="0"/>
+              <a:t> </a:t>
+            </a:r>
+            <a:r>
+              <a:rPr lang="de-DE" dirty="0" err="1" smtClean="0"/>
+              <a:t>and</a:t>
+            </a:r>
+            <a:r>
+              <a:rPr lang="de-DE" dirty="0" smtClean="0"/>
+              <a:t> </a:t>
+            </a:r>
+            <a:r>
+              <a:rPr lang="de-DE" dirty="0" err="1" smtClean="0"/>
+              <a:t>cut</a:t>
+            </a:r>
+            <a:r>
+              <a:rPr lang="de-DE" dirty="0" smtClean="0"/>
+              <a:t> </a:t>
+            </a:r>
+            <a:r>
+              <a:rPr lang="de-DE" dirty="0" err="1" smtClean="0"/>
+              <a:t>from</a:t>
+            </a:r>
+            <a:r>
+              <a:rPr lang="de-DE" dirty="0" smtClean="0"/>
+              <a:t> Suite </a:t>
+            </a:r>
+            <a:r>
+              <a:rPr lang="de-DE" dirty="0" err="1" smtClean="0"/>
+              <a:t>Sparse</a:t>
+            </a:r>
+            <a:r>
+              <a:rPr lang="de-DE" dirty="0" smtClean="0"/>
+              <a:t>, but not </a:t>
+            </a:r>
+            <a:r>
+              <a:rPr lang="de-DE" dirty="0" err="1" smtClean="0"/>
+              <a:t>generated</a:t>
+            </a:r>
+            <a:r>
+              <a:rPr lang="de-DE" dirty="0" smtClean="0"/>
+              <a:t> </a:t>
+            </a:r>
+            <a:endParaRPr lang="en-US" dirty="0" smtClean="0"/>
+          </a:p>
+          <a:p>
+            <a:pPr lvl="1"/>
+            <a:r>
               <a:rPr lang="en-GB" dirty="0"/>
-              <a:t>The software </a:t>
+              <a:t>let out the possibility to select a </a:t>
             </a:r>
             <a:r>
               <a:rPr lang="en-GB" dirty="0" smtClean="0"/>
-              <a:t>is able </a:t>
-            </a:r>
-            <a:r>
-              <a:rPr lang="en-GB" dirty="0"/>
-              <a:t>to utilize </a:t>
-            </a:r>
-            <a:r>
-              <a:rPr lang="en-GB" u="sng" dirty="0"/>
-              <a:t>GPU</a:t>
-            </a:r>
-            <a:r>
-              <a:rPr lang="en-GB" dirty="0"/>
-              <a:t> accelerators for the training and prediction capabilities of the neural </a:t>
-            </a:r>
-            <a:r>
-              <a:rPr lang="en-GB" dirty="0" smtClean="0"/>
-              <a:t>network</a:t>
-            </a:r>
-          </a:p>
-          <a:p>
-            <a:pPr lvl="1"/>
-            <a:r>
-              <a:rPr lang="en-GB" dirty="0"/>
-              <a:t>The system just supports four instead of five iterative solver </a:t>
-            </a:r>
-            <a:r>
-              <a:rPr lang="en-GB" dirty="0" smtClean="0"/>
-              <a:t>algorithms</a:t>
-            </a:r>
-          </a:p>
-          <a:p>
-            <a:pPr lvl="1"/>
-            <a:endParaRPr lang="en-GB" dirty="0"/>
-          </a:p>
-          <a:p>
-            <a:pPr lvl="1"/>
-            <a:endParaRPr lang="de-DE" dirty="0"/>
-          </a:p>
-          <a:p>
-            <a:pPr marL="0" indent="0">
-              <a:buNone/>
-            </a:pPr>
-            <a:r>
-              <a:rPr lang="de-DE" dirty="0" smtClean="0"/>
-              <a:t>This </a:t>
-            </a:r>
-            <a:r>
-              <a:rPr lang="de-DE" dirty="0" smtClean="0"/>
-              <a:t>optional </a:t>
-            </a:r>
-            <a:r>
-              <a:rPr lang="de-DE" dirty="0" err="1"/>
-              <a:t>requirements</a:t>
-            </a:r>
-            <a:r>
-              <a:rPr lang="de-DE" dirty="0"/>
-              <a:t> </a:t>
-            </a:r>
-            <a:r>
-              <a:rPr lang="de-DE" dirty="0" err="1"/>
-              <a:t>were</a:t>
-            </a:r>
-            <a:r>
-              <a:rPr lang="de-DE" dirty="0"/>
-              <a:t> </a:t>
-            </a:r>
-            <a:r>
-              <a:rPr lang="de-DE" dirty="0" err="1" smtClean="0"/>
-              <a:t>dropped</a:t>
-            </a:r>
-            <a:r>
-              <a:rPr lang="de-DE" dirty="0" smtClean="0"/>
-              <a:t>:</a:t>
-            </a:r>
-          </a:p>
-          <a:p>
-            <a:pPr lvl="1"/>
-            <a:r>
-              <a:rPr lang="en-GB" dirty="0"/>
-              <a:t>A web interface to the software </a:t>
-            </a:r>
-            <a:endParaRPr lang="en-GB" dirty="0" smtClean="0"/>
-          </a:p>
-          <a:p>
-            <a:pPr lvl="1"/>
-            <a:r>
-              <a:rPr lang="en-GB" dirty="0" smtClean="0"/>
-              <a:t>Scalability </a:t>
-            </a:r>
-            <a:r>
-              <a:rPr lang="en-GB" dirty="0"/>
-              <a:t>of the workflow including matrix generation, training, prediction in that multiple processors may be used in parallel</a:t>
-            </a:r>
-            <a:r>
-              <a:rPr lang="en-GB" dirty="0" smtClean="0"/>
-              <a:t>.</a:t>
-            </a:r>
-          </a:p>
-          <a:p>
-            <a:pPr marL="457200" lvl="1" indent="0">
-              <a:buNone/>
-            </a:pPr>
-            <a:endParaRPr lang="en-GB" dirty="0"/>
-          </a:p>
-          <a:p>
-            <a:pPr marL="457200" lvl="1" indent="0">
-              <a:buNone/>
-            </a:pPr>
-            <a:endParaRPr lang="de-DE" dirty="0" smtClean="0"/>
+              <a:t>density</a:t>
+            </a:r>
           </a:p>
         </p:txBody>
       </p:sp>
@@ -9036,13 +9034,20 @@
     </p:spTree>
     <p:extLst>
       <p:ext uri="{BB962C8B-B14F-4D97-AF65-F5344CB8AC3E}">
-        <p14:creationId xmlns:p14="http://schemas.microsoft.com/office/powerpoint/2010/main" val="3291518791"/>
+        <p14:creationId xmlns:p14="http://schemas.microsoft.com/office/powerpoint/2010/main" val="1132490294"/>
       </p:ext>
     </p:extLst>
   </p:cSld>
   <p:clrMapOvr>
     <a:masterClrMapping/>
   </p:clrMapOvr>
+  <p:timing>
+    <p:tnLst>
+      <p:par>
+        <p:cTn id="1" dur="indefinite" restart="never" nodeType="tmRoot"/>
+      </p:par>
+    </p:tnLst>
+  </p:timing>
 </p:sld>
 </file>
 
@@ -9079,28 +9084,20 @@
           <a:lstStyle/>
           <a:p>
             <a:r>
-              <a:rPr lang="de-DE" dirty="0" err="1" smtClean="0"/>
-              <a:t>Changes</a:t>
-            </a:r>
-            <a:r>
-              <a:rPr lang="de-DE" dirty="0" smtClean="0"/>
-              <a:t> </a:t>
-            </a:r>
-            <a:r>
-              <a:rPr lang="de-DE" dirty="0" err="1" smtClean="0"/>
-              <a:t>of</a:t>
-            </a:r>
-            <a:r>
-              <a:rPr lang="de-DE" dirty="0" smtClean="0"/>
-              <a:t> </a:t>
-            </a:r>
-            <a:r>
-              <a:rPr lang="de-DE" dirty="0" err="1" smtClean="0"/>
-              <a:t>the</a:t>
-            </a:r>
-            <a:r>
-              <a:rPr lang="de-DE" dirty="0" smtClean="0"/>
-              <a:t> design</a:t>
+              <a:rPr lang="de-DE" dirty="0" err="1"/>
+              <a:t>What</a:t>
+            </a:r>
+            <a:r>
+              <a:rPr lang="de-DE" dirty="0"/>
+              <a:t> was </a:t>
+            </a:r>
+            <a:r>
+              <a:rPr lang="de-DE" dirty="0" err="1"/>
+              <a:t>implemented</a:t>
+            </a:r>
+            <a:r>
+              <a:rPr lang="de-DE" dirty="0"/>
+              <a:t>?</a:t>
             </a:r>
             <a:endParaRPr lang="en-US" dirty="0"/>
           </a:p>
@@ -9118,32 +9115,32 @@
         </p:nvSpPr>
         <p:spPr>
           <a:xfrm>
-            <a:off x="677334" y="2297159"/>
-            <a:ext cx="7211072" cy="2309053"/>
+            <a:off x="677334" y="1768704"/>
+            <a:ext cx="8596668" cy="3880773"/>
           </a:xfrm>
         </p:spPr>
         <p:txBody>
-          <a:bodyPr>
-            <a:normAutofit lnSpcReduction="10000"/>
-          </a:bodyPr>
+          <a:bodyPr/>
           <a:lstStyle/>
           <a:p>
             <a:pPr marL="0" indent="0">
               <a:buNone/>
             </a:pPr>
             <a:r>
+              <a:rPr lang="de-DE" dirty="0" smtClean="0"/>
+              <a:t>This optional </a:t>
+            </a:r>
+            <a:r>
               <a:rPr lang="de-DE" dirty="0" err="1" smtClean="0"/>
-              <a:t>We</a:t>
-            </a:r>
-            <a:r>
-              <a:rPr lang="de-DE" dirty="0" smtClean="0"/>
-              <a:t>…</a:t>
-            </a:r>
-          </a:p>
-          <a:p>
+              <a:t>requirements</a:t>
+            </a:r>
+            <a:r>
+              <a:rPr lang="de-DE" dirty="0" smtClean="0"/>
+              <a:t> </a:t>
+            </a:r>
             <a:r>
               <a:rPr lang="de-DE" dirty="0" err="1" smtClean="0"/>
-              <a:t>didn‘t</a:t>
+              <a:t>were</a:t>
             </a:r>
             <a:r>
               <a:rPr lang="de-DE" dirty="0" smtClean="0"/>
@@ -9155,82 +9152,122 @@
             </a:r>
             <a:r>
               <a:rPr lang="de-DE" dirty="0" smtClean="0"/>
-              <a:t> a </a:t>
+              <a:t>:</a:t>
+            </a:r>
+          </a:p>
+          <a:p>
+            <a:pPr lvl="1"/>
+            <a:r>
+              <a:rPr lang="en-GB" dirty="0"/>
+              <a:t>The software </a:t>
+            </a:r>
+            <a:r>
+              <a:rPr lang="en-GB" dirty="0" smtClean="0"/>
+              <a:t>is able </a:t>
+            </a:r>
+            <a:r>
+              <a:rPr lang="en-GB" dirty="0"/>
+              <a:t>to utilize </a:t>
+            </a:r>
+            <a:r>
+              <a:rPr lang="en-GB" u="sng" dirty="0"/>
+              <a:t>GPU</a:t>
+            </a:r>
+            <a:r>
+              <a:rPr lang="en-GB" dirty="0"/>
+              <a:t> accelerators for the training and prediction capabilities of the neural </a:t>
+            </a:r>
+            <a:r>
+              <a:rPr lang="en-GB" dirty="0" smtClean="0"/>
+              <a:t>network</a:t>
+            </a:r>
+          </a:p>
+          <a:p>
+            <a:pPr lvl="1"/>
+            <a:r>
+              <a:rPr lang="en-GB" dirty="0"/>
+              <a:t>The system just supports four instead of five iterative solver </a:t>
+            </a:r>
+            <a:r>
+              <a:rPr lang="en-GB" dirty="0" smtClean="0"/>
+              <a:t>algorithms</a:t>
+            </a:r>
+          </a:p>
+          <a:p>
+            <a:pPr lvl="1"/>
+            <a:endParaRPr lang="en-GB" dirty="0"/>
+          </a:p>
+          <a:p>
+            <a:pPr lvl="1"/>
+            <a:endParaRPr lang="de-DE" dirty="0"/>
+          </a:p>
+          <a:p>
+            <a:pPr marL="0" indent="0">
+              <a:buNone/>
+            </a:pPr>
+            <a:r>
+              <a:rPr lang="de-DE" dirty="0" smtClean="0"/>
+              <a:t>This optional </a:t>
+            </a:r>
+            <a:r>
+              <a:rPr lang="de-DE" dirty="0" err="1"/>
+              <a:t>requirements</a:t>
+            </a:r>
+            <a:r>
+              <a:rPr lang="de-DE" dirty="0"/>
+              <a:t> </a:t>
+            </a:r>
+            <a:r>
+              <a:rPr lang="de-DE" dirty="0" err="1"/>
+              <a:t>were</a:t>
+            </a:r>
+            <a:r>
+              <a:rPr lang="de-DE" dirty="0"/>
+              <a:t> </a:t>
             </a:r>
             <a:r>
               <a:rPr lang="de-DE" dirty="0" err="1" smtClean="0"/>
-              <a:t>matrix</a:t>
-            </a:r>
-            <a:r>
-              <a:rPr lang="de-DE" dirty="0" smtClean="0"/>
-              <a:t> </a:t>
-            </a:r>
-            <a:r>
-              <a:rPr lang="de-DE" dirty="0" err="1" smtClean="0"/>
-              <a:t>class</a:t>
-            </a:r>
+              <a:t>dropped</a:t>
+            </a:r>
+            <a:r>
+              <a:rPr lang="de-DE" dirty="0" smtClean="0"/>
+              <a:t>:</a:t>
+            </a:r>
+          </a:p>
+          <a:p>
+            <a:pPr lvl="1"/>
+            <a:r>
+              <a:rPr lang="en-GB" dirty="0"/>
+              <a:t>A web interface to the software </a:t>
+            </a:r>
+            <a:endParaRPr lang="en-GB" dirty="0" smtClean="0"/>
+          </a:p>
+          <a:p>
+            <a:pPr lvl="1"/>
+            <a:r>
+              <a:rPr lang="en-GB" dirty="0" smtClean="0"/>
+              <a:t>Scalability </a:t>
+            </a:r>
+            <a:r>
+              <a:rPr lang="en-GB" dirty="0"/>
+              <a:t>of the workflow including matrix generation, training, prediction in that multiple processors may be used in parallel</a:t>
+            </a:r>
+            <a:r>
+              <a:rPr lang="en-GB" dirty="0" smtClean="0"/>
+              <a:t>.</a:t>
+            </a:r>
+          </a:p>
+          <a:p>
+            <a:pPr marL="457200" lvl="1" indent="0">
+              <a:buNone/>
+            </a:pPr>
+            <a:endParaRPr lang="en-GB" dirty="0"/>
+          </a:p>
+          <a:p>
+            <a:pPr marL="457200" lvl="1" indent="0">
+              <a:buNone/>
+            </a:pPr>
             <a:endParaRPr lang="de-DE" dirty="0" smtClean="0"/>
-          </a:p>
-          <a:p>
-            <a:r>
-              <a:rPr lang="en-GB" dirty="0" smtClean="0"/>
-              <a:t>changed </a:t>
-            </a:r>
-            <a:r>
-              <a:rPr lang="en-GB" dirty="0" smtClean="0"/>
-              <a:t>the </a:t>
-            </a:r>
-            <a:r>
-              <a:rPr lang="en-GB" dirty="0"/>
-              <a:t>command interface to an abstract class </a:t>
-            </a:r>
-            <a:endParaRPr lang="en-US" dirty="0"/>
-          </a:p>
-          <a:p>
-            <a:r>
-              <a:rPr lang="en-GB" dirty="0"/>
-              <a:t>l</a:t>
-            </a:r>
-            <a:r>
-              <a:rPr lang="en-GB" dirty="0" smtClean="0"/>
-              <a:t>et </a:t>
-            </a:r>
-            <a:r>
-              <a:rPr lang="en-GB" dirty="0"/>
-              <a:t>out the possibility to select a </a:t>
-            </a:r>
-            <a:r>
-              <a:rPr lang="en-GB" dirty="0" smtClean="0"/>
-              <a:t>density</a:t>
-            </a:r>
-          </a:p>
-          <a:p>
-            <a:r>
-              <a:rPr lang="en-US" dirty="0"/>
-              <a:t>added a help </a:t>
-            </a:r>
-            <a:r>
-              <a:rPr lang="en-US" dirty="0" smtClean="0"/>
-              <a:t>command</a:t>
-            </a:r>
-          </a:p>
-          <a:p>
-            <a:r>
-              <a:rPr lang="en-US" dirty="0"/>
-              <a:t>added a </a:t>
-            </a:r>
-            <a:r>
-              <a:rPr lang="en-US" dirty="0" err="1" smtClean="0"/>
-              <a:t>Ssget</a:t>
-            </a:r>
-            <a:r>
-              <a:rPr lang="en-US" dirty="0" smtClean="0"/>
-              <a:t> </a:t>
-            </a:r>
-            <a:r>
-              <a:rPr lang="en-US" dirty="0"/>
-              <a:t>command</a:t>
-            </a:r>
           </a:p>
         </p:txBody>
       </p:sp>
@@ -9260,13 +9297,20 @@
     </p:spTree>
     <p:extLst>
       <p:ext uri="{BB962C8B-B14F-4D97-AF65-F5344CB8AC3E}">
-        <p14:creationId xmlns:p14="http://schemas.microsoft.com/office/powerpoint/2010/main" val="1256539224"/>
+        <p14:creationId xmlns:p14="http://schemas.microsoft.com/office/powerpoint/2010/main" val="3291518791"/>
       </p:ext>
     </p:extLst>
   </p:cSld>
   <p:clrMapOvr>
     <a:masterClrMapping/>
   </p:clrMapOvr>
+  <p:timing>
+    <p:tnLst>
+      <p:par>
+        <p:cTn id="1" dur="indefinite" restart="never" nodeType="tmRoot"/>
+      </p:par>
+    </p:tnLst>
+  </p:timing>
 </p:sld>
 </file>
 
@@ -9382,6 +9426,13 @@
   <p:clrMapOvr>
     <a:masterClrMapping/>
   </p:clrMapOvr>
+  <p:timing>
+    <p:tnLst>
+      <p:par>
+        <p:cTn id="1" dur="indefinite" restart="never" nodeType="tmRoot"/>
+      </p:par>
+    </p:tnLst>
+  </p:timing>
 </p:sld>
 </file>
 
@@ -9549,11 +9600,7 @@
             </a:r>
             <a:r>
               <a:rPr lang="de-DE" dirty="0" smtClean="0"/>
-              <a:t> C</a:t>
-            </a:r>
-            <a:r>
-              <a:rPr lang="de-DE" dirty="0" smtClean="0"/>
-              <a:t>++</a:t>
+              <a:t> C++</a:t>
             </a:r>
           </a:p>
           <a:p>
@@ -9580,7 +9627,6 @@
               <a:rPr lang="de-DE" dirty="0" smtClean="0"/>
               <a:t>:</a:t>
             </a:r>
-            <a:endParaRPr lang="de-DE" dirty="0" smtClean="0"/>
           </a:p>
           <a:p>
             <a:r>
@@ -9607,7 +9653,6 @@
               <a:rPr lang="en-GB" dirty="0" smtClean="0"/>
               <a:t>module, because of the labelling module</a:t>
             </a:r>
-            <a:endParaRPr lang="en-GB" dirty="0" smtClean="0"/>
           </a:p>
           <a:p>
             <a:endParaRPr lang="en-US" dirty="0"/>
@@ -9647,6 +9692,13 @@
   <p:clrMapOvr>
     <a:masterClrMapping/>
   </p:clrMapOvr>
+  <p:timing>
+    <p:tnLst>
+      <p:par>
+        <p:cTn id="1" dur="indefinite" restart="never" nodeType="tmRoot"/>
+      </p:par>
+    </p:tnLst>
+  </p:timing>
 </p:sld>
 </file>
 
@@ -9772,8 +9824,9 @@
             </a:r>
             <a:r>
               <a:rPr lang="de-DE" dirty="0" smtClean="0"/>
-              <a:t>160</a:t>
-            </a:r>
+              <a:t>200</a:t>
+            </a:r>
+            <a:endParaRPr lang="de-DE" dirty="0" smtClean="0"/>
           </a:p>
           <a:p>
             <a:r>
@@ -9788,7 +9841,6 @@
               <a:rPr lang="de-DE" dirty="0" smtClean="0"/>
               <a:t>: 80%</a:t>
             </a:r>
-            <a:endParaRPr lang="de-DE" dirty="0" smtClean="0"/>
           </a:p>
           <a:p>
             <a:r>
@@ -9976,6 +10028,13 @@
   <p:clrMapOvr>
     <a:masterClrMapping/>
   </p:clrMapOvr>
+  <p:timing>
+    <p:tnLst>
+      <p:par>
+        <p:cTn id="1" dur="indefinite" restart="never" nodeType="tmRoot"/>
+      </p:par>
+    </p:tnLst>
+  </p:timing>
 </p:sld>
 </file>
 
@@ -10098,7 +10157,6 @@
               <a:rPr lang="de-DE" dirty="0" smtClean="0"/>
               <a:t> </a:t>
             </a:r>
-            <a:endParaRPr lang="de-DE" dirty="0" smtClean="0"/>
           </a:p>
           <a:p>
             <a:r>
@@ -10201,7 +10259,15 @@
             <a:pPr lvl="1"/>
             <a:r>
               <a:rPr lang="de-DE" dirty="0" smtClean="0"/>
-              <a:t>Travis</a:t>
+              <a:t>Travis (</a:t>
+            </a:r>
+            <a:r>
+              <a:rPr lang="de-DE" dirty="0" err="1" smtClean="0"/>
+              <a:t>required</a:t>
+            </a:r>
+            <a:r>
+              <a:rPr lang="de-DE" dirty="0" smtClean="0"/>
+              <a:t>)</a:t>
             </a:r>
           </a:p>
           <a:p>
@@ -10209,6 +10275,10 @@
             <a:r>
               <a:rPr lang="de-DE" dirty="0" err="1" smtClean="0"/>
               <a:t>CodeClimate</a:t>
+            </a:r>
+            <a:r>
+              <a:rPr lang="de-DE" dirty="0" smtClean="0"/>
+              <a:t> (optional)</a:t>
             </a:r>
             <a:endParaRPr lang="en-US" dirty="0"/>
           </a:p>
@@ -10247,6 +10317,13 @@
   <p:clrMapOvr>
     <a:masterClrMapping/>
   </p:clrMapOvr>
+  <p:timing>
+    <p:tnLst>
+      <p:par>
+        <p:cTn id="1" dur="indefinite" restart="never" nodeType="tmRoot"/>
+      </p:par>
+    </p:tnLst>
+  </p:timing>
 </p:sld>
 </file>
 

--- a/Implementation Sheet/Impl_sheet_presentation.pptx
+++ b/Implementation Sheet/Impl_sheet_presentation.pptx
@@ -2677,7 +2677,7 @@
           <a:bodyPr/>
           <a:lstStyle/>
           <a:p>
-            <a:endParaRPr lang="en-US"/>
+            <a:endParaRPr lang="en-US" dirty="0"/>
           </a:p>
         </p:txBody>
       </p:sp>
@@ -9820,13 +9820,8 @@
             </a:r>
             <a:r>
               <a:rPr lang="de-DE" dirty="0" smtClean="0"/>
-              <a:t>: </a:t>
-            </a:r>
-            <a:r>
-              <a:rPr lang="de-DE" dirty="0" smtClean="0"/>
-              <a:t>200</a:t>
-            </a:r>
-            <a:endParaRPr lang="de-DE" dirty="0" smtClean="0"/>
+              <a:t>: 200</a:t>
+            </a:r>
           </a:p>
           <a:p>
             <a:r>
@@ -10369,7 +10364,7 @@
       </p:sp>
       <p:pic>
         <p:nvPicPr>
-          <p:cNvPr id="3" name="Grafik 2"/>
+          <p:cNvPr id="4" name="Grafik 3"/>
           <p:cNvPicPr>
             <a:picLocks noChangeAspect="1"/>
           </p:cNvPicPr>
@@ -10389,8 +10384,8 @@
         </p:blipFill>
         <p:spPr>
           <a:xfrm>
-            <a:off x="503917" y="79719"/>
-            <a:ext cx="8428415" cy="6689570"/>
+            <a:off x="876383" y="444322"/>
+            <a:ext cx="7969213" cy="6014434"/>
           </a:xfrm>
           <a:prstGeom prst="rect">
             <a:avLst/>

--- a/Implementation Sheet/Impl_sheet_presentation.pptx
+++ b/Implementation Sheet/Impl_sheet_presentation.pptx
@@ -5,18 +5,19 @@
     <p:sldMasterId id="2147483711" r:id="rId1"/>
   </p:sldMasterIdLst>
   <p:notesMasterIdLst>
-    <p:notesMasterId r:id="rId11"/>
+    <p:notesMasterId r:id="rId12"/>
   </p:notesMasterIdLst>
   <p:sldIdLst>
     <p:sldId id="276" r:id="rId2"/>
     <p:sldId id="281" r:id="rId3"/>
-    <p:sldId id="277" r:id="rId4"/>
-    <p:sldId id="284" r:id="rId5"/>
-    <p:sldId id="278" r:id="rId6"/>
-    <p:sldId id="280" r:id="rId7"/>
-    <p:sldId id="282" r:id="rId8"/>
-    <p:sldId id="283" r:id="rId9"/>
-    <p:sldId id="285" r:id="rId10"/>
+    <p:sldId id="288" r:id="rId4"/>
+    <p:sldId id="277" r:id="rId5"/>
+    <p:sldId id="284" r:id="rId6"/>
+    <p:sldId id="278" r:id="rId7"/>
+    <p:sldId id="280" r:id="rId8"/>
+    <p:sldId id="282" r:id="rId9"/>
+    <p:sldId id="283" r:id="rId10"/>
+    <p:sldId id="285" r:id="rId11"/>
   </p:sldIdLst>
   <p:sldSz cx="12192000" cy="6858000"/>
   <p:notesSz cx="6858000" cy="9144000"/>
@@ -569,6 +570,90 @@
 </p:notes>
 </file>
 
+<file path=ppt/notesSlides/notesSlide10.xml><?xml version="1.0" encoding="utf-8"?>
+<p:notes xmlns:a="http://schemas.openxmlformats.org/drawingml/2006/main" xmlns:r="http://schemas.openxmlformats.org/officeDocument/2006/relationships" xmlns:p="http://schemas.openxmlformats.org/presentationml/2006/main">
+  <p:cSld>
+    <p:spTree>
+      <p:nvGrpSpPr>
+        <p:cNvPr id="1" name=""/>
+        <p:cNvGrpSpPr/>
+        <p:nvPr/>
+      </p:nvGrpSpPr>
+      <p:grpSpPr>
+        <a:xfrm>
+          <a:off x="0" y="0"/>
+          <a:ext cx="0" cy="0"/>
+          <a:chOff x="0" y="0"/>
+          <a:chExt cx="0" cy="0"/>
+        </a:xfrm>
+      </p:grpSpPr>
+      <p:sp>
+        <p:nvSpPr>
+          <p:cNvPr id="2" name="Folienbildplatzhalter 1"/>
+          <p:cNvSpPr>
+            <a:spLocks noGrp="1" noRot="1" noChangeAspect="1"/>
+          </p:cNvSpPr>
+          <p:nvPr>
+            <p:ph type="sldImg"/>
+          </p:nvPr>
+        </p:nvSpPr>
+        <p:spPr/>
+      </p:sp>
+      <p:sp>
+        <p:nvSpPr>
+          <p:cNvPr id="3" name="Notizenplatzhalter 2"/>
+          <p:cNvSpPr>
+            <a:spLocks noGrp="1"/>
+          </p:cNvSpPr>
+          <p:nvPr>
+            <p:ph type="body" idx="1"/>
+          </p:nvPr>
+        </p:nvSpPr>
+        <p:spPr/>
+        <p:txBody>
+          <a:bodyPr/>
+          <a:lstStyle/>
+          <a:p>
+            <a:endParaRPr lang="en-US" dirty="0"/>
+          </a:p>
+        </p:txBody>
+      </p:sp>
+      <p:sp>
+        <p:nvSpPr>
+          <p:cNvPr id="4" name="Foliennummernplatzhalter 3"/>
+          <p:cNvSpPr>
+            <a:spLocks noGrp="1"/>
+          </p:cNvSpPr>
+          <p:nvPr>
+            <p:ph type="sldNum" sz="quarter" idx="10"/>
+          </p:nvPr>
+        </p:nvSpPr>
+        <p:spPr/>
+        <p:txBody>
+          <a:bodyPr/>
+          <a:lstStyle/>
+          <a:p>
+            <a:fld id="{24D1A8A2-5E23-4C5A-A0E7-D0AE6A30F738}" type="slidenum">
+              <a:rPr lang="en-US" smtClean="0"/>
+              <a:t>10</a:t>
+            </a:fld>
+            <a:endParaRPr lang="en-US" dirty="0"/>
+          </a:p>
+        </p:txBody>
+      </p:sp>
+    </p:spTree>
+    <p:extLst>
+      <p:ext uri="{BB962C8B-B14F-4D97-AF65-F5344CB8AC3E}">
+        <p14:creationId xmlns:p14="http://schemas.microsoft.com/office/powerpoint/2010/main" val="2395641077"/>
+      </p:ext>
+    </p:extLst>
+  </p:cSld>
+  <p:clrMapOvr>
+    <a:masterClrMapping/>
+  </p:clrMapOvr>
+</p:notes>
+</file>
+
 <file path=ppt/notesSlides/notesSlide2.xml><?xml version="1.0" encoding="utf-8"?>
 <p:notes xmlns:a="http://schemas.openxmlformats.org/drawingml/2006/main" xmlns:r="http://schemas.openxmlformats.org/officeDocument/2006/relationships" xmlns:p="http://schemas.openxmlformats.org/presentationml/2006/main">
   <p:cSld>
@@ -613,172 +698,38 @@
           <a:bodyPr/>
           <a:lstStyle/>
           <a:p>
-            <a:r>
-              <a:rPr lang="de-DE" dirty="0" smtClean="0"/>
+            <a:pPr marL="0" marR="0" lvl="0" indent="0" algn="l" defTabSz="914400" rtl="0" eaLnBrk="1" fontAlgn="auto" latinLnBrk="0" hangingPunct="1">
+              <a:lnSpc>
+                <a:spcPct val="100000"/>
+              </a:lnSpc>
+              <a:spcBef>
+                <a:spcPts val="0"/>
+              </a:spcBef>
+              <a:spcAft>
+                <a:spcPts val="0"/>
+              </a:spcAft>
+              <a:buClrTx/>
+              <a:buSzTx/>
+              <a:buFontTx/>
+              <a:buNone/>
+              <a:tabLst/>
+              <a:defRPr/>
+            </a:pPr>
+            <a:r>
+              <a:rPr lang="en-GB" dirty="0" smtClean="0"/>
               <a:t>-</a:t>
             </a:r>
             <a:r>
-              <a:rPr lang="de-DE" u="sng" dirty="0" smtClean="0"/>
-              <a:t>Matrix </a:t>
-            </a:r>
-            <a:r>
-              <a:rPr lang="de-DE" u="sng" dirty="0" err="1" smtClean="0"/>
-              <a:t>class</a:t>
-            </a:r>
-            <a:r>
-              <a:rPr lang="de-DE" dirty="0" smtClean="0"/>
-              <a:t>: </a:t>
-            </a:r>
-            <a:r>
-              <a:rPr lang="de-DE" dirty="0" err="1" smtClean="0"/>
-              <a:t>decided</a:t>
-            </a:r>
-            <a:r>
-              <a:rPr lang="de-DE" dirty="0" smtClean="0"/>
+              <a:rPr lang="en-GB" u="sng" dirty="0" smtClean="0"/>
+              <a:t>changed the command interface to an abstract class</a:t>
+            </a:r>
+            <a:r>
+              <a:rPr lang="en-GB" dirty="0" smtClean="0"/>
+              <a:t>:</a:t>
+            </a:r>
+            <a:r>
+              <a:rPr lang="en-GB" baseline="0" dirty="0" smtClean="0"/>
               <a:t> </a:t>
-            </a:r>
-            <a:r>
-              <a:rPr lang="de-DE" dirty="0" err="1" smtClean="0"/>
-              <a:t>it‘s</a:t>
-            </a:r>
-            <a:r>
-              <a:rPr lang="de-DE" dirty="0" smtClean="0"/>
-              <a:t> </a:t>
-            </a:r>
-            <a:r>
-              <a:rPr lang="de-DE" b="1" dirty="0" smtClean="0"/>
-              <a:t>not </a:t>
-            </a:r>
-            <a:r>
-              <a:rPr lang="de-DE" b="1" dirty="0" err="1" smtClean="0"/>
-              <a:t>usefull</a:t>
-            </a:r>
-            <a:r>
-              <a:rPr lang="de-DE" b="1" dirty="0" smtClean="0"/>
-              <a:t> </a:t>
-            </a:r>
-            <a:r>
-              <a:rPr lang="de-DE" b="1" dirty="0" err="1" smtClean="0"/>
-              <a:t>to</a:t>
-            </a:r>
-            <a:r>
-              <a:rPr lang="de-DE" b="1" baseline="0" dirty="0" smtClean="0"/>
-              <a:t> handle </a:t>
-            </a:r>
-            <a:r>
-              <a:rPr lang="de-DE" b="1" baseline="0" dirty="0" err="1" smtClean="0"/>
-              <a:t>every</a:t>
-            </a:r>
-            <a:r>
-              <a:rPr lang="de-DE" b="1" baseline="0" dirty="0" smtClean="0"/>
-              <a:t> </a:t>
-            </a:r>
-            <a:r>
-              <a:rPr lang="de-DE" b="1" baseline="0" dirty="0" err="1" smtClean="0"/>
-              <a:t>matrix</a:t>
-            </a:r>
-            <a:r>
-              <a:rPr lang="de-DE" b="1" baseline="0" dirty="0" smtClean="0"/>
-              <a:t> </a:t>
-            </a:r>
-            <a:r>
-              <a:rPr lang="de-DE" b="1" baseline="0" dirty="0" err="1" smtClean="0"/>
-              <a:t>by</a:t>
-            </a:r>
-            <a:r>
-              <a:rPr lang="de-DE" b="1" baseline="0" dirty="0" smtClean="0"/>
-              <a:t> </a:t>
-            </a:r>
-            <a:r>
-              <a:rPr lang="de-DE" b="1" baseline="0" dirty="0" err="1" smtClean="0"/>
-              <a:t>it‘s</a:t>
-            </a:r>
-            <a:r>
-              <a:rPr lang="de-DE" b="1" baseline="0" dirty="0" smtClean="0"/>
-              <a:t> </a:t>
-            </a:r>
-            <a:r>
-              <a:rPr lang="de-DE" b="1" baseline="0" dirty="0" err="1" smtClean="0"/>
-              <a:t>own</a:t>
-            </a:r>
-            <a:r>
-              <a:rPr lang="de-DE" b="1" baseline="0" dirty="0" smtClean="0"/>
-              <a:t> </a:t>
-            </a:r>
-            <a:r>
-              <a:rPr lang="de-DE" baseline="0" dirty="0" smtClean="0"/>
-              <a:t>-&gt; </a:t>
-            </a:r>
-            <a:r>
-              <a:rPr lang="de-DE" baseline="0" dirty="0" err="1" smtClean="0"/>
-              <a:t>instead</a:t>
-            </a:r>
-            <a:r>
-              <a:rPr lang="de-DE" baseline="0" dirty="0" smtClean="0"/>
-              <a:t>: </a:t>
-            </a:r>
-            <a:r>
-              <a:rPr lang="de-DE" baseline="0" dirty="0" err="1" smtClean="0"/>
-              <a:t>numpy</a:t>
-            </a:r>
-            <a:r>
-              <a:rPr lang="de-DE" baseline="0" dirty="0" smtClean="0"/>
-              <a:t> </a:t>
-            </a:r>
-            <a:r>
-              <a:rPr lang="de-DE" baseline="0" dirty="0" err="1" smtClean="0"/>
-              <a:t>arrays</a:t>
-            </a:r>
-            <a:endParaRPr lang="de-DE" baseline="0" dirty="0" smtClean="0"/>
-          </a:p>
-          <a:p>
-            <a:r>
-              <a:rPr lang="de-DE" dirty="0" smtClean="0"/>
-              <a:t>-</a:t>
-            </a:r>
-            <a:r>
-              <a:rPr lang="de-DE" u="sng" dirty="0" err="1" smtClean="0"/>
-              <a:t>changed</a:t>
-            </a:r>
-            <a:r>
-              <a:rPr lang="de-DE" u="sng" dirty="0" smtClean="0"/>
-              <a:t> </a:t>
-            </a:r>
-            <a:r>
-              <a:rPr lang="de-DE" u="sng" dirty="0" err="1" smtClean="0"/>
-              <a:t>to</a:t>
-            </a:r>
-            <a:r>
-              <a:rPr lang="de-DE" u="sng" baseline="0" dirty="0" smtClean="0"/>
-              <a:t> </a:t>
-            </a:r>
-            <a:r>
-              <a:rPr lang="de-DE" u="sng" dirty="0" err="1" smtClean="0"/>
-              <a:t>abstrac</a:t>
-            </a:r>
-            <a:r>
-              <a:rPr lang="de-DE" u="sng" baseline="0" dirty="0" err="1" smtClean="0"/>
-              <a:t>t</a:t>
-            </a:r>
-            <a:r>
-              <a:rPr lang="de-DE" u="sng" baseline="0" dirty="0" smtClean="0"/>
-              <a:t> </a:t>
-            </a:r>
-            <a:r>
-              <a:rPr lang="de-DE" u="sng" baseline="0" dirty="0" err="1" smtClean="0"/>
-              <a:t>command</a:t>
-            </a:r>
-            <a:r>
-              <a:rPr lang="de-DE" u="sng" baseline="0" dirty="0" smtClean="0"/>
-              <a:t> </a:t>
-            </a:r>
-            <a:r>
-              <a:rPr lang="de-DE" u="sng" baseline="0" dirty="0" err="1" smtClean="0"/>
-              <a:t>class</a:t>
-            </a:r>
-            <a:r>
-              <a:rPr lang="de-DE" baseline="0" dirty="0" smtClean="0"/>
-              <a:t>: </a:t>
             </a:r>
             <a:r>
               <a:rPr lang="en-GB" sz="1200" kern="1200" dirty="0" smtClean="0">
@@ -816,10 +767,40 @@
               </a:rPr>
               <a:t>of the code</a:t>
             </a:r>
-          </a:p>
-          <a:p>
-            <a:r>
-              <a:rPr lang="en-GB" sz="1200" kern="1200" dirty="0" smtClean="0">
+            <a:endParaRPr lang="en-US" dirty="0" smtClean="0"/>
+          </a:p>
+          <a:p>
+            <a:pPr marL="0" marR="0" lvl="0" indent="0" algn="l" defTabSz="914400" rtl="0" eaLnBrk="1" fontAlgn="auto" latinLnBrk="0" hangingPunct="1">
+              <a:lnSpc>
+                <a:spcPct val="100000"/>
+              </a:lnSpc>
+              <a:spcBef>
+                <a:spcPts val="0"/>
+              </a:spcBef>
+              <a:spcAft>
+                <a:spcPts val="0"/>
+              </a:spcAft>
+              <a:buClrTx/>
+              <a:buSzTx/>
+              <a:buFontTx/>
+              <a:buNone/>
+              <a:tabLst/>
+              <a:defRPr/>
+            </a:pPr>
+            <a:r>
+              <a:rPr lang="en-GB" dirty="0" smtClean="0"/>
+              <a:t>-</a:t>
+            </a:r>
+            <a:r>
+              <a:rPr lang="en-GB" u="sng" dirty="0" smtClean="0"/>
+              <a:t>let out the possibility to select a density</a:t>
+            </a:r>
+            <a:r>
+              <a:rPr lang="en-GB" dirty="0" smtClean="0"/>
+              <a:t>: </a:t>
+            </a:r>
+            <a:r>
+              <a:rPr lang="en-GB" sz="1200" b="1" kern="1200" dirty="0" smtClean="0">
                 <a:solidFill>
                   <a:schemeClr val="tx1"/>
                 </a:solidFill>
@@ -828,31 +809,7 @@
                 <a:ea typeface="+mn-ea"/>
                 <a:cs typeface="+mn-cs"/>
               </a:rPr>
-              <a:t>-</a:t>
-            </a:r>
-            <a:r>
-              <a:rPr lang="en-GB" sz="1200" u="sng" kern="1200" dirty="0" smtClean="0">
-                <a:solidFill>
-                  <a:schemeClr val="tx1"/>
-                </a:solidFill>
-                <a:effectLst/>
-                <a:latin typeface="+mn-lt"/>
-                <a:ea typeface="+mn-ea"/>
-                <a:cs typeface="+mn-cs"/>
-              </a:rPr>
-              <a:t>density</a:t>
-            </a:r>
-            <a:r>
-              <a:rPr lang="en-GB" sz="1200" b="1" kern="1200" dirty="0" smtClean="0">
-                <a:solidFill>
-                  <a:schemeClr val="tx1"/>
-                </a:solidFill>
-                <a:effectLst/>
-                <a:latin typeface="+mn-lt"/>
-                <a:ea typeface="+mn-ea"/>
-                <a:cs typeface="+mn-cs"/>
-              </a:rPr>
-              <a:t>: couldn't guarantee </a:t>
+              <a:t>couldn't guarantee </a:t>
             </a:r>
             <a:r>
               <a:rPr lang="en-GB" sz="1200" kern="1200" dirty="0" smtClean="0">
@@ -866,8 +823,17 @@
               </a:rPr>
               <a:t>that the fetched and cut matrices from Suite Sparse have the wanted density</a:t>
             </a:r>
-          </a:p>
-          <a:p>
+            <a:endParaRPr lang="en-GB" dirty="0" smtClean="0"/>
+          </a:p>
+          <a:p>
+            <a:r>
+              <a:rPr lang="en-US" dirty="0" smtClean="0"/>
+              <a:t>-</a:t>
+            </a:r>
+            <a:r>
+              <a:rPr lang="en-US" u="sng" dirty="0" smtClean="0"/>
+              <a:t>added a help command: </a:t>
+            </a:r>
             <a:r>
               <a:rPr lang="en-GB" sz="1200" kern="1200" dirty="0" smtClean="0">
                 <a:solidFill>
@@ -878,10 +844,10 @@
                 <a:ea typeface="+mn-ea"/>
                 <a:cs typeface="+mn-cs"/>
               </a:rPr>
-              <a:t>-</a:t>
-            </a:r>
-            <a:r>
-              <a:rPr lang="en-GB" sz="1200" u="sng" kern="1200" dirty="0" smtClean="0">
+              <a:t>so the </a:t>
+            </a:r>
+            <a:r>
+              <a:rPr lang="en-GB" sz="1200" b="1" kern="1200" dirty="0" smtClean="0">
                 <a:solidFill>
                   <a:schemeClr val="tx1"/>
                 </a:solidFill>
@@ -890,10 +856,53 @@
                 <a:ea typeface="+mn-ea"/>
                 <a:cs typeface="+mn-cs"/>
               </a:rPr>
-              <a:t>help</a:t>
+              <a:t>user is able to get an overview </a:t>
             </a:r>
             <a:r>
               <a:rPr lang="en-GB" sz="1200" kern="1200" dirty="0" smtClean="0">
+                <a:solidFill>
+                  <a:schemeClr val="tx1"/>
+                </a:solidFill>
+                <a:effectLst/>
+                <a:latin typeface="+mn-lt"/>
+                <a:ea typeface="+mn-ea"/>
+                <a:cs typeface="+mn-cs"/>
+              </a:rPr>
+              <a:t>which commands can be executed</a:t>
+            </a:r>
+            <a:endParaRPr lang="en-US" dirty="0" smtClean="0"/>
+          </a:p>
+          <a:p>
+            <a:r>
+              <a:rPr lang="en-US" dirty="0" smtClean="0"/>
+              <a:t>-</a:t>
+            </a:r>
+            <a:r>
+              <a:rPr lang="en-US" u="sng" dirty="0" smtClean="0"/>
+              <a:t>added a </a:t>
+            </a:r>
+            <a:r>
+              <a:rPr lang="en-US" u="sng" dirty="0" err="1" smtClean="0"/>
+              <a:t>Ssget</a:t>
+            </a:r>
+            <a:r>
+              <a:rPr lang="en-US" u="sng" dirty="0" smtClean="0"/>
+              <a:t> command: </a:t>
+            </a:r>
+            <a:r>
+              <a:rPr lang="en-GB" sz="1200" kern="1200" dirty="0" smtClean="0">
+                <a:solidFill>
+                  <a:schemeClr val="tx1"/>
+                </a:solidFill>
+                <a:effectLst/>
+                <a:latin typeface="+mn-lt"/>
+                <a:ea typeface="+mn-ea"/>
+                <a:cs typeface="+mn-cs"/>
+              </a:rPr>
+              <a:t>so</a:t>
+            </a:r>
+            <a:r>
+              <a:rPr lang="en-GB" sz="1200" kern="1200" baseline="0" dirty="0" smtClean="0">
                 <a:solidFill>
                   <a:schemeClr val="tx1"/>
                 </a:solidFill>
@@ -905,104 +914,6 @@
               <a:t> </a:t>
             </a:r>
             <a:r>
-              <a:rPr lang="en-GB" sz="1200" u="sng" kern="1200" dirty="0" smtClean="0">
-                <a:solidFill>
-                  <a:schemeClr val="tx1"/>
-                </a:solidFill>
-                <a:effectLst/>
-                <a:latin typeface="+mn-lt"/>
-                <a:ea typeface="+mn-ea"/>
-                <a:cs typeface="+mn-cs"/>
-              </a:rPr>
-              <a:t>command</a:t>
-            </a:r>
-            <a:r>
-              <a:rPr lang="en-GB" sz="1200" kern="1200" dirty="0" smtClean="0">
-                <a:solidFill>
-                  <a:schemeClr val="tx1"/>
-                </a:solidFill>
-                <a:effectLst/>
-                <a:latin typeface="+mn-lt"/>
-                <a:ea typeface="+mn-ea"/>
-                <a:cs typeface="+mn-cs"/>
-              </a:rPr>
-              <a:t>: so the </a:t>
-            </a:r>
-            <a:r>
-              <a:rPr lang="en-GB" sz="1200" b="1" kern="1200" dirty="0" smtClean="0">
-                <a:solidFill>
-                  <a:schemeClr val="tx1"/>
-                </a:solidFill>
-                <a:effectLst/>
-                <a:latin typeface="+mn-lt"/>
-                <a:ea typeface="+mn-ea"/>
-                <a:cs typeface="+mn-cs"/>
-              </a:rPr>
-              <a:t>user is able to get an overview </a:t>
-            </a:r>
-            <a:r>
-              <a:rPr lang="en-GB" sz="1200" kern="1200" dirty="0" smtClean="0">
-                <a:solidFill>
-                  <a:schemeClr val="tx1"/>
-                </a:solidFill>
-                <a:effectLst/>
-                <a:latin typeface="+mn-lt"/>
-                <a:ea typeface="+mn-ea"/>
-                <a:cs typeface="+mn-cs"/>
-              </a:rPr>
-              <a:t>which commands can be executed</a:t>
-            </a:r>
-          </a:p>
-          <a:p>
-            <a:r>
-              <a:rPr lang="en-GB" sz="1200" kern="1200" dirty="0" smtClean="0">
-                <a:solidFill>
-                  <a:schemeClr val="tx1"/>
-                </a:solidFill>
-                <a:effectLst/>
-                <a:latin typeface="+mn-lt"/>
-                <a:ea typeface="+mn-ea"/>
-                <a:cs typeface="+mn-cs"/>
-              </a:rPr>
-              <a:t>-</a:t>
-            </a:r>
-            <a:r>
-              <a:rPr lang="en-GB" sz="1200" u="sng" kern="1200" dirty="0" err="1" smtClean="0">
-                <a:solidFill>
-                  <a:schemeClr val="tx1"/>
-                </a:solidFill>
-                <a:effectLst/>
-                <a:latin typeface="+mn-lt"/>
-                <a:ea typeface="+mn-ea"/>
-                <a:cs typeface="+mn-cs"/>
-              </a:rPr>
-              <a:t>ssget</a:t>
-            </a:r>
-            <a:r>
-              <a:rPr lang="en-GB" sz="1200" kern="1200" dirty="0" smtClean="0">
-                <a:solidFill>
-                  <a:schemeClr val="tx1"/>
-                </a:solidFill>
-                <a:effectLst/>
-                <a:latin typeface="+mn-lt"/>
-                <a:ea typeface="+mn-ea"/>
-                <a:cs typeface="+mn-cs"/>
-              </a:rPr>
-              <a:t>: so</a:t>
-            </a:r>
-            <a:r>
-              <a:rPr lang="en-GB" sz="1200" kern="1200" baseline="0" dirty="0" smtClean="0">
-                <a:solidFill>
-                  <a:schemeClr val="tx1"/>
-                </a:solidFill>
-                <a:effectLst/>
-                <a:latin typeface="+mn-lt"/>
-                <a:ea typeface="+mn-ea"/>
-                <a:cs typeface="+mn-cs"/>
-              </a:rPr>
-              <a:t> </a:t>
-            </a:r>
-            <a:r>
               <a:rPr lang="en-GB" sz="1200" kern="1200" dirty="0" smtClean="0">
                 <a:solidFill>
                   <a:schemeClr val="tx1"/>
@@ -1062,7 +973,10 @@
               </a:rPr>
               <a:t> are listed</a:t>
             </a:r>
-            <a:endParaRPr lang="en-US" dirty="0"/>
+            <a:endParaRPr lang="en-US" u="sng" dirty="0" smtClean="0"/>
+          </a:p>
+          <a:p>
+            <a:endParaRPr lang="de-DE" baseline="0" dirty="0" smtClean="0"/>
           </a:p>
         </p:txBody>
       </p:sp>
@@ -1146,139 +1060,154 @@
           <a:bodyPr/>
           <a:lstStyle/>
           <a:p>
+            <a:pPr marL="0" marR="0" lvl="0" indent="0" algn="l" defTabSz="914400" rtl="0" eaLnBrk="1" fontAlgn="auto" latinLnBrk="0" hangingPunct="1">
+              <a:lnSpc>
+                <a:spcPct val="100000"/>
+              </a:lnSpc>
+              <a:spcBef>
+                <a:spcPts val="0"/>
+              </a:spcBef>
+              <a:spcAft>
+                <a:spcPts val="0"/>
+              </a:spcAft>
+              <a:buClrTx/>
+              <a:buSzTx/>
+              <a:buFontTx/>
+              <a:buNone/>
+              <a:tabLst/>
+              <a:defRPr/>
+            </a:pPr>
+            <a:r>
+              <a:rPr lang="de-DE" dirty="0" smtClean="0"/>
+              <a:t>-</a:t>
+            </a:r>
+            <a:r>
+              <a:rPr lang="de-DE" u="sng" dirty="0" err="1" smtClean="0"/>
+              <a:t>didn‘t</a:t>
+            </a:r>
+            <a:r>
+              <a:rPr lang="de-DE" u="sng" dirty="0" smtClean="0"/>
+              <a:t> </a:t>
+            </a:r>
+            <a:r>
+              <a:rPr lang="de-DE" u="sng" dirty="0" err="1" smtClean="0"/>
+              <a:t>implemented</a:t>
+            </a:r>
+            <a:r>
+              <a:rPr lang="de-DE" u="sng" dirty="0" smtClean="0"/>
+              <a:t> a </a:t>
+            </a:r>
+            <a:r>
+              <a:rPr lang="de-DE" u="sng" dirty="0" err="1" smtClean="0"/>
+              <a:t>matrix</a:t>
+            </a:r>
+            <a:r>
+              <a:rPr lang="de-DE" u="sng" dirty="0" smtClean="0"/>
+              <a:t> </a:t>
+            </a:r>
+            <a:r>
+              <a:rPr lang="de-DE" u="sng" dirty="0" err="1" smtClean="0"/>
+              <a:t>class</a:t>
+            </a:r>
+            <a:r>
+              <a:rPr lang="de-DE" u="sng" dirty="0" smtClean="0"/>
+              <a:t>:</a:t>
+            </a:r>
+            <a:r>
+              <a:rPr lang="de-DE" dirty="0" smtClean="0"/>
+              <a:t> </a:t>
+            </a:r>
+            <a:r>
+              <a:rPr lang="de-DE" dirty="0" err="1" smtClean="0"/>
+              <a:t>decided</a:t>
+            </a:r>
+            <a:r>
+              <a:rPr lang="de-DE" dirty="0" smtClean="0"/>
+              <a:t> </a:t>
+            </a:r>
+            <a:r>
+              <a:rPr lang="de-DE" dirty="0" err="1" smtClean="0"/>
+              <a:t>it‘s</a:t>
+            </a:r>
+            <a:r>
+              <a:rPr lang="de-DE" dirty="0" smtClean="0"/>
+              <a:t> </a:t>
+            </a:r>
+            <a:r>
+              <a:rPr lang="de-DE" b="1" dirty="0" smtClean="0"/>
+              <a:t>not </a:t>
+            </a:r>
+            <a:r>
+              <a:rPr lang="de-DE" b="1" dirty="0" err="1" smtClean="0"/>
+              <a:t>usefull</a:t>
+            </a:r>
+            <a:r>
+              <a:rPr lang="de-DE" b="1" dirty="0" smtClean="0"/>
+              <a:t> </a:t>
+            </a:r>
+            <a:r>
+              <a:rPr lang="de-DE" b="1" dirty="0" err="1" smtClean="0"/>
+              <a:t>to</a:t>
+            </a:r>
+            <a:r>
+              <a:rPr lang="de-DE" b="1" baseline="0" dirty="0" smtClean="0"/>
+              <a:t> handle </a:t>
+            </a:r>
+            <a:r>
+              <a:rPr lang="de-DE" b="1" baseline="0" dirty="0" err="1" smtClean="0"/>
+              <a:t>every</a:t>
+            </a:r>
+            <a:r>
+              <a:rPr lang="de-DE" b="1" baseline="0" dirty="0" smtClean="0"/>
+              <a:t> </a:t>
+            </a:r>
+            <a:r>
+              <a:rPr lang="de-DE" b="1" baseline="0" dirty="0" err="1" smtClean="0"/>
+              <a:t>matrix</a:t>
+            </a:r>
+            <a:r>
+              <a:rPr lang="de-DE" b="1" baseline="0" dirty="0" smtClean="0"/>
+              <a:t> </a:t>
+            </a:r>
+            <a:r>
+              <a:rPr lang="de-DE" b="1" baseline="0" dirty="0" err="1" smtClean="0"/>
+              <a:t>by</a:t>
+            </a:r>
+            <a:r>
+              <a:rPr lang="de-DE" b="1" baseline="0" dirty="0" smtClean="0"/>
+              <a:t> </a:t>
+            </a:r>
+            <a:r>
+              <a:rPr lang="de-DE" b="1" baseline="0" dirty="0" err="1" smtClean="0"/>
+              <a:t>it‘s</a:t>
+            </a:r>
+            <a:r>
+              <a:rPr lang="de-DE" b="1" baseline="0" dirty="0" smtClean="0"/>
+              <a:t> </a:t>
+            </a:r>
+            <a:r>
+              <a:rPr lang="de-DE" b="1" baseline="0" dirty="0" err="1" smtClean="0"/>
+              <a:t>own</a:t>
+            </a:r>
+            <a:r>
+              <a:rPr lang="de-DE" b="1" baseline="0" dirty="0" smtClean="0"/>
+              <a:t> </a:t>
+            </a:r>
             <a:r>
               <a:rPr lang="de-DE" baseline="0" dirty="0" smtClean="0"/>
-              <a:t>-cross-</a:t>
+              <a:t>-&gt; </a:t>
             </a:r>
             <a:r>
               <a:rPr lang="de-DE" baseline="0" dirty="0" err="1" smtClean="0"/>
-              <a:t>plattformed</a:t>
+              <a:t>instead</a:t>
             </a:r>
             <a:r>
               <a:rPr lang="de-DE" baseline="0" dirty="0" smtClean="0"/>
               <a:t>: </a:t>
             </a:r>
             <a:r>
-              <a:rPr lang="en-GB" sz="1200" kern="1200" dirty="0" smtClean="0">
-                <a:solidFill>
-                  <a:schemeClr val="tx1"/>
-                </a:solidFill>
-                <a:effectLst/>
-                <a:latin typeface="+mn-lt"/>
-                <a:ea typeface="+mn-ea"/>
-                <a:cs typeface="+mn-cs"/>
-              </a:rPr>
-              <a:t>not possible, because </a:t>
-            </a:r>
-            <a:r>
-              <a:rPr lang="en-GB" sz="1200" b="1" kern="1200" dirty="0" smtClean="0">
-                <a:solidFill>
-                  <a:schemeClr val="tx1"/>
-                </a:solidFill>
-                <a:effectLst/>
-                <a:latin typeface="+mn-lt"/>
-                <a:ea typeface="+mn-ea"/>
-                <a:cs typeface="+mn-cs"/>
-              </a:rPr>
-              <a:t>some used entities </a:t>
-            </a:r>
-            <a:r>
-              <a:rPr lang="en-GB" sz="1200" kern="1200" dirty="0" smtClean="0">
-                <a:solidFill>
-                  <a:schemeClr val="tx1"/>
-                </a:solidFill>
-                <a:effectLst/>
-                <a:latin typeface="+mn-lt"/>
-                <a:ea typeface="+mn-ea"/>
-                <a:cs typeface="+mn-cs"/>
-              </a:rPr>
-              <a:t>(</a:t>
-            </a:r>
-            <a:r>
-              <a:rPr lang="en-GB" sz="1200" u="sng" kern="1200" dirty="0" err="1" smtClean="0">
-                <a:solidFill>
-                  <a:schemeClr val="tx1"/>
-                </a:solidFill>
-                <a:effectLst/>
-                <a:latin typeface="+mn-lt"/>
-                <a:ea typeface="+mn-ea"/>
-                <a:cs typeface="+mn-cs"/>
-              </a:rPr>
-              <a:t>ssget</a:t>
-            </a:r>
-            <a:r>
-              <a:rPr lang="en-GB" sz="1200" kern="1200" dirty="0" smtClean="0">
-                <a:solidFill>
-                  <a:schemeClr val="tx1"/>
-                </a:solidFill>
-                <a:effectLst/>
-                <a:latin typeface="+mn-lt"/>
-                <a:ea typeface="+mn-ea"/>
-                <a:cs typeface="+mn-cs"/>
-              </a:rPr>
-              <a:t>, </a:t>
-            </a:r>
-            <a:r>
-              <a:rPr lang="en-GB" sz="1200" u="sng" kern="1200" dirty="0" smtClean="0">
-                <a:solidFill>
-                  <a:schemeClr val="tx1"/>
-                </a:solidFill>
-                <a:effectLst/>
-                <a:latin typeface="+mn-lt"/>
-                <a:ea typeface="+mn-ea"/>
-                <a:cs typeface="+mn-cs"/>
-              </a:rPr>
-              <a:t>gingko</a:t>
-            </a:r>
-            <a:r>
-              <a:rPr lang="en-GB" sz="1200" kern="1200" dirty="0" smtClean="0">
-                <a:solidFill>
-                  <a:schemeClr val="tx1"/>
-                </a:solidFill>
-                <a:effectLst/>
-                <a:latin typeface="+mn-lt"/>
-                <a:ea typeface="+mn-ea"/>
-                <a:cs typeface="+mn-cs"/>
-              </a:rPr>
-              <a:t>) where </a:t>
-            </a:r>
-            <a:r>
-              <a:rPr lang="en-GB" sz="1200" b="1" kern="1200" dirty="0" smtClean="0">
-                <a:solidFill>
-                  <a:schemeClr val="tx1"/>
-                </a:solidFill>
-                <a:effectLst/>
-                <a:latin typeface="+mn-lt"/>
-                <a:ea typeface="+mn-ea"/>
-                <a:cs typeface="+mn-cs"/>
-              </a:rPr>
-              <a:t>not Windows compatible.</a:t>
-            </a:r>
-          </a:p>
-          <a:p>
-            <a:r>
-              <a:rPr lang="de-DE" dirty="0" smtClean="0"/>
-              <a:t>-Just </a:t>
-            </a:r>
-            <a:r>
-              <a:rPr lang="de-DE" dirty="0" err="1" smtClean="0"/>
-              <a:t>fetch</a:t>
-            </a:r>
-            <a:r>
-              <a:rPr lang="de-DE" dirty="0" smtClean="0"/>
-              <a:t>/</a:t>
-            </a:r>
-            <a:r>
-              <a:rPr lang="de-DE" dirty="0" err="1" smtClean="0"/>
-              <a:t>cut</a:t>
-            </a:r>
-            <a:r>
-              <a:rPr lang="de-DE" dirty="0" smtClean="0"/>
-              <a:t>: </a:t>
-            </a:r>
-            <a:r>
-              <a:rPr lang="de-DE" dirty="0" err="1" smtClean="0"/>
-              <a:t>we</a:t>
+              <a:rPr lang="de-DE" baseline="0" dirty="0" err="1" smtClean="0"/>
+              <a:t>numpy</a:t>
             </a:r>
             <a:r>
               <a:rPr lang="de-DE" baseline="0" dirty="0" smtClean="0"/>
@@ -1286,228 +1215,89 @@
             </a:r>
             <a:r>
               <a:rPr lang="de-DE" baseline="0" dirty="0" err="1" smtClean="0"/>
-              <a:t>realized</a:t>
-            </a:r>
+              <a:t>arrays</a:t>
+            </a:r>
+            <a:endParaRPr lang="de-DE" baseline="0" dirty="0" smtClean="0"/>
+          </a:p>
+          <a:p>
+            <a:pPr marL="0" marR="0" lvl="0" indent="0" algn="l" defTabSz="914400" rtl="0" eaLnBrk="1" fontAlgn="auto" latinLnBrk="0" hangingPunct="1">
+              <a:lnSpc>
+                <a:spcPct val="100000"/>
+              </a:lnSpc>
+              <a:spcBef>
+                <a:spcPts val="0"/>
+              </a:spcBef>
+              <a:spcAft>
+                <a:spcPts val="0"/>
+              </a:spcAft>
+              <a:buClrTx/>
+              <a:buSzTx/>
+              <a:buFontTx/>
+              <a:buNone/>
+              <a:tabLst/>
+              <a:defRPr/>
+            </a:pPr>
             <a:r>
               <a:rPr lang="de-DE" baseline="0" dirty="0" smtClean="0"/>
+              <a:t>-</a:t>
+            </a:r>
+            <a:r>
+              <a:rPr lang="de-DE" b="1" u="sng" baseline="0" dirty="0" err="1" smtClean="0"/>
+              <a:t>renamed</a:t>
+            </a:r>
+            <a:r>
+              <a:rPr lang="de-DE" u="sng" baseline="0" dirty="0" smtClean="0"/>
               <a:t> </a:t>
             </a:r>
             <a:r>
-              <a:rPr lang="de-DE" baseline="0" dirty="0" err="1" smtClean="0"/>
-              <a:t>we</a:t>
-            </a:r>
-            <a:r>
-              <a:rPr lang="de-DE" baseline="0" dirty="0" smtClean="0"/>
+              <a:rPr lang="de-DE" u="sng" baseline="0" dirty="0" err="1" smtClean="0"/>
+              <a:t>validator</a:t>
+            </a:r>
+            <a:r>
+              <a:rPr lang="de-DE" u="sng" baseline="0" dirty="0" smtClean="0"/>
               <a:t> </a:t>
             </a:r>
             <a:r>
-              <a:rPr lang="de-DE" b="1" baseline="0" dirty="0" err="1" smtClean="0"/>
-              <a:t>dont</a:t>
-            </a:r>
-            <a:r>
-              <a:rPr lang="de-DE" b="1" baseline="0" dirty="0" smtClean="0"/>
+              <a:rPr lang="de-DE" u="sng" baseline="0" dirty="0" err="1" smtClean="0"/>
+              <a:t>class</a:t>
+            </a:r>
+            <a:r>
+              <a:rPr lang="de-DE" u="sng" baseline="0" dirty="0" smtClean="0"/>
               <a:t> </a:t>
             </a:r>
             <a:r>
-              <a:rPr lang="de-DE" b="1" baseline="0" dirty="0" err="1" smtClean="0"/>
-              <a:t>have</a:t>
-            </a:r>
-            <a:r>
-              <a:rPr lang="de-DE" b="1" baseline="0" dirty="0" smtClean="0"/>
+              <a:rPr lang="de-DE" u="sng" baseline="0" dirty="0" err="1" smtClean="0"/>
+              <a:t>to</a:t>
+            </a:r>
+            <a:r>
+              <a:rPr lang="de-DE" u="sng" baseline="0" dirty="0" smtClean="0"/>
               <a:t> </a:t>
             </a:r>
             <a:r>
-              <a:rPr lang="de-DE" b="1" baseline="0" dirty="0" err="1" smtClean="0"/>
-              <a:t>enough</a:t>
-            </a:r>
-            <a:r>
-              <a:rPr lang="de-DE" b="1" baseline="0" dirty="0" smtClean="0"/>
-              <a:t> </a:t>
-            </a:r>
-            <a:r>
-              <a:rPr lang="de-DE" b="1" baseline="0" dirty="0" err="1" smtClean="0"/>
-              <a:t>knowledge</a:t>
-            </a:r>
-            <a:r>
-              <a:rPr lang="de-DE" b="1" baseline="0" dirty="0" smtClean="0"/>
-              <a:t> </a:t>
-            </a:r>
-            <a:r>
-              <a:rPr lang="de-DE" b="1" baseline="0" dirty="0" err="1" smtClean="0"/>
-              <a:t>yet</a:t>
-            </a:r>
-            <a:r>
-              <a:rPr lang="de-DE" b="1" baseline="0" dirty="0" smtClean="0"/>
-              <a:t> </a:t>
-            </a:r>
-            <a:r>
-              <a:rPr lang="de-DE" b="1" baseline="0" dirty="0" err="1" smtClean="0"/>
-              <a:t>to</a:t>
-            </a:r>
-            <a:r>
-              <a:rPr lang="de-DE" b="1" baseline="0" dirty="0" smtClean="0"/>
-              <a:t> </a:t>
-            </a:r>
-            <a:r>
-              <a:rPr lang="de-DE" b="1" baseline="0" dirty="0" err="1" smtClean="0"/>
-              <a:t>generate</a:t>
-            </a:r>
-            <a:r>
-              <a:rPr lang="de-DE" b="1" baseline="0" dirty="0" smtClean="0"/>
-              <a:t> </a:t>
-            </a:r>
-            <a:r>
-              <a:rPr lang="de-DE" baseline="0" dirty="0" err="1" smtClean="0"/>
-              <a:t>and</a:t>
-            </a:r>
-            <a:r>
-              <a:rPr lang="de-DE" baseline="0" dirty="0" smtClean="0"/>
-              <a:t> </a:t>
-            </a:r>
-            <a:r>
-              <a:rPr lang="de-DE" baseline="0" dirty="0" err="1" smtClean="0"/>
-              <a:t>there</a:t>
-            </a:r>
-            <a:r>
-              <a:rPr lang="de-DE" baseline="0" dirty="0" smtClean="0"/>
-              <a:t> </a:t>
-            </a:r>
-            <a:r>
-              <a:rPr lang="de-DE" baseline="0" dirty="0" err="1" smtClean="0"/>
-              <a:t>are</a:t>
-            </a:r>
-            <a:r>
-              <a:rPr lang="de-DE" baseline="0" dirty="0" smtClean="0"/>
-              <a:t> </a:t>
-            </a:r>
-            <a:r>
-              <a:rPr lang="de-DE" b="1" baseline="0" dirty="0" smtClean="0"/>
-              <a:t>not </a:t>
-            </a:r>
-            <a:r>
-              <a:rPr lang="de-DE" b="1" baseline="0" dirty="0" err="1" smtClean="0"/>
-              <a:t>much</a:t>
-            </a:r>
-            <a:r>
-              <a:rPr lang="de-DE" b="1" baseline="0" dirty="0" smtClean="0"/>
-              <a:t> </a:t>
-            </a:r>
-            <a:r>
-              <a:rPr lang="de-DE" b="1" baseline="0" dirty="0" err="1" smtClean="0"/>
-              <a:t>suite</a:t>
-            </a:r>
-            <a:r>
-              <a:rPr lang="de-DE" b="1" baseline="0" dirty="0" smtClean="0"/>
-              <a:t> </a:t>
-            </a:r>
-            <a:r>
-              <a:rPr lang="de-DE" b="1" baseline="0" dirty="0" err="1" smtClean="0"/>
-              <a:t>sparse</a:t>
-            </a:r>
-            <a:r>
-              <a:rPr lang="de-DE" b="1" baseline="0" dirty="0" smtClean="0"/>
-              <a:t> </a:t>
-            </a:r>
-            <a:r>
-              <a:rPr lang="de-DE" b="1" baseline="0" dirty="0" err="1" smtClean="0"/>
-              <a:t>matrices</a:t>
-            </a:r>
-            <a:r>
-              <a:rPr lang="de-DE" b="1" baseline="0" dirty="0" smtClean="0"/>
-              <a:t> in </a:t>
-            </a:r>
-            <a:r>
-              <a:rPr lang="de-DE" b="1" baseline="0" dirty="0" err="1" smtClean="0"/>
-              <a:t>one</a:t>
-            </a:r>
-            <a:r>
-              <a:rPr lang="de-DE" b="1" baseline="0" dirty="0" smtClean="0"/>
-              <a:t> </a:t>
-            </a:r>
-            <a:r>
-              <a:rPr lang="de-DE" b="1" baseline="0" dirty="0" err="1" smtClean="0"/>
-              <a:t>size</a:t>
-            </a:r>
-            <a:r>
-              <a:rPr lang="de-DE" b="1" baseline="0" dirty="0" smtClean="0"/>
-              <a:t> </a:t>
-            </a:r>
-            <a:r>
-              <a:rPr lang="de-DE" baseline="0" dirty="0" smtClean="0"/>
-              <a:t>-&gt; </a:t>
-            </a:r>
-            <a:r>
-              <a:rPr lang="de-DE" baseline="0" dirty="0" err="1" smtClean="0"/>
-              <a:t>fetch</a:t>
-            </a:r>
-            <a:r>
-              <a:rPr lang="de-DE" baseline="0" dirty="0" smtClean="0"/>
-              <a:t> </a:t>
-            </a:r>
-            <a:r>
-              <a:rPr lang="de-DE" baseline="0" dirty="0" err="1" smtClean="0"/>
-              <a:t>and</a:t>
-            </a:r>
-            <a:r>
-              <a:rPr lang="de-DE" baseline="0" dirty="0" smtClean="0"/>
-              <a:t> </a:t>
-            </a:r>
-            <a:r>
-              <a:rPr lang="de-DE" baseline="0" dirty="0" err="1" smtClean="0"/>
-              <a:t>cut</a:t>
-            </a:r>
-            <a:endParaRPr lang="de-DE" baseline="0" dirty="0" smtClean="0"/>
-          </a:p>
-          <a:p>
-            <a:r>
-              <a:rPr lang="de-DE" dirty="0" smtClean="0"/>
-              <a:t>-</a:t>
-            </a:r>
-            <a:r>
-              <a:rPr lang="de-DE" dirty="0" err="1" smtClean="0"/>
-              <a:t>density</a:t>
-            </a:r>
-            <a:r>
-              <a:rPr lang="de-DE" dirty="0" smtClean="0"/>
-              <a:t>: </a:t>
-            </a:r>
-            <a:r>
-              <a:rPr lang="en-GB" sz="1200" kern="1200" dirty="0" smtClean="0">
-                <a:solidFill>
-                  <a:schemeClr val="tx1"/>
-                </a:solidFill>
-                <a:effectLst/>
-                <a:latin typeface="+mn-lt"/>
-                <a:ea typeface="+mn-ea"/>
-                <a:cs typeface="+mn-cs"/>
-              </a:rPr>
-              <a:t>we </a:t>
-            </a:r>
-            <a:r>
-              <a:rPr lang="en-GB" sz="1200" b="1" kern="1200" dirty="0" smtClean="0">
-                <a:solidFill>
-                  <a:schemeClr val="tx1"/>
-                </a:solidFill>
-                <a:effectLst/>
-                <a:latin typeface="+mn-lt"/>
-                <a:ea typeface="+mn-ea"/>
-                <a:cs typeface="+mn-cs"/>
-              </a:rPr>
-              <a:t>couldn't guarantee</a:t>
-            </a:r>
-            <a:r>
-              <a:rPr lang="en-GB" sz="1200" kern="1200" dirty="0" smtClean="0">
-                <a:solidFill>
-                  <a:schemeClr val="tx1"/>
-                </a:solidFill>
-                <a:effectLst/>
-                <a:latin typeface="+mn-lt"/>
-                <a:ea typeface="+mn-ea"/>
-                <a:cs typeface="+mn-cs"/>
-              </a:rPr>
-              <a:t> that the fetched and cut matrices from Suite Sparse have the wanted density.</a:t>
-            </a:r>
-            <a:endParaRPr lang="en-US" dirty="0"/>
+              <a:rPr lang="de-DE" u="sng" baseline="0" dirty="0" err="1" smtClean="0"/>
+              <a:t>RegularityCalculator</a:t>
+            </a:r>
+            <a:endParaRPr lang="de-DE" u="sng" baseline="0" dirty="0" smtClean="0"/>
+          </a:p>
+          <a:p>
+            <a:pPr marL="0" marR="0" lvl="0" indent="0" algn="l" defTabSz="914400" rtl="0" eaLnBrk="1" fontAlgn="auto" latinLnBrk="0" hangingPunct="1">
+              <a:lnSpc>
+                <a:spcPct val="100000"/>
+              </a:lnSpc>
+              <a:spcBef>
+                <a:spcPts val="0"/>
+              </a:spcBef>
+              <a:spcAft>
+                <a:spcPts val="0"/>
+              </a:spcAft>
+              <a:buClrTx/>
+              <a:buSzTx/>
+              <a:buFontTx/>
+              <a:buNone/>
+              <a:tabLst/>
+              <a:defRPr/>
+            </a:pPr>
+            <a:endParaRPr lang="de-DE" dirty="0" smtClean="0"/>
           </a:p>
         </p:txBody>
       </p:sp>
@@ -1537,7 +1327,7 @@
     </p:spTree>
     <p:extLst>
       <p:ext uri="{BB962C8B-B14F-4D97-AF65-F5344CB8AC3E}">
-        <p14:creationId xmlns:p14="http://schemas.microsoft.com/office/powerpoint/2010/main" val="656261629"/>
+        <p14:creationId xmlns:p14="http://schemas.microsoft.com/office/powerpoint/2010/main" val="1913261101"/>
       </p:ext>
     </p:extLst>
   </p:cSld>
@@ -1591,26 +1381,151 @@
           <a:bodyPr/>
           <a:lstStyle/>
           <a:p>
-            <a:pPr marL="0" marR="0" lvl="0" indent="0" algn="l" defTabSz="914400" rtl="0" eaLnBrk="1" fontAlgn="auto" latinLnBrk="0" hangingPunct="1">
-              <a:lnSpc>
-                <a:spcPct val="100000"/>
-              </a:lnSpc>
-              <a:spcBef>
-                <a:spcPts val="0"/>
-              </a:spcBef>
-              <a:spcAft>
-                <a:spcPts val="0"/>
-              </a:spcAft>
-              <a:buClrTx/>
-              <a:buSzTx/>
-              <a:buFontTx/>
-              <a:buNone/>
-              <a:tabLst/>
-              <a:defRPr/>
-            </a:pPr>
+            <a:r>
+              <a:rPr lang="de-DE" baseline="0" dirty="0" smtClean="0"/>
+              <a:t>-</a:t>
+            </a:r>
+            <a:r>
+              <a:rPr lang="de-DE" u="sng" baseline="0" dirty="0" smtClean="0"/>
+              <a:t>cross-</a:t>
+            </a:r>
+            <a:r>
+              <a:rPr lang="de-DE" u="sng" baseline="0" dirty="0" err="1" smtClean="0"/>
+              <a:t>plattformed</a:t>
+            </a:r>
+            <a:r>
+              <a:rPr lang="de-DE" baseline="0" dirty="0" smtClean="0"/>
+              <a:t>: </a:t>
+            </a:r>
+            <a:r>
+              <a:rPr lang="en-GB" sz="1200" kern="1200" dirty="0" smtClean="0">
+                <a:solidFill>
+                  <a:schemeClr val="tx1"/>
+                </a:solidFill>
+                <a:effectLst/>
+                <a:latin typeface="+mn-lt"/>
+                <a:ea typeface="+mn-ea"/>
+                <a:cs typeface="+mn-cs"/>
+              </a:rPr>
+              <a:t>not possible, because </a:t>
+            </a:r>
+            <a:r>
+              <a:rPr lang="en-GB" sz="1200" b="1" kern="1200" dirty="0" smtClean="0">
+                <a:solidFill>
+                  <a:schemeClr val="tx1"/>
+                </a:solidFill>
+                <a:effectLst/>
+                <a:latin typeface="+mn-lt"/>
+                <a:ea typeface="+mn-ea"/>
+                <a:cs typeface="+mn-cs"/>
+              </a:rPr>
+              <a:t>some used entities </a:t>
+            </a:r>
+            <a:r>
+              <a:rPr lang="en-GB" sz="1200" kern="1200" dirty="0" smtClean="0">
+                <a:solidFill>
+                  <a:schemeClr val="tx1"/>
+                </a:solidFill>
+                <a:effectLst/>
+                <a:latin typeface="+mn-lt"/>
+                <a:ea typeface="+mn-ea"/>
+                <a:cs typeface="+mn-cs"/>
+              </a:rPr>
+              <a:t>(</a:t>
+            </a:r>
+            <a:r>
+              <a:rPr lang="en-GB" sz="1200" u="sng" kern="1200" dirty="0" err="1" smtClean="0">
+                <a:solidFill>
+                  <a:schemeClr val="tx1"/>
+                </a:solidFill>
+                <a:effectLst/>
+                <a:latin typeface="+mn-lt"/>
+                <a:ea typeface="+mn-ea"/>
+                <a:cs typeface="+mn-cs"/>
+              </a:rPr>
+              <a:t>ssget</a:t>
+            </a:r>
+            <a:r>
+              <a:rPr lang="en-GB" sz="1200" kern="1200" dirty="0" smtClean="0">
+                <a:solidFill>
+                  <a:schemeClr val="tx1"/>
+                </a:solidFill>
+                <a:effectLst/>
+                <a:latin typeface="+mn-lt"/>
+                <a:ea typeface="+mn-ea"/>
+                <a:cs typeface="+mn-cs"/>
+              </a:rPr>
+              <a:t>, </a:t>
+            </a:r>
+            <a:r>
+              <a:rPr lang="en-GB" sz="1200" u="sng" kern="1200" dirty="0" smtClean="0">
+                <a:solidFill>
+                  <a:schemeClr val="tx1"/>
+                </a:solidFill>
+                <a:effectLst/>
+                <a:latin typeface="+mn-lt"/>
+                <a:ea typeface="+mn-ea"/>
+                <a:cs typeface="+mn-cs"/>
+              </a:rPr>
+              <a:t>gingko</a:t>
+            </a:r>
+            <a:r>
+              <a:rPr lang="en-GB" sz="1200" kern="1200" dirty="0" smtClean="0">
+                <a:solidFill>
+                  <a:schemeClr val="tx1"/>
+                </a:solidFill>
+                <a:effectLst/>
+                <a:latin typeface="+mn-lt"/>
+                <a:ea typeface="+mn-ea"/>
+                <a:cs typeface="+mn-cs"/>
+              </a:rPr>
+              <a:t>) where </a:t>
+            </a:r>
+            <a:r>
+              <a:rPr lang="en-GB" sz="1200" b="1" kern="1200" dirty="0" smtClean="0">
+                <a:solidFill>
+                  <a:schemeClr val="tx1"/>
+                </a:solidFill>
+                <a:effectLst/>
+                <a:latin typeface="+mn-lt"/>
+                <a:ea typeface="+mn-ea"/>
+                <a:cs typeface="+mn-cs"/>
+              </a:rPr>
+              <a:t>not Windows compatible.</a:t>
+            </a:r>
+          </a:p>
+          <a:p>
             <a:r>
               <a:rPr lang="de-DE" dirty="0" smtClean="0"/>
-              <a:t>Just</a:t>
+              <a:t>-</a:t>
+            </a:r>
+            <a:r>
+              <a:rPr lang="de-DE" b="1" dirty="0" smtClean="0"/>
+              <a:t>Just </a:t>
+            </a:r>
+            <a:r>
+              <a:rPr lang="de-DE" b="1" dirty="0" err="1" smtClean="0"/>
+              <a:t>fetch</a:t>
+            </a:r>
+            <a:r>
+              <a:rPr lang="de-DE" b="1" dirty="0" smtClean="0"/>
+              <a:t>/</a:t>
+            </a:r>
+            <a:r>
+              <a:rPr lang="de-DE" b="1" dirty="0" err="1" smtClean="0"/>
+              <a:t>cut</a:t>
+            </a:r>
+            <a:r>
+              <a:rPr lang="de-DE" b="1" dirty="0" smtClean="0"/>
+              <a:t>:</a:t>
+            </a:r>
+            <a:r>
+              <a:rPr lang="de-DE" dirty="0" smtClean="0"/>
+              <a:t> </a:t>
+            </a:r>
+            <a:r>
+              <a:rPr lang="de-DE" dirty="0" err="1" smtClean="0"/>
+              <a:t>we</a:t>
             </a:r>
             <a:r>
               <a:rPr lang="de-DE" baseline="0" dirty="0" smtClean="0"/>
@@ -1618,7 +1533,7 @@
             </a:r>
             <a:r>
               <a:rPr lang="de-DE" baseline="0" dirty="0" err="1" smtClean="0"/>
-              <a:t>four</a:t>
+              <a:t>realized</a:t>
             </a:r>
             <a:r>
               <a:rPr lang="de-DE" baseline="0" dirty="0" smtClean="0"/>
@@ -1626,31 +1541,71 @@
             </a:r>
             <a:r>
               <a:rPr lang="de-DE" baseline="0" dirty="0" err="1" smtClean="0"/>
-              <a:t>solvers</a:t>
-            </a:r>
-            <a:r>
-              <a:rPr lang="de-DE" baseline="0" dirty="0" smtClean="0"/>
-              <a:t>: </a:t>
-            </a:r>
-            <a:r>
-              <a:rPr lang="de-DE" baseline="0" dirty="0" err="1" smtClean="0"/>
-              <a:t>one</a:t>
+              <a:t>we</a:t>
             </a:r>
             <a:r>
               <a:rPr lang="de-DE" baseline="0" dirty="0" smtClean="0"/>
               <a:t> </a:t>
             </a:r>
             <a:r>
+              <a:rPr lang="de-DE" b="1" baseline="0" dirty="0" err="1" smtClean="0"/>
+              <a:t>dont</a:t>
+            </a:r>
+            <a:r>
+              <a:rPr lang="de-DE" b="1" baseline="0" dirty="0" smtClean="0"/>
+              <a:t> </a:t>
+            </a:r>
+            <a:r>
+              <a:rPr lang="de-DE" b="1" baseline="0" dirty="0" err="1" smtClean="0"/>
+              <a:t>have</a:t>
+            </a:r>
+            <a:r>
+              <a:rPr lang="de-DE" b="1" baseline="0" dirty="0" smtClean="0"/>
+              <a:t> </a:t>
+            </a:r>
+            <a:r>
+              <a:rPr lang="de-DE" b="1" baseline="0" dirty="0" err="1" smtClean="0"/>
+              <a:t>enough</a:t>
+            </a:r>
+            <a:r>
+              <a:rPr lang="de-DE" b="1" baseline="0" dirty="0" smtClean="0"/>
+              <a:t> </a:t>
+            </a:r>
+            <a:r>
+              <a:rPr lang="de-DE" b="1" baseline="0" dirty="0" err="1" smtClean="0"/>
+              <a:t>knowledge</a:t>
+            </a:r>
+            <a:r>
+              <a:rPr lang="de-DE" b="1" baseline="0" dirty="0" smtClean="0"/>
+              <a:t> </a:t>
+            </a:r>
+            <a:r>
+              <a:rPr lang="de-DE" b="1" baseline="0" dirty="0" err="1" smtClean="0"/>
+              <a:t>yet</a:t>
+            </a:r>
+            <a:r>
+              <a:rPr lang="de-DE" b="1" baseline="0" dirty="0" smtClean="0"/>
+              <a:t> </a:t>
+            </a:r>
+            <a:r>
+              <a:rPr lang="de-DE" b="1" baseline="0" dirty="0" err="1" smtClean="0"/>
+              <a:t>to</a:t>
+            </a:r>
+            <a:r>
+              <a:rPr lang="de-DE" b="1" baseline="0" dirty="0" smtClean="0"/>
+              <a:t> </a:t>
+            </a:r>
+            <a:r>
+              <a:rPr lang="de-DE" b="1" baseline="0" dirty="0" err="1" smtClean="0"/>
+              <a:t>generate</a:t>
+            </a:r>
+            <a:r>
+              <a:rPr lang="de-DE" b="1" baseline="0" dirty="0" smtClean="0"/>
+              <a:t> </a:t>
+            </a:r>
+            <a:r>
               <a:rPr lang="de-DE" baseline="0" dirty="0" err="1" smtClean="0"/>
-              <a:t>solver</a:t>
-            </a:r>
-            <a:r>
-              <a:rPr lang="de-DE" baseline="0" dirty="0" smtClean="0"/>
-              <a:t> was not </a:t>
-            </a:r>
-            <a:r>
-              <a:rPr lang="de-DE" baseline="0" dirty="0" err="1" smtClean="0"/>
-              <a:t>working</a:t>
+              <a:t>and</a:t>
             </a:r>
             <a:r>
               <a:rPr lang="de-DE" baseline="0" dirty="0" smtClean="0"/>
@@ -1658,7 +1613,146 @@
             </a:r>
             <a:r>
               <a:rPr lang="de-DE" baseline="0" dirty="0" err="1" smtClean="0"/>
-              <a:t>properly</a:t>
+              <a:t>there</a:t>
+            </a:r>
+            <a:r>
+              <a:rPr lang="de-DE" baseline="0" dirty="0" smtClean="0"/>
+              <a:t> </a:t>
+            </a:r>
+            <a:r>
+              <a:rPr lang="de-DE" baseline="0" dirty="0" err="1" smtClean="0"/>
+              <a:t>are</a:t>
+            </a:r>
+            <a:r>
+              <a:rPr lang="de-DE" baseline="0" dirty="0" smtClean="0"/>
+              <a:t> </a:t>
+            </a:r>
+            <a:r>
+              <a:rPr lang="de-DE" b="1" baseline="0" dirty="0" smtClean="0"/>
+              <a:t>not </a:t>
+            </a:r>
+            <a:r>
+              <a:rPr lang="de-DE" b="1" baseline="0" dirty="0" err="1" smtClean="0"/>
+              <a:t>much</a:t>
+            </a:r>
+            <a:r>
+              <a:rPr lang="de-DE" b="1" baseline="0" dirty="0" smtClean="0"/>
+              <a:t> </a:t>
+            </a:r>
+            <a:r>
+              <a:rPr lang="de-DE" b="1" baseline="0" dirty="0" err="1" smtClean="0"/>
+              <a:t>suite</a:t>
+            </a:r>
+            <a:r>
+              <a:rPr lang="de-DE" b="1" baseline="0" dirty="0" smtClean="0"/>
+              <a:t> </a:t>
+            </a:r>
+            <a:r>
+              <a:rPr lang="de-DE" b="1" baseline="0" dirty="0" err="1" smtClean="0"/>
+              <a:t>sparse</a:t>
+            </a:r>
+            <a:r>
+              <a:rPr lang="de-DE" b="1" baseline="0" dirty="0" smtClean="0"/>
+              <a:t> </a:t>
+            </a:r>
+            <a:r>
+              <a:rPr lang="de-DE" b="1" baseline="0" dirty="0" err="1" smtClean="0"/>
+              <a:t>matrices</a:t>
+            </a:r>
+            <a:r>
+              <a:rPr lang="de-DE" b="1" baseline="0" dirty="0" smtClean="0"/>
+              <a:t> in </a:t>
+            </a:r>
+            <a:r>
+              <a:rPr lang="de-DE" b="1" baseline="0" dirty="0" err="1" smtClean="0"/>
+              <a:t>one</a:t>
+            </a:r>
+            <a:r>
+              <a:rPr lang="de-DE" b="1" baseline="0" dirty="0" smtClean="0"/>
+              <a:t> </a:t>
+            </a:r>
+            <a:r>
+              <a:rPr lang="de-DE" b="1" baseline="0" dirty="0" err="1" smtClean="0"/>
+              <a:t>size</a:t>
+            </a:r>
+            <a:r>
+              <a:rPr lang="de-DE" b="1" baseline="0" dirty="0" smtClean="0"/>
+              <a:t> </a:t>
+            </a:r>
+            <a:r>
+              <a:rPr lang="de-DE" baseline="0" dirty="0" smtClean="0"/>
+              <a:t>-&gt; </a:t>
+            </a:r>
+            <a:r>
+              <a:rPr lang="de-DE" baseline="0" dirty="0" err="1" smtClean="0"/>
+              <a:t>fetch</a:t>
+            </a:r>
+            <a:r>
+              <a:rPr lang="de-DE" baseline="0" dirty="0" smtClean="0"/>
+              <a:t> </a:t>
+            </a:r>
+            <a:r>
+              <a:rPr lang="de-DE" baseline="0" dirty="0" err="1" smtClean="0"/>
+              <a:t>and</a:t>
+            </a:r>
+            <a:r>
+              <a:rPr lang="de-DE" baseline="0" dirty="0" smtClean="0"/>
+              <a:t> </a:t>
+            </a:r>
+            <a:r>
+              <a:rPr lang="de-DE" baseline="0" dirty="0" err="1" smtClean="0"/>
+              <a:t>cut</a:t>
+            </a:r>
+            <a:endParaRPr lang="de-DE" baseline="0" dirty="0" smtClean="0"/>
+          </a:p>
+          <a:p>
+            <a:r>
+              <a:rPr lang="de-DE" dirty="0" smtClean="0"/>
+              <a:t>-</a:t>
+            </a:r>
+            <a:r>
+              <a:rPr lang="de-DE" u="sng" dirty="0" err="1" smtClean="0"/>
+              <a:t>density</a:t>
+            </a:r>
+            <a:r>
+              <a:rPr lang="de-DE" dirty="0" smtClean="0"/>
+              <a:t>: </a:t>
+            </a:r>
+            <a:r>
+              <a:rPr lang="en-GB" sz="1200" kern="1200" dirty="0" smtClean="0">
+                <a:solidFill>
+                  <a:schemeClr val="tx1"/>
+                </a:solidFill>
+                <a:effectLst/>
+                <a:latin typeface="+mn-lt"/>
+                <a:ea typeface="+mn-ea"/>
+                <a:cs typeface="+mn-cs"/>
+              </a:rPr>
+              <a:t>we </a:t>
+            </a:r>
+            <a:r>
+              <a:rPr lang="en-GB" sz="1200" b="1" kern="1200" dirty="0" smtClean="0">
+                <a:solidFill>
+                  <a:schemeClr val="tx1"/>
+                </a:solidFill>
+                <a:effectLst/>
+                <a:latin typeface="+mn-lt"/>
+                <a:ea typeface="+mn-ea"/>
+                <a:cs typeface="+mn-cs"/>
+              </a:rPr>
+              <a:t>couldn't guarantee</a:t>
+            </a:r>
+            <a:r>
+              <a:rPr lang="en-GB" sz="1200" kern="1200" dirty="0" smtClean="0">
+                <a:solidFill>
+                  <a:schemeClr val="tx1"/>
+                </a:solidFill>
+                <a:effectLst/>
+                <a:latin typeface="+mn-lt"/>
+                <a:ea typeface="+mn-ea"/>
+                <a:cs typeface="+mn-cs"/>
+              </a:rPr>
+              <a:t> that the fetched and cut matrices from Suite Sparse have the wanted density.</a:t>
             </a:r>
             <a:endParaRPr lang="en-US" dirty="0"/>
           </a:p>
@@ -1690,7 +1784,7 @@
     </p:spTree>
     <p:extLst>
       <p:ext uri="{BB962C8B-B14F-4D97-AF65-F5344CB8AC3E}">
-        <p14:creationId xmlns:p14="http://schemas.microsoft.com/office/powerpoint/2010/main" val="3558662382"/>
+        <p14:creationId xmlns:p14="http://schemas.microsoft.com/office/powerpoint/2010/main" val="656261629"/>
       </p:ext>
     </p:extLst>
   </p:cSld>
@@ -1744,15 +1838,50 @@
           <a:bodyPr/>
           <a:lstStyle/>
           <a:p>
-            <a:r>
-              <a:rPr lang="de-DE" dirty="0" smtClean="0"/>
-              <a:t>Delays: </a:t>
-            </a:r>
-          </a:p>
-          <a:p>
-            <a:r>
-              <a:rPr lang="de-DE" dirty="0" err="1" smtClean="0"/>
-              <a:t>Labeling</a:t>
+            <a:pPr marL="0" marR="0" lvl="0" indent="0" algn="l" defTabSz="914400" rtl="0" eaLnBrk="1" fontAlgn="auto" latinLnBrk="0" hangingPunct="1">
+              <a:lnSpc>
+                <a:spcPct val="100000"/>
+              </a:lnSpc>
+              <a:spcBef>
+                <a:spcPts val="0"/>
+              </a:spcBef>
+              <a:spcAft>
+                <a:spcPts val="0"/>
+              </a:spcAft>
+              <a:buClrTx/>
+              <a:buSzTx/>
+              <a:buFontTx/>
+              <a:buNone/>
+              <a:tabLst/>
+              <a:defRPr/>
+            </a:pPr>
+            <a:r>
+              <a:rPr lang="de-DE" u="sng" dirty="0" smtClean="0"/>
+              <a:t>Just</a:t>
+            </a:r>
+            <a:r>
+              <a:rPr lang="de-DE" u="sng" baseline="0" dirty="0" smtClean="0"/>
+              <a:t> </a:t>
+            </a:r>
+            <a:r>
+              <a:rPr lang="de-DE" u="sng" baseline="0" dirty="0" err="1" smtClean="0"/>
+              <a:t>four</a:t>
+            </a:r>
+            <a:r>
+              <a:rPr lang="de-DE" u="sng" baseline="0" dirty="0" smtClean="0"/>
+              <a:t> </a:t>
+            </a:r>
+            <a:r>
+              <a:rPr lang="de-DE" u="sng" baseline="0" dirty="0" err="1" smtClean="0"/>
+              <a:t>solvers</a:t>
+            </a:r>
+            <a:r>
+              <a:rPr lang="de-DE" baseline="0" dirty="0" smtClean="0"/>
+              <a:t>: </a:t>
+            </a:r>
+            <a:r>
+              <a:rPr lang="de-DE" baseline="0" dirty="0" err="1" smtClean="0"/>
+              <a:t>one</a:t>
             </a:r>
             <a:r>
               <a:rPr lang="de-DE" baseline="0" dirty="0" smtClean="0"/>
@@ -1760,35 +1889,23 @@
             </a:r>
             <a:r>
               <a:rPr lang="de-DE" baseline="0" dirty="0" err="1" smtClean="0"/>
-              <a:t>module</a:t>
+              <a:t>solver</a:t>
+            </a:r>
+            <a:r>
+              <a:rPr lang="de-DE" baseline="0" dirty="0" smtClean="0"/>
+              <a:t> was not </a:t>
+            </a:r>
+            <a:r>
+              <a:rPr lang="de-DE" baseline="0" dirty="0" err="1" smtClean="0"/>
+              <a:t>working</a:t>
             </a:r>
             <a:r>
               <a:rPr lang="de-DE" baseline="0" dirty="0" smtClean="0"/>
               <a:t> </a:t>
             </a:r>
             <a:r>
-              <a:rPr lang="de-DE" baseline="0" dirty="0" smtClean="0">
-                <a:sym typeface="Wingdings" panose="05000000000000000000" pitchFamily="2" charset="2"/>
-              </a:rPr>
-              <a:t> </a:t>
-            </a:r>
-            <a:r>
-              <a:rPr lang="de-DE" baseline="0" dirty="0" err="1" smtClean="0">
-                <a:sym typeface="Wingdings" panose="05000000000000000000" pitchFamily="2" charset="2"/>
-              </a:rPr>
-              <a:t>training</a:t>
-            </a:r>
-            <a:r>
-              <a:rPr lang="de-DE" baseline="0" dirty="0" smtClean="0">
-                <a:sym typeface="Wingdings" panose="05000000000000000000" pitchFamily="2" charset="2"/>
-              </a:rPr>
-              <a:t>/</a:t>
-            </a:r>
-            <a:r>
-              <a:rPr lang="de-DE" baseline="0" dirty="0" err="1" smtClean="0">
-                <a:sym typeface="Wingdings" panose="05000000000000000000" pitchFamily="2" charset="2"/>
-              </a:rPr>
-              <a:t>classifier</a:t>
+              <a:rPr lang="de-DE" baseline="0" dirty="0" err="1" smtClean="0"/>
+              <a:t>properly</a:t>
             </a:r>
             <a:endParaRPr lang="en-US" dirty="0"/>
           </a:p>
@@ -1820,7 +1937,7 @@
     </p:spTree>
     <p:extLst>
       <p:ext uri="{BB962C8B-B14F-4D97-AF65-F5344CB8AC3E}">
-        <p14:creationId xmlns:p14="http://schemas.microsoft.com/office/powerpoint/2010/main" val="686815287"/>
+        <p14:creationId xmlns:p14="http://schemas.microsoft.com/office/powerpoint/2010/main" val="3558662382"/>
       </p:ext>
     </p:extLst>
   </p:cSld>
@@ -1876,35 +1993,13 @@
           <a:p>
             <a:r>
               <a:rPr lang="de-DE" dirty="0" smtClean="0"/>
-              <a:t>Training/</a:t>
-            </a:r>
+              <a:t>Delays: </a:t>
+            </a:r>
+          </a:p>
+          <a:p>
             <a:r>
               <a:rPr lang="de-DE" dirty="0" err="1" smtClean="0"/>
-              <a:t>classify</a:t>
-            </a:r>
-            <a:r>
-              <a:rPr lang="de-DE" dirty="0" smtClean="0"/>
-              <a:t>-Delay, </a:t>
-            </a:r>
-            <a:r>
-              <a:rPr lang="de-DE" dirty="0" err="1" smtClean="0"/>
-              <a:t>because</a:t>
-            </a:r>
-            <a:r>
-              <a:rPr lang="de-DE" dirty="0" smtClean="0"/>
-              <a:t> </a:t>
-            </a:r>
-            <a:r>
-              <a:rPr lang="de-DE" dirty="0" err="1" smtClean="0"/>
-              <a:t>of</a:t>
-            </a:r>
-            <a:r>
-              <a:rPr lang="de-DE" dirty="0" smtClean="0"/>
-              <a:t> </a:t>
-            </a:r>
-            <a:r>
-              <a:rPr lang="de-DE" dirty="0" err="1" smtClean="0"/>
-              <a:t>labeling</a:t>
+              <a:t>Labeling</a:t>
             </a:r>
             <a:r>
               <a:rPr lang="de-DE" baseline="0" dirty="0" smtClean="0"/>
@@ -1912,7 +2007,35 @@
             </a:r>
             <a:r>
               <a:rPr lang="de-DE" baseline="0" dirty="0" err="1" smtClean="0"/>
-              <a:t>problems</a:t>
+              <a:t>module</a:t>
+            </a:r>
+            <a:r>
+              <a:rPr lang="de-DE" baseline="0" dirty="0" smtClean="0"/>
+              <a:t> </a:t>
+            </a:r>
+            <a:r>
+              <a:rPr lang="de-DE" baseline="0" dirty="0" smtClean="0">
+                <a:sym typeface="Wingdings" panose="05000000000000000000" pitchFamily="2" charset="2"/>
+              </a:rPr>
+              <a:t> </a:t>
+            </a:r>
+            <a:r>
+              <a:rPr lang="de-DE" baseline="0" dirty="0" err="1" smtClean="0">
+                <a:sym typeface="Wingdings" panose="05000000000000000000" pitchFamily="2" charset="2"/>
+              </a:rPr>
+              <a:t>training</a:t>
+            </a:r>
+            <a:r>
+              <a:rPr lang="de-DE" baseline="0" dirty="0" smtClean="0">
+                <a:sym typeface="Wingdings" panose="05000000000000000000" pitchFamily="2" charset="2"/>
+              </a:rPr>
+              <a:t>/</a:t>
+            </a:r>
+            <a:r>
+              <a:rPr lang="de-DE" baseline="0" dirty="0" err="1" smtClean="0">
+                <a:sym typeface="Wingdings" panose="05000000000000000000" pitchFamily="2" charset="2"/>
+              </a:rPr>
+              <a:t>classifier</a:t>
             </a:r>
             <a:endParaRPr lang="en-US" dirty="0"/>
           </a:p>
@@ -1944,7 +2067,7 @@
     </p:spTree>
     <p:extLst>
       <p:ext uri="{BB962C8B-B14F-4D97-AF65-F5344CB8AC3E}">
-        <p14:creationId xmlns:p14="http://schemas.microsoft.com/office/powerpoint/2010/main" val="2834869333"/>
+        <p14:creationId xmlns:p14="http://schemas.microsoft.com/office/powerpoint/2010/main" val="686815287"/>
       </p:ext>
     </p:extLst>
   </p:cSld>
@@ -1998,6 +2121,46 @@
           <a:bodyPr/>
           <a:lstStyle/>
           <a:p>
+            <a:r>
+              <a:rPr lang="de-DE" dirty="0" smtClean="0"/>
+              <a:t>Training/</a:t>
+            </a:r>
+            <a:r>
+              <a:rPr lang="de-DE" dirty="0" err="1" smtClean="0"/>
+              <a:t>classify</a:t>
+            </a:r>
+            <a:r>
+              <a:rPr lang="de-DE" dirty="0" smtClean="0"/>
+              <a:t>-Delay, </a:t>
+            </a:r>
+            <a:r>
+              <a:rPr lang="de-DE" dirty="0" err="1" smtClean="0"/>
+              <a:t>because</a:t>
+            </a:r>
+            <a:r>
+              <a:rPr lang="de-DE" dirty="0" smtClean="0"/>
+              <a:t> </a:t>
+            </a:r>
+            <a:r>
+              <a:rPr lang="de-DE" dirty="0" err="1" smtClean="0"/>
+              <a:t>of</a:t>
+            </a:r>
+            <a:r>
+              <a:rPr lang="de-DE" dirty="0" smtClean="0"/>
+              <a:t> </a:t>
+            </a:r>
+            <a:r>
+              <a:rPr lang="de-DE" dirty="0" err="1" smtClean="0"/>
+              <a:t>labeling</a:t>
+            </a:r>
+            <a:r>
+              <a:rPr lang="de-DE" baseline="0" dirty="0" smtClean="0"/>
+              <a:t> </a:t>
+            </a:r>
+            <a:r>
+              <a:rPr lang="de-DE" baseline="0" dirty="0" err="1" smtClean="0"/>
+              <a:t>problems</a:t>
+            </a:r>
             <a:endParaRPr lang="en-US" dirty="0"/>
           </a:p>
         </p:txBody>
@@ -2028,7 +2191,7 @@
     </p:spTree>
     <p:extLst>
       <p:ext uri="{BB962C8B-B14F-4D97-AF65-F5344CB8AC3E}">
-        <p14:creationId xmlns:p14="http://schemas.microsoft.com/office/powerpoint/2010/main" val="313055782"/>
+        <p14:creationId xmlns:p14="http://schemas.microsoft.com/office/powerpoint/2010/main" val="2834869333"/>
       </p:ext>
     </p:extLst>
   </p:cSld>
@@ -2082,518 +2245,7 @@
           <a:bodyPr/>
           <a:lstStyle/>
           <a:p>
-            <a:r>
-              <a:rPr lang="de-DE" u="sng" dirty="0" err="1" smtClean="0"/>
-              <a:t>Merging</a:t>
-            </a:r>
-            <a:r>
-              <a:rPr lang="de-DE" u="sng" baseline="0" dirty="0" smtClean="0"/>
-              <a:t>: </a:t>
-            </a:r>
-            <a:r>
-              <a:rPr lang="de-DE" u="none" baseline="0" dirty="0" err="1" smtClean="0"/>
-              <a:t>branch</a:t>
-            </a:r>
-            <a:r>
-              <a:rPr lang="de-DE" u="none" baseline="0" dirty="0" smtClean="0"/>
-              <a:t> </a:t>
-            </a:r>
-            <a:r>
-              <a:rPr lang="de-DE" u="none" baseline="0" dirty="0" err="1" smtClean="0"/>
-              <a:t>need</a:t>
-            </a:r>
-            <a:r>
-              <a:rPr lang="de-DE" u="none" baseline="0" dirty="0" smtClean="0"/>
-              <a:t> </a:t>
-            </a:r>
-            <a:r>
-              <a:rPr lang="de-DE" u="none" baseline="0" dirty="0" err="1" smtClean="0"/>
-              <a:t>to</a:t>
-            </a:r>
-            <a:r>
-              <a:rPr lang="de-DE" u="none" baseline="0" dirty="0" smtClean="0"/>
-              <a:t> </a:t>
-            </a:r>
-            <a:r>
-              <a:rPr lang="de-DE" u="none" baseline="0" dirty="0" err="1" smtClean="0"/>
-              <a:t>be</a:t>
-            </a:r>
-            <a:r>
-              <a:rPr lang="de-DE" u="none" baseline="0" dirty="0" smtClean="0"/>
-              <a:t> </a:t>
-            </a:r>
-            <a:r>
-              <a:rPr lang="de-DE" u="none" baseline="0" dirty="0" err="1" smtClean="0"/>
-              <a:t>up</a:t>
-            </a:r>
-            <a:r>
-              <a:rPr lang="de-DE" u="none" baseline="0" dirty="0" smtClean="0"/>
-              <a:t> </a:t>
-            </a:r>
-            <a:r>
-              <a:rPr lang="de-DE" u="none" baseline="0" dirty="0" err="1" smtClean="0"/>
-              <a:t>to</a:t>
-            </a:r>
-            <a:r>
-              <a:rPr lang="de-DE" u="none" baseline="0" dirty="0" smtClean="0"/>
-              <a:t> </a:t>
-            </a:r>
-            <a:r>
-              <a:rPr lang="de-DE" u="none" baseline="0" dirty="0" err="1" smtClean="0"/>
-              <a:t>date</a:t>
-            </a:r>
-            <a:r>
-              <a:rPr lang="de-DE" u="none" baseline="0" dirty="0" smtClean="0"/>
-              <a:t> </a:t>
-            </a:r>
-            <a:r>
-              <a:rPr lang="de-DE" u="none" baseline="0" dirty="0" smtClean="0">
-                <a:sym typeface="Wingdings" panose="05000000000000000000" pitchFamily="2" charset="2"/>
-              </a:rPr>
-              <a:t></a:t>
-            </a:r>
-            <a:r>
-              <a:rPr lang="de-DE" u="none" baseline="0" dirty="0" smtClean="0"/>
-              <a:t> pull </a:t>
-            </a:r>
-            <a:r>
-              <a:rPr lang="de-DE" u="none" baseline="0" dirty="0" err="1" smtClean="0"/>
-              <a:t>request</a:t>
-            </a:r>
-            <a:r>
-              <a:rPr lang="de-DE" u="none" baseline="0" dirty="0" smtClean="0"/>
-              <a:t> </a:t>
-            </a:r>
-            <a:r>
-              <a:rPr lang="de-DE" u="none" baseline="0" dirty="0" smtClean="0">
-                <a:sym typeface="Wingdings" panose="05000000000000000000" pitchFamily="2" charset="2"/>
-              </a:rPr>
-              <a:t></a:t>
-            </a:r>
-            <a:r>
-              <a:rPr lang="en-US" sz="1200" kern="1200" dirty="0" smtClean="0">
-                <a:solidFill>
-                  <a:schemeClr val="tx1"/>
-                </a:solidFill>
-                <a:effectLst/>
-                <a:latin typeface="+mn-lt"/>
-                <a:ea typeface="+mn-ea"/>
-                <a:cs typeface="+mn-cs"/>
-              </a:rPr>
-              <a:t>colleagues </a:t>
-            </a:r>
-            <a:r>
-              <a:rPr lang="en-US" sz="1200" b="1" kern="1200" dirty="0" smtClean="0">
-                <a:solidFill>
-                  <a:schemeClr val="tx1"/>
-                </a:solidFill>
-                <a:effectLst/>
-                <a:latin typeface="+mn-lt"/>
-                <a:ea typeface="+mn-ea"/>
-                <a:cs typeface="+mn-cs"/>
-              </a:rPr>
-              <a:t>review</a:t>
-            </a:r>
-            <a:r>
-              <a:rPr lang="en-US" sz="1200" b="1" kern="1200" baseline="0" dirty="0" smtClean="0">
-                <a:solidFill>
-                  <a:schemeClr val="tx1"/>
-                </a:solidFill>
-                <a:effectLst/>
-                <a:latin typeface="+mn-lt"/>
-                <a:ea typeface="+mn-ea"/>
-                <a:cs typeface="+mn-cs"/>
-              </a:rPr>
-              <a:t> or suggest changes</a:t>
-            </a:r>
-          </a:p>
-          <a:p>
-            <a:r>
-              <a:rPr lang="de-DE" sz="1200" u="sng" kern="1200" baseline="0" dirty="0" smtClean="0">
-                <a:solidFill>
-                  <a:schemeClr val="tx1"/>
-                </a:solidFill>
-                <a:effectLst/>
-                <a:latin typeface="+mn-lt"/>
-                <a:ea typeface="+mn-ea"/>
-                <a:cs typeface="+mn-cs"/>
-              </a:rPr>
-              <a:t>Travis(</a:t>
-            </a:r>
-            <a:r>
-              <a:rPr lang="de-DE" sz="1200" u="sng" kern="1200" baseline="0" dirty="0" err="1" smtClean="0">
-                <a:solidFill>
-                  <a:schemeClr val="tx1"/>
-                </a:solidFill>
-                <a:effectLst/>
-                <a:latin typeface="+mn-lt"/>
-                <a:ea typeface="+mn-ea"/>
-                <a:cs typeface="+mn-cs"/>
-              </a:rPr>
-              <a:t>required</a:t>
-            </a:r>
-            <a:r>
-              <a:rPr lang="de-DE" sz="1200" u="sng" kern="1200" baseline="0" dirty="0" smtClean="0">
-                <a:solidFill>
-                  <a:schemeClr val="tx1"/>
-                </a:solidFill>
-                <a:effectLst/>
-                <a:latin typeface="+mn-lt"/>
-                <a:ea typeface="+mn-ea"/>
-                <a:cs typeface="+mn-cs"/>
-              </a:rPr>
-              <a:t>)</a:t>
-            </a:r>
-            <a:r>
-              <a:rPr lang="de-DE" sz="1200" u="none" kern="1200" baseline="0" dirty="0" smtClean="0">
-                <a:solidFill>
-                  <a:schemeClr val="tx1"/>
-                </a:solidFill>
-                <a:effectLst/>
-                <a:latin typeface="+mn-lt"/>
-                <a:ea typeface="+mn-ea"/>
-                <a:cs typeface="+mn-cs"/>
-              </a:rPr>
-              <a:t>: </a:t>
-            </a:r>
-            <a:r>
-              <a:rPr lang="de-DE" sz="1200" u="none" kern="1200" baseline="0" dirty="0" err="1" smtClean="0">
-                <a:solidFill>
-                  <a:schemeClr val="tx1"/>
-                </a:solidFill>
-                <a:effectLst/>
-                <a:latin typeface="+mn-lt"/>
-                <a:ea typeface="+mn-ea"/>
-                <a:cs typeface="+mn-cs"/>
-              </a:rPr>
-              <a:t>shows</a:t>
-            </a:r>
-            <a:r>
-              <a:rPr lang="de-DE" sz="1200" u="none" kern="1200" baseline="0" dirty="0" smtClean="0">
-                <a:solidFill>
-                  <a:schemeClr val="tx1"/>
-                </a:solidFill>
-                <a:effectLst/>
-                <a:latin typeface="+mn-lt"/>
-                <a:ea typeface="+mn-ea"/>
-                <a:cs typeface="+mn-cs"/>
-              </a:rPr>
-              <a:t> </a:t>
-            </a:r>
-            <a:r>
-              <a:rPr lang="de-DE" sz="1200" u="none" kern="1200" baseline="0" dirty="0" err="1" smtClean="0">
-                <a:solidFill>
-                  <a:schemeClr val="tx1"/>
-                </a:solidFill>
-                <a:effectLst/>
-                <a:latin typeface="+mn-lt"/>
-                <a:ea typeface="+mn-ea"/>
-                <a:cs typeface="+mn-cs"/>
-              </a:rPr>
-              <a:t>if</a:t>
-            </a:r>
-            <a:r>
-              <a:rPr lang="de-DE" sz="1200" u="none" kern="1200" baseline="0" dirty="0" smtClean="0">
-                <a:solidFill>
-                  <a:schemeClr val="tx1"/>
-                </a:solidFill>
-                <a:effectLst/>
-                <a:latin typeface="+mn-lt"/>
-                <a:ea typeface="+mn-ea"/>
-                <a:cs typeface="+mn-cs"/>
-              </a:rPr>
-              <a:t> </a:t>
-            </a:r>
-            <a:r>
-              <a:rPr lang="de-DE" sz="1200" b="1" u="none" kern="1200" baseline="0" dirty="0" err="1" smtClean="0">
-                <a:solidFill>
-                  <a:schemeClr val="tx1"/>
-                </a:solidFill>
-                <a:effectLst/>
-                <a:latin typeface="+mn-lt"/>
-                <a:ea typeface="+mn-ea"/>
-                <a:cs typeface="+mn-cs"/>
-              </a:rPr>
-              <a:t>tests</a:t>
-            </a:r>
-            <a:r>
-              <a:rPr lang="de-DE" sz="1200" b="1" u="none" kern="1200" baseline="0" dirty="0" smtClean="0">
-                <a:solidFill>
-                  <a:schemeClr val="tx1"/>
-                </a:solidFill>
-                <a:effectLst/>
-                <a:latin typeface="+mn-lt"/>
-                <a:ea typeface="+mn-ea"/>
-                <a:cs typeface="+mn-cs"/>
-              </a:rPr>
-              <a:t> </a:t>
-            </a:r>
-            <a:r>
-              <a:rPr lang="de-DE" sz="1200" b="1" u="none" kern="1200" baseline="0" dirty="0" err="1" smtClean="0">
-                <a:solidFill>
-                  <a:schemeClr val="tx1"/>
-                </a:solidFill>
-                <a:effectLst/>
-                <a:latin typeface="+mn-lt"/>
-                <a:ea typeface="+mn-ea"/>
-                <a:cs typeface="+mn-cs"/>
-              </a:rPr>
-              <a:t>are</a:t>
-            </a:r>
-            <a:r>
-              <a:rPr lang="de-DE" sz="1200" b="1" u="none" kern="1200" baseline="0" dirty="0" smtClean="0">
-                <a:solidFill>
-                  <a:schemeClr val="tx1"/>
-                </a:solidFill>
-                <a:effectLst/>
-                <a:latin typeface="+mn-lt"/>
-                <a:ea typeface="+mn-ea"/>
-                <a:cs typeface="+mn-cs"/>
-              </a:rPr>
-              <a:t> </a:t>
-            </a:r>
-            <a:r>
-              <a:rPr lang="de-DE" sz="1200" b="1" u="none" kern="1200" baseline="0" dirty="0" err="1" smtClean="0">
-                <a:solidFill>
-                  <a:schemeClr val="tx1"/>
-                </a:solidFill>
-                <a:effectLst/>
-                <a:latin typeface="+mn-lt"/>
-                <a:ea typeface="+mn-ea"/>
-                <a:cs typeface="+mn-cs"/>
-              </a:rPr>
-              <a:t>succesful</a:t>
-            </a:r>
-            <a:endParaRPr lang="de-DE" sz="1200" b="1" u="sng" kern="1200" baseline="0" dirty="0" smtClean="0">
-              <a:solidFill>
-                <a:schemeClr val="tx1"/>
-              </a:solidFill>
-              <a:effectLst/>
-              <a:latin typeface="+mn-lt"/>
-              <a:ea typeface="+mn-ea"/>
-              <a:cs typeface="+mn-cs"/>
-            </a:endParaRPr>
-          </a:p>
-          <a:p>
-            <a:r>
-              <a:rPr lang="de-DE" sz="1200" u="sng" kern="1200" baseline="0" dirty="0" err="1" smtClean="0">
-                <a:solidFill>
-                  <a:schemeClr val="tx1"/>
-                </a:solidFill>
-                <a:effectLst/>
-                <a:latin typeface="+mn-lt"/>
-                <a:ea typeface="+mn-ea"/>
-                <a:cs typeface="+mn-cs"/>
-              </a:rPr>
-              <a:t>Codeclimate</a:t>
-            </a:r>
-            <a:r>
-              <a:rPr lang="de-DE" sz="1200" u="sng" kern="1200" baseline="0" dirty="0" smtClean="0">
-                <a:solidFill>
-                  <a:schemeClr val="tx1"/>
-                </a:solidFill>
-                <a:effectLst/>
-                <a:latin typeface="+mn-lt"/>
-                <a:ea typeface="+mn-ea"/>
-                <a:cs typeface="+mn-cs"/>
-              </a:rPr>
-              <a:t>: </a:t>
-            </a:r>
-            <a:r>
-              <a:rPr lang="en-US" sz="1200" kern="1200" dirty="0" smtClean="0">
-                <a:solidFill>
-                  <a:schemeClr val="tx1"/>
-                </a:solidFill>
-                <a:effectLst/>
-                <a:latin typeface="+mn-lt"/>
-                <a:ea typeface="+mn-ea"/>
-                <a:cs typeface="+mn-cs"/>
-              </a:rPr>
-              <a:t>looks at the code </a:t>
-            </a:r>
-            <a:r>
-              <a:rPr lang="en-US" sz="1200" kern="1200" dirty="0" smtClean="0">
-                <a:solidFill>
-                  <a:schemeClr val="tx1"/>
-                </a:solidFill>
-                <a:effectLst/>
-                <a:latin typeface="+mn-lt"/>
-                <a:ea typeface="+mn-ea"/>
-                <a:cs typeface="+mn-cs"/>
-                <a:sym typeface="Wingdings" panose="05000000000000000000" pitchFamily="2" charset="2"/>
-              </a:rPr>
-              <a:t></a:t>
-            </a:r>
-            <a:r>
-              <a:rPr lang="en-GB" sz="1200" kern="1200" dirty="0" smtClean="0">
-                <a:solidFill>
-                  <a:schemeClr val="tx1"/>
-                </a:solidFill>
-                <a:effectLst/>
-                <a:latin typeface="+mn-lt"/>
-                <a:ea typeface="+mn-ea"/>
-                <a:cs typeface="+mn-cs"/>
-              </a:rPr>
-              <a:t>decide </a:t>
-            </a:r>
-            <a:r>
-              <a:rPr lang="en-GB" sz="1200" b="1" kern="1200" dirty="0" smtClean="0">
-                <a:solidFill>
-                  <a:schemeClr val="tx1"/>
-                </a:solidFill>
-                <a:effectLst/>
-                <a:latin typeface="+mn-lt"/>
-                <a:ea typeface="+mn-ea"/>
-                <a:cs typeface="+mn-cs"/>
-              </a:rPr>
-              <a:t>how readable and complex </a:t>
-            </a:r>
-            <a:r>
-              <a:rPr lang="en-GB" sz="1200" kern="1200" dirty="0" smtClean="0">
-                <a:solidFill>
-                  <a:schemeClr val="tx1"/>
-                </a:solidFill>
-                <a:effectLst/>
-                <a:latin typeface="+mn-lt"/>
-                <a:ea typeface="+mn-ea"/>
-                <a:cs typeface="+mn-cs"/>
-              </a:rPr>
-              <a:t>the code</a:t>
-            </a:r>
-            <a:r>
-              <a:rPr lang="en-GB" sz="1200" kern="1200" baseline="0" dirty="0" smtClean="0">
-                <a:solidFill>
-                  <a:schemeClr val="tx1"/>
-                </a:solidFill>
-                <a:effectLst/>
-                <a:latin typeface="+mn-lt"/>
-                <a:ea typeface="+mn-ea"/>
-                <a:cs typeface="+mn-cs"/>
-              </a:rPr>
-              <a:t>, is </a:t>
-            </a:r>
-            <a:r>
-              <a:rPr lang="en-GB" sz="1200" b="1" kern="1200" baseline="0" dirty="0" smtClean="0">
-                <a:solidFill>
-                  <a:schemeClr val="tx1"/>
-                </a:solidFill>
-                <a:effectLst/>
-                <a:latin typeface="+mn-lt"/>
-                <a:ea typeface="+mn-ea"/>
-                <a:cs typeface="+mn-cs"/>
-              </a:rPr>
-              <a:t>PEP8</a:t>
-            </a:r>
-            <a:r>
-              <a:rPr lang="en-GB" sz="1200" kern="1200" baseline="0" dirty="0" smtClean="0">
-                <a:solidFill>
-                  <a:schemeClr val="tx1"/>
-                </a:solidFill>
-                <a:effectLst/>
-                <a:latin typeface="+mn-lt"/>
-                <a:ea typeface="+mn-ea"/>
-                <a:cs typeface="+mn-cs"/>
-              </a:rPr>
-              <a:t> </a:t>
-            </a:r>
-            <a:r>
-              <a:rPr lang="en-GB" sz="1200" b="1" kern="1200" baseline="0" dirty="0" smtClean="0">
-                <a:solidFill>
-                  <a:schemeClr val="tx1"/>
-                </a:solidFill>
-                <a:effectLst/>
-                <a:latin typeface="+mn-lt"/>
-                <a:ea typeface="+mn-ea"/>
-                <a:cs typeface="+mn-cs"/>
-              </a:rPr>
-              <a:t>conform</a:t>
-            </a:r>
-            <a:r>
-              <a:rPr lang="en-GB" sz="1200" kern="1200" baseline="0" dirty="0" smtClean="0">
-                <a:solidFill>
-                  <a:schemeClr val="tx1"/>
-                </a:solidFill>
-                <a:effectLst/>
-                <a:latin typeface="+mn-lt"/>
-                <a:ea typeface="+mn-ea"/>
-                <a:cs typeface="+mn-cs"/>
-              </a:rPr>
-              <a:t> and shows </a:t>
-            </a:r>
-            <a:r>
-              <a:rPr lang="en-GB" sz="1200" b="1" kern="1200" baseline="0" dirty="0" smtClean="0">
-                <a:solidFill>
-                  <a:schemeClr val="tx1"/>
-                </a:solidFill>
-                <a:effectLst/>
-                <a:latin typeface="+mn-lt"/>
-                <a:ea typeface="+mn-ea"/>
-                <a:cs typeface="+mn-cs"/>
-              </a:rPr>
-              <a:t>test coverage</a:t>
-            </a:r>
-          </a:p>
-          <a:p>
-            <a:endParaRPr lang="en-GB" sz="1200" kern="1200" baseline="0" dirty="0" smtClean="0">
-              <a:solidFill>
-                <a:schemeClr val="tx1"/>
-              </a:solidFill>
-              <a:effectLst/>
-              <a:latin typeface="+mn-lt"/>
-              <a:ea typeface="+mn-ea"/>
-              <a:cs typeface="+mn-cs"/>
-            </a:endParaRPr>
-          </a:p>
-          <a:p>
-            <a:r>
-              <a:rPr lang="en-GB" sz="1200" u="none" kern="1200" baseline="0" dirty="0" err="1" smtClean="0">
-                <a:solidFill>
-                  <a:schemeClr val="tx1"/>
-                </a:solidFill>
-                <a:effectLst/>
-                <a:latin typeface="+mn-lt"/>
-                <a:ea typeface="+mn-ea"/>
-                <a:cs typeface="+mn-cs"/>
-              </a:rPr>
-              <a:t>codeclimate</a:t>
-            </a:r>
-            <a:r>
-              <a:rPr lang="en-GB" sz="1200" u="none" kern="1200" baseline="0" dirty="0" smtClean="0">
-                <a:solidFill>
-                  <a:schemeClr val="tx1"/>
-                </a:solidFill>
-                <a:effectLst/>
-                <a:latin typeface="+mn-lt"/>
-                <a:ea typeface="+mn-ea"/>
-                <a:cs typeface="+mn-cs"/>
-              </a:rPr>
-              <a:t> is </a:t>
-            </a:r>
-            <a:r>
-              <a:rPr lang="en-GB" sz="1200" b="1" u="none" kern="1200" baseline="0" dirty="0" smtClean="0">
-                <a:solidFill>
-                  <a:schemeClr val="tx1"/>
-                </a:solidFill>
-                <a:effectLst/>
-                <a:latin typeface="+mn-lt"/>
-                <a:ea typeface="+mn-ea"/>
-                <a:cs typeface="+mn-cs"/>
-              </a:rPr>
-              <a:t>optional</a:t>
-            </a:r>
-            <a:r>
-              <a:rPr lang="en-GB" sz="1200" u="none" kern="1200" baseline="0" dirty="0" smtClean="0">
-                <a:solidFill>
-                  <a:schemeClr val="tx1"/>
-                </a:solidFill>
-                <a:effectLst/>
-                <a:latin typeface="+mn-lt"/>
-                <a:ea typeface="+mn-ea"/>
-                <a:cs typeface="+mn-cs"/>
-              </a:rPr>
-              <a:t> because we hadn’t time to clean up some code passages (like labeller)</a:t>
-            </a:r>
-            <a:endParaRPr lang="en-US" u="none" dirty="0"/>
+            <a:endParaRPr lang="en-US" dirty="0"/>
           </a:p>
         </p:txBody>
       </p:sp>
@@ -2623,7 +2275,7 @@
     </p:spTree>
     <p:extLst>
       <p:ext uri="{BB962C8B-B14F-4D97-AF65-F5344CB8AC3E}">
-        <p14:creationId xmlns:p14="http://schemas.microsoft.com/office/powerpoint/2010/main" val="2605662189"/>
+        <p14:creationId xmlns:p14="http://schemas.microsoft.com/office/powerpoint/2010/main" val="313055782"/>
       </p:ext>
     </p:extLst>
   </p:cSld>
@@ -2677,7 +2329,518 @@
           <a:bodyPr/>
           <a:lstStyle/>
           <a:p>
-            <a:endParaRPr lang="en-US" dirty="0"/>
+            <a:r>
+              <a:rPr lang="de-DE" u="sng" dirty="0" err="1" smtClean="0"/>
+              <a:t>Merging</a:t>
+            </a:r>
+            <a:r>
+              <a:rPr lang="de-DE" u="sng" baseline="0" dirty="0" smtClean="0"/>
+              <a:t>: </a:t>
+            </a:r>
+            <a:r>
+              <a:rPr lang="de-DE" u="none" baseline="0" dirty="0" err="1" smtClean="0"/>
+              <a:t>branch</a:t>
+            </a:r>
+            <a:r>
+              <a:rPr lang="de-DE" u="none" baseline="0" dirty="0" smtClean="0"/>
+              <a:t> </a:t>
+            </a:r>
+            <a:r>
+              <a:rPr lang="de-DE" u="none" baseline="0" dirty="0" err="1" smtClean="0"/>
+              <a:t>need</a:t>
+            </a:r>
+            <a:r>
+              <a:rPr lang="de-DE" u="none" baseline="0" dirty="0" smtClean="0"/>
+              <a:t> </a:t>
+            </a:r>
+            <a:r>
+              <a:rPr lang="de-DE" u="none" baseline="0" dirty="0" err="1" smtClean="0"/>
+              <a:t>to</a:t>
+            </a:r>
+            <a:r>
+              <a:rPr lang="de-DE" u="none" baseline="0" dirty="0" smtClean="0"/>
+              <a:t> </a:t>
+            </a:r>
+            <a:r>
+              <a:rPr lang="de-DE" u="none" baseline="0" dirty="0" err="1" smtClean="0"/>
+              <a:t>be</a:t>
+            </a:r>
+            <a:r>
+              <a:rPr lang="de-DE" u="none" baseline="0" dirty="0" smtClean="0"/>
+              <a:t> </a:t>
+            </a:r>
+            <a:r>
+              <a:rPr lang="de-DE" u="none" baseline="0" dirty="0" err="1" smtClean="0"/>
+              <a:t>up</a:t>
+            </a:r>
+            <a:r>
+              <a:rPr lang="de-DE" u="none" baseline="0" dirty="0" smtClean="0"/>
+              <a:t> </a:t>
+            </a:r>
+            <a:r>
+              <a:rPr lang="de-DE" u="none" baseline="0" dirty="0" err="1" smtClean="0"/>
+              <a:t>to</a:t>
+            </a:r>
+            <a:r>
+              <a:rPr lang="de-DE" u="none" baseline="0" dirty="0" smtClean="0"/>
+              <a:t> </a:t>
+            </a:r>
+            <a:r>
+              <a:rPr lang="de-DE" u="none" baseline="0" dirty="0" err="1" smtClean="0"/>
+              <a:t>date</a:t>
+            </a:r>
+            <a:r>
+              <a:rPr lang="de-DE" u="none" baseline="0" dirty="0" smtClean="0"/>
+              <a:t> </a:t>
+            </a:r>
+            <a:r>
+              <a:rPr lang="de-DE" u="none" baseline="0" dirty="0" smtClean="0">
+                <a:sym typeface="Wingdings" panose="05000000000000000000" pitchFamily="2" charset="2"/>
+              </a:rPr>
+              <a:t></a:t>
+            </a:r>
+            <a:r>
+              <a:rPr lang="de-DE" u="none" baseline="0" dirty="0" smtClean="0"/>
+              <a:t> pull </a:t>
+            </a:r>
+            <a:r>
+              <a:rPr lang="de-DE" u="none" baseline="0" dirty="0" err="1" smtClean="0"/>
+              <a:t>request</a:t>
+            </a:r>
+            <a:r>
+              <a:rPr lang="de-DE" u="none" baseline="0" dirty="0" smtClean="0"/>
+              <a:t> </a:t>
+            </a:r>
+            <a:r>
+              <a:rPr lang="de-DE" u="none" baseline="0" dirty="0" smtClean="0">
+                <a:sym typeface="Wingdings" panose="05000000000000000000" pitchFamily="2" charset="2"/>
+              </a:rPr>
+              <a:t></a:t>
+            </a:r>
+            <a:r>
+              <a:rPr lang="en-US" sz="1200" kern="1200" dirty="0" smtClean="0">
+                <a:solidFill>
+                  <a:schemeClr val="tx1"/>
+                </a:solidFill>
+                <a:effectLst/>
+                <a:latin typeface="+mn-lt"/>
+                <a:ea typeface="+mn-ea"/>
+                <a:cs typeface="+mn-cs"/>
+              </a:rPr>
+              <a:t>colleagues </a:t>
+            </a:r>
+            <a:r>
+              <a:rPr lang="en-US" sz="1200" b="1" kern="1200" dirty="0" smtClean="0">
+                <a:solidFill>
+                  <a:schemeClr val="tx1"/>
+                </a:solidFill>
+                <a:effectLst/>
+                <a:latin typeface="+mn-lt"/>
+                <a:ea typeface="+mn-ea"/>
+                <a:cs typeface="+mn-cs"/>
+              </a:rPr>
+              <a:t>review</a:t>
+            </a:r>
+            <a:r>
+              <a:rPr lang="en-US" sz="1200" b="1" kern="1200" baseline="0" dirty="0" smtClean="0">
+                <a:solidFill>
+                  <a:schemeClr val="tx1"/>
+                </a:solidFill>
+                <a:effectLst/>
+                <a:latin typeface="+mn-lt"/>
+                <a:ea typeface="+mn-ea"/>
+                <a:cs typeface="+mn-cs"/>
+              </a:rPr>
+              <a:t> or suggest changes</a:t>
+            </a:r>
+          </a:p>
+          <a:p>
+            <a:r>
+              <a:rPr lang="de-DE" sz="1200" u="sng" kern="1200" baseline="0" dirty="0" smtClean="0">
+                <a:solidFill>
+                  <a:schemeClr val="tx1"/>
+                </a:solidFill>
+                <a:effectLst/>
+                <a:latin typeface="+mn-lt"/>
+                <a:ea typeface="+mn-ea"/>
+                <a:cs typeface="+mn-cs"/>
+              </a:rPr>
+              <a:t>Travis(</a:t>
+            </a:r>
+            <a:r>
+              <a:rPr lang="de-DE" sz="1200" u="sng" kern="1200" baseline="0" dirty="0" err="1" smtClean="0">
+                <a:solidFill>
+                  <a:schemeClr val="tx1"/>
+                </a:solidFill>
+                <a:effectLst/>
+                <a:latin typeface="+mn-lt"/>
+                <a:ea typeface="+mn-ea"/>
+                <a:cs typeface="+mn-cs"/>
+              </a:rPr>
+              <a:t>required</a:t>
+            </a:r>
+            <a:r>
+              <a:rPr lang="de-DE" sz="1200" u="sng" kern="1200" baseline="0" dirty="0" smtClean="0">
+                <a:solidFill>
+                  <a:schemeClr val="tx1"/>
+                </a:solidFill>
+                <a:effectLst/>
+                <a:latin typeface="+mn-lt"/>
+                <a:ea typeface="+mn-ea"/>
+                <a:cs typeface="+mn-cs"/>
+              </a:rPr>
+              <a:t>)</a:t>
+            </a:r>
+            <a:r>
+              <a:rPr lang="de-DE" sz="1200" u="none" kern="1200" baseline="0" dirty="0" smtClean="0">
+                <a:solidFill>
+                  <a:schemeClr val="tx1"/>
+                </a:solidFill>
+                <a:effectLst/>
+                <a:latin typeface="+mn-lt"/>
+                <a:ea typeface="+mn-ea"/>
+                <a:cs typeface="+mn-cs"/>
+              </a:rPr>
+              <a:t>: </a:t>
+            </a:r>
+            <a:r>
+              <a:rPr lang="de-DE" sz="1200" u="none" kern="1200" baseline="0" dirty="0" err="1" smtClean="0">
+                <a:solidFill>
+                  <a:schemeClr val="tx1"/>
+                </a:solidFill>
+                <a:effectLst/>
+                <a:latin typeface="+mn-lt"/>
+                <a:ea typeface="+mn-ea"/>
+                <a:cs typeface="+mn-cs"/>
+              </a:rPr>
+              <a:t>shows</a:t>
+            </a:r>
+            <a:r>
+              <a:rPr lang="de-DE" sz="1200" u="none" kern="1200" baseline="0" dirty="0" smtClean="0">
+                <a:solidFill>
+                  <a:schemeClr val="tx1"/>
+                </a:solidFill>
+                <a:effectLst/>
+                <a:latin typeface="+mn-lt"/>
+                <a:ea typeface="+mn-ea"/>
+                <a:cs typeface="+mn-cs"/>
+              </a:rPr>
+              <a:t> </a:t>
+            </a:r>
+            <a:r>
+              <a:rPr lang="de-DE" sz="1200" u="none" kern="1200" baseline="0" dirty="0" err="1" smtClean="0">
+                <a:solidFill>
+                  <a:schemeClr val="tx1"/>
+                </a:solidFill>
+                <a:effectLst/>
+                <a:latin typeface="+mn-lt"/>
+                <a:ea typeface="+mn-ea"/>
+                <a:cs typeface="+mn-cs"/>
+              </a:rPr>
+              <a:t>if</a:t>
+            </a:r>
+            <a:r>
+              <a:rPr lang="de-DE" sz="1200" u="none" kern="1200" baseline="0" dirty="0" smtClean="0">
+                <a:solidFill>
+                  <a:schemeClr val="tx1"/>
+                </a:solidFill>
+                <a:effectLst/>
+                <a:latin typeface="+mn-lt"/>
+                <a:ea typeface="+mn-ea"/>
+                <a:cs typeface="+mn-cs"/>
+              </a:rPr>
+              <a:t> </a:t>
+            </a:r>
+            <a:r>
+              <a:rPr lang="de-DE" sz="1200" b="1" u="none" kern="1200" baseline="0" dirty="0" err="1" smtClean="0">
+                <a:solidFill>
+                  <a:schemeClr val="tx1"/>
+                </a:solidFill>
+                <a:effectLst/>
+                <a:latin typeface="+mn-lt"/>
+                <a:ea typeface="+mn-ea"/>
+                <a:cs typeface="+mn-cs"/>
+              </a:rPr>
+              <a:t>tests</a:t>
+            </a:r>
+            <a:r>
+              <a:rPr lang="de-DE" sz="1200" b="1" u="none" kern="1200" baseline="0" dirty="0" smtClean="0">
+                <a:solidFill>
+                  <a:schemeClr val="tx1"/>
+                </a:solidFill>
+                <a:effectLst/>
+                <a:latin typeface="+mn-lt"/>
+                <a:ea typeface="+mn-ea"/>
+                <a:cs typeface="+mn-cs"/>
+              </a:rPr>
+              <a:t> </a:t>
+            </a:r>
+            <a:r>
+              <a:rPr lang="de-DE" sz="1200" b="1" u="none" kern="1200" baseline="0" dirty="0" err="1" smtClean="0">
+                <a:solidFill>
+                  <a:schemeClr val="tx1"/>
+                </a:solidFill>
+                <a:effectLst/>
+                <a:latin typeface="+mn-lt"/>
+                <a:ea typeface="+mn-ea"/>
+                <a:cs typeface="+mn-cs"/>
+              </a:rPr>
+              <a:t>are</a:t>
+            </a:r>
+            <a:r>
+              <a:rPr lang="de-DE" sz="1200" b="1" u="none" kern="1200" baseline="0" dirty="0" smtClean="0">
+                <a:solidFill>
+                  <a:schemeClr val="tx1"/>
+                </a:solidFill>
+                <a:effectLst/>
+                <a:latin typeface="+mn-lt"/>
+                <a:ea typeface="+mn-ea"/>
+                <a:cs typeface="+mn-cs"/>
+              </a:rPr>
+              <a:t> </a:t>
+            </a:r>
+            <a:r>
+              <a:rPr lang="de-DE" sz="1200" b="1" u="none" kern="1200" baseline="0" dirty="0" err="1" smtClean="0">
+                <a:solidFill>
+                  <a:schemeClr val="tx1"/>
+                </a:solidFill>
+                <a:effectLst/>
+                <a:latin typeface="+mn-lt"/>
+                <a:ea typeface="+mn-ea"/>
+                <a:cs typeface="+mn-cs"/>
+              </a:rPr>
+              <a:t>succesful</a:t>
+            </a:r>
+            <a:endParaRPr lang="de-DE" sz="1200" b="1" u="sng" kern="1200" baseline="0" dirty="0" smtClean="0">
+              <a:solidFill>
+                <a:schemeClr val="tx1"/>
+              </a:solidFill>
+              <a:effectLst/>
+              <a:latin typeface="+mn-lt"/>
+              <a:ea typeface="+mn-ea"/>
+              <a:cs typeface="+mn-cs"/>
+            </a:endParaRPr>
+          </a:p>
+          <a:p>
+            <a:r>
+              <a:rPr lang="de-DE" sz="1200" u="sng" kern="1200" baseline="0" dirty="0" err="1" smtClean="0">
+                <a:solidFill>
+                  <a:schemeClr val="tx1"/>
+                </a:solidFill>
+                <a:effectLst/>
+                <a:latin typeface="+mn-lt"/>
+                <a:ea typeface="+mn-ea"/>
+                <a:cs typeface="+mn-cs"/>
+              </a:rPr>
+              <a:t>Codeclimate</a:t>
+            </a:r>
+            <a:r>
+              <a:rPr lang="de-DE" sz="1200" u="sng" kern="1200" baseline="0" dirty="0" smtClean="0">
+                <a:solidFill>
+                  <a:schemeClr val="tx1"/>
+                </a:solidFill>
+                <a:effectLst/>
+                <a:latin typeface="+mn-lt"/>
+                <a:ea typeface="+mn-ea"/>
+                <a:cs typeface="+mn-cs"/>
+              </a:rPr>
+              <a:t>: </a:t>
+            </a:r>
+            <a:r>
+              <a:rPr lang="en-US" sz="1200" kern="1200" dirty="0" smtClean="0">
+                <a:solidFill>
+                  <a:schemeClr val="tx1"/>
+                </a:solidFill>
+                <a:effectLst/>
+                <a:latin typeface="+mn-lt"/>
+                <a:ea typeface="+mn-ea"/>
+                <a:cs typeface="+mn-cs"/>
+              </a:rPr>
+              <a:t>looks at the code </a:t>
+            </a:r>
+            <a:r>
+              <a:rPr lang="en-US" sz="1200" kern="1200" dirty="0" smtClean="0">
+                <a:solidFill>
+                  <a:schemeClr val="tx1"/>
+                </a:solidFill>
+                <a:effectLst/>
+                <a:latin typeface="+mn-lt"/>
+                <a:ea typeface="+mn-ea"/>
+                <a:cs typeface="+mn-cs"/>
+                <a:sym typeface="Wingdings" panose="05000000000000000000" pitchFamily="2" charset="2"/>
+              </a:rPr>
+              <a:t></a:t>
+            </a:r>
+            <a:r>
+              <a:rPr lang="en-GB" sz="1200" kern="1200" dirty="0" smtClean="0">
+                <a:solidFill>
+                  <a:schemeClr val="tx1"/>
+                </a:solidFill>
+                <a:effectLst/>
+                <a:latin typeface="+mn-lt"/>
+                <a:ea typeface="+mn-ea"/>
+                <a:cs typeface="+mn-cs"/>
+              </a:rPr>
+              <a:t>decide </a:t>
+            </a:r>
+            <a:r>
+              <a:rPr lang="en-GB" sz="1200" b="1" kern="1200" dirty="0" smtClean="0">
+                <a:solidFill>
+                  <a:schemeClr val="tx1"/>
+                </a:solidFill>
+                <a:effectLst/>
+                <a:latin typeface="+mn-lt"/>
+                <a:ea typeface="+mn-ea"/>
+                <a:cs typeface="+mn-cs"/>
+              </a:rPr>
+              <a:t>how readable and complex </a:t>
+            </a:r>
+            <a:r>
+              <a:rPr lang="en-GB" sz="1200" kern="1200" dirty="0" smtClean="0">
+                <a:solidFill>
+                  <a:schemeClr val="tx1"/>
+                </a:solidFill>
+                <a:effectLst/>
+                <a:latin typeface="+mn-lt"/>
+                <a:ea typeface="+mn-ea"/>
+                <a:cs typeface="+mn-cs"/>
+              </a:rPr>
+              <a:t>the code</a:t>
+            </a:r>
+            <a:r>
+              <a:rPr lang="en-GB" sz="1200" kern="1200" baseline="0" dirty="0" smtClean="0">
+                <a:solidFill>
+                  <a:schemeClr val="tx1"/>
+                </a:solidFill>
+                <a:effectLst/>
+                <a:latin typeface="+mn-lt"/>
+                <a:ea typeface="+mn-ea"/>
+                <a:cs typeface="+mn-cs"/>
+              </a:rPr>
+              <a:t>, is </a:t>
+            </a:r>
+            <a:r>
+              <a:rPr lang="en-GB" sz="1200" b="1" kern="1200" baseline="0" dirty="0" smtClean="0">
+                <a:solidFill>
+                  <a:schemeClr val="tx1"/>
+                </a:solidFill>
+                <a:effectLst/>
+                <a:latin typeface="+mn-lt"/>
+                <a:ea typeface="+mn-ea"/>
+                <a:cs typeface="+mn-cs"/>
+              </a:rPr>
+              <a:t>PEP8</a:t>
+            </a:r>
+            <a:r>
+              <a:rPr lang="en-GB" sz="1200" kern="1200" baseline="0" dirty="0" smtClean="0">
+                <a:solidFill>
+                  <a:schemeClr val="tx1"/>
+                </a:solidFill>
+                <a:effectLst/>
+                <a:latin typeface="+mn-lt"/>
+                <a:ea typeface="+mn-ea"/>
+                <a:cs typeface="+mn-cs"/>
+              </a:rPr>
+              <a:t> </a:t>
+            </a:r>
+            <a:r>
+              <a:rPr lang="en-GB" sz="1200" b="1" kern="1200" baseline="0" dirty="0" smtClean="0">
+                <a:solidFill>
+                  <a:schemeClr val="tx1"/>
+                </a:solidFill>
+                <a:effectLst/>
+                <a:latin typeface="+mn-lt"/>
+                <a:ea typeface="+mn-ea"/>
+                <a:cs typeface="+mn-cs"/>
+              </a:rPr>
+              <a:t>conform</a:t>
+            </a:r>
+            <a:r>
+              <a:rPr lang="en-GB" sz="1200" kern="1200" baseline="0" dirty="0" smtClean="0">
+                <a:solidFill>
+                  <a:schemeClr val="tx1"/>
+                </a:solidFill>
+                <a:effectLst/>
+                <a:latin typeface="+mn-lt"/>
+                <a:ea typeface="+mn-ea"/>
+                <a:cs typeface="+mn-cs"/>
+              </a:rPr>
+              <a:t> and shows </a:t>
+            </a:r>
+            <a:r>
+              <a:rPr lang="en-GB" sz="1200" b="1" kern="1200" baseline="0" dirty="0" smtClean="0">
+                <a:solidFill>
+                  <a:schemeClr val="tx1"/>
+                </a:solidFill>
+                <a:effectLst/>
+                <a:latin typeface="+mn-lt"/>
+                <a:ea typeface="+mn-ea"/>
+                <a:cs typeface="+mn-cs"/>
+              </a:rPr>
+              <a:t>test coverage</a:t>
+            </a:r>
+          </a:p>
+          <a:p>
+            <a:endParaRPr lang="en-GB" sz="1200" kern="1200" baseline="0" dirty="0" smtClean="0">
+              <a:solidFill>
+                <a:schemeClr val="tx1"/>
+              </a:solidFill>
+              <a:effectLst/>
+              <a:latin typeface="+mn-lt"/>
+              <a:ea typeface="+mn-ea"/>
+              <a:cs typeface="+mn-cs"/>
+            </a:endParaRPr>
+          </a:p>
+          <a:p>
+            <a:r>
+              <a:rPr lang="en-GB" sz="1200" u="none" kern="1200" baseline="0" dirty="0" err="1" smtClean="0">
+                <a:solidFill>
+                  <a:schemeClr val="tx1"/>
+                </a:solidFill>
+                <a:effectLst/>
+                <a:latin typeface="+mn-lt"/>
+                <a:ea typeface="+mn-ea"/>
+                <a:cs typeface="+mn-cs"/>
+              </a:rPr>
+              <a:t>codeclimate</a:t>
+            </a:r>
+            <a:r>
+              <a:rPr lang="en-GB" sz="1200" u="none" kern="1200" baseline="0" dirty="0" smtClean="0">
+                <a:solidFill>
+                  <a:schemeClr val="tx1"/>
+                </a:solidFill>
+                <a:effectLst/>
+                <a:latin typeface="+mn-lt"/>
+                <a:ea typeface="+mn-ea"/>
+                <a:cs typeface="+mn-cs"/>
+              </a:rPr>
+              <a:t> is </a:t>
+            </a:r>
+            <a:r>
+              <a:rPr lang="en-GB" sz="1200" b="1" u="none" kern="1200" baseline="0" dirty="0" smtClean="0">
+                <a:solidFill>
+                  <a:schemeClr val="tx1"/>
+                </a:solidFill>
+                <a:effectLst/>
+                <a:latin typeface="+mn-lt"/>
+                <a:ea typeface="+mn-ea"/>
+                <a:cs typeface="+mn-cs"/>
+              </a:rPr>
+              <a:t>optional</a:t>
+            </a:r>
+            <a:r>
+              <a:rPr lang="en-GB" sz="1200" u="none" kern="1200" baseline="0" dirty="0" smtClean="0">
+                <a:solidFill>
+                  <a:schemeClr val="tx1"/>
+                </a:solidFill>
+                <a:effectLst/>
+                <a:latin typeface="+mn-lt"/>
+                <a:ea typeface="+mn-ea"/>
+                <a:cs typeface="+mn-cs"/>
+              </a:rPr>
+              <a:t> because we hadn’t time to clean up some code passages (like labeller)</a:t>
+            </a:r>
+            <a:endParaRPr lang="en-US" u="none" dirty="0"/>
           </a:p>
         </p:txBody>
       </p:sp>
@@ -2707,7 +2870,7 @@
     </p:spTree>
     <p:extLst>
       <p:ext uri="{BB962C8B-B14F-4D97-AF65-F5344CB8AC3E}">
-        <p14:creationId xmlns:p14="http://schemas.microsoft.com/office/powerpoint/2010/main" val="2395641077"/>
+        <p14:creationId xmlns:p14="http://schemas.microsoft.com/office/powerpoint/2010/main" val="2605662189"/>
       </p:ext>
     </p:extLst>
   </p:cSld>
@@ -8576,6 +8739,89 @@
 </p:sld>
 </file>
 
+<file path=ppt/slides/slide10.xml><?xml version="1.0" encoding="utf-8"?>
+<p:sld xmlns:a="http://schemas.openxmlformats.org/drawingml/2006/main" xmlns:r="http://schemas.openxmlformats.org/officeDocument/2006/relationships" xmlns:p="http://schemas.openxmlformats.org/presentationml/2006/main">
+  <p:cSld>
+    <p:spTree>
+      <p:nvGrpSpPr>
+        <p:cNvPr id="1" name=""/>
+        <p:cNvGrpSpPr/>
+        <p:nvPr/>
+      </p:nvGrpSpPr>
+      <p:grpSpPr>
+        <a:xfrm>
+          <a:off x="0" y="0"/>
+          <a:ext cx="0" cy="0"/>
+          <a:chOff x="0" y="0"/>
+          <a:chExt cx="0" cy="0"/>
+        </a:xfrm>
+      </p:grpSpPr>
+      <p:sp>
+        <p:nvSpPr>
+          <p:cNvPr id="2" name="Foliennummernplatzhalter 1"/>
+          <p:cNvSpPr>
+            <a:spLocks noGrp="1"/>
+          </p:cNvSpPr>
+          <p:nvPr>
+            <p:ph type="sldNum" sz="quarter" idx="12"/>
+          </p:nvPr>
+        </p:nvSpPr>
+        <p:spPr/>
+        <p:txBody>
+          <a:bodyPr/>
+          <a:lstStyle/>
+          <a:p>
+            <a:fld id="{B2B8E2CE-6496-419B-95CD-C2FA6B0E2BC0}" type="slidenum">
+              <a:rPr lang="en-US" smtClean="0"/>
+              <a:t>10</a:t>
+            </a:fld>
+            <a:endParaRPr lang="en-US" dirty="0"/>
+          </a:p>
+        </p:txBody>
+      </p:sp>
+      <p:pic>
+        <p:nvPicPr>
+          <p:cNvPr id="4" name="Grafik 3"/>
+          <p:cNvPicPr>
+            <a:picLocks noChangeAspect="1"/>
+          </p:cNvPicPr>
+          <p:nvPr/>
+        </p:nvPicPr>
+        <p:blipFill>
+          <a:blip r:embed="rId3" cstate="print">
+            <a:extLst>
+              <a:ext uri="{28A0092B-C50C-407E-A947-70E740481C1C}">
+                <a14:useLocalDpi xmlns:a14="http://schemas.microsoft.com/office/drawing/2010/main" val="0"/>
+              </a:ext>
+            </a:extLst>
+          </a:blip>
+          <a:stretch>
+            <a:fillRect/>
+          </a:stretch>
+        </p:blipFill>
+        <p:spPr>
+          <a:xfrm>
+            <a:off x="876383" y="444322"/>
+            <a:ext cx="7969213" cy="6014434"/>
+          </a:xfrm>
+          <a:prstGeom prst="rect">
+            <a:avLst/>
+          </a:prstGeom>
+        </p:spPr>
+      </p:pic>
+    </p:spTree>
+    <p:extLst>
+      <p:ext uri="{BB962C8B-B14F-4D97-AF65-F5344CB8AC3E}">
+        <p14:creationId xmlns:p14="http://schemas.microsoft.com/office/powerpoint/2010/main" val="3300859284"/>
+      </p:ext>
+    </p:extLst>
+  </p:cSld>
+  <p:clrMapOvr>
+    <a:masterClrMapping/>
+  </p:clrMapOvr>
+</p:sld>
+</file>
+
 <file path=ppt/slides/slide2.xml><?xml version="1.0" encoding="utf-8"?>
 <p:sld xmlns:a="http://schemas.openxmlformats.org/drawingml/2006/main" xmlns:r="http://schemas.openxmlformats.org/officeDocument/2006/relationships" xmlns:p="http://schemas.openxmlformats.org/presentationml/2006/main">
   <p:cSld>
@@ -8603,7 +8849,12 @@
             <p:ph type="title"/>
           </p:nvPr>
         </p:nvSpPr>
-        <p:spPr/>
+        <p:spPr>
+          <a:xfrm>
+            <a:off x="585049" y="194687"/>
+            <a:ext cx="8596668" cy="734461"/>
+          </a:xfrm>
+        </p:spPr>
         <p:txBody>
           <a:bodyPr/>
           <a:lstStyle/>
@@ -8633,130 +8884,6 @@
               <a:t> design</a:t>
             </a:r>
             <a:endParaRPr lang="en-US" dirty="0"/>
-          </a:p>
-        </p:txBody>
-      </p:sp>
-      <p:sp>
-        <p:nvSpPr>
-          <p:cNvPr id="3" name="Inhaltsplatzhalter 2"/>
-          <p:cNvSpPr>
-            <a:spLocks noGrp="1"/>
-          </p:cNvSpPr>
-          <p:nvPr>
-            <p:ph idx="1"/>
-          </p:nvPr>
-        </p:nvSpPr>
-        <p:spPr>
-          <a:xfrm>
-            <a:off x="677334" y="2297159"/>
-            <a:ext cx="7211072" cy="2309053"/>
-          </a:xfrm>
-        </p:spPr>
-        <p:txBody>
-          <a:bodyPr>
-            <a:normAutofit lnSpcReduction="10000"/>
-          </a:bodyPr>
-          <a:lstStyle/>
-          <a:p>
-            <a:pPr marL="0" indent="0">
-              <a:buNone/>
-            </a:pPr>
-            <a:r>
-              <a:rPr lang="de-DE" dirty="0" err="1" smtClean="0"/>
-              <a:t>We</a:t>
-            </a:r>
-            <a:r>
-              <a:rPr lang="de-DE" dirty="0" smtClean="0"/>
-              <a:t>…</a:t>
-            </a:r>
-          </a:p>
-          <a:p>
-            <a:r>
-              <a:rPr lang="de-DE" dirty="0" err="1" smtClean="0"/>
-              <a:t>didn‘t</a:t>
-            </a:r>
-            <a:r>
-              <a:rPr lang="de-DE" dirty="0" smtClean="0"/>
-              <a:t> </a:t>
-            </a:r>
-            <a:r>
-              <a:rPr lang="de-DE" dirty="0" err="1" smtClean="0"/>
-              <a:t>implemented</a:t>
-            </a:r>
-            <a:r>
-              <a:rPr lang="de-DE" dirty="0" smtClean="0"/>
-              <a:t> a </a:t>
-            </a:r>
-            <a:r>
-              <a:rPr lang="de-DE" dirty="0" err="1" smtClean="0"/>
-              <a:t>matrix</a:t>
-            </a:r>
-            <a:r>
-              <a:rPr lang="de-DE" dirty="0" smtClean="0"/>
-              <a:t> </a:t>
-            </a:r>
-            <a:r>
-              <a:rPr lang="de-DE" dirty="0" err="1" smtClean="0"/>
-              <a:t>class</a:t>
-            </a:r>
-            <a:endParaRPr lang="de-DE" dirty="0" smtClean="0"/>
-          </a:p>
-          <a:p>
-            <a:r>
-              <a:rPr lang="en-GB" dirty="0" smtClean="0"/>
-              <a:t>changed the </a:t>
-            </a:r>
-            <a:r>
-              <a:rPr lang="en-GB" dirty="0"/>
-              <a:t>command interface to an abstract class </a:t>
-            </a:r>
-            <a:endParaRPr lang="en-US" dirty="0"/>
-          </a:p>
-          <a:p>
-            <a:r>
-              <a:rPr lang="en-GB" dirty="0"/>
-              <a:t>l</a:t>
-            </a:r>
-            <a:r>
-              <a:rPr lang="en-GB" dirty="0" smtClean="0"/>
-              <a:t>et </a:t>
-            </a:r>
-            <a:r>
-              <a:rPr lang="en-GB" dirty="0"/>
-              <a:t>out the possibility to select a </a:t>
-            </a:r>
-            <a:r>
-              <a:rPr lang="en-GB" dirty="0" smtClean="0"/>
-              <a:t>density</a:t>
-            </a:r>
-          </a:p>
-          <a:p>
-            <a:r>
-              <a:rPr lang="en-US" dirty="0"/>
-              <a:t>added a help </a:t>
-            </a:r>
-            <a:r>
-              <a:rPr lang="en-US" dirty="0" smtClean="0"/>
-              <a:t>command</a:t>
-            </a:r>
-          </a:p>
-          <a:p>
-            <a:r>
-              <a:rPr lang="en-US" dirty="0"/>
-              <a:t>added a </a:t>
-            </a:r>
-            <a:r>
-              <a:rPr lang="en-US" dirty="0" err="1" smtClean="0"/>
-              <a:t>Ssget</a:t>
-            </a:r>
-            <a:r>
-              <a:rPr lang="en-US" dirty="0" smtClean="0"/>
-              <a:t> </a:t>
-            </a:r>
-            <a:r>
-              <a:rPr lang="en-US" dirty="0"/>
-              <a:t>command</a:t>
-            </a:r>
           </a:p>
         </p:txBody>
       </p:sp>
@@ -8783,6 +8910,36 @@
           </a:p>
         </p:txBody>
       </p:sp>
+      <p:pic>
+        <p:nvPicPr>
+          <p:cNvPr id="5" name="Grafik 4"/>
+          <p:cNvPicPr>
+            <a:picLocks noChangeAspect="1"/>
+          </p:cNvPicPr>
+          <p:nvPr/>
+        </p:nvPicPr>
+        <p:blipFill>
+          <a:blip r:embed="rId3">
+            <a:extLst>
+              <a:ext uri="{28A0092B-C50C-407E-A947-70E740481C1C}">
+                <a14:useLocalDpi xmlns:a14="http://schemas.microsoft.com/office/drawing/2010/main" val="0"/>
+              </a:ext>
+            </a:extLst>
+          </a:blip>
+          <a:stretch>
+            <a:fillRect/>
+          </a:stretch>
+        </p:blipFill>
+        <p:spPr>
+          <a:xfrm>
+            <a:off x="585049" y="1075729"/>
+            <a:ext cx="8688953" cy="5016303"/>
+          </a:xfrm>
+          <a:prstGeom prst="rect">
+            <a:avLst/>
+          </a:prstGeom>
+        </p:spPr>
+      </p:pic>
     </p:spTree>
     <p:extLst>
       <p:ext uri="{BB962C8B-B14F-4D97-AF65-F5344CB8AC3E}">
@@ -8830,54 +8987,19 @@
             <p:ph type="title"/>
           </p:nvPr>
         </p:nvSpPr>
-        <p:spPr/>
+        <p:spPr>
+          <a:xfrm>
+            <a:off x="585049" y="194687"/>
+            <a:ext cx="8596668" cy="734461"/>
+          </a:xfrm>
+        </p:spPr>
         <p:txBody>
           <a:bodyPr/>
           <a:lstStyle/>
           <a:p>
             <a:r>
               <a:rPr lang="de-DE" dirty="0" err="1" smtClean="0"/>
-              <a:t>What</a:t>
-            </a:r>
-            <a:r>
-              <a:rPr lang="de-DE" dirty="0" smtClean="0"/>
-              <a:t> was </a:t>
-            </a:r>
-            <a:r>
-              <a:rPr lang="de-DE" dirty="0" err="1" smtClean="0"/>
-              <a:t>implemented</a:t>
-            </a:r>
-            <a:r>
-              <a:rPr lang="de-DE" dirty="0" smtClean="0"/>
-              <a:t>?</a:t>
-            </a:r>
-            <a:endParaRPr lang="en-US" dirty="0"/>
-          </a:p>
-        </p:txBody>
-      </p:sp>
-      <p:sp>
-        <p:nvSpPr>
-          <p:cNvPr id="3" name="Inhaltsplatzhalter 2"/>
-          <p:cNvSpPr>
-            <a:spLocks noGrp="1"/>
-          </p:cNvSpPr>
-          <p:nvPr>
-            <p:ph idx="1"/>
-          </p:nvPr>
-        </p:nvSpPr>
-        <p:spPr/>
-        <p:txBody>
-          <a:bodyPr>
-            <a:normAutofit/>
-          </a:bodyPr>
-          <a:lstStyle/>
-          <a:p>
-            <a:pPr marL="0" indent="0">
-              <a:buNone/>
-            </a:pPr>
-            <a:r>
-              <a:rPr lang="de-DE" dirty="0" err="1" smtClean="0"/>
-              <a:t>Accomplished</a:t>
+              <a:t>Changes</a:t>
             </a:r>
             <a:r>
               <a:rPr lang="de-DE" dirty="0" smtClean="0"/>
@@ -8885,7 +9007,7 @@
             </a:r>
             <a:r>
               <a:rPr lang="de-DE" dirty="0" err="1" smtClean="0"/>
-              <a:t>as</a:t>
+              <a:t>of</a:t>
             </a:r>
             <a:r>
               <a:rPr lang="de-DE" dirty="0" smtClean="0"/>
@@ -8893,118 +9015,13 @@
             </a:r>
             <a:r>
               <a:rPr lang="de-DE" dirty="0" err="1" smtClean="0"/>
-              <a:t>far</a:t>
+              <a:t>the</a:t>
             </a:r>
             <a:r>
               <a:rPr lang="de-DE" dirty="0" smtClean="0"/>
-              <a:t> </a:t>
-            </a:r>
-            <a:r>
-              <a:rPr lang="de-DE" dirty="0" err="1" smtClean="0"/>
-              <a:t>as</a:t>
-            </a:r>
-            <a:r>
-              <a:rPr lang="de-DE" dirty="0" smtClean="0"/>
-              <a:t> </a:t>
-            </a:r>
-            <a:r>
-              <a:rPr lang="de-DE" dirty="0" err="1" smtClean="0"/>
-              <a:t>possible</a:t>
-            </a:r>
-            <a:r>
-              <a:rPr lang="de-DE" dirty="0" smtClean="0"/>
-              <a:t>:</a:t>
-            </a:r>
-          </a:p>
-          <a:p>
-            <a:pPr lvl="1"/>
-            <a:r>
-              <a:rPr lang="en-US" dirty="0" smtClean="0"/>
-              <a:t>cross-</a:t>
-            </a:r>
-            <a:r>
-              <a:rPr lang="en-US" dirty="0" err="1" smtClean="0"/>
-              <a:t>platformed</a:t>
-            </a:r>
-            <a:r>
-              <a:rPr lang="en-US" dirty="0" smtClean="0"/>
-              <a:t> compatibility</a:t>
-            </a:r>
-          </a:p>
-          <a:p>
-            <a:pPr lvl="1"/>
-            <a:r>
-              <a:rPr lang="de-DE" dirty="0" smtClean="0"/>
-              <a:t>Matrices </a:t>
-            </a:r>
-            <a:r>
-              <a:rPr lang="de-DE" dirty="0" err="1" smtClean="0"/>
-              <a:t>can</a:t>
-            </a:r>
-            <a:r>
-              <a:rPr lang="de-DE" dirty="0" smtClean="0"/>
-              <a:t> just </a:t>
-            </a:r>
-            <a:r>
-              <a:rPr lang="de-DE" dirty="0" err="1" smtClean="0"/>
-              <a:t>fetch</a:t>
-            </a:r>
-            <a:r>
-              <a:rPr lang="de-DE" dirty="0" smtClean="0"/>
-              <a:t> </a:t>
-            </a:r>
-            <a:r>
-              <a:rPr lang="de-DE" dirty="0" err="1" smtClean="0"/>
-              <a:t>and</a:t>
-            </a:r>
-            <a:r>
-              <a:rPr lang="de-DE" dirty="0" smtClean="0"/>
-              <a:t> </a:t>
-            </a:r>
-            <a:r>
-              <a:rPr lang="de-DE" dirty="0" err="1" smtClean="0"/>
-              <a:t>cut</a:t>
-            </a:r>
-            <a:r>
-              <a:rPr lang="de-DE" dirty="0" smtClean="0"/>
-              <a:t> </a:t>
-            </a:r>
-            <a:r>
-              <a:rPr lang="de-DE" dirty="0" err="1" smtClean="0"/>
-              <a:t>from</a:t>
-            </a:r>
-            <a:r>
-              <a:rPr lang="de-DE" dirty="0" smtClean="0"/>
-              <a:t> Suite </a:t>
-            </a:r>
-            <a:r>
-              <a:rPr lang="de-DE" dirty="0" err="1" smtClean="0"/>
-              <a:t>Sparse</a:t>
-            </a:r>
-            <a:r>
-              <a:rPr lang="de-DE" dirty="0" smtClean="0"/>
-              <a:t>, but not </a:t>
-            </a:r>
-            <a:r>
-              <a:rPr lang="de-DE" dirty="0" err="1" smtClean="0"/>
-              <a:t>generated</a:t>
-            </a:r>
-            <a:r>
-              <a:rPr lang="de-DE" dirty="0" smtClean="0"/>
-              <a:t> </a:t>
-            </a:r>
-            <a:endParaRPr lang="en-US" dirty="0" smtClean="0"/>
-          </a:p>
-          <a:p>
-            <a:pPr lvl="1"/>
-            <a:r>
-              <a:rPr lang="en-GB" dirty="0"/>
-              <a:t>let out the possibility to select a </a:t>
-            </a:r>
-            <a:r>
-              <a:rPr lang="en-GB" dirty="0" smtClean="0"/>
-              <a:t>density</a:t>
-            </a:r>
+              <a:t> design</a:t>
+            </a:r>
+            <a:endParaRPr lang="en-US" dirty="0"/>
           </a:p>
         </p:txBody>
       </p:sp>
@@ -9031,10 +9048,40 @@
           </a:p>
         </p:txBody>
       </p:sp>
+      <p:pic>
+        <p:nvPicPr>
+          <p:cNvPr id="6" name="Grafik 5"/>
+          <p:cNvPicPr>
+            <a:picLocks noChangeAspect="1"/>
+          </p:cNvPicPr>
+          <p:nvPr/>
+        </p:nvPicPr>
+        <p:blipFill>
+          <a:blip r:embed="rId3">
+            <a:extLst>
+              <a:ext uri="{28A0092B-C50C-407E-A947-70E740481C1C}">
+                <a14:useLocalDpi xmlns:a14="http://schemas.microsoft.com/office/drawing/2010/main" val="0"/>
+              </a:ext>
+            </a:extLst>
+          </a:blip>
+          <a:stretch>
+            <a:fillRect/>
+          </a:stretch>
+        </p:blipFill>
+        <p:spPr>
+          <a:xfrm>
+            <a:off x="818483" y="2008833"/>
+            <a:ext cx="8030550" cy="2895927"/>
+          </a:xfrm>
+          <a:prstGeom prst="rect">
+            <a:avLst/>
+          </a:prstGeom>
+        </p:spPr>
+      </p:pic>
     </p:spTree>
     <p:extLst>
       <p:ext uri="{BB962C8B-B14F-4D97-AF65-F5344CB8AC3E}">
-        <p14:creationId xmlns:p14="http://schemas.microsoft.com/office/powerpoint/2010/main" val="1132490294"/>
+        <p14:creationId xmlns:p14="http://schemas.microsoft.com/office/powerpoint/2010/main" val="797892570"/>
       </p:ext>
     </p:extLst>
   </p:cSld>
@@ -9084,19 +9131,19 @@
           <a:lstStyle/>
           <a:p>
             <a:r>
-              <a:rPr lang="de-DE" dirty="0" err="1"/>
+              <a:rPr lang="de-DE" dirty="0" err="1" smtClean="0"/>
               <a:t>What</a:t>
             </a:r>
             <a:r>
-              <a:rPr lang="de-DE" dirty="0"/>
+              <a:rPr lang="de-DE" dirty="0" smtClean="0"/>
               <a:t> was </a:t>
             </a:r>
             <a:r>
-              <a:rPr lang="de-DE" dirty="0" err="1"/>
+              <a:rPr lang="de-DE" dirty="0" err="1" smtClean="0"/>
               <a:t>implemented</a:t>
             </a:r>
             <a:r>
-              <a:rPr lang="de-DE" dirty="0"/>
+              <a:rPr lang="de-DE" dirty="0" smtClean="0"/>
               <a:t>?</a:t>
             </a:r>
             <a:endParaRPr lang="en-US" dirty="0"/>
@@ -9113,26 +9160,19 @@
             <p:ph idx="1"/>
           </p:nvPr>
         </p:nvSpPr>
-        <p:spPr>
-          <a:xfrm>
-            <a:off x="677334" y="1768704"/>
-            <a:ext cx="8596668" cy="3880773"/>
-          </a:xfrm>
-        </p:spPr>
-        <p:txBody>
-          <a:bodyPr/>
+        <p:spPr/>
+        <p:txBody>
+          <a:bodyPr>
+            <a:normAutofit/>
+          </a:bodyPr>
           <a:lstStyle/>
           <a:p>
             <a:pPr marL="0" indent="0">
               <a:buNone/>
             </a:pPr>
             <a:r>
-              <a:rPr lang="de-DE" dirty="0" smtClean="0"/>
-              <a:t>This optional </a:t>
-            </a:r>
-            <a:r>
               <a:rPr lang="de-DE" dirty="0" err="1" smtClean="0"/>
-              <a:t>requirements</a:t>
+              <a:t>Accomplished</a:t>
             </a:r>
             <a:r>
               <a:rPr lang="de-DE" dirty="0" smtClean="0"/>
@@ -9140,7 +9180,7 @@
             </a:r>
             <a:r>
               <a:rPr lang="de-DE" dirty="0" err="1" smtClean="0"/>
-              <a:t>were</a:t>
+              <a:t>as</a:t>
             </a:r>
             <a:r>
               <a:rPr lang="de-DE" dirty="0" smtClean="0"/>
@@ -9148,7 +9188,23 @@
             </a:r>
             <a:r>
               <a:rPr lang="de-DE" dirty="0" err="1" smtClean="0"/>
-              <a:t>implemented</a:t>
+              <a:t>far</a:t>
+            </a:r>
+            <a:r>
+              <a:rPr lang="de-DE" dirty="0" smtClean="0"/>
+              <a:t> </a:t>
+            </a:r>
+            <a:r>
+              <a:rPr lang="de-DE" dirty="0" err="1" smtClean="0"/>
+              <a:t>as</a:t>
+            </a:r>
+            <a:r>
+              <a:rPr lang="de-DE" dirty="0" smtClean="0"/>
+              <a:t> </a:t>
+            </a:r>
+            <a:r>
+              <a:rPr lang="de-DE" dirty="0" err="1" smtClean="0"/>
+              <a:t>possible</a:t>
             </a:r>
             <a:r>
               <a:rPr lang="de-DE" dirty="0" smtClean="0"/>
@@ -9158,116 +9214,92 @@
           <a:p>
             <a:pPr lvl="1"/>
             <a:r>
+              <a:rPr lang="en-US" dirty="0" smtClean="0"/>
+              <a:t>cross-</a:t>
+            </a:r>
+            <a:r>
+              <a:rPr lang="en-US" dirty="0" err="1" smtClean="0"/>
+              <a:t>platformed</a:t>
+            </a:r>
+            <a:r>
+              <a:rPr lang="en-US" dirty="0" smtClean="0"/>
+              <a:t> compatibility</a:t>
+            </a:r>
+          </a:p>
+          <a:p>
+            <a:pPr lvl="1"/>
+            <a:r>
+              <a:rPr lang="de-DE" dirty="0" smtClean="0"/>
+              <a:t>Matrices </a:t>
+            </a:r>
+            <a:r>
+              <a:rPr lang="de-DE" dirty="0" err="1" smtClean="0"/>
+              <a:t>can</a:t>
+            </a:r>
+            <a:r>
+              <a:rPr lang="de-DE" dirty="0" smtClean="0"/>
+              <a:t> just </a:t>
+            </a:r>
+            <a:r>
+              <a:rPr lang="de-DE" dirty="0" err="1" smtClean="0"/>
+              <a:t>fetch</a:t>
+            </a:r>
+            <a:r>
+              <a:rPr lang="de-DE" dirty="0" smtClean="0"/>
+              <a:t> </a:t>
+            </a:r>
+            <a:r>
+              <a:rPr lang="de-DE" dirty="0" err="1" smtClean="0"/>
+              <a:t>and</a:t>
+            </a:r>
+            <a:r>
+              <a:rPr lang="de-DE" dirty="0" smtClean="0"/>
+              <a:t> </a:t>
+            </a:r>
+            <a:r>
+              <a:rPr lang="de-DE" dirty="0" err="1" smtClean="0"/>
+              <a:t>cut</a:t>
+            </a:r>
+            <a:r>
+              <a:rPr lang="de-DE" dirty="0" smtClean="0"/>
+              <a:t> </a:t>
+            </a:r>
+            <a:r>
+              <a:rPr lang="de-DE" dirty="0" err="1" smtClean="0"/>
+              <a:t>from</a:t>
+            </a:r>
+            <a:r>
+              <a:rPr lang="de-DE" dirty="0" smtClean="0"/>
+              <a:t> Suite </a:t>
+            </a:r>
+            <a:r>
+              <a:rPr lang="de-DE" dirty="0" err="1" smtClean="0"/>
+              <a:t>Sparse</a:t>
+            </a:r>
+            <a:r>
+              <a:rPr lang="de-DE" dirty="0" smtClean="0"/>
+              <a:t>, but not </a:t>
+            </a:r>
+            <a:r>
+              <a:rPr lang="de-DE" dirty="0" err="1" smtClean="0"/>
+              <a:t>generated</a:t>
+            </a:r>
+            <a:r>
+              <a:rPr lang="de-DE" dirty="0" smtClean="0"/>
+              <a:t> </a:t>
+            </a:r>
+            <a:endParaRPr lang="en-US" dirty="0" smtClean="0"/>
+          </a:p>
+          <a:p>
+            <a:pPr lvl="1"/>
+            <a:r>
               <a:rPr lang="en-GB" dirty="0"/>
-              <a:t>The software </a:t>
+              <a:t>let out the possibility to select a </a:t>
             </a:r>
             <a:r>
               <a:rPr lang="en-GB" dirty="0" smtClean="0"/>
-              <a:t>is able </a:t>
-            </a:r>
-            <a:r>
-              <a:rPr lang="en-GB" dirty="0"/>
-              <a:t>to utilize </a:t>
-            </a:r>
-            <a:r>
-              <a:rPr lang="en-GB" u="sng" dirty="0"/>
-              <a:t>GPU</a:t>
-            </a:r>
-            <a:r>
-              <a:rPr lang="en-GB" dirty="0"/>
-              <a:t> accelerators for the training and prediction capabilities of the neural </a:t>
-            </a:r>
-            <a:r>
-              <a:rPr lang="en-GB" dirty="0" smtClean="0"/>
-              <a:t>network</a:t>
-            </a:r>
-          </a:p>
-          <a:p>
-            <a:pPr lvl="1"/>
-            <a:r>
-              <a:rPr lang="en-GB" dirty="0"/>
-              <a:t>The system just supports four instead of five iterative solver </a:t>
-            </a:r>
-            <a:r>
-              <a:rPr lang="en-GB" dirty="0" smtClean="0"/>
-              <a:t>algorithms</a:t>
-            </a:r>
-          </a:p>
-          <a:p>
-            <a:pPr lvl="1"/>
-            <a:endParaRPr lang="en-GB" dirty="0"/>
-          </a:p>
-          <a:p>
-            <a:pPr lvl="1"/>
-            <a:endParaRPr lang="de-DE" dirty="0"/>
-          </a:p>
-          <a:p>
-            <a:pPr marL="0" indent="0">
-              <a:buNone/>
-            </a:pPr>
-            <a:r>
-              <a:rPr lang="de-DE" dirty="0" smtClean="0"/>
-              <a:t>This optional </a:t>
-            </a:r>
-            <a:r>
-              <a:rPr lang="de-DE" dirty="0" err="1"/>
-              <a:t>requirements</a:t>
-            </a:r>
-            <a:r>
-              <a:rPr lang="de-DE" dirty="0"/>
-              <a:t> </a:t>
-            </a:r>
-            <a:r>
-              <a:rPr lang="de-DE" dirty="0" err="1"/>
-              <a:t>were</a:t>
-            </a:r>
-            <a:r>
-              <a:rPr lang="de-DE" dirty="0"/>
-              <a:t> </a:t>
-            </a:r>
-            <a:r>
-              <a:rPr lang="de-DE" dirty="0" err="1" smtClean="0"/>
-              <a:t>dropped</a:t>
-            </a:r>
-            <a:r>
-              <a:rPr lang="de-DE" dirty="0" smtClean="0"/>
-              <a:t>:</a:t>
-            </a:r>
-          </a:p>
-          <a:p>
-            <a:pPr lvl="1"/>
-            <a:r>
-              <a:rPr lang="en-GB" dirty="0"/>
-              <a:t>A web interface to the software </a:t>
-            </a:r>
-            <a:endParaRPr lang="en-GB" dirty="0" smtClean="0"/>
-          </a:p>
-          <a:p>
-            <a:pPr lvl="1"/>
-            <a:r>
-              <a:rPr lang="en-GB" dirty="0" smtClean="0"/>
-              <a:t>Scalability </a:t>
-            </a:r>
-            <a:r>
-              <a:rPr lang="en-GB" dirty="0"/>
-              <a:t>of the workflow including matrix generation, training, prediction in that multiple processors may be used in parallel</a:t>
-            </a:r>
-            <a:r>
-              <a:rPr lang="en-GB" dirty="0" smtClean="0"/>
-              <a:t>.</a:t>
-            </a:r>
-          </a:p>
-          <a:p>
-            <a:pPr marL="457200" lvl="1" indent="0">
-              <a:buNone/>
-            </a:pPr>
-            <a:endParaRPr lang="en-GB" dirty="0"/>
-          </a:p>
-          <a:p>
-            <a:pPr marL="457200" lvl="1" indent="0">
-              <a:buNone/>
-            </a:pPr>
-            <a:endParaRPr lang="de-DE" dirty="0" smtClean="0"/>
+              <a:t>density</a:t>
+            </a:r>
           </a:p>
         </p:txBody>
       </p:sp>
@@ -9297,7 +9329,7 @@
     </p:spTree>
     <p:extLst>
       <p:ext uri="{BB962C8B-B14F-4D97-AF65-F5344CB8AC3E}">
-        <p14:creationId xmlns:p14="http://schemas.microsoft.com/office/powerpoint/2010/main" val="3291518791"/>
+        <p14:creationId xmlns:p14="http://schemas.microsoft.com/office/powerpoint/2010/main" val="1132490294"/>
       </p:ext>
     </p:extLst>
   </p:cSld>
@@ -9341,6 +9373,269 @@
             <p:ph type="title"/>
           </p:nvPr>
         </p:nvSpPr>
+        <p:spPr/>
+        <p:txBody>
+          <a:bodyPr/>
+          <a:lstStyle/>
+          <a:p>
+            <a:r>
+              <a:rPr lang="de-DE" dirty="0" err="1"/>
+              <a:t>What</a:t>
+            </a:r>
+            <a:r>
+              <a:rPr lang="de-DE" dirty="0"/>
+              <a:t> was </a:t>
+            </a:r>
+            <a:r>
+              <a:rPr lang="de-DE" dirty="0" err="1"/>
+              <a:t>implemented</a:t>
+            </a:r>
+            <a:r>
+              <a:rPr lang="de-DE" dirty="0"/>
+              <a:t>?</a:t>
+            </a:r>
+            <a:endParaRPr lang="en-US" dirty="0"/>
+          </a:p>
+        </p:txBody>
+      </p:sp>
+      <p:sp>
+        <p:nvSpPr>
+          <p:cNvPr id="3" name="Inhaltsplatzhalter 2"/>
+          <p:cNvSpPr>
+            <a:spLocks noGrp="1"/>
+          </p:cNvSpPr>
+          <p:nvPr>
+            <p:ph idx="1"/>
+          </p:nvPr>
+        </p:nvSpPr>
+        <p:spPr>
+          <a:xfrm>
+            <a:off x="677334" y="1768704"/>
+            <a:ext cx="8596668" cy="3880773"/>
+          </a:xfrm>
+        </p:spPr>
+        <p:txBody>
+          <a:bodyPr/>
+          <a:lstStyle/>
+          <a:p>
+            <a:pPr marL="0" indent="0">
+              <a:buNone/>
+            </a:pPr>
+            <a:r>
+              <a:rPr lang="de-DE" dirty="0" smtClean="0"/>
+              <a:t>This optional </a:t>
+            </a:r>
+            <a:r>
+              <a:rPr lang="de-DE" dirty="0" err="1" smtClean="0"/>
+              <a:t>requirements</a:t>
+            </a:r>
+            <a:r>
+              <a:rPr lang="de-DE" dirty="0" smtClean="0"/>
+              <a:t> </a:t>
+            </a:r>
+            <a:r>
+              <a:rPr lang="de-DE" dirty="0" err="1" smtClean="0"/>
+              <a:t>were</a:t>
+            </a:r>
+            <a:r>
+              <a:rPr lang="de-DE" dirty="0" smtClean="0"/>
+              <a:t> </a:t>
+            </a:r>
+            <a:r>
+              <a:rPr lang="de-DE" dirty="0" err="1" smtClean="0"/>
+              <a:t>implemented</a:t>
+            </a:r>
+            <a:r>
+              <a:rPr lang="de-DE" dirty="0" smtClean="0"/>
+              <a:t>:</a:t>
+            </a:r>
+          </a:p>
+          <a:p>
+            <a:pPr lvl="1"/>
+            <a:r>
+              <a:rPr lang="en-GB" dirty="0"/>
+              <a:t>The software </a:t>
+            </a:r>
+            <a:r>
+              <a:rPr lang="en-GB" dirty="0" smtClean="0"/>
+              <a:t>is able </a:t>
+            </a:r>
+            <a:r>
+              <a:rPr lang="en-GB" dirty="0"/>
+              <a:t>to utilize </a:t>
+            </a:r>
+            <a:r>
+              <a:rPr lang="en-GB" u="sng" dirty="0"/>
+              <a:t>GPU</a:t>
+            </a:r>
+            <a:r>
+              <a:rPr lang="en-GB" dirty="0"/>
+              <a:t> accelerators for the training and prediction capabilities of the neural </a:t>
+            </a:r>
+            <a:r>
+              <a:rPr lang="en-GB" dirty="0" smtClean="0"/>
+              <a:t>network</a:t>
+            </a:r>
+          </a:p>
+          <a:p>
+            <a:pPr lvl="1"/>
+            <a:r>
+              <a:rPr lang="en-GB" dirty="0"/>
+              <a:t>The system just supports four instead of five iterative solver </a:t>
+            </a:r>
+            <a:r>
+              <a:rPr lang="en-GB" dirty="0" smtClean="0"/>
+              <a:t>algorithms</a:t>
+            </a:r>
+          </a:p>
+          <a:p>
+            <a:pPr lvl="1"/>
+            <a:endParaRPr lang="en-GB" dirty="0"/>
+          </a:p>
+          <a:p>
+            <a:pPr lvl="1"/>
+            <a:endParaRPr lang="de-DE" dirty="0"/>
+          </a:p>
+          <a:p>
+            <a:pPr marL="0" indent="0">
+              <a:buNone/>
+            </a:pPr>
+            <a:r>
+              <a:rPr lang="de-DE" dirty="0" smtClean="0"/>
+              <a:t>This optional </a:t>
+            </a:r>
+            <a:r>
+              <a:rPr lang="de-DE" dirty="0" err="1"/>
+              <a:t>requirements</a:t>
+            </a:r>
+            <a:r>
+              <a:rPr lang="de-DE" dirty="0"/>
+              <a:t> </a:t>
+            </a:r>
+            <a:r>
+              <a:rPr lang="de-DE" dirty="0" err="1"/>
+              <a:t>were</a:t>
+            </a:r>
+            <a:r>
+              <a:rPr lang="de-DE" dirty="0"/>
+              <a:t> </a:t>
+            </a:r>
+            <a:r>
+              <a:rPr lang="de-DE" dirty="0" err="1" smtClean="0"/>
+              <a:t>dropped</a:t>
+            </a:r>
+            <a:r>
+              <a:rPr lang="de-DE" dirty="0" smtClean="0"/>
+              <a:t>:</a:t>
+            </a:r>
+          </a:p>
+          <a:p>
+            <a:pPr lvl="1"/>
+            <a:r>
+              <a:rPr lang="en-GB" dirty="0"/>
+              <a:t>A web interface to the software </a:t>
+            </a:r>
+            <a:endParaRPr lang="en-GB" dirty="0" smtClean="0"/>
+          </a:p>
+          <a:p>
+            <a:pPr lvl="1"/>
+            <a:r>
+              <a:rPr lang="en-GB" dirty="0" smtClean="0"/>
+              <a:t>Scalability </a:t>
+            </a:r>
+            <a:r>
+              <a:rPr lang="en-GB" dirty="0"/>
+              <a:t>of the workflow including matrix generation, training, prediction in that multiple processors may be used in parallel</a:t>
+            </a:r>
+            <a:r>
+              <a:rPr lang="en-GB" dirty="0" smtClean="0"/>
+              <a:t>.</a:t>
+            </a:r>
+          </a:p>
+          <a:p>
+            <a:pPr marL="457200" lvl="1" indent="0">
+              <a:buNone/>
+            </a:pPr>
+            <a:endParaRPr lang="en-GB" dirty="0"/>
+          </a:p>
+          <a:p>
+            <a:pPr marL="457200" lvl="1" indent="0">
+              <a:buNone/>
+            </a:pPr>
+            <a:endParaRPr lang="de-DE" dirty="0" smtClean="0"/>
+          </a:p>
+        </p:txBody>
+      </p:sp>
+      <p:sp>
+        <p:nvSpPr>
+          <p:cNvPr id="4" name="Foliennummernplatzhalter 3"/>
+          <p:cNvSpPr>
+            <a:spLocks noGrp="1"/>
+          </p:cNvSpPr>
+          <p:nvPr>
+            <p:ph type="sldNum" sz="quarter" idx="12"/>
+          </p:nvPr>
+        </p:nvSpPr>
+        <p:spPr/>
+        <p:txBody>
+          <a:bodyPr/>
+          <a:lstStyle/>
+          <a:p>
+            <a:fld id="{B2B8E2CE-6496-419B-95CD-C2FA6B0E2BC0}" type="slidenum">
+              <a:rPr lang="en-US" smtClean="0"/>
+              <a:t>5</a:t>
+            </a:fld>
+            <a:endParaRPr lang="en-US" dirty="0"/>
+          </a:p>
+        </p:txBody>
+      </p:sp>
+    </p:spTree>
+    <p:extLst>
+      <p:ext uri="{BB962C8B-B14F-4D97-AF65-F5344CB8AC3E}">
+        <p14:creationId xmlns:p14="http://schemas.microsoft.com/office/powerpoint/2010/main" val="3291518791"/>
+      </p:ext>
+    </p:extLst>
+  </p:cSld>
+  <p:clrMapOvr>
+    <a:masterClrMapping/>
+  </p:clrMapOvr>
+  <p:timing>
+    <p:tnLst>
+      <p:par>
+        <p:cTn id="1" dur="indefinite" restart="never" nodeType="tmRoot"/>
+      </p:par>
+    </p:tnLst>
+  </p:timing>
+</p:sld>
+</file>
+
+<file path=ppt/slides/slide6.xml><?xml version="1.0" encoding="utf-8"?>
+<p:sld xmlns:a="http://schemas.openxmlformats.org/drawingml/2006/main" xmlns:r="http://schemas.openxmlformats.org/officeDocument/2006/relationships" xmlns:p="http://schemas.openxmlformats.org/presentationml/2006/main">
+  <p:cSld>
+    <p:spTree>
+      <p:nvGrpSpPr>
+        <p:cNvPr id="1" name=""/>
+        <p:cNvGrpSpPr/>
+        <p:nvPr/>
+      </p:nvGrpSpPr>
+      <p:grpSpPr>
+        <a:xfrm>
+          <a:off x="0" y="0"/>
+          <a:ext cx="0" cy="0"/>
+          <a:chOff x="0" y="0"/>
+          <a:chExt cx="0" cy="0"/>
+        </a:xfrm>
+      </p:grpSpPr>
+      <p:sp>
+        <p:nvSpPr>
+          <p:cNvPr id="2" name="Titel 1"/>
+          <p:cNvSpPr>
+            <a:spLocks noGrp="1"/>
+          </p:cNvSpPr>
+          <p:nvPr>
+            <p:ph type="title"/>
+          </p:nvPr>
+        </p:nvSpPr>
         <p:spPr>
           <a:xfrm>
             <a:off x="677334" y="288878"/>
@@ -9380,7 +9675,7 @@
           <a:p>
             <a:fld id="{B2B8E2CE-6496-419B-95CD-C2FA6B0E2BC0}" type="slidenum">
               <a:rPr lang="en-US" smtClean="0"/>
-              <a:t>5</a:t>
+              <a:t>6</a:t>
             </a:fld>
             <a:endParaRPr lang="en-US" dirty="0"/>
           </a:p>
@@ -9436,272 +9731,6 @@
 </p:sld>
 </file>
 
-<file path=ppt/slides/slide6.xml><?xml version="1.0" encoding="utf-8"?>
-<p:sld xmlns:a="http://schemas.openxmlformats.org/drawingml/2006/main" xmlns:r="http://schemas.openxmlformats.org/officeDocument/2006/relationships" xmlns:p="http://schemas.openxmlformats.org/presentationml/2006/main">
-  <p:cSld>
-    <p:spTree>
-      <p:nvGrpSpPr>
-        <p:cNvPr id="1" name=""/>
-        <p:cNvGrpSpPr/>
-        <p:nvPr/>
-      </p:nvGrpSpPr>
-      <p:grpSpPr>
-        <a:xfrm>
-          <a:off x="0" y="0"/>
-          <a:ext cx="0" cy="0"/>
-          <a:chOff x="0" y="0"/>
-          <a:chExt cx="0" cy="0"/>
-        </a:xfrm>
-      </p:grpSpPr>
-      <p:sp>
-        <p:nvSpPr>
-          <p:cNvPr id="2" name="Titel 1"/>
-          <p:cNvSpPr>
-            <a:spLocks noGrp="1"/>
-          </p:cNvSpPr>
-          <p:nvPr>
-            <p:ph type="title"/>
-          </p:nvPr>
-        </p:nvSpPr>
-        <p:spPr/>
-        <p:txBody>
-          <a:bodyPr/>
-          <a:lstStyle/>
-          <a:p>
-            <a:r>
-              <a:rPr lang="de-DE" dirty="0" smtClean="0"/>
-              <a:t>Delays </a:t>
-            </a:r>
-            <a:r>
-              <a:rPr lang="de-DE" dirty="0" err="1" smtClean="0"/>
-              <a:t>and</a:t>
-            </a:r>
-            <a:r>
-              <a:rPr lang="de-DE" dirty="0" smtClean="0"/>
-              <a:t> </a:t>
-            </a:r>
-            <a:r>
-              <a:rPr lang="de-DE" dirty="0" err="1" smtClean="0"/>
-              <a:t>problems</a:t>
-            </a:r>
-            <a:endParaRPr lang="en-US" dirty="0"/>
-          </a:p>
-        </p:txBody>
-      </p:sp>
-      <p:sp>
-        <p:nvSpPr>
-          <p:cNvPr id="3" name="Inhaltsplatzhalter 2"/>
-          <p:cNvSpPr>
-            <a:spLocks noGrp="1"/>
-          </p:cNvSpPr>
-          <p:nvPr>
-            <p:ph idx="1"/>
-          </p:nvPr>
-        </p:nvSpPr>
-        <p:spPr/>
-        <p:txBody>
-          <a:bodyPr/>
-          <a:lstStyle/>
-          <a:p>
-            <a:pPr marL="0" indent="0">
-              <a:buNone/>
-            </a:pPr>
-            <a:r>
-              <a:rPr lang="de-DE" dirty="0" err="1" smtClean="0"/>
-              <a:t>Labeling</a:t>
-            </a:r>
-            <a:r>
-              <a:rPr lang="de-DE" dirty="0" smtClean="0"/>
-              <a:t> </a:t>
-            </a:r>
-            <a:r>
-              <a:rPr lang="de-DE" dirty="0" err="1" smtClean="0"/>
-              <a:t>module</a:t>
-            </a:r>
-            <a:r>
-              <a:rPr lang="de-DE" dirty="0" smtClean="0"/>
-              <a:t>:</a:t>
-            </a:r>
-          </a:p>
-          <a:p>
-            <a:r>
-              <a:rPr lang="de-DE" dirty="0" smtClean="0"/>
-              <a:t>Little </a:t>
-            </a:r>
-            <a:r>
-              <a:rPr lang="de-DE" dirty="0" err="1" smtClean="0"/>
-              <a:t>documentation</a:t>
-            </a:r>
-            <a:r>
-              <a:rPr lang="de-DE" dirty="0" smtClean="0"/>
-              <a:t> </a:t>
-            </a:r>
-            <a:r>
-              <a:rPr lang="de-DE" dirty="0" err="1" smtClean="0"/>
-              <a:t>made</a:t>
-            </a:r>
-            <a:r>
-              <a:rPr lang="de-DE" dirty="0" smtClean="0"/>
-              <a:t> </a:t>
-            </a:r>
-            <a:r>
-              <a:rPr lang="de-DE" dirty="0" err="1" smtClean="0"/>
-              <a:t>it</a:t>
-            </a:r>
-            <a:r>
-              <a:rPr lang="de-DE" dirty="0" smtClean="0"/>
-              <a:t> </a:t>
-            </a:r>
-            <a:r>
-              <a:rPr lang="de-DE" dirty="0" err="1" smtClean="0"/>
-              <a:t>hard</a:t>
-            </a:r>
-            <a:r>
-              <a:rPr lang="de-DE" dirty="0" smtClean="0"/>
-              <a:t> </a:t>
-            </a:r>
-            <a:r>
-              <a:rPr lang="de-DE" dirty="0" err="1" smtClean="0"/>
-              <a:t>to</a:t>
-            </a:r>
-            <a:r>
-              <a:rPr lang="de-DE" dirty="0" smtClean="0"/>
-              <a:t> </a:t>
-            </a:r>
-            <a:r>
-              <a:rPr lang="de-DE" dirty="0" err="1" smtClean="0"/>
-              <a:t>use</a:t>
-            </a:r>
-            <a:r>
-              <a:rPr lang="de-DE" dirty="0" smtClean="0"/>
-              <a:t> Ginkgo</a:t>
-            </a:r>
-          </a:p>
-          <a:p>
-            <a:r>
-              <a:rPr lang="de-DE" dirty="0" err="1" smtClean="0"/>
-              <a:t>It</a:t>
-            </a:r>
-            <a:r>
-              <a:rPr lang="de-DE" dirty="0" smtClean="0"/>
-              <a:t> was </a:t>
-            </a:r>
-            <a:r>
-              <a:rPr lang="de-DE" dirty="0" err="1" smtClean="0"/>
-              <a:t>difficult</a:t>
-            </a:r>
-            <a:r>
-              <a:rPr lang="de-DE" dirty="0" smtClean="0"/>
-              <a:t> </a:t>
-            </a:r>
-            <a:r>
-              <a:rPr lang="de-DE" dirty="0" err="1" smtClean="0"/>
-              <a:t>integrating</a:t>
-            </a:r>
-            <a:r>
-              <a:rPr lang="de-DE" dirty="0" smtClean="0"/>
-              <a:t> C++</a:t>
-            </a:r>
-          </a:p>
-          <a:p>
-            <a:pPr marL="0" indent="0">
-              <a:buNone/>
-            </a:pPr>
-            <a:r>
-              <a:rPr lang="de-DE" dirty="0" smtClean="0"/>
-              <a:t>Training/</a:t>
-            </a:r>
-            <a:r>
-              <a:rPr lang="de-DE" dirty="0" err="1" smtClean="0"/>
-              <a:t>classify</a:t>
-            </a:r>
-            <a:r>
-              <a:rPr lang="de-DE" dirty="0" smtClean="0"/>
-              <a:t> </a:t>
-            </a:r>
-            <a:r>
-              <a:rPr lang="de-DE" dirty="0" err="1" smtClean="0"/>
-              <a:t>module</a:t>
-            </a:r>
-            <a:r>
-              <a:rPr lang="de-DE" dirty="0" smtClean="0"/>
-              <a:t>:</a:t>
-            </a:r>
-          </a:p>
-          <a:p>
-            <a:r>
-              <a:rPr lang="en-GB" dirty="0"/>
-              <a:t>D</a:t>
-            </a:r>
-            <a:r>
-              <a:rPr lang="en-GB" dirty="0" smtClean="0"/>
-              <a:t>elay </a:t>
-            </a:r>
-            <a:r>
-              <a:rPr lang="en-GB" dirty="0"/>
-              <a:t>in the implementation </a:t>
-            </a:r>
-            <a:r>
-              <a:rPr lang="en-GB" dirty="0" smtClean="0"/>
-              <a:t>of </a:t>
-            </a:r>
-            <a:r>
-              <a:rPr lang="en-GB" dirty="0"/>
-              <a:t>the training and classify </a:t>
-            </a:r>
-            <a:r>
-              <a:rPr lang="en-GB" dirty="0" smtClean="0"/>
-              <a:t>module, because of the labelling module</a:t>
-            </a:r>
-          </a:p>
-          <a:p>
-            <a:endParaRPr lang="en-US" dirty="0"/>
-          </a:p>
-        </p:txBody>
-      </p:sp>
-      <p:sp>
-        <p:nvSpPr>
-          <p:cNvPr id="4" name="Foliennummernplatzhalter 3"/>
-          <p:cNvSpPr>
-            <a:spLocks noGrp="1"/>
-          </p:cNvSpPr>
-          <p:nvPr>
-            <p:ph type="sldNum" sz="quarter" idx="12"/>
-          </p:nvPr>
-        </p:nvSpPr>
-        <p:spPr/>
-        <p:txBody>
-          <a:bodyPr/>
-          <a:lstStyle/>
-          <a:p>
-            <a:fld id="{B2B8E2CE-6496-419B-95CD-C2FA6B0E2BC0}" type="slidenum">
-              <a:rPr lang="en-US" smtClean="0"/>
-              <a:t>6</a:t>
-            </a:fld>
-            <a:endParaRPr lang="en-US" dirty="0"/>
-          </a:p>
-        </p:txBody>
-      </p:sp>
-    </p:spTree>
-    <p:extLst>
-      <p:ext uri="{BB962C8B-B14F-4D97-AF65-F5344CB8AC3E}">
-        <p14:creationId xmlns:p14="http://schemas.microsoft.com/office/powerpoint/2010/main" val="1899242632"/>
-      </p:ext>
-    </p:extLst>
-  </p:cSld>
-  <p:clrMapOvr>
-    <a:masterClrMapping/>
-  </p:clrMapOvr>
-  <p:timing>
-    <p:tnLst>
-      <p:par>
-        <p:cTn id="1" dur="indefinite" restart="never" nodeType="tmRoot"/>
-      </p:par>
-    </p:tnLst>
-  </p:timing>
-</p:sld>
-</file>
-
 <file path=ppt/slides/slide7.xml><?xml version="1.0" encoding="utf-8"?>
 <p:sld xmlns:a="http://schemas.openxmlformats.org/drawingml/2006/main" xmlns:r="http://schemas.openxmlformats.org/officeDocument/2006/relationships" xmlns:p="http://schemas.openxmlformats.org/presentationml/2006/main">
   <p:cSld>
@@ -9735,40 +9764,12 @@
           <a:lstStyle/>
           <a:p>
             <a:r>
+              <a:rPr lang="de-DE" dirty="0" smtClean="0"/>
+              <a:t>Delays </a:t>
+            </a:r>
+            <a:r>
               <a:rPr lang="de-DE" dirty="0" err="1" smtClean="0"/>
-              <a:t>Statistics</a:t>
-            </a:r>
-            <a:endParaRPr lang="en-US" dirty="0"/>
-          </a:p>
-        </p:txBody>
-      </p:sp>
-      <p:sp>
-        <p:nvSpPr>
-          <p:cNvPr id="3" name="Inhaltsplatzhalter 2"/>
-          <p:cNvSpPr>
-            <a:spLocks noGrp="1"/>
-          </p:cNvSpPr>
-          <p:nvPr>
-            <p:ph idx="1"/>
-          </p:nvPr>
-        </p:nvSpPr>
-        <p:spPr>
-          <a:xfrm>
-            <a:off x="571587" y="1569651"/>
-            <a:ext cx="8596668" cy="3880773"/>
-          </a:xfrm>
-        </p:spPr>
-        <p:txBody>
-          <a:bodyPr/>
-          <a:lstStyle/>
-          <a:p>
-            <a:r>
-              <a:rPr lang="de-DE" dirty="0" smtClean="0"/>
-              <a:t>Lines </a:t>
-            </a:r>
-            <a:r>
-              <a:rPr lang="de-DE" dirty="0" err="1" smtClean="0"/>
-              <a:t>of</a:t>
+              <a:t>and</a:t>
             </a:r>
             <a:r>
               <a:rPr lang="de-DE" dirty="0" smtClean="0"/>
@@ -9776,7 +9777,33 @@
             </a:r>
             <a:r>
               <a:rPr lang="de-DE" dirty="0" err="1" smtClean="0"/>
-              <a:t>python</a:t>
+              <a:t>problems</a:t>
+            </a:r>
+            <a:endParaRPr lang="en-US" dirty="0"/>
+          </a:p>
+        </p:txBody>
+      </p:sp>
+      <p:sp>
+        <p:nvSpPr>
+          <p:cNvPr id="3" name="Inhaltsplatzhalter 2"/>
+          <p:cNvSpPr>
+            <a:spLocks noGrp="1"/>
+          </p:cNvSpPr>
+          <p:nvPr>
+            <p:ph idx="1"/>
+          </p:nvPr>
+        </p:nvSpPr>
+        <p:spPr/>
+        <p:txBody>
+          <a:bodyPr/>
+          <a:lstStyle/>
+          <a:p>
+            <a:pPr marL="0" indent="0">
+              <a:buNone/>
+            </a:pPr>
+            <a:r>
+              <a:rPr lang="de-DE" dirty="0" err="1" smtClean="0"/>
+              <a:t>Labeling</a:t>
             </a:r>
             <a:r>
               <a:rPr lang="de-DE" dirty="0" smtClean="0"/>
@@ -9784,67 +9811,7 @@
             </a:r>
             <a:r>
               <a:rPr lang="de-DE" dirty="0" err="1" smtClean="0"/>
-              <a:t>code</a:t>
-            </a:r>
-            <a:r>
-              <a:rPr lang="de-DE" dirty="0" smtClean="0"/>
-              <a:t>: 1500</a:t>
-            </a:r>
-          </a:p>
-          <a:p>
-            <a:r>
-              <a:rPr lang="de-DE" dirty="0" smtClean="0"/>
-              <a:t>Lines </a:t>
-            </a:r>
-            <a:r>
-              <a:rPr lang="de-DE" dirty="0" err="1" smtClean="0"/>
-              <a:t>of</a:t>
-            </a:r>
-            <a:r>
-              <a:rPr lang="de-DE" dirty="0" smtClean="0"/>
-              <a:t> C++ </a:t>
-            </a:r>
-            <a:r>
-              <a:rPr lang="de-DE" dirty="0" err="1" smtClean="0"/>
-              <a:t>code</a:t>
-            </a:r>
-            <a:r>
-              <a:rPr lang="de-DE" dirty="0" smtClean="0"/>
-              <a:t>: 200</a:t>
-            </a:r>
-          </a:p>
-          <a:p>
-            <a:r>
-              <a:rPr lang="de-DE" dirty="0" err="1" smtClean="0"/>
-              <a:t>Commits</a:t>
-            </a:r>
-            <a:r>
-              <a:rPr lang="de-DE" dirty="0" smtClean="0"/>
-              <a:t>: 200</a:t>
-            </a:r>
-          </a:p>
-          <a:p>
-            <a:r>
-              <a:rPr lang="de-DE" dirty="0" smtClean="0"/>
-              <a:t>Test </a:t>
-            </a:r>
-            <a:r>
-              <a:rPr lang="de-DE" dirty="0" err="1" smtClean="0"/>
-              <a:t>coverage</a:t>
-            </a:r>
-            <a:r>
-              <a:rPr lang="de-DE" dirty="0" smtClean="0"/>
-              <a:t>: 80%</a:t>
-            </a:r>
-          </a:p>
-          <a:p>
-            <a:r>
-              <a:rPr lang="de-DE" dirty="0" smtClean="0"/>
-              <a:t>Work </a:t>
-            </a:r>
-            <a:r>
-              <a:rPr lang="de-DE" dirty="0" err="1" smtClean="0"/>
-              <a:t>splitting</a:t>
+              <a:t>module</a:t>
             </a:r>
             <a:r>
               <a:rPr lang="de-DE" dirty="0" smtClean="0"/>
@@ -9852,48 +9819,100 @@
             </a:r>
           </a:p>
           <a:p>
-            <a:pPr lvl="1"/>
+            <a:r>
+              <a:rPr lang="de-DE" dirty="0" smtClean="0"/>
+              <a:t>Little </a:t>
+            </a:r>
             <a:r>
               <a:rPr lang="de-DE" dirty="0" err="1" smtClean="0"/>
-              <a:t>Collector</a:t>
+              <a:t>documentation</a:t>
             </a:r>
             <a:r>
               <a:rPr lang="de-DE" dirty="0" smtClean="0"/>
-              <a:t>: Yannik </a:t>
+              <a:t> </a:t>
             </a:r>
             <a:r>
               <a:rPr lang="de-DE" dirty="0" err="1" smtClean="0"/>
-              <a:t>and</a:t>
+              <a:t>made</a:t>
             </a:r>
             <a:r>
               <a:rPr lang="de-DE" dirty="0" smtClean="0"/>
-              <a:t> Anna</a:t>
-            </a:r>
-          </a:p>
-          <a:p>
-            <a:pPr lvl="1"/>
+              <a:t> </a:t>
+            </a:r>
             <a:r>
               <a:rPr lang="de-DE" dirty="0" err="1" smtClean="0"/>
-              <a:t>Labeler</a:t>
+              <a:t>it</a:t>
             </a:r>
             <a:r>
               <a:rPr lang="de-DE" dirty="0" smtClean="0"/>
-              <a:t>: Dennis </a:t>
+              <a:t> </a:t>
             </a:r>
             <a:r>
               <a:rPr lang="de-DE" dirty="0" err="1" smtClean="0"/>
-              <a:t>and</a:t>
+              <a:t>hard</a:t>
             </a:r>
             <a:r>
               <a:rPr lang="de-DE" dirty="0" smtClean="0"/>
-              <a:t> Fabian</a:t>
-            </a:r>
-          </a:p>
-          <a:p>
-            <a:pPr lvl="1"/>
+              <a:t> </a:t>
+            </a:r>
+            <a:r>
+              <a:rPr lang="de-DE" dirty="0" err="1" smtClean="0"/>
+              <a:t>to</a:t>
+            </a:r>
             <a:r>
               <a:rPr lang="de-DE" dirty="0" smtClean="0"/>
-              <a:t>Training </a:t>
+              <a:t> </a:t>
+            </a:r>
+            <a:r>
+              <a:rPr lang="de-DE" dirty="0" err="1" smtClean="0"/>
+              <a:t>use</a:t>
+            </a:r>
+            <a:r>
+              <a:rPr lang="de-DE" dirty="0" smtClean="0"/>
+              <a:t> Ginkgo</a:t>
+            </a:r>
+          </a:p>
+          <a:p>
+            <a:r>
+              <a:rPr lang="de-DE" dirty="0" err="1" smtClean="0"/>
+              <a:t>It</a:t>
+            </a:r>
+            <a:r>
+              <a:rPr lang="de-DE" dirty="0" smtClean="0"/>
+              <a:t> was </a:t>
+            </a:r>
+            <a:r>
+              <a:rPr lang="de-DE" dirty="0" err="1" smtClean="0"/>
+              <a:t>difficult</a:t>
+            </a:r>
+            <a:r>
+              <a:rPr lang="de-DE" dirty="0" smtClean="0"/>
+              <a:t> </a:t>
+            </a:r>
+            <a:r>
+              <a:rPr lang="de-DE" dirty="0" err="1" smtClean="0"/>
+              <a:t>integrating</a:t>
+            </a:r>
+            <a:r>
+              <a:rPr lang="de-DE" dirty="0" smtClean="0"/>
+              <a:t> C++</a:t>
+            </a:r>
+          </a:p>
+          <a:p>
+            <a:pPr marL="0" indent="0">
+              <a:buNone/>
+            </a:pPr>
+            <a:r>
+              <a:rPr lang="de-DE" dirty="0" smtClean="0"/>
+              <a:t>Training/</a:t>
+            </a:r>
+            <a:r>
+              <a:rPr lang="de-DE" dirty="0" err="1" smtClean="0"/>
+              <a:t>classify</a:t>
+            </a:r>
+            <a:r>
+              <a:rPr lang="de-DE" dirty="0" smtClean="0"/>
+              <a:t> </a:t>
             </a:r>
             <a:r>
               <a:rPr lang="de-DE" dirty="0" err="1" smtClean="0"/>
@@ -9901,89 +9920,34 @@
             </a:r>
             <a:r>
               <a:rPr lang="de-DE" dirty="0" smtClean="0"/>
-              <a:t>, </a:t>
-            </a:r>
-            <a:r>
-              <a:rPr lang="de-DE" dirty="0" err="1" smtClean="0"/>
-              <a:t>Classifier</a:t>
-            </a:r>
-            <a:r>
-              <a:rPr lang="de-DE" dirty="0" smtClean="0"/>
-              <a:t>, Help </a:t>
-            </a:r>
-            <a:r>
-              <a:rPr lang="de-DE" dirty="0" err="1" smtClean="0"/>
-              <a:t>classes</a:t>
-            </a:r>
-            <a:r>
-              <a:rPr lang="de-DE" dirty="0" smtClean="0"/>
-              <a:t>: Yannick</a:t>
-            </a:r>
-          </a:p>
-          <a:p>
-            <a:pPr lvl="1"/>
-            <a:r>
-              <a:rPr lang="de-DE" dirty="0" smtClean="0"/>
-              <a:t>Command </a:t>
-            </a:r>
-            <a:r>
-              <a:rPr lang="de-DE" dirty="0" err="1" smtClean="0"/>
-              <a:t>parsing</a:t>
-            </a:r>
-            <a:r>
-              <a:rPr lang="de-DE" dirty="0" smtClean="0"/>
-              <a:t> </a:t>
-            </a:r>
-            <a:r>
-              <a:rPr lang="de-DE" dirty="0" err="1" smtClean="0"/>
-              <a:t>and</a:t>
-            </a:r>
-            <a:r>
-              <a:rPr lang="de-DE" dirty="0" smtClean="0"/>
-              <a:t> </a:t>
-            </a:r>
-            <a:r>
-              <a:rPr lang="de-DE" dirty="0" err="1" smtClean="0"/>
-              <a:t>output</a:t>
-            </a:r>
-            <a:r>
-              <a:rPr lang="de-DE" dirty="0" smtClean="0"/>
-              <a:t> </a:t>
-            </a:r>
-            <a:r>
-              <a:rPr lang="de-DE" dirty="0" err="1" smtClean="0"/>
-              <a:t>service</a:t>
-            </a:r>
-            <a:r>
-              <a:rPr lang="de-DE" dirty="0" smtClean="0"/>
-              <a:t> </a:t>
-            </a:r>
-            <a:r>
-              <a:rPr lang="de-DE" dirty="0" err="1" smtClean="0"/>
-              <a:t>module</a:t>
-            </a:r>
-            <a:r>
-              <a:rPr lang="de-DE" dirty="0" smtClean="0"/>
-              <a:t>: Simon</a:t>
-            </a:r>
-          </a:p>
-          <a:p>
-            <a:pPr lvl="1"/>
-            <a:r>
-              <a:rPr lang="de-DE" dirty="0" smtClean="0"/>
-              <a:t>Implementation </a:t>
-            </a:r>
-            <a:r>
-              <a:rPr lang="de-DE" dirty="0" err="1" smtClean="0"/>
-              <a:t>report</a:t>
-            </a:r>
-            <a:r>
-              <a:rPr lang="de-DE" dirty="0" smtClean="0"/>
-              <a:t>: Anna</a:t>
-            </a:r>
-          </a:p>
-          <a:p>
-            <a:endParaRPr lang="de-DE" dirty="0" smtClean="0"/>
+              <a:t>:</a:t>
+            </a:r>
+          </a:p>
+          <a:p>
+            <a:r>
+              <a:rPr lang="en-GB" dirty="0"/>
+              <a:t>D</a:t>
+            </a:r>
+            <a:r>
+              <a:rPr lang="en-GB" dirty="0" smtClean="0"/>
+              <a:t>elay </a:t>
+            </a:r>
+            <a:r>
+              <a:rPr lang="en-GB" dirty="0"/>
+              <a:t>in the implementation </a:t>
+            </a:r>
+            <a:r>
+              <a:rPr lang="en-GB" dirty="0" smtClean="0"/>
+              <a:t>of </a:t>
+            </a:r>
+            <a:r>
+              <a:rPr lang="en-GB" dirty="0"/>
+              <a:t>the training and classify </a:t>
+            </a:r>
+            <a:r>
+              <a:rPr lang="en-GB" dirty="0" smtClean="0"/>
+              <a:t>module, because of the labelling module</a:t>
+            </a:r>
           </a:p>
           <a:p>
             <a:endParaRPr lang="en-US" dirty="0"/>
@@ -10016,7 +9980,7 @@
     </p:spTree>
     <p:extLst>
       <p:ext uri="{BB962C8B-B14F-4D97-AF65-F5344CB8AC3E}">
-        <p14:creationId xmlns:p14="http://schemas.microsoft.com/office/powerpoint/2010/main" val="3891825787"/>
+        <p14:creationId xmlns:p14="http://schemas.microsoft.com/office/powerpoint/2010/main" val="1899242632"/>
       </p:ext>
     </p:extLst>
   </p:cSld>
@@ -10066,39 +10030,40 @@
           <a:lstStyle/>
           <a:p>
             <a:r>
+              <a:rPr lang="de-DE" dirty="0" err="1" smtClean="0"/>
+              <a:t>Statistics</a:t>
+            </a:r>
+            <a:endParaRPr lang="en-US" dirty="0"/>
+          </a:p>
+        </p:txBody>
+      </p:sp>
+      <p:sp>
+        <p:nvSpPr>
+          <p:cNvPr id="3" name="Inhaltsplatzhalter 2"/>
+          <p:cNvSpPr>
+            <a:spLocks noGrp="1"/>
+          </p:cNvSpPr>
+          <p:nvPr>
+            <p:ph idx="1"/>
+          </p:nvPr>
+        </p:nvSpPr>
+        <p:spPr>
+          <a:xfrm>
+            <a:off x="571587" y="1569651"/>
+            <a:ext cx="8596668" cy="3880773"/>
+          </a:xfrm>
+        </p:spPr>
+        <p:txBody>
+          <a:bodyPr/>
+          <a:lstStyle/>
+          <a:p>
+            <a:r>
               <a:rPr lang="de-DE" dirty="0" smtClean="0"/>
-              <a:t>Development </a:t>
+              <a:t>Lines </a:t>
             </a:r>
             <a:r>
               <a:rPr lang="de-DE" dirty="0" err="1" smtClean="0"/>
-              <a:t>model</a:t>
-            </a:r>
-            <a:endParaRPr lang="en-US" dirty="0"/>
-          </a:p>
-        </p:txBody>
-      </p:sp>
-      <p:sp>
-        <p:nvSpPr>
-          <p:cNvPr id="3" name="Inhaltsplatzhalter 2"/>
-          <p:cNvSpPr>
-            <a:spLocks noGrp="1"/>
-          </p:cNvSpPr>
-          <p:nvPr>
-            <p:ph idx="1"/>
-          </p:nvPr>
-        </p:nvSpPr>
-        <p:spPr/>
-        <p:txBody>
-          <a:bodyPr/>
-          <a:lstStyle/>
-          <a:p>
-            <a:r>
-              <a:rPr lang="de-DE" dirty="0" smtClean="0"/>
-              <a:t>Communication in </a:t>
-            </a:r>
-            <a:r>
-              <a:rPr lang="de-DE" dirty="0" err="1" smtClean="0"/>
-              <a:t>the</a:t>
+              <a:t>of</a:t>
             </a:r>
             <a:r>
               <a:rPr lang="de-DE" dirty="0" smtClean="0"/>
@@ -10106,15 +10071,7 @@
             </a:r>
             <a:r>
               <a:rPr lang="de-DE" dirty="0" err="1" smtClean="0"/>
-              <a:t>team</a:t>
-            </a:r>
-            <a:endParaRPr lang="de-DE" dirty="0" smtClean="0"/>
-          </a:p>
-          <a:p>
-            <a:pPr lvl="1"/>
-            <a:r>
-              <a:rPr lang="de-DE" dirty="0" err="1" smtClean="0"/>
-              <a:t>One</a:t>
+              <a:t>python</a:t>
             </a:r>
             <a:r>
               <a:rPr lang="de-DE" dirty="0" smtClean="0"/>
@@ -10122,7 +10079,151 @@
             </a:r>
             <a:r>
               <a:rPr lang="de-DE" dirty="0" err="1" smtClean="0"/>
-              <a:t>to</a:t>
+              <a:t>code</a:t>
+            </a:r>
+            <a:r>
+              <a:rPr lang="de-DE" dirty="0" smtClean="0"/>
+              <a:t>: 1500</a:t>
+            </a:r>
+          </a:p>
+          <a:p>
+            <a:r>
+              <a:rPr lang="de-DE" dirty="0" smtClean="0"/>
+              <a:t>Lines </a:t>
+            </a:r>
+            <a:r>
+              <a:rPr lang="de-DE" dirty="0" err="1" smtClean="0"/>
+              <a:t>of</a:t>
+            </a:r>
+            <a:r>
+              <a:rPr lang="de-DE" dirty="0" smtClean="0"/>
+              <a:t> C++ </a:t>
+            </a:r>
+            <a:r>
+              <a:rPr lang="de-DE" dirty="0" err="1" smtClean="0"/>
+              <a:t>code</a:t>
+            </a:r>
+            <a:r>
+              <a:rPr lang="de-DE" dirty="0" smtClean="0"/>
+              <a:t>: 200</a:t>
+            </a:r>
+          </a:p>
+          <a:p>
+            <a:r>
+              <a:rPr lang="de-DE" dirty="0" err="1" smtClean="0"/>
+              <a:t>Commits</a:t>
+            </a:r>
+            <a:r>
+              <a:rPr lang="de-DE" dirty="0" smtClean="0"/>
+              <a:t>: 200</a:t>
+            </a:r>
+          </a:p>
+          <a:p>
+            <a:r>
+              <a:rPr lang="de-DE" dirty="0" smtClean="0"/>
+              <a:t>Test </a:t>
+            </a:r>
+            <a:r>
+              <a:rPr lang="de-DE" dirty="0" err="1" smtClean="0"/>
+              <a:t>coverage</a:t>
+            </a:r>
+            <a:r>
+              <a:rPr lang="de-DE" dirty="0" smtClean="0"/>
+              <a:t>: 80%</a:t>
+            </a:r>
+          </a:p>
+          <a:p>
+            <a:r>
+              <a:rPr lang="de-DE" dirty="0" smtClean="0"/>
+              <a:t>Work </a:t>
+            </a:r>
+            <a:r>
+              <a:rPr lang="de-DE" dirty="0" err="1" smtClean="0"/>
+              <a:t>splitting</a:t>
+            </a:r>
+            <a:r>
+              <a:rPr lang="de-DE" dirty="0" smtClean="0"/>
+              <a:t>:</a:t>
+            </a:r>
+          </a:p>
+          <a:p>
+            <a:pPr lvl="1"/>
+            <a:r>
+              <a:rPr lang="de-DE" dirty="0" err="1" smtClean="0"/>
+              <a:t>Collector</a:t>
+            </a:r>
+            <a:r>
+              <a:rPr lang="de-DE" dirty="0" smtClean="0"/>
+              <a:t>: Yannik </a:t>
+            </a:r>
+            <a:r>
+              <a:rPr lang="de-DE" dirty="0" err="1" smtClean="0"/>
+              <a:t>and</a:t>
+            </a:r>
+            <a:r>
+              <a:rPr lang="de-DE" dirty="0" smtClean="0"/>
+              <a:t> Anna</a:t>
+            </a:r>
+          </a:p>
+          <a:p>
+            <a:pPr lvl="1"/>
+            <a:r>
+              <a:rPr lang="de-DE" dirty="0" err="1" smtClean="0"/>
+              <a:t>Labeler</a:t>
+            </a:r>
+            <a:r>
+              <a:rPr lang="de-DE" dirty="0" smtClean="0"/>
+              <a:t>: Dennis </a:t>
+            </a:r>
+            <a:r>
+              <a:rPr lang="de-DE" dirty="0" err="1" smtClean="0"/>
+              <a:t>and</a:t>
+            </a:r>
+            <a:r>
+              <a:rPr lang="de-DE" dirty="0" smtClean="0"/>
+              <a:t> Fabian</a:t>
+            </a:r>
+          </a:p>
+          <a:p>
+            <a:pPr lvl="1"/>
+            <a:r>
+              <a:rPr lang="de-DE" dirty="0" smtClean="0"/>
+              <a:t>Training </a:t>
+            </a:r>
+            <a:r>
+              <a:rPr lang="de-DE" dirty="0" err="1" smtClean="0"/>
+              <a:t>module</a:t>
+            </a:r>
+            <a:r>
+              <a:rPr lang="de-DE" dirty="0" smtClean="0"/>
+              <a:t>, </a:t>
+            </a:r>
+            <a:r>
+              <a:rPr lang="de-DE" dirty="0" err="1" smtClean="0"/>
+              <a:t>Classifier</a:t>
+            </a:r>
+            <a:r>
+              <a:rPr lang="de-DE" dirty="0" smtClean="0"/>
+              <a:t>, Help </a:t>
+            </a:r>
+            <a:r>
+              <a:rPr lang="de-DE" dirty="0" err="1" smtClean="0"/>
+              <a:t>classes</a:t>
+            </a:r>
+            <a:r>
+              <a:rPr lang="de-DE" dirty="0" smtClean="0"/>
+              <a:t>: Yannick</a:t>
+            </a:r>
+          </a:p>
+          <a:p>
+            <a:pPr lvl="1"/>
+            <a:r>
+              <a:rPr lang="de-DE" dirty="0" smtClean="0"/>
+              <a:t>Command </a:t>
+            </a:r>
+            <a:r>
+              <a:rPr lang="de-DE" dirty="0" err="1" smtClean="0"/>
+              <a:t>parsing</a:t>
             </a:r>
             <a:r>
               <a:rPr lang="de-DE" dirty="0" smtClean="0"/>
@@ -10130,7 +10231,7 @@
             </a:r>
             <a:r>
               <a:rPr lang="de-DE" dirty="0" err="1" smtClean="0"/>
-              <a:t>two</a:t>
+              <a:t>and</a:t>
             </a:r>
             <a:r>
               <a:rPr lang="de-DE" dirty="0" smtClean="0"/>
@@ -10138,40 +10239,15 @@
             </a:r>
             <a:r>
               <a:rPr lang="de-DE" dirty="0" err="1" smtClean="0"/>
-              <a:t>meetings</a:t>
-            </a:r>
-            <a:r>
-              <a:rPr lang="de-DE" dirty="0" smtClean="0"/>
-              <a:t> per </a:t>
-            </a:r>
-            <a:r>
-              <a:rPr lang="de-DE" dirty="0" err="1" smtClean="0"/>
-              <a:t>week</a:t>
+              <a:t>output</a:t>
             </a:r>
             <a:r>
               <a:rPr lang="de-DE" dirty="0" smtClean="0"/>
               <a:t> </a:t>
             </a:r>
-          </a:p>
-          <a:p>
-            <a:r>
-              <a:rPr lang="de-DE" dirty="0" smtClean="0"/>
-              <a:t>GIT:</a:t>
-            </a:r>
-          </a:p>
-          <a:p>
-            <a:pPr lvl="1"/>
             <a:r>
               <a:rPr lang="de-DE" dirty="0" err="1" smtClean="0"/>
-              <a:t>Merging</a:t>
-            </a:r>
-            <a:r>
-              <a:rPr lang="de-DE" dirty="0" smtClean="0"/>
-              <a:t> on </a:t>
-            </a:r>
-            <a:r>
-              <a:rPr lang="de-DE" dirty="0" err="1" smtClean="0"/>
-              <a:t>the</a:t>
+              <a:t>service</a:t>
             </a:r>
             <a:r>
               <a:rPr lang="de-DE" dirty="0" smtClean="0"/>
@@ -10179,102 +10255,32 @@
             </a:r>
             <a:r>
               <a:rPr lang="de-DE" dirty="0" err="1" smtClean="0"/>
-              <a:t>master</a:t>
+              <a:t>module</a:t>
             </a:r>
             <a:r>
               <a:rPr lang="de-DE" dirty="0" smtClean="0"/>
-              <a:t> was </a:t>
+              <a:t>: Simon</a:t>
+            </a:r>
+          </a:p>
+          <a:p>
+            <a:pPr lvl="1"/>
+            <a:r>
+              <a:rPr lang="de-DE" dirty="0" smtClean="0"/>
+              <a:t>Implementation </a:t>
             </a:r>
             <a:r>
               <a:rPr lang="de-DE" dirty="0" err="1" smtClean="0"/>
-              <a:t>destricted</a:t>
-            </a:r>
+              <a:t>report</a:t>
+            </a:r>
+            <a:r>
+              <a:rPr lang="de-DE" dirty="0" smtClean="0"/>
+              <a:t>: Anna</a:t>
+            </a:r>
+          </a:p>
+          <a:p>
             <a:endParaRPr lang="de-DE" dirty="0" smtClean="0"/>
           </a:p>
           <a:p>
-            <a:pPr lvl="2"/>
-            <a:r>
-              <a:rPr lang="de-DE" dirty="0" smtClean="0"/>
-              <a:t>Create a pull </a:t>
-            </a:r>
-            <a:r>
-              <a:rPr lang="de-DE" dirty="0" err="1" smtClean="0"/>
-              <a:t>request</a:t>
-            </a:r>
-            <a:r>
-              <a:rPr lang="de-DE" dirty="0" smtClean="0"/>
-              <a:t> </a:t>
-            </a:r>
-          </a:p>
-          <a:p>
-            <a:pPr lvl="2"/>
-            <a:r>
-              <a:rPr lang="en-US" dirty="0" smtClean="0"/>
-              <a:t>Colleagues </a:t>
-            </a:r>
-            <a:r>
-              <a:rPr lang="de-DE" dirty="0" err="1" smtClean="0"/>
-              <a:t>have</a:t>
-            </a:r>
-            <a:r>
-              <a:rPr lang="de-DE" dirty="0" smtClean="0"/>
-              <a:t> </a:t>
-            </a:r>
-            <a:r>
-              <a:rPr lang="de-DE" dirty="0" err="1" smtClean="0"/>
-              <a:t>to</a:t>
-            </a:r>
-            <a:r>
-              <a:rPr lang="de-DE" dirty="0" smtClean="0"/>
-              <a:t> </a:t>
-            </a:r>
-            <a:r>
-              <a:rPr lang="de-DE" dirty="0" err="1" smtClean="0"/>
-              <a:t>review</a:t>
-            </a:r>
-            <a:r>
-              <a:rPr lang="de-DE" dirty="0" smtClean="0"/>
-              <a:t> </a:t>
-            </a:r>
-            <a:r>
-              <a:rPr lang="de-DE" dirty="0" err="1" smtClean="0"/>
-              <a:t>the</a:t>
-            </a:r>
-            <a:r>
-              <a:rPr lang="de-DE" dirty="0" smtClean="0"/>
-              <a:t> </a:t>
-            </a:r>
-            <a:r>
-              <a:rPr lang="de-DE" dirty="0" err="1" smtClean="0"/>
-              <a:t>changes</a:t>
-            </a:r>
-            <a:endParaRPr lang="en-US" dirty="0"/>
-          </a:p>
-          <a:p>
-            <a:pPr lvl="1"/>
-            <a:r>
-              <a:rPr lang="de-DE" dirty="0" smtClean="0"/>
-              <a:t>Travis (</a:t>
-            </a:r>
-            <a:r>
-              <a:rPr lang="de-DE" dirty="0" err="1" smtClean="0"/>
-              <a:t>required</a:t>
-            </a:r>
-            <a:r>
-              <a:rPr lang="de-DE" dirty="0" smtClean="0"/>
-              <a:t>)</a:t>
-            </a:r>
-          </a:p>
-          <a:p>
-            <a:pPr lvl="1"/>
-            <a:r>
-              <a:rPr lang="de-DE" dirty="0" err="1" smtClean="0"/>
-              <a:t>CodeClimate</a:t>
-            </a:r>
-            <a:r>
-              <a:rPr lang="de-DE" dirty="0" smtClean="0"/>
-              <a:t> (optional)</a:t>
-            </a:r>
             <a:endParaRPr lang="en-US" dirty="0"/>
           </a:p>
         </p:txBody>
@@ -10305,7 +10311,7 @@
     </p:spTree>
     <p:extLst>
       <p:ext uri="{BB962C8B-B14F-4D97-AF65-F5344CB8AC3E}">
-        <p14:creationId xmlns:p14="http://schemas.microsoft.com/office/powerpoint/2010/main" val="3285310650"/>
+        <p14:creationId xmlns:p14="http://schemas.microsoft.com/office/powerpoint/2010/main" val="3891825787"/>
       </p:ext>
     </p:extLst>
   </p:cSld>
@@ -10341,7 +10347,236 @@
       </p:grpSpPr>
       <p:sp>
         <p:nvSpPr>
-          <p:cNvPr id="2" name="Foliennummernplatzhalter 1"/>
+          <p:cNvPr id="2" name="Titel 1"/>
+          <p:cNvSpPr>
+            <a:spLocks noGrp="1"/>
+          </p:cNvSpPr>
+          <p:nvPr>
+            <p:ph type="title"/>
+          </p:nvPr>
+        </p:nvSpPr>
+        <p:spPr/>
+        <p:txBody>
+          <a:bodyPr/>
+          <a:lstStyle/>
+          <a:p>
+            <a:r>
+              <a:rPr lang="de-DE" dirty="0" smtClean="0"/>
+              <a:t>Development </a:t>
+            </a:r>
+            <a:r>
+              <a:rPr lang="de-DE" dirty="0" err="1" smtClean="0"/>
+              <a:t>model</a:t>
+            </a:r>
+            <a:endParaRPr lang="en-US" dirty="0"/>
+          </a:p>
+        </p:txBody>
+      </p:sp>
+      <p:sp>
+        <p:nvSpPr>
+          <p:cNvPr id="3" name="Inhaltsplatzhalter 2"/>
+          <p:cNvSpPr>
+            <a:spLocks noGrp="1"/>
+          </p:cNvSpPr>
+          <p:nvPr>
+            <p:ph idx="1"/>
+          </p:nvPr>
+        </p:nvSpPr>
+        <p:spPr/>
+        <p:txBody>
+          <a:bodyPr/>
+          <a:lstStyle/>
+          <a:p>
+            <a:r>
+              <a:rPr lang="de-DE" dirty="0" smtClean="0"/>
+              <a:t>Communication in </a:t>
+            </a:r>
+            <a:r>
+              <a:rPr lang="de-DE" dirty="0" err="1" smtClean="0"/>
+              <a:t>the</a:t>
+            </a:r>
+            <a:r>
+              <a:rPr lang="de-DE" dirty="0" smtClean="0"/>
+              <a:t> </a:t>
+            </a:r>
+            <a:r>
+              <a:rPr lang="de-DE" dirty="0" err="1" smtClean="0"/>
+              <a:t>team</a:t>
+            </a:r>
+            <a:endParaRPr lang="de-DE" dirty="0" smtClean="0"/>
+          </a:p>
+          <a:p>
+            <a:pPr lvl="1"/>
+            <a:r>
+              <a:rPr lang="de-DE" dirty="0" err="1" smtClean="0"/>
+              <a:t>One</a:t>
+            </a:r>
+            <a:r>
+              <a:rPr lang="de-DE" dirty="0" smtClean="0"/>
+              <a:t> </a:t>
+            </a:r>
+            <a:r>
+              <a:rPr lang="de-DE" dirty="0" err="1" smtClean="0"/>
+              <a:t>to</a:t>
+            </a:r>
+            <a:r>
+              <a:rPr lang="de-DE" dirty="0" smtClean="0"/>
+              <a:t> </a:t>
+            </a:r>
+            <a:r>
+              <a:rPr lang="de-DE" dirty="0" err="1" smtClean="0"/>
+              <a:t>two</a:t>
+            </a:r>
+            <a:r>
+              <a:rPr lang="de-DE" dirty="0" smtClean="0"/>
+              <a:t> </a:t>
+            </a:r>
+            <a:r>
+              <a:rPr lang="de-DE" dirty="0" err="1" smtClean="0"/>
+              <a:t>meetings</a:t>
+            </a:r>
+            <a:r>
+              <a:rPr lang="de-DE" dirty="0" smtClean="0"/>
+              <a:t> per </a:t>
+            </a:r>
+            <a:r>
+              <a:rPr lang="de-DE" dirty="0" err="1" smtClean="0"/>
+              <a:t>week</a:t>
+            </a:r>
+            <a:r>
+              <a:rPr lang="de-DE" dirty="0" smtClean="0"/>
+              <a:t> </a:t>
+            </a:r>
+          </a:p>
+          <a:p>
+            <a:r>
+              <a:rPr lang="de-DE" dirty="0" smtClean="0"/>
+              <a:t>GIT:</a:t>
+            </a:r>
+          </a:p>
+          <a:p>
+            <a:pPr lvl="1"/>
+            <a:r>
+              <a:rPr lang="de-DE" dirty="0" err="1" smtClean="0"/>
+              <a:t>Merging</a:t>
+            </a:r>
+            <a:r>
+              <a:rPr lang="de-DE" dirty="0" smtClean="0"/>
+              <a:t> on </a:t>
+            </a:r>
+            <a:r>
+              <a:rPr lang="de-DE" dirty="0" err="1" smtClean="0"/>
+              <a:t>the</a:t>
+            </a:r>
+            <a:r>
+              <a:rPr lang="de-DE" dirty="0" smtClean="0"/>
+              <a:t> </a:t>
+            </a:r>
+            <a:r>
+              <a:rPr lang="de-DE" dirty="0" err="1" smtClean="0"/>
+              <a:t>master</a:t>
+            </a:r>
+            <a:r>
+              <a:rPr lang="de-DE" dirty="0" smtClean="0"/>
+              <a:t> was </a:t>
+            </a:r>
+            <a:r>
+              <a:rPr lang="de-DE" dirty="0" err="1" smtClean="0"/>
+              <a:t>destricted</a:t>
+            </a:r>
+            <a:endParaRPr lang="de-DE" dirty="0" smtClean="0"/>
+          </a:p>
+          <a:p>
+            <a:pPr lvl="2"/>
+            <a:r>
+              <a:rPr lang="de-DE" dirty="0" smtClean="0"/>
+              <a:t>Create a pull </a:t>
+            </a:r>
+            <a:r>
+              <a:rPr lang="de-DE" dirty="0" err="1" smtClean="0"/>
+              <a:t>request</a:t>
+            </a:r>
+            <a:r>
+              <a:rPr lang="de-DE" dirty="0" smtClean="0"/>
+              <a:t> </a:t>
+            </a:r>
+          </a:p>
+          <a:p>
+            <a:pPr lvl="2"/>
+            <a:r>
+              <a:rPr lang="en-US" dirty="0" smtClean="0"/>
+              <a:t>Colleagues </a:t>
+            </a:r>
+            <a:r>
+              <a:rPr lang="de-DE" dirty="0" err="1" smtClean="0"/>
+              <a:t>have</a:t>
+            </a:r>
+            <a:r>
+              <a:rPr lang="de-DE" dirty="0" smtClean="0"/>
+              <a:t> </a:t>
+            </a:r>
+            <a:r>
+              <a:rPr lang="de-DE" dirty="0" err="1" smtClean="0"/>
+              <a:t>to</a:t>
+            </a:r>
+            <a:r>
+              <a:rPr lang="de-DE" dirty="0" smtClean="0"/>
+              <a:t> </a:t>
+            </a:r>
+            <a:r>
+              <a:rPr lang="de-DE" dirty="0" err="1" smtClean="0"/>
+              <a:t>review</a:t>
+            </a:r>
+            <a:r>
+              <a:rPr lang="de-DE" dirty="0" smtClean="0"/>
+              <a:t> </a:t>
+            </a:r>
+            <a:r>
+              <a:rPr lang="de-DE" dirty="0" err="1" smtClean="0"/>
+              <a:t>the</a:t>
+            </a:r>
+            <a:r>
+              <a:rPr lang="de-DE" dirty="0" smtClean="0"/>
+              <a:t> </a:t>
+            </a:r>
+            <a:r>
+              <a:rPr lang="de-DE" dirty="0" err="1" smtClean="0"/>
+              <a:t>changes</a:t>
+            </a:r>
+            <a:endParaRPr lang="en-US" dirty="0"/>
+          </a:p>
+          <a:p>
+            <a:pPr lvl="1"/>
+            <a:r>
+              <a:rPr lang="de-DE" dirty="0" smtClean="0"/>
+              <a:t>Travis (</a:t>
+            </a:r>
+            <a:r>
+              <a:rPr lang="de-DE" dirty="0" err="1" smtClean="0"/>
+              <a:t>required</a:t>
+            </a:r>
+            <a:r>
+              <a:rPr lang="de-DE" dirty="0" smtClean="0"/>
+              <a:t>)</a:t>
+            </a:r>
+          </a:p>
+          <a:p>
+            <a:pPr lvl="1"/>
+            <a:r>
+              <a:rPr lang="de-DE" dirty="0" err="1" smtClean="0"/>
+              <a:t>CodeClimate</a:t>
+            </a:r>
+            <a:r>
+              <a:rPr lang="de-DE" dirty="0" smtClean="0"/>
+              <a:t> (optional)</a:t>
+            </a:r>
+            <a:endParaRPr lang="en-US" dirty="0"/>
+          </a:p>
+        </p:txBody>
+      </p:sp>
+      <p:sp>
+        <p:nvSpPr>
+          <p:cNvPr id="4" name="Foliennummernplatzhalter 3"/>
           <p:cNvSpPr>
             <a:spLocks noGrp="1"/>
           </p:cNvSpPr>
@@ -10362,46 +10597,23 @@
           </a:p>
         </p:txBody>
       </p:sp>
-      <p:pic>
-        <p:nvPicPr>
-          <p:cNvPr id="4" name="Grafik 3"/>
-          <p:cNvPicPr>
-            <a:picLocks noChangeAspect="1"/>
-          </p:cNvPicPr>
-          <p:nvPr/>
-        </p:nvPicPr>
-        <p:blipFill>
-          <a:blip r:embed="rId3" cstate="print">
-            <a:extLst>
-              <a:ext uri="{28A0092B-C50C-407E-A947-70E740481C1C}">
-                <a14:useLocalDpi xmlns:a14="http://schemas.microsoft.com/office/drawing/2010/main" val="0"/>
-              </a:ext>
-            </a:extLst>
-          </a:blip>
-          <a:stretch>
-            <a:fillRect/>
-          </a:stretch>
-        </p:blipFill>
-        <p:spPr>
-          <a:xfrm>
-            <a:off x="876383" y="444322"/>
-            <a:ext cx="7969213" cy="6014434"/>
-          </a:xfrm>
-          <a:prstGeom prst="rect">
-            <a:avLst/>
-          </a:prstGeom>
-        </p:spPr>
-      </p:pic>
     </p:spTree>
     <p:extLst>
       <p:ext uri="{BB962C8B-B14F-4D97-AF65-F5344CB8AC3E}">
-        <p14:creationId xmlns:p14="http://schemas.microsoft.com/office/powerpoint/2010/main" val="3300859284"/>
+        <p14:creationId xmlns:p14="http://schemas.microsoft.com/office/powerpoint/2010/main" val="3285310650"/>
       </p:ext>
     </p:extLst>
   </p:cSld>
   <p:clrMapOvr>
     <a:masterClrMapping/>
   </p:clrMapOvr>
+  <p:timing>
+    <p:tnLst>
+      <p:par>
+        <p:cTn id="1" dur="indefinite" restart="never" nodeType="tmRoot"/>
+      </p:par>
+    </p:tnLst>
+  </p:timing>
 </p:sld>
 </file>
 

--- a/Implementation Sheet/Impl_sheet_presentation.pptx
+++ b/Implementation Sheet/Impl_sheet_presentation.pptx
@@ -9050,7 +9050,7 @@
       </p:sp>
       <p:pic>
         <p:nvPicPr>
-          <p:cNvPr id="6" name="Grafik 5"/>
+          <p:cNvPr id="3" name="Grafik 2"/>
           <p:cNvPicPr>
             <a:picLocks noChangeAspect="1"/>
           </p:cNvPicPr>
@@ -9070,8 +9070,8 @@
         </p:blipFill>
         <p:spPr>
           <a:xfrm>
-            <a:off x="818483" y="2008833"/>
-            <a:ext cx="8030550" cy="2895927"/>
+            <a:off x="636059" y="2050985"/>
+            <a:ext cx="7954604" cy="2868540"/>
           </a:xfrm>
           <a:prstGeom prst="rect">
             <a:avLst/>

--- a/Implementation Sheet/Impl_sheet_presentation.pptx
+++ b/Implementation Sheet/Impl_sheet_presentation.pptx
@@ -947,7 +947,19 @@
                 <a:ea typeface="+mn-ea"/>
                 <a:cs typeface="+mn-cs"/>
               </a:rPr>
-              <a:t>, where all the </a:t>
+              <a:t>, where all </a:t>
+            </a:r>
+            <a:r>
+              <a:rPr lang="en-GB" sz="1200" kern="1200" dirty="0" smtClean="0">
+                <a:solidFill>
+                  <a:schemeClr val="tx1"/>
+                </a:solidFill>
+                <a:effectLst/>
+                <a:latin typeface="+mn-lt"/>
+                <a:ea typeface="+mn-ea"/>
+                <a:cs typeface="+mn-cs"/>
+              </a:rPr>
+              <a:t>the square </a:t>
             </a:r>
             <a:r>
               <a:rPr lang="en-GB" sz="1200" b="1" kern="1200" dirty="0" smtClean="0">
@@ -1170,12 +1182,8 @@
               <a:t> </a:t>
             </a:r>
             <a:r>
-              <a:rPr lang="de-DE" b="1" baseline="0" dirty="0" err="1" smtClean="0"/>
-              <a:t>by</a:t>
-            </a:r>
-            <a:r>
               <a:rPr lang="de-DE" b="1" baseline="0" dirty="0" smtClean="0"/>
-              <a:t> </a:t>
+              <a:t>on </a:t>
             </a:r>
             <a:r>
               <a:rPr lang="de-DE" b="1" baseline="0" dirty="0" err="1" smtClean="0"/>
@@ -1500,19 +1508,19 @@
               <a:t>-</a:t>
             </a:r>
             <a:r>
-              <a:rPr lang="de-DE" b="1" dirty="0" smtClean="0"/>
+              <a:rPr lang="de-DE" b="0" u="sng" dirty="0" smtClean="0"/>
               <a:t>Just </a:t>
             </a:r>
             <a:r>
-              <a:rPr lang="de-DE" b="1" dirty="0" err="1" smtClean="0"/>
+              <a:rPr lang="de-DE" b="0" u="sng" dirty="0" err="1" smtClean="0"/>
               <a:t>fetch</a:t>
             </a:r>
             <a:r>
-              <a:rPr lang="de-DE" b="1" dirty="0" smtClean="0"/>
+              <a:rPr lang="de-DE" b="0" u="sng" dirty="0" smtClean="0"/>
               <a:t>/</a:t>
             </a:r>
             <a:r>
-              <a:rPr lang="de-DE" b="1" dirty="0" err="1" smtClean="0"/>
+              <a:rPr lang="de-DE" b="0" u="sng" dirty="0" err="1" smtClean="0"/>
               <a:t>cut</a:t>
             </a:r>
             <a:r>
@@ -1661,15 +1669,15 @@
             </a:r>
             <a:r>
               <a:rPr lang="de-DE" b="1" baseline="0" dirty="0" smtClean="0"/>
-              <a:t> in </a:t>
+              <a:t> </a:t>
             </a:r>
             <a:r>
               <a:rPr lang="de-DE" b="1" baseline="0" dirty="0" err="1" smtClean="0"/>
-              <a:t>one</a:t>
+              <a:t>of</a:t>
             </a:r>
             <a:r>
               <a:rPr lang="de-DE" b="1" baseline="0" dirty="0" smtClean="0"/>
-              <a:t> </a:t>
+              <a:t> same </a:t>
             </a:r>
             <a:r>
               <a:rPr lang="de-DE" b="1" baseline="0" dirty="0" err="1" smtClean="0"/>
@@ -9793,7 +9801,12 @@
             <p:ph idx="1"/>
           </p:nvPr>
         </p:nvSpPr>
-        <p:spPr/>
+        <p:spPr>
+          <a:xfrm>
+            <a:off x="776860" y="1862009"/>
+            <a:ext cx="8596668" cy="3880773"/>
+          </a:xfrm>
+        </p:spPr>
         <p:txBody>
           <a:bodyPr/>
           <a:lstStyle/>
